--- a/Java21-Presentation.pptx
+++ b/Java21-Presentation.pptx
@@ -633,7 +633,7 @@
           <a:p>
             <a:fld id="{97338A82-0D20-3D4A-B4B7-58B5112FF922}" type="slidenum">
               <a:rPr lang="en-US" smtClean="0"/>
-              <a:t>5</a:t>
+              <a:t>4</a:t>
             </a:fld>
             <a:endParaRPr lang="en-US"/>
           </a:p>
@@ -642,7 +642,7 @@
     </p:spTree>
     <p:extLst>
       <p:ext uri="{BB962C8B-B14F-4D97-AF65-F5344CB8AC3E}">
-        <p14:creationId xmlns:p14="http://schemas.microsoft.com/office/powerpoint/2010/main" val="67489716"/>
+        <p14:creationId xmlns:p14="http://schemas.microsoft.com/office/powerpoint/2010/main" val="2057420498"/>
       </p:ext>
     </p:extLst>
   </p:cSld>
@@ -696,16 +696,6 @@
           <a:bodyPr/>
           <a:lstStyle/>
           <a:p>
-            <a:r>
-              <a:rPr lang="en-GB" sz="1800" b="0" i="0" u="none" strike="noStrike" dirty="0">
-                <a:solidFill>
-                  <a:srgbClr val="000000"/>
-                </a:solidFill>
-                <a:effectLst/>
-                <a:latin typeface="Arial" panose="020B0604020202020204" pitchFamily="34" charset="0"/>
-              </a:rPr>
-              <a:t>Long Term Commercial Support</a:t>
-            </a:r>
             <a:endParaRPr lang="en-US" dirty="0"/>
           </a:p>
         </p:txBody>
@@ -727,7 +717,7 @@
           <a:p>
             <a:fld id="{97338A82-0D20-3D4A-B4B7-58B5112FF922}" type="slidenum">
               <a:rPr lang="en-US" smtClean="0"/>
-              <a:t>6</a:t>
+              <a:t>5</a:t>
             </a:fld>
             <a:endParaRPr lang="en-US"/>
           </a:p>
@@ -736,7 +726,7 @@
     </p:spTree>
     <p:extLst>
       <p:ext uri="{BB962C8B-B14F-4D97-AF65-F5344CB8AC3E}">
-        <p14:creationId xmlns:p14="http://schemas.microsoft.com/office/powerpoint/2010/main" val="2277200684"/>
+        <p14:creationId xmlns:p14="http://schemas.microsoft.com/office/powerpoint/2010/main" val="67489716"/>
       </p:ext>
     </p:extLst>
   </p:cSld>
@@ -791,21 +781,16 @@
           <a:lstStyle/>
           <a:p>
             <a:r>
-              <a:rPr lang="en-US" dirty="0"/>
-              <a:t>33.3 % - Preview</a:t>
+              <a:rPr lang="en-GB" sz="1800" b="0" i="0" u="none" strike="noStrike" dirty="0">
+                <a:solidFill>
+                  <a:srgbClr val="000000"/>
+                </a:solidFill>
+                <a:effectLst/>
+                <a:latin typeface="Arial" panose="020B0604020202020204" pitchFamily="34" charset="0"/>
+              </a:rPr>
+              <a:t>Long Term Commercial Support</a:t>
             </a:r>
-          </a:p>
-          <a:p>
-            <a:r>
-              <a:rPr lang="en-US" dirty="0"/>
-              <a:t>13.3 % - Deprecations</a:t>
-            </a:r>
-          </a:p>
-          <a:p>
-            <a:r>
-              <a:rPr lang="en-US" dirty="0"/>
-              <a:t>56.6% - Valuable deliveries</a:t>
-            </a:r>
+            <a:endParaRPr lang="en-US" dirty="0"/>
           </a:p>
         </p:txBody>
       </p:sp>
@@ -826,7 +811,7 @@
           <a:p>
             <a:fld id="{97338A82-0D20-3D4A-B4B7-58B5112FF922}" type="slidenum">
               <a:rPr lang="en-US" smtClean="0"/>
-              <a:t>7</a:t>
+              <a:t>6</a:t>
             </a:fld>
             <a:endParaRPr lang="en-US"/>
           </a:p>
@@ -835,7 +820,7 @@
     </p:spTree>
     <p:extLst>
       <p:ext uri="{BB962C8B-B14F-4D97-AF65-F5344CB8AC3E}">
-        <p14:creationId xmlns:p14="http://schemas.microsoft.com/office/powerpoint/2010/main" val="1910730536"/>
+        <p14:creationId xmlns:p14="http://schemas.microsoft.com/office/powerpoint/2010/main" val="2277200684"/>
       </p:ext>
     </p:extLst>
   </p:cSld>
@@ -891,19 +876,19 @@
           <a:p>
             <a:r>
               <a:rPr lang="en-US" dirty="0"/>
-              <a:t>The Java compiler automatically imports STR in any Java class.</a:t>
+              <a:t>33.3 % - Preview</a:t>
             </a:r>
           </a:p>
           <a:p>
             <a:r>
               <a:rPr lang="en-US" dirty="0"/>
-              <a:t>STR is a processor, similar to a Function(String) -&gt; String</a:t>
+              <a:t>13.3 % - Deprecations</a:t>
             </a:r>
           </a:p>
           <a:p>
             <a:r>
               <a:rPr lang="en-US" dirty="0"/>
-              <a:t>To create </a:t>
+              <a:t>56.6% - Valuable deliveries</a:t>
             </a:r>
           </a:p>
         </p:txBody>
@@ -925,7 +910,7 @@
           <a:p>
             <a:fld id="{97338A82-0D20-3D4A-B4B7-58B5112FF922}" type="slidenum">
               <a:rPr lang="en-US" smtClean="0"/>
-              <a:t>8</a:t>
+              <a:t>7</a:t>
             </a:fld>
             <a:endParaRPr lang="en-US"/>
           </a:p>
@@ -934,7 +919,7 @@
     </p:spTree>
     <p:extLst>
       <p:ext uri="{BB962C8B-B14F-4D97-AF65-F5344CB8AC3E}">
-        <p14:creationId xmlns:p14="http://schemas.microsoft.com/office/powerpoint/2010/main" val="3207804677"/>
+        <p14:creationId xmlns:p14="http://schemas.microsoft.com/office/powerpoint/2010/main" val="1910730536"/>
       </p:ext>
     </p:extLst>
   </p:cSld>
@@ -988,7 +973,22 @@
           <a:bodyPr/>
           <a:lstStyle/>
           <a:p>
-            <a:endParaRPr lang="en-US" dirty="0"/>
+            <a:r>
+              <a:rPr lang="en-US" dirty="0"/>
+              <a:t>The Java compiler automatically imports STR in any Java class.</a:t>
+            </a:r>
+          </a:p>
+          <a:p>
+            <a:r>
+              <a:rPr lang="en-US" dirty="0"/>
+              <a:t>STR is a processor, similar to a Function(String) -&gt; String</a:t>
+            </a:r>
+          </a:p>
+          <a:p>
+            <a:r>
+              <a:rPr lang="en-US" dirty="0"/>
+              <a:t>To create </a:t>
+            </a:r>
           </a:p>
         </p:txBody>
       </p:sp>
@@ -1009,7 +1009,7 @@
           <a:p>
             <a:fld id="{97338A82-0D20-3D4A-B4B7-58B5112FF922}" type="slidenum">
               <a:rPr lang="en-US" smtClean="0"/>
-              <a:t>10</a:t>
+              <a:t>8</a:t>
             </a:fld>
             <a:endParaRPr lang="en-US"/>
           </a:p>
@@ -1018,7 +1018,7 @@
     </p:spTree>
     <p:extLst>
       <p:ext uri="{BB962C8B-B14F-4D97-AF65-F5344CB8AC3E}">
-        <p14:creationId xmlns:p14="http://schemas.microsoft.com/office/powerpoint/2010/main" val="2302287201"/>
+        <p14:creationId xmlns:p14="http://schemas.microsoft.com/office/powerpoint/2010/main" val="3207804677"/>
       </p:ext>
     </p:extLst>
   </p:cSld>
@@ -1093,6 +1093,90 @@
           <a:p>
             <a:fld id="{97338A82-0D20-3D4A-B4B7-58B5112FF922}" type="slidenum">
               <a:rPr lang="en-US" smtClean="0"/>
+              <a:t>10</a:t>
+            </a:fld>
+            <a:endParaRPr lang="en-US"/>
+          </a:p>
+        </p:txBody>
+      </p:sp>
+    </p:spTree>
+    <p:extLst>
+      <p:ext uri="{BB962C8B-B14F-4D97-AF65-F5344CB8AC3E}">
+        <p14:creationId xmlns:p14="http://schemas.microsoft.com/office/powerpoint/2010/main" val="2302287201"/>
+      </p:ext>
+    </p:extLst>
+  </p:cSld>
+  <p:clrMapOvr>
+    <a:masterClrMapping/>
+  </p:clrMapOvr>
+</p:notes>
+</file>
+
+<file path=ppt/notesSlides/notesSlide8.xml><?xml version="1.0" encoding="utf-8"?>
+<p:notes xmlns:a="http://schemas.openxmlformats.org/drawingml/2006/main" xmlns:r="http://schemas.openxmlformats.org/officeDocument/2006/relationships" xmlns:p="http://schemas.openxmlformats.org/presentationml/2006/main">
+  <p:cSld>
+    <p:spTree>
+      <p:nvGrpSpPr>
+        <p:cNvPr id="1" name=""/>
+        <p:cNvGrpSpPr/>
+        <p:nvPr/>
+      </p:nvGrpSpPr>
+      <p:grpSpPr>
+        <a:xfrm>
+          <a:off x="0" y="0"/>
+          <a:ext cx="0" cy="0"/>
+          <a:chOff x="0" y="0"/>
+          <a:chExt cx="0" cy="0"/>
+        </a:xfrm>
+      </p:grpSpPr>
+      <p:sp>
+        <p:nvSpPr>
+          <p:cNvPr id="2" name="Slide Image Placeholder 1"/>
+          <p:cNvSpPr>
+            <a:spLocks noGrp="1" noRot="1" noChangeAspect="1"/>
+          </p:cNvSpPr>
+          <p:nvPr>
+            <p:ph type="sldImg"/>
+          </p:nvPr>
+        </p:nvSpPr>
+        <p:spPr/>
+      </p:sp>
+      <p:sp>
+        <p:nvSpPr>
+          <p:cNvPr id="3" name="Notes Placeholder 2"/>
+          <p:cNvSpPr>
+            <a:spLocks noGrp="1"/>
+          </p:cNvSpPr>
+          <p:nvPr>
+            <p:ph type="body" idx="1"/>
+          </p:nvPr>
+        </p:nvSpPr>
+        <p:spPr/>
+        <p:txBody>
+          <a:bodyPr/>
+          <a:lstStyle/>
+          <a:p>
+            <a:endParaRPr lang="en-US" dirty="0"/>
+          </a:p>
+        </p:txBody>
+      </p:sp>
+      <p:sp>
+        <p:nvSpPr>
+          <p:cNvPr id="4" name="Slide Number Placeholder 3"/>
+          <p:cNvSpPr>
+            <a:spLocks noGrp="1"/>
+          </p:cNvSpPr>
+          <p:nvPr>
+            <p:ph type="sldNum" sz="quarter" idx="5"/>
+          </p:nvPr>
+        </p:nvSpPr>
+        <p:spPr/>
+        <p:txBody>
+          <a:bodyPr/>
+          <a:lstStyle/>
+          <a:p>
+            <a:fld id="{97338A82-0D20-3D4A-B4B7-58B5112FF922}" type="slidenum">
+              <a:rPr lang="en-US" smtClean="0"/>
               <a:t>15</a:t>
             </a:fld>
             <a:endParaRPr lang="en-US"/>
@@ -1112,7 +1196,7 @@
 </p:notes>
 </file>
 
-<file path=ppt/notesSlides/notesSlide8.xml><?xml version="1.0" encoding="utf-8"?>
+<file path=ppt/notesSlides/notesSlide9.xml><?xml version="1.0" encoding="utf-8"?>
 <p:notes xmlns:a="http://schemas.openxmlformats.org/drawingml/2006/main" xmlns:r="http://schemas.openxmlformats.org/officeDocument/2006/relationships" xmlns:p="http://schemas.openxmlformats.org/presentationml/2006/main">
   <p:cSld>
     <p:spTree>
@@ -4537,7 +4621,7 @@
             </a:br>
             <a:r>
               <a:rPr lang="en-US" sz="4400" b="1" dirty="0"/>
-              <a:t>Java 21 &amp; Maven 4</a:t>
+              <a:t>Maven 4 &amp; Java 21</a:t>
             </a:r>
           </a:p>
         </p:txBody>
@@ -13074,13 +13158,13 @@
         </p:nvSpPr>
         <p:spPr>
           <a:xfrm>
-            <a:off x="1045028" y="3017522"/>
-            <a:ext cx="9941319" cy="3124658"/>
+            <a:off x="1045028" y="3122023"/>
+            <a:ext cx="9941319" cy="3020155"/>
           </a:xfrm>
         </p:spPr>
         <p:txBody>
           <a:bodyPr anchor="ctr">
-            <a:normAutofit/>
+            <a:normAutofit fontScale="92500" lnSpcReduction="20000"/>
           </a:bodyPr>
           <a:lstStyle/>
           <a:p>
@@ -13129,9 +13213,21 @@
             <a:endParaRPr lang="en-US" sz="2400" dirty="0"/>
           </a:p>
           <a:p>
-            <a:pPr marL="0" indent="0">
-              <a:buNone/>
-            </a:pPr>
+            <a:r>
+              <a:rPr lang="en-US" sz="2400" dirty="0">
+                <a:hlinkClick r:id="rId8"/>
+              </a:rPr>
+              <a:t>https://github.com/iuliana/jdk21-parent-project</a:t>
+            </a:r>
+            <a:endParaRPr lang="en-US" sz="2400" dirty="0"/>
+          </a:p>
+          <a:p>
+            <a:r>
+              <a:rPr lang="en-US" sz="2400" dirty="0">
+                <a:hlinkClick r:id="rId9"/>
+              </a:rPr>
+              <a:t>https://maven.apache.org/docs/history.html</a:t>
+            </a:r>
             <a:endParaRPr lang="en-US" sz="2400" dirty="0"/>
           </a:p>
           <a:p>
@@ -17105,7 +17201,7 @@
         </p:spPr>
         <p:txBody>
           <a:bodyPr>
-            <a:normAutofit lnSpcReduction="10000"/>
+            <a:normAutofit fontScale="92500" lnSpcReduction="10000"/>
           </a:bodyPr>
           <a:lstStyle/>
           <a:p>
@@ -17215,6 +17311,20 @@
                 </a:solidFill>
               </a:rPr>
               <a:t>Under development: remote caching, keep build results remote, use them speed up things locally.</a:t>
+            </a:r>
+          </a:p>
+          <a:p>
+            <a:pPr>
+              <a:buFont typeface="Wingdings" pitchFamily="2" charset="2"/>
+              <a:buChar char="Ø"/>
+            </a:pPr>
+            <a:r>
+              <a:rPr lang="en-US" sz="4000" dirty="0">
+                <a:solidFill>
+                  <a:srgbClr val="FF0000"/>
+                </a:solidFill>
+              </a:rPr>
+              <a:t>No official release date for a GA.</a:t>
             </a:r>
           </a:p>
           <a:p>

--- a/Java21-Presentation.pptx
+++ b/Java21-Presentation.pptx
@@ -5,7 +5,7 @@
     <p:sldMasterId id="2147483648" r:id="rId1"/>
   </p:sldMasterIdLst>
   <p:notesMasterIdLst>
-    <p:notesMasterId r:id="rId19"/>
+    <p:notesMasterId r:id="rId21"/>
   </p:notesMasterIdLst>
   <p:sldIdLst>
     <p:sldId id="256" r:id="rId2"/>
@@ -16,15 +16,17 @@
     <p:sldId id="263" r:id="rId7"/>
     <p:sldId id="260" r:id="rId8"/>
     <p:sldId id="268" r:id="rId9"/>
-    <p:sldId id="267" r:id="rId10"/>
-    <p:sldId id="269" r:id="rId11"/>
-    <p:sldId id="270" r:id="rId12"/>
-    <p:sldId id="271" r:id="rId13"/>
-    <p:sldId id="272" r:id="rId14"/>
-    <p:sldId id="275" r:id="rId15"/>
-    <p:sldId id="274" r:id="rId16"/>
-    <p:sldId id="264" r:id="rId17"/>
-    <p:sldId id="265" r:id="rId18"/>
+    <p:sldId id="277" r:id="rId10"/>
+    <p:sldId id="276" r:id="rId11"/>
+    <p:sldId id="267" r:id="rId12"/>
+    <p:sldId id="269" r:id="rId13"/>
+    <p:sldId id="270" r:id="rId14"/>
+    <p:sldId id="271" r:id="rId15"/>
+    <p:sldId id="272" r:id="rId16"/>
+    <p:sldId id="275" r:id="rId17"/>
+    <p:sldId id="274" r:id="rId18"/>
+    <p:sldId id="264" r:id="rId19"/>
+    <p:sldId id="265" r:id="rId20"/>
   </p:sldIdLst>
   <p:sldSz cx="12192000" cy="6858000"/>
   <p:notesSz cx="6858000" cy="9144000"/>
@@ -213,7 +215,7 @@
           <a:p>
             <a:fld id="{7DCE309A-7A60-DC46-A116-E07ABADAD367}" type="datetimeFigureOut">
               <a:rPr lang="en-US" smtClean="0"/>
-              <a:t>10/4/23</a:t>
+              <a:t>11/3/23</a:t>
             </a:fld>
             <a:endParaRPr lang="en-US"/>
           </a:p>
@@ -568,6 +570,586 @@
 </p:notes>
 </file>
 
+<file path=ppt/notesSlides/notesSlide10.xml><?xml version="1.0" encoding="utf-8"?>
+<p:notes xmlns:a="http://schemas.openxmlformats.org/drawingml/2006/main" xmlns:r="http://schemas.openxmlformats.org/officeDocument/2006/relationships" xmlns:p="http://schemas.openxmlformats.org/presentationml/2006/main">
+  <p:cSld>
+    <p:spTree>
+      <p:nvGrpSpPr>
+        <p:cNvPr id="1" name=""/>
+        <p:cNvGrpSpPr/>
+        <p:nvPr/>
+      </p:nvGrpSpPr>
+      <p:grpSpPr>
+        <a:xfrm>
+          <a:off x="0" y="0"/>
+          <a:ext cx="0" cy="0"/>
+          <a:chOff x="0" y="0"/>
+          <a:chExt cx="0" cy="0"/>
+        </a:xfrm>
+      </p:grpSpPr>
+      <p:sp>
+        <p:nvSpPr>
+          <p:cNvPr id="2" name="Slide Image Placeholder 1"/>
+          <p:cNvSpPr>
+            <a:spLocks noGrp="1" noRot="1" noChangeAspect="1"/>
+          </p:cNvSpPr>
+          <p:nvPr>
+            <p:ph type="sldImg"/>
+          </p:nvPr>
+        </p:nvSpPr>
+        <p:spPr/>
+      </p:sp>
+      <p:sp>
+        <p:nvSpPr>
+          <p:cNvPr id="3" name="Notes Placeholder 2"/>
+          <p:cNvSpPr>
+            <a:spLocks noGrp="1"/>
+          </p:cNvSpPr>
+          <p:nvPr>
+            <p:ph type="body" idx="1"/>
+          </p:nvPr>
+        </p:nvSpPr>
+        <p:spPr/>
+        <p:txBody>
+          <a:bodyPr/>
+          <a:lstStyle/>
+          <a:p>
+            <a:r>
+              <a:rPr lang="en-GB" b="0" i="0" dirty="0">
+                <a:solidFill>
+                  <a:srgbClr val="000000"/>
+                </a:solidFill>
+                <a:effectLst/>
+                <a:latin typeface="DejaVu Sans" panose="020B0609030804020204" pitchFamily="49" charset="0"/>
+              </a:rPr>
+              <a:t>to maintain separate </a:t>
+            </a:r>
+            <a:r>
+              <a:rPr lang="en-GB" b="0" i="0" u="none" strike="noStrike" dirty="0">
+                <a:solidFill>
+                  <a:srgbClr val="437291"/>
+                </a:solidFill>
+                <a:effectLst/>
+                <a:latin typeface="DejaVu Sans" panose="020B0609030804020204" pitchFamily="49" charset="0"/>
+                <a:hlinkClick r:id="rId3"/>
+              </a:rPr>
+              <a:t>generations</a:t>
+            </a:r>
+            <a:r>
+              <a:rPr lang="en-GB" b="0" i="0" dirty="0">
+                <a:solidFill>
+                  <a:srgbClr val="000000"/>
+                </a:solidFill>
+                <a:effectLst/>
+                <a:latin typeface="DejaVu Sans" panose="020B0609030804020204" pitchFamily="49" charset="0"/>
+              </a:rPr>
+              <a:t> for young and old objects. This will allow ZGC to collect young objects — which tend to die young — more frequently.</a:t>
+            </a:r>
+          </a:p>
+          <a:p>
+            <a:r>
+              <a:rPr lang="en-GB" b="0" i="0" dirty="0">
+                <a:solidFill>
+                  <a:srgbClr val="000000"/>
+                </a:solidFill>
+                <a:effectLst/>
+                <a:latin typeface="DejaVu Sans" panose="020B0609030804020204" pitchFamily="49" charset="0"/>
+              </a:rPr>
+              <a:t>NUMA= </a:t>
+            </a:r>
+            <a:r>
+              <a:rPr lang="en-GB" b="1" i="0" dirty="0">
+                <a:solidFill>
+                  <a:srgbClr val="222222"/>
+                </a:solidFill>
+                <a:effectLst/>
+                <a:latin typeface="Merriweather" panose="020F0502020204030204" pitchFamily="34" charset="0"/>
+              </a:rPr>
+              <a:t>Non-Uniform Memory Access</a:t>
+            </a:r>
+          </a:p>
+          <a:p>
+            <a:pPr marL="0" marR="0" lvl="0" indent="0" algn="l" defTabSz="914400" rtl="0" eaLnBrk="1" fontAlgn="auto" latinLnBrk="0" hangingPunct="1">
+              <a:lnSpc>
+                <a:spcPct val="100000"/>
+              </a:lnSpc>
+              <a:spcBef>
+                <a:spcPts val="0"/>
+              </a:spcBef>
+              <a:spcAft>
+                <a:spcPts val="0"/>
+              </a:spcAft>
+              <a:buClrTx/>
+              <a:buSzTx/>
+              <a:buFontTx/>
+              <a:buNone/>
+              <a:tabLst/>
+              <a:defRPr/>
+            </a:pPr>
+            <a:r>
+              <a:rPr lang="en-GB" b="0" i="0" dirty="0">
+                <a:solidFill>
+                  <a:srgbClr val="000000"/>
+                </a:solidFill>
+                <a:effectLst/>
+                <a:latin typeface="DejaVu Sans" panose="020B0609030804020204" pitchFamily="49" charset="0"/>
+              </a:rPr>
+              <a:t>Lower garbage collection CPU overhead.</a:t>
+            </a:r>
+          </a:p>
+          <a:p>
+            <a:pPr marL="171450" marR="0" lvl="0" indent="-171450" algn="l" defTabSz="914400" rtl="0" eaLnBrk="1" fontAlgn="auto" latinLnBrk="0" hangingPunct="1">
+              <a:lnSpc>
+                <a:spcPct val="100000"/>
+              </a:lnSpc>
+              <a:spcBef>
+                <a:spcPts val="0"/>
+              </a:spcBef>
+              <a:spcAft>
+                <a:spcPts val="0"/>
+              </a:spcAft>
+              <a:buClrTx/>
+              <a:buSzTx/>
+              <a:buFont typeface="Wingdings" pitchFamily="2" charset="2"/>
+              <a:buChar char="è"/>
+              <a:tabLst/>
+              <a:defRPr/>
+            </a:pPr>
+            <a:r>
+              <a:rPr lang="en-GB" b="0" i="0" dirty="0">
+                <a:solidFill>
+                  <a:srgbClr val="000000"/>
+                </a:solidFill>
+                <a:effectLst/>
+                <a:latin typeface="DejaVu Sans" panose="020B0609030804020204" pitchFamily="49" charset="0"/>
+              </a:rPr>
+              <a:t>Pause times should not exceed 1 millisecond,</a:t>
+            </a:r>
+          </a:p>
+          <a:p>
+            <a:pPr marL="171450" marR="0" lvl="0" indent="-171450" algn="l" defTabSz="914400" rtl="0" eaLnBrk="1" fontAlgn="auto" latinLnBrk="0" hangingPunct="1">
+              <a:lnSpc>
+                <a:spcPct val="100000"/>
+              </a:lnSpc>
+              <a:spcBef>
+                <a:spcPts val="0"/>
+              </a:spcBef>
+              <a:spcAft>
+                <a:spcPts val="0"/>
+              </a:spcAft>
+              <a:buClrTx/>
+              <a:buSzTx/>
+              <a:buFont typeface="Wingdings" pitchFamily="2" charset="2"/>
+              <a:buChar char="è"/>
+              <a:tabLst/>
+              <a:defRPr/>
+            </a:pPr>
+            <a:r>
+              <a:rPr lang="en-GB" b="0" i="0" dirty="0">
+                <a:solidFill>
+                  <a:srgbClr val="333333"/>
+                </a:solidFill>
+                <a:effectLst/>
+                <a:latin typeface="Bitstream Vera Sans"/>
+              </a:rPr>
+              <a:t>At its core, ZGC is a </a:t>
+            </a:r>
+            <a:r>
+              <a:rPr lang="en-GB" b="1" i="0" dirty="0">
+                <a:solidFill>
+                  <a:srgbClr val="333333"/>
+                </a:solidFill>
+                <a:effectLst/>
+                <a:latin typeface="Bitstream Vera Sans"/>
+              </a:rPr>
+              <a:t>concurrent</a:t>
+            </a:r>
+            <a:r>
+              <a:rPr lang="en-GB" b="0" i="0" dirty="0">
+                <a:solidFill>
+                  <a:srgbClr val="333333"/>
+                </a:solidFill>
+                <a:effectLst/>
+                <a:latin typeface="Bitstream Vera Sans"/>
+              </a:rPr>
+              <a:t> garbage collector, meaning all heavy lifting work is done while </a:t>
+            </a:r>
+            <a:r>
+              <a:rPr lang="en-GB" b="1" i="0" dirty="0">
+                <a:solidFill>
+                  <a:srgbClr val="333333"/>
+                </a:solidFill>
+                <a:effectLst/>
+                <a:latin typeface="Bitstream Vera Sans"/>
+              </a:rPr>
+              <a:t>Java threads continue to execute</a:t>
+            </a:r>
+            <a:r>
+              <a:rPr lang="en-GB" b="0" i="0" dirty="0">
+                <a:solidFill>
+                  <a:srgbClr val="333333"/>
+                </a:solidFill>
+                <a:effectLst/>
+                <a:latin typeface="Bitstream Vera Sans"/>
+              </a:rPr>
+              <a:t>.</a:t>
+            </a:r>
+            <a:endParaRPr lang="en-GB" b="0" i="0" dirty="0">
+              <a:solidFill>
+                <a:srgbClr val="000000"/>
+              </a:solidFill>
+              <a:effectLst/>
+              <a:latin typeface="DejaVu Sans" panose="020B0609030804020204" pitchFamily="49" charset="0"/>
+            </a:endParaRPr>
+          </a:p>
+          <a:p>
+            <a:pPr marL="171450" marR="0" lvl="0" indent="-171450" algn="l" defTabSz="914400" rtl="0" eaLnBrk="1" fontAlgn="auto" latinLnBrk="0" hangingPunct="1">
+              <a:lnSpc>
+                <a:spcPct val="100000"/>
+              </a:lnSpc>
+              <a:spcBef>
+                <a:spcPts val="0"/>
+              </a:spcBef>
+              <a:spcAft>
+                <a:spcPts val="0"/>
+              </a:spcAft>
+              <a:buClrTx/>
+              <a:buSzTx/>
+              <a:buFont typeface="Wingdings" pitchFamily="2" charset="2"/>
+              <a:buChar char="è"/>
+              <a:tabLst/>
+              <a:defRPr/>
+            </a:pPr>
+            <a:r>
+              <a:rPr lang="en-GB" b="0" i="0" dirty="0">
+                <a:solidFill>
+                  <a:srgbClr val="444444"/>
+                </a:solidFill>
+                <a:effectLst/>
+                <a:latin typeface="Bitstream Vera Sans"/>
+              </a:rPr>
+              <a:t>"Zettabyte File System”</a:t>
+            </a:r>
+            <a:endParaRPr lang="en-GB" b="0" i="0" dirty="0">
+              <a:solidFill>
+                <a:srgbClr val="000000"/>
+              </a:solidFill>
+              <a:effectLst/>
+              <a:latin typeface="DejaVu Sans" panose="020B0609030804020204" pitchFamily="49" charset="0"/>
+            </a:endParaRPr>
+          </a:p>
+          <a:p>
+            <a:pPr marL="171450" marR="0" lvl="0" indent="-171450" algn="l" defTabSz="914400" rtl="0" eaLnBrk="1" fontAlgn="auto" latinLnBrk="0" hangingPunct="1">
+              <a:lnSpc>
+                <a:spcPct val="100000"/>
+              </a:lnSpc>
+              <a:spcBef>
+                <a:spcPts val="0"/>
+              </a:spcBef>
+              <a:spcAft>
+                <a:spcPts val="0"/>
+              </a:spcAft>
+              <a:buClrTx/>
+              <a:buSzTx/>
+              <a:buFont typeface="Wingdings" pitchFamily="2" charset="2"/>
+              <a:buChar char="è"/>
+              <a:tabLst/>
+              <a:defRPr/>
+            </a:pPr>
+            <a:r>
+              <a:rPr lang="en-GB" b="0" i="0" dirty="0">
+                <a:solidFill>
+                  <a:srgbClr val="444444"/>
+                </a:solidFill>
+                <a:effectLst/>
+                <a:latin typeface="Bitstream Vera Sans"/>
+              </a:rPr>
+              <a:t>Starting from JDK 17, ZGC dynamically scales up and down the number of concurrent GC threads.</a:t>
+            </a:r>
+          </a:p>
+          <a:p>
+            <a:pPr marL="171450" marR="0" lvl="0" indent="-171450" algn="l" defTabSz="914400" rtl="0" eaLnBrk="1" fontAlgn="auto" latinLnBrk="0" hangingPunct="1">
+              <a:lnSpc>
+                <a:spcPct val="100000"/>
+              </a:lnSpc>
+              <a:spcBef>
+                <a:spcPts val="0"/>
+              </a:spcBef>
+              <a:spcAft>
+                <a:spcPts val="0"/>
+              </a:spcAft>
+              <a:buClrTx/>
+              <a:buSzTx/>
+              <a:buFont typeface="Wingdings" pitchFamily="2" charset="2"/>
+              <a:buChar char="è"/>
+              <a:tabLst/>
+              <a:defRPr/>
+            </a:pPr>
+            <a:r>
+              <a:rPr lang="en-GB" b="0" i="0" dirty="0">
+                <a:solidFill>
+                  <a:srgbClr val="444444"/>
+                </a:solidFill>
+                <a:effectLst/>
+                <a:latin typeface="Bitstream Vera Sans"/>
+              </a:rPr>
+              <a:t>The log is way richer in details</a:t>
+            </a:r>
+          </a:p>
+          <a:p>
+            <a:pPr marL="171450" marR="0" lvl="0" indent="-171450" algn="l" defTabSz="914400" rtl="0" eaLnBrk="1" fontAlgn="auto" latinLnBrk="0" hangingPunct="1">
+              <a:lnSpc>
+                <a:spcPct val="100000"/>
+              </a:lnSpc>
+              <a:spcBef>
+                <a:spcPts val="0"/>
+              </a:spcBef>
+              <a:spcAft>
+                <a:spcPts val="0"/>
+              </a:spcAft>
+              <a:buClrTx/>
+              <a:buSzTx/>
+              <a:buFont typeface="Wingdings" pitchFamily="2" charset="2"/>
+              <a:buChar char="è"/>
+              <a:tabLst/>
+              <a:defRPr/>
+            </a:pPr>
+            <a:r>
+              <a:rPr lang="en-GB" dirty="0">
+                <a:solidFill>
+                  <a:srgbClr val="080808"/>
+                </a:solidFill>
+                <a:effectLst/>
+              </a:rPr>
+              <a:t>(Non-generational ZGC uses multi-mapped memory to reduce the overhead of load barriers.)</a:t>
+            </a:r>
+          </a:p>
+          <a:p>
+            <a:pPr marL="171450" marR="0" lvl="0" indent="-171450" algn="l" defTabSz="914400" rtl="0" eaLnBrk="1" fontAlgn="auto" latinLnBrk="0" hangingPunct="1">
+              <a:lnSpc>
+                <a:spcPct val="100000"/>
+              </a:lnSpc>
+              <a:spcBef>
+                <a:spcPts val="0"/>
+              </a:spcBef>
+              <a:spcAft>
+                <a:spcPts val="0"/>
+              </a:spcAft>
+              <a:buClrTx/>
+              <a:buSzTx/>
+              <a:buFont typeface="Wingdings" pitchFamily="2" charset="2"/>
+              <a:buChar char="è"/>
+              <a:tabLst/>
+              <a:defRPr/>
+            </a:pPr>
+            <a:endParaRPr lang="en-US" dirty="0"/>
+          </a:p>
+        </p:txBody>
+      </p:sp>
+      <p:sp>
+        <p:nvSpPr>
+          <p:cNvPr id="4" name="Slide Number Placeholder 3"/>
+          <p:cNvSpPr>
+            <a:spLocks noGrp="1"/>
+          </p:cNvSpPr>
+          <p:nvPr>
+            <p:ph type="sldNum" sz="quarter" idx="5"/>
+          </p:nvPr>
+        </p:nvSpPr>
+        <p:spPr/>
+        <p:txBody>
+          <a:bodyPr/>
+          <a:lstStyle/>
+          <a:p>
+            <a:fld id="{97338A82-0D20-3D4A-B4B7-58B5112FF922}" type="slidenum">
+              <a:rPr lang="en-US" smtClean="0"/>
+              <a:t>12</a:t>
+            </a:fld>
+            <a:endParaRPr lang="en-US"/>
+          </a:p>
+        </p:txBody>
+      </p:sp>
+    </p:spTree>
+    <p:extLst>
+      <p:ext uri="{BB962C8B-B14F-4D97-AF65-F5344CB8AC3E}">
+        <p14:creationId xmlns:p14="http://schemas.microsoft.com/office/powerpoint/2010/main" val="2302287201"/>
+      </p:ext>
+    </p:extLst>
+  </p:cSld>
+  <p:clrMapOvr>
+    <a:masterClrMapping/>
+  </p:clrMapOvr>
+</p:notes>
+</file>
+
+<file path=ppt/notesSlides/notesSlide11.xml><?xml version="1.0" encoding="utf-8"?>
+<p:notes xmlns:a="http://schemas.openxmlformats.org/drawingml/2006/main" xmlns:r="http://schemas.openxmlformats.org/officeDocument/2006/relationships" xmlns:p="http://schemas.openxmlformats.org/presentationml/2006/main">
+  <p:cSld>
+    <p:spTree>
+      <p:nvGrpSpPr>
+        <p:cNvPr id="1" name=""/>
+        <p:cNvGrpSpPr/>
+        <p:nvPr/>
+      </p:nvGrpSpPr>
+      <p:grpSpPr>
+        <a:xfrm>
+          <a:off x="0" y="0"/>
+          <a:ext cx="0" cy="0"/>
+          <a:chOff x="0" y="0"/>
+          <a:chExt cx="0" cy="0"/>
+        </a:xfrm>
+      </p:grpSpPr>
+      <p:sp>
+        <p:nvSpPr>
+          <p:cNvPr id="2" name="Slide Image Placeholder 1"/>
+          <p:cNvSpPr>
+            <a:spLocks noGrp="1" noRot="1" noChangeAspect="1"/>
+          </p:cNvSpPr>
+          <p:nvPr>
+            <p:ph type="sldImg"/>
+          </p:nvPr>
+        </p:nvSpPr>
+        <p:spPr/>
+      </p:sp>
+      <p:sp>
+        <p:nvSpPr>
+          <p:cNvPr id="3" name="Notes Placeholder 2"/>
+          <p:cNvSpPr>
+            <a:spLocks noGrp="1"/>
+          </p:cNvSpPr>
+          <p:nvPr>
+            <p:ph type="body" idx="1"/>
+          </p:nvPr>
+        </p:nvSpPr>
+        <p:spPr/>
+        <p:txBody>
+          <a:bodyPr/>
+          <a:lstStyle/>
+          <a:p>
+            <a:endParaRPr lang="en-US" dirty="0"/>
+          </a:p>
+        </p:txBody>
+      </p:sp>
+      <p:sp>
+        <p:nvSpPr>
+          <p:cNvPr id="4" name="Slide Number Placeholder 3"/>
+          <p:cNvSpPr>
+            <a:spLocks noGrp="1"/>
+          </p:cNvSpPr>
+          <p:nvPr>
+            <p:ph type="sldNum" sz="quarter" idx="5"/>
+          </p:nvPr>
+        </p:nvSpPr>
+        <p:spPr/>
+        <p:txBody>
+          <a:bodyPr/>
+          <a:lstStyle/>
+          <a:p>
+            <a:fld id="{97338A82-0D20-3D4A-B4B7-58B5112FF922}" type="slidenum">
+              <a:rPr lang="en-US" smtClean="0"/>
+              <a:t>17</a:t>
+            </a:fld>
+            <a:endParaRPr lang="en-US"/>
+          </a:p>
+        </p:txBody>
+      </p:sp>
+    </p:spTree>
+    <p:extLst>
+      <p:ext uri="{BB962C8B-B14F-4D97-AF65-F5344CB8AC3E}">
+        <p14:creationId xmlns:p14="http://schemas.microsoft.com/office/powerpoint/2010/main" val="907419315"/>
+      </p:ext>
+    </p:extLst>
+  </p:cSld>
+  <p:clrMapOvr>
+    <a:masterClrMapping/>
+  </p:clrMapOvr>
+</p:notes>
+</file>
+
+<file path=ppt/notesSlides/notesSlide12.xml><?xml version="1.0" encoding="utf-8"?>
+<p:notes xmlns:a="http://schemas.openxmlformats.org/drawingml/2006/main" xmlns:r="http://schemas.openxmlformats.org/officeDocument/2006/relationships" xmlns:p="http://schemas.openxmlformats.org/presentationml/2006/main">
+  <p:cSld>
+    <p:spTree>
+      <p:nvGrpSpPr>
+        <p:cNvPr id="1" name=""/>
+        <p:cNvGrpSpPr/>
+        <p:nvPr/>
+      </p:nvGrpSpPr>
+      <p:grpSpPr>
+        <a:xfrm>
+          <a:off x="0" y="0"/>
+          <a:ext cx="0" cy="0"/>
+          <a:chOff x="0" y="0"/>
+          <a:chExt cx="0" cy="0"/>
+        </a:xfrm>
+      </p:grpSpPr>
+      <p:sp>
+        <p:nvSpPr>
+          <p:cNvPr id="2" name="Slide Image Placeholder 1"/>
+          <p:cNvSpPr>
+            <a:spLocks noGrp="1" noRot="1" noChangeAspect="1"/>
+          </p:cNvSpPr>
+          <p:nvPr>
+            <p:ph type="sldImg"/>
+          </p:nvPr>
+        </p:nvSpPr>
+        <p:spPr/>
+      </p:sp>
+      <p:sp>
+        <p:nvSpPr>
+          <p:cNvPr id="3" name="Notes Placeholder 2"/>
+          <p:cNvSpPr>
+            <a:spLocks noGrp="1"/>
+          </p:cNvSpPr>
+          <p:nvPr>
+            <p:ph type="body" idx="1"/>
+          </p:nvPr>
+        </p:nvSpPr>
+        <p:spPr/>
+        <p:txBody>
+          <a:bodyPr/>
+          <a:lstStyle/>
+          <a:p>
+            <a:endParaRPr lang="en-US"/>
+          </a:p>
+        </p:txBody>
+      </p:sp>
+      <p:sp>
+        <p:nvSpPr>
+          <p:cNvPr id="4" name="Slide Number Placeholder 3"/>
+          <p:cNvSpPr>
+            <a:spLocks noGrp="1"/>
+          </p:cNvSpPr>
+          <p:nvPr>
+            <p:ph type="sldNum" sz="quarter" idx="5"/>
+          </p:nvPr>
+        </p:nvSpPr>
+        <p:spPr/>
+        <p:txBody>
+          <a:bodyPr/>
+          <a:lstStyle/>
+          <a:p>
+            <a:fld id="{97338A82-0D20-3D4A-B4B7-58B5112FF922}" type="slidenum">
+              <a:rPr lang="en-US" smtClean="0"/>
+              <a:t>19</a:t>
+            </a:fld>
+            <a:endParaRPr lang="en-US"/>
+          </a:p>
+        </p:txBody>
+      </p:sp>
+    </p:spTree>
+    <p:extLst>
+      <p:ext uri="{BB962C8B-B14F-4D97-AF65-F5344CB8AC3E}">
+        <p14:creationId xmlns:p14="http://schemas.microsoft.com/office/powerpoint/2010/main" val="2280700044"/>
+      </p:ext>
+    </p:extLst>
+  </p:cSld>
+  <p:clrMapOvr>
+    <a:masterClrMapping/>
+  </p:clrMapOvr>
+</p:notes>
+</file>
+
 <file path=ppt/notesSlides/notesSlide2.xml><?xml version="1.0" encoding="utf-8"?>
 <p:notes xmlns:a="http://schemas.openxmlformats.org/drawingml/2006/main" xmlns:r="http://schemas.openxmlformats.org/officeDocument/2006/relationships" xmlns:p="http://schemas.openxmlformats.org/presentationml/2006/main">
   <p:cSld>
@@ -790,7 +1372,100 @@
               </a:rPr>
               <a:t>Long Term Commercial Support</a:t>
             </a:r>
-            <a:endParaRPr lang="en-US" dirty="0"/>
+          </a:p>
+          <a:p>
+            <a:r>
+              <a:rPr lang="en-GB" sz="1800" b="0" i="0" u="none" strike="noStrike" dirty="0" err="1">
+                <a:solidFill>
+                  <a:srgbClr val="000000"/>
+                </a:solidFill>
+                <a:effectLst/>
+                <a:latin typeface="Arial" panose="020B0604020202020204" pitchFamily="34" charset="0"/>
+              </a:rPr>
+              <a:t>Valhala</a:t>
+            </a:r>
+            <a:r>
+              <a:rPr lang="en-GB" sz="1800" b="0" i="0" u="none" strike="noStrike" dirty="0">
+                <a:solidFill>
+                  <a:srgbClr val="000000"/>
+                </a:solidFill>
+                <a:effectLst/>
+                <a:latin typeface="Arial" panose="020B0604020202020204" pitchFamily="34" charset="0"/>
+              </a:rPr>
+              <a:t>: </a:t>
+            </a:r>
+            <a:r>
+              <a:rPr lang="en-GB" b="1" i="0" dirty="0">
+                <a:solidFill>
+                  <a:srgbClr val="3F4855"/>
+                </a:solidFill>
+                <a:effectLst/>
+                <a:latin typeface="Manrope"/>
+              </a:rPr>
+              <a:t>augmenting the Java object model with value objects</a:t>
+            </a:r>
+            <a:r>
+              <a:rPr lang="en-GB" sz="1800" b="0" i="0" u="none" strike="noStrike" dirty="0">
+                <a:solidFill>
+                  <a:srgbClr val="000000"/>
+                </a:solidFill>
+                <a:effectLst/>
+                <a:latin typeface="Arial" panose="020B0604020202020204" pitchFamily="34" charset="0"/>
+              </a:rPr>
+              <a:t> – value-based objects -  The @</a:t>
+            </a:r>
+            <a:r>
+              <a:rPr lang="en-GB" sz="1800" b="0" i="0" u="none" strike="noStrike" dirty="0" err="1">
+                <a:solidFill>
+                  <a:srgbClr val="000000"/>
+                </a:solidFill>
+                <a:effectLst/>
+                <a:latin typeface="Arial" panose="020B0604020202020204" pitchFamily="34" charset="0"/>
+              </a:rPr>
+              <a:t>ValueBased</a:t>
+            </a:r>
+            <a:r>
+              <a:rPr lang="en-GB" sz="1800" b="0" i="0" u="none" strike="noStrike" dirty="0">
+                <a:solidFill>
+                  <a:srgbClr val="000000"/>
+                </a:solidFill>
+                <a:effectLst/>
+                <a:latin typeface="Arial" panose="020B0604020202020204" pitchFamily="34" charset="0"/>
+              </a:rPr>
+              <a:t> annotations is used for classes, </a:t>
+            </a:r>
+            <a:r>
+              <a:rPr lang="en-GB" sz="1800" b="0" i="0" u="none" strike="noStrike" dirty="0" err="1">
+                <a:solidFill>
+                  <a:srgbClr val="000000"/>
+                </a:solidFill>
+                <a:effectLst/>
+                <a:latin typeface="Arial" panose="020B0604020202020204" pitchFamily="34" charset="0"/>
+              </a:rPr>
+              <a:t>whos</a:t>
+            </a:r>
+            <a:r>
+              <a:rPr lang="en-GB" sz="1800" b="0" i="0" u="none" strike="noStrike" dirty="0">
+                <a:solidFill>
+                  <a:srgbClr val="000000"/>
+                </a:solidFill>
+                <a:effectLst/>
+                <a:latin typeface="Arial" panose="020B0604020202020204" pitchFamily="34" charset="0"/>
+              </a:rPr>
+              <a:t> instances can be flattened and treated as primitives. </a:t>
+            </a:r>
+          </a:p>
+          <a:p>
+            <a:r>
+              <a:rPr lang="en-GB" sz="1800" b="0" i="0" u="none" strike="noStrike" dirty="0">
+                <a:solidFill>
+                  <a:srgbClr val="000000"/>
+                </a:solidFill>
+                <a:effectLst/>
+                <a:latin typeface="Arial" panose="020B0604020202020204" pitchFamily="34" charset="0"/>
+              </a:rPr>
+              <a:t>Loom: the reactive model will become redundant in Java.</a:t>
+            </a:r>
           </a:p>
         </p:txBody>
       </p:sp>
@@ -973,21 +1648,114 @@
           <a:bodyPr/>
           <a:lstStyle/>
           <a:p>
+            <a:pPr rtl="0" fontAlgn="base">
+              <a:lnSpc>
+                <a:spcPct val="170000"/>
+              </a:lnSpc>
+              <a:spcBef>
+                <a:spcPts val="0"/>
+              </a:spcBef>
+              <a:spcAft>
+                <a:spcPts val="0"/>
+              </a:spcAft>
+              <a:buFont typeface="Arial" panose="020B0604020202020204" pitchFamily="34" charset="0"/>
+              <a:buChar char="•"/>
+            </a:pPr>
             <a:r>
               <a:rPr lang="en-US" dirty="0"/>
-              <a:t>The Java compiler automatically imports STR in any Java class.</a:t>
-            </a:r>
-          </a:p>
-          <a:p>
+              <a:t>Java’s alternative to String interpolation</a:t>
+            </a:r>
+          </a:p>
+          <a:p>
+            <a:pPr rtl="0" fontAlgn="base">
+              <a:lnSpc>
+                <a:spcPct val="170000"/>
+              </a:lnSpc>
+              <a:spcBef>
+                <a:spcPts val="0"/>
+              </a:spcBef>
+              <a:spcAft>
+                <a:spcPts val="0"/>
+              </a:spcAft>
+              <a:buFont typeface="Arial" panose="020B0604020202020204" pitchFamily="34" charset="0"/>
+              <a:buChar char="•"/>
+            </a:pPr>
             <a:r>
               <a:rPr lang="en-US" dirty="0"/>
-              <a:t>STR is a processor, similar to a Function(String) -&gt; String</a:t>
-            </a:r>
-          </a:p>
-          <a:p>
-            <a:r>
-              <a:rPr lang="en-US" dirty="0"/>
-              <a:t>To create </a:t>
+              <a:t>Drawbacks: </a:t>
+            </a:r>
+            <a:r>
+              <a:rPr lang="en-GB" b="0" i="0" dirty="0">
+                <a:effectLst/>
+                <a:latin typeface="-apple-system"/>
+              </a:rPr>
+              <a:t>replacing the result of the interpolation would create an invalid overall String literal </a:t>
+            </a:r>
+          </a:p>
+          <a:p>
+            <a:pPr rtl="0" fontAlgn="base">
+              <a:lnSpc>
+                <a:spcPct val="170000"/>
+              </a:lnSpc>
+              <a:spcBef>
+                <a:spcPts val="0"/>
+              </a:spcBef>
+              <a:spcAft>
+                <a:spcPts val="0"/>
+              </a:spcAft>
+              <a:buFont typeface="Arial" panose="020B0604020202020204" pitchFamily="34" charset="0"/>
+              <a:buChar char="•"/>
+            </a:pPr>
+            <a:r>
+              <a:rPr lang="en-GB" b="0" i="0" dirty="0">
+                <a:effectLst/>
+                <a:latin typeface="-apple-system"/>
+              </a:rPr>
+              <a:t> without validation </a:t>
+            </a:r>
+          </a:p>
+          <a:p>
+            <a:pPr rtl="0" fontAlgn="base">
+              <a:lnSpc>
+                <a:spcPct val="170000"/>
+              </a:lnSpc>
+              <a:spcBef>
+                <a:spcPts val="0"/>
+              </a:spcBef>
+              <a:spcAft>
+                <a:spcPts val="0"/>
+              </a:spcAft>
+              <a:buFont typeface="Arial" panose="020B0604020202020204" pitchFamily="34" charset="0"/>
+              <a:buChar char="•"/>
+            </a:pPr>
+            <a:r>
+              <a:rPr lang="en-GB" b="0" i="0" dirty="0">
+                <a:effectLst/>
+                <a:latin typeface="-apple-system"/>
+              </a:rPr>
+              <a:t>    SQL injections</a:t>
+            </a:r>
+          </a:p>
+          <a:p>
+            <a:pPr rtl="0" fontAlgn="base">
+              <a:lnSpc>
+                <a:spcPct val="170000"/>
+              </a:lnSpc>
+              <a:spcBef>
+                <a:spcPts val="0"/>
+              </a:spcBef>
+              <a:spcAft>
+                <a:spcPts val="0"/>
+              </a:spcAft>
+              <a:buFont typeface="Arial" panose="020B0604020202020204" pitchFamily="34" charset="0"/>
+              <a:buChar char="•"/>
+            </a:pPr>
+            <a:r>
+              <a:rPr lang="en-GB" b="0" i="0" dirty="0">
+                <a:effectLst/>
+                <a:latin typeface="-apple-system"/>
+              </a:rPr>
+              <a:t>     Invalid JSON, etc</a:t>
             </a:r>
           </a:p>
         </p:txBody>
@@ -1072,6 +1840,242 @@
           <a:bodyPr/>
           <a:lstStyle/>
           <a:p>
+            <a:r>
+              <a:rPr lang="en-US" dirty="0"/>
+              <a:t>The Java compiler automatically imports STR (</a:t>
+            </a:r>
+            <a:r>
+              <a:rPr lang="en-GB" dirty="0"/>
+              <a:t>public</a:t>
+            </a:r>
+            <a:r>
+              <a:rPr lang="en-GB" b="0" i="0" dirty="0">
+                <a:solidFill>
+                  <a:srgbClr val="000000"/>
+                </a:solidFill>
+                <a:effectLst/>
+                <a:latin typeface="DejaVu Sans" panose="020B0609030804020204" pitchFamily="49" charset="0"/>
+              </a:rPr>
+              <a:t> </a:t>
+            </a:r>
+            <a:r>
+              <a:rPr lang="en-GB" dirty="0"/>
+              <a:t>static</a:t>
+            </a:r>
+            <a:r>
+              <a:rPr lang="en-GB" b="0" i="0" dirty="0">
+                <a:solidFill>
+                  <a:srgbClr val="000000"/>
+                </a:solidFill>
+                <a:effectLst/>
+                <a:latin typeface="DejaVu Sans" panose="020B0609030804020204" pitchFamily="49" charset="0"/>
+              </a:rPr>
+              <a:t> </a:t>
+            </a:r>
+            <a:r>
+              <a:rPr lang="en-GB" dirty="0"/>
+              <a:t>final</a:t>
+            </a:r>
+            <a:r>
+              <a:rPr lang="en-GB" b="0" i="0" dirty="0">
+                <a:solidFill>
+                  <a:srgbClr val="000000"/>
+                </a:solidFill>
+                <a:effectLst/>
+                <a:latin typeface="DejaVu Sans" panose="020B0609030804020204" pitchFamily="49" charset="0"/>
+              </a:rPr>
+              <a:t> field </a:t>
+            </a:r>
+            <a:r>
+              <a:rPr lang="en-US" dirty="0"/>
+              <a:t>)  in any Java source file.</a:t>
+            </a:r>
+          </a:p>
+          <a:p>
+            <a:r>
+              <a:rPr lang="en-US" dirty="0"/>
+              <a:t>STR is an instance of a  processor, similar to a Function(String) -&gt; String</a:t>
+            </a:r>
+          </a:p>
+          <a:p>
+            <a:r>
+              <a:rPr lang="en-US" dirty="0"/>
+              <a:t>Java did not have for a long time a way to embed variables in strings to be resolved at runtime.</a:t>
+            </a:r>
+          </a:p>
+          <a:p>
+            <a:r>
+              <a:rPr lang="en-US" dirty="0"/>
+              <a:t>Expected to replace older ways of formatting strings: concatenation, </a:t>
+            </a:r>
+            <a:r>
+              <a:rPr lang="en-US" dirty="0" err="1"/>
+              <a:t>StringBuilder,String.format</a:t>
+            </a:r>
+            <a:r>
+              <a:rPr lang="en-US" dirty="0"/>
+              <a:t>(), </a:t>
+            </a:r>
+            <a:r>
+              <a:rPr lang="en-US" dirty="0" err="1"/>
+              <a:t>MessageFormat</a:t>
+            </a:r>
+            <a:r>
+              <a:rPr lang="en-US" dirty="0"/>
+              <a:t> class. </a:t>
+            </a:r>
+            <a:r>
+              <a:rPr lang="en-GB" b="0" i="0" dirty="0">
+                <a:solidFill>
+                  <a:srgbClr val="404040"/>
+                </a:solidFill>
+                <a:effectLst/>
+                <a:latin typeface="-apple-system"/>
+              </a:rPr>
+              <a:t>Either they create code hard to read or they are just too verbose for a simple task.</a:t>
+            </a:r>
+          </a:p>
+          <a:p>
+            <a:r>
+              <a:rPr lang="en-GB" b="0" i="0" dirty="0">
+                <a:solidFill>
+                  <a:srgbClr val="404040"/>
+                </a:solidFill>
+                <a:effectLst/>
+                <a:latin typeface="-apple-system"/>
+              </a:rPr>
+              <a:t>It works with multi-line strings too. If provides clarity</a:t>
+            </a:r>
+          </a:p>
+          <a:p>
+            <a:r>
+              <a:rPr lang="en-GB" b="0" i="0" dirty="0">
+                <a:solidFill>
+                  <a:srgbClr val="404040"/>
+                </a:solidFill>
+                <a:effectLst/>
+                <a:latin typeface="-apple-system"/>
+              </a:rPr>
+              <a:t>=&gt; </a:t>
+            </a:r>
+            <a:r>
+              <a:rPr lang="en-GB" b="0" i="0" dirty="0">
+                <a:solidFill>
+                  <a:srgbClr val="000000"/>
+                </a:solidFill>
+                <a:effectLst/>
+                <a:latin typeface="DejaVu Sans" panose="020B0609030804020204" pitchFamily="49" charset="0"/>
+              </a:rPr>
+              <a:t>coupling literal text with embedded expressions and </a:t>
+            </a:r>
+            <a:r>
+              <a:rPr lang="en-GB" b="0" i="1" dirty="0">
+                <a:solidFill>
+                  <a:srgbClr val="000000"/>
+                </a:solidFill>
+                <a:effectLst/>
+                <a:latin typeface="DejaVu Sans" panose="020B0609030804020204" pitchFamily="49" charset="0"/>
+              </a:rPr>
+              <a:t>template processors</a:t>
+            </a:r>
+            <a:r>
+              <a:rPr lang="en-GB" b="0" i="0" dirty="0">
+                <a:solidFill>
+                  <a:srgbClr val="000000"/>
+                </a:solidFill>
+                <a:effectLst/>
+                <a:latin typeface="DejaVu Sans" panose="020B0609030804020204" pitchFamily="49" charset="0"/>
+              </a:rPr>
+              <a:t> to produce specialized results.</a:t>
+            </a:r>
+          </a:p>
+          <a:p>
+            <a:r>
+              <a:rPr lang="en-GB" b="0" i="0" dirty="0">
+                <a:solidFill>
+                  <a:srgbClr val="000000"/>
+                </a:solidFill>
+                <a:effectLst/>
+                <a:latin typeface="DejaVu Sans" panose="020B0609030804020204" pitchFamily="49" charset="0"/>
+              </a:rPr>
+              <a:t>String interpolation is dangerous because the resulted strings might need to be validated or secured, especially when interacting with other systems – such as SQL databases.</a:t>
+            </a:r>
+          </a:p>
+          <a:p>
+            <a:r>
+              <a:rPr lang="en-GB" b="0" i="0" dirty="0">
+                <a:solidFill>
+                  <a:srgbClr val="000000"/>
+                </a:solidFill>
+                <a:effectLst/>
+                <a:latin typeface="DejaVu Sans" panose="020B0609030804020204" pitchFamily="49" charset="0"/>
+              </a:rPr>
+              <a:t>Another example -&gt; a JSON string can easily be broken by interpolation.</a:t>
+            </a:r>
+          </a:p>
+          <a:p>
+            <a:endParaRPr lang="en-GB" b="0" i="0" dirty="0">
+              <a:solidFill>
+                <a:srgbClr val="000000"/>
+              </a:solidFill>
+              <a:effectLst/>
+              <a:latin typeface="DejaVu Sans" panose="020B0609030804020204" pitchFamily="49" charset="0"/>
+            </a:endParaRPr>
+          </a:p>
+          <a:p>
+            <a:r>
+              <a:rPr lang="en-GB" b="0" i="1" dirty="0">
+                <a:solidFill>
+                  <a:srgbClr val="000000"/>
+                </a:solidFill>
+                <a:effectLst/>
+                <a:latin typeface="DejaVu Sans" panose="020B0609030804020204" pitchFamily="49" charset="0"/>
+              </a:rPr>
+              <a:t>Template expressions</a:t>
+            </a:r>
+            <a:r>
+              <a:rPr lang="en-GB" b="0" i="0" dirty="0">
+                <a:solidFill>
+                  <a:srgbClr val="000000"/>
+                </a:solidFill>
+                <a:effectLst/>
+                <a:latin typeface="DejaVu Sans" panose="020B0609030804020204" pitchFamily="49" charset="0"/>
+              </a:rPr>
+              <a:t> are a new kind of expression in the Java programming language. Template expressions can perform string interpolation but are also programmable in a way that helps developers compose strings safely and efficiently.</a:t>
+            </a:r>
+          </a:p>
+          <a:p>
+            <a:r>
+              <a:rPr lang="en-GB" b="0" i="0" dirty="0">
+                <a:solidFill>
+                  <a:srgbClr val="000000"/>
+                </a:solidFill>
+                <a:effectLst/>
+                <a:latin typeface="DejaVu Sans" panose="020B0609030804020204" pitchFamily="49" charset="0"/>
+              </a:rPr>
+              <a:t>Template processor + “.” + embedded expression</a:t>
+            </a:r>
+          </a:p>
+          <a:p>
+            <a:endParaRPr lang="en-GB" b="0" i="0" dirty="0">
+              <a:solidFill>
+                <a:srgbClr val="000000"/>
+              </a:solidFill>
+              <a:effectLst/>
+              <a:latin typeface="DejaVu Sans" panose="020B0609030804020204" pitchFamily="49" charset="0"/>
+            </a:endParaRPr>
+          </a:p>
+          <a:p>
+            <a:r>
+              <a:rPr lang="en-GB" b="0" i="0" dirty="0">
+                <a:solidFill>
+                  <a:srgbClr val="000000"/>
+                </a:solidFill>
+                <a:effectLst/>
+                <a:latin typeface="DejaVu Sans" panose="020B0609030804020204" pitchFamily="49" charset="0"/>
+              </a:rPr>
+              <a:t>Other FMT = STR +  interprets format specifiers , RAW (STR deferred). </a:t>
+            </a:r>
             <a:endParaRPr lang="en-US" dirty="0"/>
           </a:p>
         </p:txBody>
@@ -1093,7 +2097,7 @@
           <a:p>
             <a:fld id="{97338A82-0D20-3D4A-B4B7-58B5112FF922}" type="slidenum">
               <a:rPr lang="en-US" smtClean="0"/>
-              <a:t>10</a:t>
+              <a:t>9</a:t>
             </a:fld>
             <a:endParaRPr lang="en-US"/>
           </a:p>
@@ -1102,7 +2106,7 @@
     </p:spTree>
     <p:extLst>
       <p:ext uri="{BB962C8B-B14F-4D97-AF65-F5344CB8AC3E}">
-        <p14:creationId xmlns:p14="http://schemas.microsoft.com/office/powerpoint/2010/main" val="2302287201"/>
+        <p14:creationId xmlns:p14="http://schemas.microsoft.com/office/powerpoint/2010/main" val="690679781"/>
       </p:ext>
     </p:extLst>
   </p:cSld>
@@ -1156,6 +2160,242 @@
           <a:bodyPr/>
           <a:lstStyle/>
           <a:p>
+            <a:r>
+              <a:rPr lang="en-US" dirty="0"/>
+              <a:t>The Java compiler automatically imports STR (</a:t>
+            </a:r>
+            <a:r>
+              <a:rPr lang="en-GB" dirty="0"/>
+              <a:t>public</a:t>
+            </a:r>
+            <a:r>
+              <a:rPr lang="en-GB" b="0" i="0" dirty="0">
+                <a:solidFill>
+                  <a:srgbClr val="000000"/>
+                </a:solidFill>
+                <a:effectLst/>
+                <a:latin typeface="DejaVu Sans" panose="020B0609030804020204" pitchFamily="49" charset="0"/>
+              </a:rPr>
+              <a:t> </a:t>
+            </a:r>
+            <a:r>
+              <a:rPr lang="en-GB" dirty="0"/>
+              <a:t>static</a:t>
+            </a:r>
+            <a:r>
+              <a:rPr lang="en-GB" b="0" i="0" dirty="0">
+                <a:solidFill>
+                  <a:srgbClr val="000000"/>
+                </a:solidFill>
+                <a:effectLst/>
+                <a:latin typeface="DejaVu Sans" panose="020B0609030804020204" pitchFamily="49" charset="0"/>
+              </a:rPr>
+              <a:t> </a:t>
+            </a:r>
+            <a:r>
+              <a:rPr lang="en-GB" dirty="0"/>
+              <a:t>final</a:t>
+            </a:r>
+            <a:r>
+              <a:rPr lang="en-GB" b="0" i="0" dirty="0">
+                <a:solidFill>
+                  <a:srgbClr val="000000"/>
+                </a:solidFill>
+                <a:effectLst/>
+                <a:latin typeface="DejaVu Sans" panose="020B0609030804020204" pitchFamily="49" charset="0"/>
+              </a:rPr>
+              <a:t> field </a:t>
+            </a:r>
+            <a:r>
+              <a:rPr lang="en-US" dirty="0"/>
+              <a:t>)  in any Java source file.</a:t>
+            </a:r>
+          </a:p>
+          <a:p>
+            <a:r>
+              <a:rPr lang="en-US" dirty="0"/>
+              <a:t>STR is an instance of a  processor, similar to a Function(String) -&gt; String</a:t>
+            </a:r>
+          </a:p>
+          <a:p>
+            <a:r>
+              <a:rPr lang="en-US" dirty="0"/>
+              <a:t>Java did not have for a long time a way to embed variables in strings to be resolved at runtime.</a:t>
+            </a:r>
+          </a:p>
+          <a:p>
+            <a:r>
+              <a:rPr lang="en-US" dirty="0"/>
+              <a:t>Expected to replace older ways of formatting strings: concatenation, </a:t>
+            </a:r>
+            <a:r>
+              <a:rPr lang="en-US" dirty="0" err="1"/>
+              <a:t>StringBuilder,String.format</a:t>
+            </a:r>
+            <a:r>
+              <a:rPr lang="en-US" dirty="0"/>
+              <a:t>(), </a:t>
+            </a:r>
+            <a:r>
+              <a:rPr lang="en-US" dirty="0" err="1"/>
+              <a:t>MessageFormat</a:t>
+            </a:r>
+            <a:r>
+              <a:rPr lang="en-US" dirty="0"/>
+              <a:t> class. </a:t>
+            </a:r>
+            <a:r>
+              <a:rPr lang="en-GB" b="0" i="0" dirty="0">
+                <a:solidFill>
+                  <a:srgbClr val="404040"/>
+                </a:solidFill>
+                <a:effectLst/>
+                <a:latin typeface="-apple-system"/>
+              </a:rPr>
+              <a:t>Either they create code hard to read or they are just too verbose for a simple task.</a:t>
+            </a:r>
+          </a:p>
+          <a:p>
+            <a:r>
+              <a:rPr lang="en-GB" b="0" i="0" dirty="0">
+                <a:solidFill>
+                  <a:srgbClr val="404040"/>
+                </a:solidFill>
+                <a:effectLst/>
+                <a:latin typeface="-apple-system"/>
+              </a:rPr>
+              <a:t>It works with multi-line strings too. If provides clarity</a:t>
+            </a:r>
+          </a:p>
+          <a:p>
+            <a:r>
+              <a:rPr lang="en-GB" b="0" i="0" dirty="0">
+                <a:solidFill>
+                  <a:srgbClr val="404040"/>
+                </a:solidFill>
+                <a:effectLst/>
+                <a:latin typeface="-apple-system"/>
+              </a:rPr>
+              <a:t>=&gt; </a:t>
+            </a:r>
+            <a:r>
+              <a:rPr lang="en-GB" b="0" i="0" dirty="0">
+                <a:solidFill>
+                  <a:srgbClr val="000000"/>
+                </a:solidFill>
+                <a:effectLst/>
+                <a:latin typeface="DejaVu Sans" panose="020B0609030804020204" pitchFamily="49" charset="0"/>
+              </a:rPr>
+              <a:t>coupling literal text with embedded expressions and </a:t>
+            </a:r>
+            <a:r>
+              <a:rPr lang="en-GB" b="0" i="1" dirty="0">
+                <a:solidFill>
+                  <a:srgbClr val="000000"/>
+                </a:solidFill>
+                <a:effectLst/>
+                <a:latin typeface="DejaVu Sans" panose="020B0609030804020204" pitchFamily="49" charset="0"/>
+              </a:rPr>
+              <a:t>template processors</a:t>
+            </a:r>
+            <a:r>
+              <a:rPr lang="en-GB" b="0" i="0" dirty="0">
+                <a:solidFill>
+                  <a:srgbClr val="000000"/>
+                </a:solidFill>
+                <a:effectLst/>
+                <a:latin typeface="DejaVu Sans" panose="020B0609030804020204" pitchFamily="49" charset="0"/>
+              </a:rPr>
+              <a:t> to produce specialized results.</a:t>
+            </a:r>
+          </a:p>
+          <a:p>
+            <a:r>
+              <a:rPr lang="en-GB" b="0" i="0" dirty="0">
+                <a:solidFill>
+                  <a:srgbClr val="000000"/>
+                </a:solidFill>
+                <a:effectLst/>
+                <a:latin typeface="DejaVu Sans" panose="020B0609030804020204" pitchFamily="49" charset="0"/>
+              </a:rPr>
+              <a:t>String interpolation is dangerous because the resulted strings might need to be validated or secured, especially when interacting with other systems – such as SQL databases.</a:t>
+            </a:r>
+          </a:p>
+          <a:p>
+            <a:r>
+              <a:rPr lang="en-GB" b="0" i="0" dirty="0">
+                <a:solidFill>
+                  <a:srgbClr val="000000"/>
+                </a:solidFill>
+                <a:effectLst/>
+                <a:latin typeface="DejaVu Sans" panose="020B0609030804020204" pitchFamily="49" charset="0"/>
+              </a:rPr>
+              <a:t>Another example -&gt; a JSON string can easily be broken by interpolation.</a:t>
+            </a:r>
+          </a:p>
+          <a:p>
+            <a:endParaRPr lang="en-GB" b="0" i="0" dirty="0">
+              <a:solidFill>
+                <a:srgbClr val="000000"/>
+              </a:solidFill>
+              <a:effectLst/>
+              <a:latin typeface="DejaVu Sans" panose="020B0609030804020204" pitchFamily="49" charset="0"/>
+            </a:endParaRPr>
+          </a:p>
+          <a:p>
+            <a:r>
+              <a:rPr lang="en-GB" b="0" i="1" dirty="0">
+                <a:solidFill>
+                  <a:srgbClr val="000000"/>
+                </a:solidFill>
+                <a:effectLst/>
+                <a:latin typeface="DejaVu Sans" panose="020B0609030804020204" pitchFamily="49" charset="0"/>
+              </a:rPr>
+              <a:t>Template expressions</a:t>
+            </a:r>
+            <a:r>
+              <a:rPr lang="en-GB" b="0" i="0" dirty="0">
+                <a:solidFill>
+                  <a:srgbClr val="000000"/>
+                </a:solidFill>
+                <a:effectLst/>
+                <a:latin typeface="DejaVu Sans" panose="020B0609030804020204" pitchFamily="49" charset="0"/>
+              </a:rPr>
+              <a:t> are a new kind of expression in the Java programming language. Template expressions can perform string interpolation but are also programmable in a way that helps developers compose strings safely and efficiently.</a:t>
+            </a:r>
+          </a:p>
+          <a:p>
+            <a:r>
+              <a:rPr lang="en-GB" b="0" i="0" dirty="0">
+                <a:solidFill>
+                  <a:srgbClr val="000000"/>
+                </a:solidFill>
+                <a:effectLst/>
+                <a:latin typeface="DejaVu Sans" panose="020B0609030804020204" pitchFamily="49" charset="0"/>
+              </a:rPr>
+              <a:t>Template processor + “.” + embedded expression</a:t>
+            </a:r>
+          </a:p>
+          <a:p>
+            <a:endParaRPr lang="en-GB" b="0" i="0" dirty="0">
+              <a:solidFill>
+                <a:srgbClr val="000000"/>
+              </a:solidFill>
+              <a:effectLst/>
+              <a:latin typeface="DejaVu Sans" panose="020B0609030804020204" pitchFamily="49" charset="0"/>
+            </a:endParaRPr>
+          </a:p>
+          <a:p>
+            <a:r>
+              <a:rPr lang="en-GB" b="0" i="0" dirty="0">
+                <a:solidFill>
+                  <a:srgbClr val="000000"/>
+                </a:solidFill>
+                <a:effectLst/>
+                <a:latin typeface="DejaVu Sans" panose="020B0609030804020204" pitchFamily="49" charset="0"/>
+              </a:rPr>
+              <a:t>Other FMT = STF +  interprets format specifiers , RAW (STR deferred). </a:t>
+            </a:r>
             <a:endParaRPr lang="en-US" dirty="0"/>
           </a:p>
         </p:txBody>
@@ -1177,7 +2417,7 @@
           <a:p>
             <a:fld id="{97338A82-0D20-3D4A-B4B7-58B5112FF922}" type="slidenum">
               <a:rPr lang="en-US" smtClean="0"/>
-              <a:t>15</a:t>
+              <a:t>10</a:t>
             </a:fld>
             <a:endParaRPr lang="en-US"/>
           </a:p>
@@ -1186,7 +2426,7 @@
     </p:spTree>
     <p:extLst>
       <p:ext uri="{BB962C8B-B14F-4D97-AF65-F5344CB8AC3E}">
-        <p14:creationId xmlns:p14="http://schemas.microsoft.com/office/powerpoint/2010/main" val="907419315"/>
+        <p14:creationId xmlns:p14="http://schemas.microsoft.com/office/powerpoint/2010/main" val="2053882686"/>
       </p:ext>
     </p:extLst>
   </p:cSld>
@@ -1240,7 +2480,17 @@
           <a:bodyPr/>
           <a:lstStyle/>
           <a:p>
-            <a:endParaRPr lang="en-US"/>
+            <a:r>
+              <a:rPr lang="en-GB" b="0" i="0" dirty="0">
+                <a:solidFill>
+                  <a:srgbClr val="000000"/>
+                </a:solidFill>
+                <a:effectLst/>
+                <a:latin typeface="DejaVu Sans" panose="020B0609030804020204" pitchFamily="49" charset="0"/>
+              </a:rPr>
+              <a:t>new interfaces to represent collections with a defined encounter order.</a:t>
+            </a:r>
+            <a:endParaRPr lang="en-US" dirty="0"/>
           </a:p>
         </p:txBody>
       </p:sp>
@@ -1261,7 +2511,7 @@
           <a:p>
             <a:fld id="{97338A82-0D20-3D4A-B4B7-58B5112FF922}" type="slidenum">
               <a:rPr lang="en-US" smtClean="0"/>
-              <a:t>17</a:t>
+              <a:t>11</a:t>
             </a:fld>
             <a:endParaRPr lang="en-US"/>
           </a:p>
@@ -1270,7 +2520,7 @@
     </p:spTree>
     <p:extLst>
       <p:ext uri="{BB962C8B-B14F-4D97-AF65-F5344CB8AC3E}">
-        <p14:creationId xmlns:p14="http://schemas.microsoft.com/office/powerpoint/2010/main" val="2280700044"/>
+        <p14:creationId xmlns:p14="http://schemas.microsoft.com/office/powerpoint/2010/main" val="1016568727"/>
       </p:ext>
     </p:extLst>
   </p:cSld>
@@ -1429,7 +2679,7 @@
           <a:p>
             <a:fld id="{00B59761-C2A7-844A-B0A4-477EF3BF3F07}" type="datetimeFigureOut">
               <a:rPr lang="en-US" smtClean="0"/>
-              <a:t>10/4/23</a:t>
+              <a:t>11/3/23</a:t>
             </a:fld>
             <a:endParaRPr lang="en-US"/>
           </a:p>
@@ -1629,7 +2879,7 @@
           <a:p>
             <a:fld id="{00B59761-C2A7-844A-B0A4-477EF3BF3F07}" type="datetimeFigureOut">
               <a:rPr lang="en-US" smtClean="0"/>
-              <a:t>10/4/23</a:t>
+              <a:t>11/3/23</a:t>
             </a:fld>
             <a:endParaRPr lang="en-US"/>
           </a:p>
@@ -1839,7 +3089,7 @@
           <a:p>
             <a:fld id="{00B59761-C2A7-844A-B0A4-477EF3BF3F07}" type="datetimeFigureOut">
               <a:rPr lang="en-US" smtClean="0"/>
-              <a:t>10/4/23</a:t>
+              <a:t>11/3/23</a:t>
             </a:fld>
             <a:endParaRPr lang="en-US"/>
           </a:p>
@@ -2039,7 +3289,7 @@
           <a:p>
             <a:fld id="{00B59761-C2A7-844A-B0A4-477EF3BF3F07}" type="datetimeFigureOut">
               <a:rPr lang="en-US" smtClean="0"/>
-              <a:t>10/4/23</a:t>
+              <a:t>11/3/23</a:t>
             </a:fld>
             <a:endParaRPr lang="en-US"/>
           </a:p>
@@ -2315,7 +3565,7 @@
           <a:p>
             <a:fld id="{00B59761-C2A7-844A-B0A4-477EF3BF3F07}" type="datetimeFigureOut">
               <a:rPr lang="en-US" smtClean="0"/>
-              <a:t>10/4/23</a:t>
+              <a:t>11/3/23</a:t>
             </a:fld>
             <a:endParaRPr lang="en-US"/>
           </a:p>
@@ -2583,7 +3833,7 @@
           <a:p>
             <a:fld id="{00B59761-C2A7-844A-B0A4-477EF3BF3F07}" type="datetimeFigureOut">
               <a:rPr lang="en-US" smtClean="0"/>
-              <a:t>10/4/23</a:t>
+              <a:t>11/3/23</a:t>
             </a:fld>
             <a:endParaRPr lang="en-US"/>
           </a:p>
@@ -2998,7 +4248,7 @@
           <a:p>
             <a:fld id="{00B59761-C2A7-844A-B0A4-477EF3BF3F07}" type="datetimeFigureOut">
               <a:rPr lang="en-US" smtClean="0"/>
-              <a:t>10/4/23</a:t>
+              <a:t>11/3/23</a:t>
             </a:fld>
             <a:endParaRPr lang="en-US"/>
           </a:p>
@@ -3140,7 +4390,7 @@
           <a:p>
             <a:fld id="{00B59761-C2A7-844A-B0A4-477EF3BF3F07}" type="datetimeFigureOut">
               <a:rPr lang="en-US" smtClean="0"/>
-              <a:t>10/4/23</a:t>
+              <a:t>11/3/23</a:t>
             </a:fld>
             <a:endParaRPr lang="en-US"/>
           </a:p>
@@ -3253,7 +4503,7 @@
           <a:p>
             <a:fld id="{00B59761-C2A7-844A-B0A4-477EF3BF3F07}" type="datetimeFigureOut">
               <a:rPr lang="en-US" smtClean="0"/>
-              <a:t>10/4/23</a:t>
+              <a:t>11/3/23</a:t>
             </a:fld>
             <a:endParaRPr lang="en-US"/>
           </a:p>
@@ -3566,7 +4816,7 @@
           <a:p>
             <a:fld id="{00B59761-C2A7-844A-B0A4-477EF3BF3F07}" type="datetimeFigureOut">
               <a:rPr lang="en-US" smtClean="0"/>
-              <a:t>10/4/23</a:t>
+              <a:t>11/3/23</a:t>
             </a:fld>
             <a:endParaRPr lang="en-US"/>
           </a:p>
@@ -3855,7 +5105,7 @@
           <a:p>
             <a:fld id="{00B59761-C2A7-844A-B0A4-477EF3BF3F07}" type="datetimeFigureOut">
               <a:rPr lang="en-US" smtClean="0"/>
-              <a:t>10/4/23</a:t>
+              <a:t>11/3/23</a:t>
             </a:fld>
             <a:endParaRPr lang="en-US"/>
           </a:p>
@@ -4098,7 +5348,7 @@
           <a:p>
             <a:fld id="{00B59761-C2A7-844A-B0A4-477EF3BF3F07}" type="datetimeFigureOut">
               <a:rPr lang="en-US" smtClean="0"/>
-              <a:t>10/4/23</a:t>
+              <a:t>11/3/23</a:t>
             </a:fld>
             <a:endParaRPr lang="en-US"/>
           </a:p>
@@ -5228,6 +6478,1181 @@
       </p:grpSpPr>
       <p:sp>
         <p:nvSpPr>
+          <p:cNvPr id="4" name="Title 1">
+            <a:extLst>
+              <a:ext uri="{FF2B5EF4-FFF2-40B4-BE49-F238E27FC236}">
+                <a16:creationId xmlns:a16="http://schemas.microsoft.com/office/drawing/2014/main" id="{9CA3CFD1-15C7-979F-A478-8FE9B7915B20}"/>
+              </a:ext>
+            </a:extLst>
+          </p:cNvPr>
+          <p:cNvSpPr>
+            <a:spLocks noGrp="1"/>
+          </p:cNvSpPr>
+          <p:nvPr>
+            <p:ph type="title"/>
+          </p:nvPr>
+        </p:nvSpPr>
+        <p:spPr>
+          <a:xfrm>
+            <a:off x="838200" y="365125"/>
+            <a:ext cx="10515600" cy="1325563"/>
+          </a:xfrm>
+        </p:spPr>
+        <p:txBody>
+          <a:bodyPr/>
+          <a:lstStyle/>
+          <a:p>
+            <a:r>
+              <a:rPr lang="en-US" b="1" dirty="0">
+                <a:latin typeface="+mn-lt"/>
+              </a:rPr>
+              <a:t>Amber: Everything Else</a:t>
+            </a:r>
+          </a:p>
+        </p:txBody>
+      </p:sp>
+      <p:sp>
+        <p:nvSpPr>
+          <p:cNvPr id="5" name="Content Placeholder 2">
+            <a:extLst>
+              <a:ext uri="{FF2B5EF4-FFF2-40B4-BE49-F238E27FC236}">
+                <a16:creationId xmlns:a16="http://schemas.microsoft.com/office/drawing/2014/main" id="{A6895E22-BD87-7D61-8EB0-844A4D833A03}"/>
+              </a:ext>
+            </a:extLst>
+          </p:cNvPr>
+          <p:cNvSpPr>
+            <a:spLocks noGrp="1"/>
+          </p:cNvSpPr>
+          <p:nvPr>
+            <p:ph idx="1"/>
+          </p:nvPr>
+        </p:nvSpPr>
+        <p:spPr>
+          <a:xfrm>
+            <a:off x="750469" y="1451156"/>
+            <a:ext cx="10515600" cy="4351338"/>
+          </a:xfrm>
+        </p:spPr>
+        <p:txBody>
+          <a:bodyPr>
+            <a:normAutofit/>
+          </a:bodyPr>
+          <a:lstStyle/>
+          <a:p>
+            <a:pPr fontAlgn="base">
+              <a:lnSpc>
+                <a:spcPct val="170000"/>
+              </a:lnSpc>
+              <a:spcBef>
+                <a:spcPts val="0"/>
+              </a:spcBef>
+            </a:pPr>
+            <a:r>
+              <a:rPr lang="en-GB" b="1" dirty="0">
+                <a:effectLst/>
+              </a:rPr>
+              <a:t>Pattern Matching for </a:t>
+            </a:r>
+            <a:r>
+              <a:rPr lang="en-GB" b="1" dirty="0" err="1">
+                <a:effectLst/>
+                <a:latin typeface="Courier New" panose="02070309020205020404" pitchFamily="49" charset="0"/>
+                <a:cs typeface="Courier New" panose="02070309020205020404" pitchFamily="49" charset="0"/>
+              </a:rPr>
+              <a:t>instanceof</a:t>
+            </a:r>
+            <a:r>
+              <a:rPr lang="en-GB" b="1" dirty="0">
+                <a:effectLst/>
+              </a:rPr>
+              <a:t> with Records (Java 19)</a:t>
+            </a:r>
+          </a:p>
+          <a:p>
+            <a:pPr fontAlgn="base">
+              <a:lnSpc>
+                <a:spcPct val="170000"/>
+              </a:lnSpc>
+              <a:spcBef>
+                <a:spcPts val="0"/>
+              </a:spcBef>
+            </a:pPr>
+            <a:r>
+              <a:rPr lang="en-GB" b="1" dirty="0">
+                <a:effectLst/>
+              </a:rPr>
+              <a:t>Pattern Matching for</a:t>
+            </a:r>
+            <a:r>
+              <a:rPr lang="en-GB" b="1" dirty="0"/>
+              <a:t> </a:t>
+            </a:r>
+            <a:r>
+              <a:rPr lang="en-GB" b="1" dirty="0">
+                <a:latin typeface="Courier New" panose="02070309020205020404" pitchFamily="49" charset="0"/>
+                <a:cs typeface="Courier New" panose="02070309020205020404" pitchFamily="49" charset="0"/>
+              </a:rPr>
+              <a:t>switch</a:t>
+            </a:r>
+            <a:endParaRPr lang="en-GB" b="1" dirty="0">
+              <a:effectLst/>
+              <a:latin typeface="Courier New" panose="02070309020205020404" pitchFamily="49" charset="0"/>
+              <a:cs typeface="Courier New" panose="02070309020205020404" pitchFamily="49" charset="0"/>
+            </a:endParaRPr>
+          </a:p>
+          <a:p>
+            <a:pPr rtl="0" fontAlgn="base">
+              <a:lnSpc>
+                <a:spcPct val="170000"/>
+              </a:lnSpc>
+              <a:spcBef>
+                <a:spcPts val="0"/>
+              </a:spcBef>
+              <a:spcAft>
+                <a:spcPts val="0"/>
+              </a:spcAft>
+              <a:buFont typeface="Arial" panose="020B0604020202020204" pitchFamily="34" charset="0"/>
+              <a:buChar char="•"/>
+            </a:pPr>
+            <a:r>
+              <a:rPr lang="en-US" b="1" dirty="0"/>
+              <a:t>Unnamed Pattern &amp; Unnamed Variables </a:t>
+            </a:r>
+            <a:r>
+              <a:rPr lang="en-US" b="1" i="1" dirty="0"/>
+              <a:t>(preview)</a:t>
+            </a:r>
+          </a:p>
+          <a:p>
+            <a:pPr lvl="1" fontAlgn="base">
+              <a:lnSpc>
+                <a:spcPct val="170000"/>
+              </a:lnSpc>
+              <a:spcBef>
+                <a:spcPts val="0"/>
+              </a:spcBef>
+            </a:pPr>
+            <a:r>
+              <a:rPr lang="en-US" b="1" i="1" dirty="0"/>
+              <a:t>The return of the underscore</a:t>
+            </a:r>
+          </a:p>
+          <a:p>
+            <a:pPr fontAlgn="base">
+              <a:lnSpc>
+                <a:spcPct val="170000"/>
+              </a:lnSpc>
+              <a:spcBef>
+                <a:spcPts val="0"/>
+              </a:spcBef>
+            </a:pPr>
+            <a:r>
+              <a:rPr lang="en-US" b="1" dirty="0"/>
+              <a:t>Unnamed Classes &amp; Instance main Methods </a:t>
+            </a:r>
+            <a:r>
+              <a:rPr lang="en-US" b="1" i="1" dirty="0"/>
+              <a:t>(preview)</a:t>
+            </a:r>
+          </a:p>
+          <a:p>
+            <a:pPr rtl="0" fontAlgn="base">
+              <a:lnSpc>
+                <a:spcPct val="170000"/>
+              </a:lnSpc>
+              <a:spcBef>
+                <a:spcPts val="0"/>
+              </a:spcBef>
+              <a:spcAft>
+                <a:spcPts val="0"/>
+              </a:spcAft>
+              <a:buFont typeface="Arial" panose="020B0604020202020204" pitchFamily="34" charset="0"/>
+              <a:buChar char="•"/>
+            </a:pPr>
+            <a:endParaRPr lang="en-US" b="1" dirty="0"/>
+          </a:p>
+        </p:txBody>
+      </p:sp>
+    </p:spTree>
+    <p:extLst>
+      <p:ext uri="{BB962C8B-B14F-4D97-AF65-F5344CB8AC3E}">
+        <p14:creationId xmlns:p14="http://schemas.microsoft.com/office/powerpoint/2010/main" val="2276442408"/>
+      </p:ext>
+    </p:extLst>
+  </p:cSld>
+  <p:clrMapOvr>
+    <a:masterClrMapping/>
+  </p:clrMapOvr>
+</p:sld>
+</file>
+
+<file path=ppt/slides/slide11.xml><?xml version="1.0" encoding="utf-8"?>
+<p:sld xmlns:a="http://schemas.openxmlformats.org/drawingml/2006/main" xmlns:r="http://schemas.openxmlformats.org/officeDocument/2006/relationships" xmlns:p="http://schemas.openxmlformats.org/presentationml/2006/main">
+  <p:cSld>
+    <p:bg>
+      <p:bgPr>
+        <a:solidFill>
+          <a:schemeClr val="bg1"/>
+        </a:solidFill>
+        <a:effectLst/>
+      </p:bgPr>
+    </p:bg>
+    <p:spTree>
+      <p:nvGrpSpPr>
+        <p:cNvPr id="1" name=""/>
+        <p:cNvGrpSpPr/>
+        <p:nvPr/>
+      </p:nvGrpSpPr>
+      <p:grpSpPr>
+        <a:xfrm>
+          <a:off x="0" y="0"/>
+          <a:ext cx="0" cy="0"/>
+          <a:chOff x="0" y="0"/>
+          <a:chExt cx="0" cy="0"/>
+        </a:xfrm>
+      </p:grpSpPr>
+      <p:sp useBgFill="1">
+        <p:nvSpPr>
+          <p:cNvPr id="8" name="Rectangle 7">
+            <a:extLst>
+              <a:ext uri="{FF2B5EF4-FFF2-40B4-BE49-F238E27FC236}">
+                <a16:creationId xmlns:a16="http://schemas.microsoft.com/office/drawing/2014/main" id="{FEC7823C-FDD6-429C-986C-063FDEBF9EAA}"/>
+              </a:ext>
+              <a:ext uri="{C183D7F6-B498-43B3-948B-1728B52AA6E4}">
+                <adec:decorative xmlns:adec="http://schemas.microsoft.com/office/drawing/2017/decorative" val="1"/>
+              </a:ext>
+            </a:extLst>
+          </p:cNvPr>
+          <p:cNvSpPr>
+            <a:spLocks noGrp="1" noRot="1" noChangeAspect="1" noMove="1" noResize="1" noEditPoints="1" noAdjustHandles="1" noChangeArrowheads="1" noChangeShapeType="1" noTextEdit="1"/>
+          </p:cNvSpPr>
+          <p:nvPr>
+            <p:extLst>
+              <p:ext uri="{386F3935-93C4-4BCD-93E2-E3B085C9AB24}">
+                <p16:designElem xmlns:p16="http://schemas.microsoft.com/office/powerpoint/2015/main" val="1"/>
+              </p:ext>
+            </p:extLst>
+          </p:nvPr>
+        </p:nvSpPr>
+        <p:spPr>
+          <a:xfrm>
+            <a:off x="0" y="0"/>
+            <a:ext cx="12188952" cy="6858000"/>
+          </a:xfrm>
+          <a:prstGeom prst="rect">
+            <a:avLst/>
+          </a:prstGeom>
+          <a:ln>
+            <a:noFill/>
+          </a:ln>
+        </p:spPr>
+        <p:style>
+          <a:lnRef idx="2">
+            <a:schemeClr val="accent1">
+              <a:shade val="50000"/>
+            </a:schemeClr>
+          </a:lnRef>
+          <a:fillRef idx="1">
+            <a:schemeClr val="accent1"/>
+          </a:fillRef>
+          <a:effectRef idx="0">
+            <a:schemeClr val="accent1"/>
+          </a:effectRef>
+          <a:fontRef idx="minor">
+            <a:schemeClr val="lt1"/>
+          </a:fontRef>
+        </p:style>
+        <p:txBody>
+          <a:bodyPr rtlCol="0" anchor="ctr"/>
+          <a:lstStyle/>
+          <a:p>
+            <a:pPr algn="ctr"/>
+            <a:endParaRPr lang="en-US"/>
+          </a:p>
+        </p:txBody>
+      </p:sp>
+      <p:sp>
+        <p:nvSpPr>
+          <p:cNvPr id="10" name="Freeform: Shape 9">
+            <a:extLst>
+              <a:ext uri="{FF2B5EF4-FFF2-40B4-BE49-F238E27FC236}">
+                <a16:creationId xmlns:a16="http://schemas.microsoft.com/office/drawing/2014/main" id="{9CF7FE1C-8BC5-4B0C-A2BC-93AB72C90FDD}"/>
+              </a:ext>
+              <a:ext uri="{C183D7F6-B498-43B3-948B-1728B52AA6E4}">
+                <adec:decorative xmlns:adec="http://schemas.microsoft.com/office/drawing/2017/decorative" val="1"/>
+              </a:ext>
+            </a:extLst>
+          </p:cNvPr>
+          <p:cNvSpPr>
+            <a:spLocks noGrp="1" noRot="1" noChangeAspect="1" noMove="1" noResize="1" noEditPoints="1" noAdjustHandles="1" noChangeArrowheads="1" noChangeShapeType="1" noTextEdit="1"/>
+          </p:cNvSpPr>
+          <p:nvPr>
+            <p:extLst>
+              <p:ext uri="{386F3935-93C4-4BCD-93E2-E3B085C9AB24}">
+                <p16:designElem xmlns:p16="http://schemas.microsoft.com/office/powerpoint/2015/main" val="1"/>
+              </p:ext>
+            </p:extLst>
+          </p:nvPr>
+        </p:nvSpPr>
+        <p:spPr>
+          <a:xfrm>
+            <a:off x="1768100" y="-1"/>
+            <a:ext cx="10423900" cy="5920155"/>
+          </a:xfrm>
+          <a:custGeom>
+            <a:avLst/>
+            <a:gdLst>
+              <a:gd name="connsiteX0" fmla="*/ 10423900 w 10423900"/>
+              <a:gd name="connsiteY0" fmla="*/ 0 h 5491534"/>
+              <a:gd name="connsiteX1" fmla="*/ 3493157 w 10423900"/>
+              <a:gd name="connsiteY1" fmla="*/ 0 h 5491534"/>
+              <a:gd name="connsiteX2" fmla="*/ 3493018 w 10423900"/>
+              <a:gd name="connsiteY2" fmla="*/ 31 h 5491534"/>
+              <a:gd name="connsiteX3" fmla="*/ 3245493 w 10423900"/>
+              <a:gd name="connsiteY3" fmla="*/ 104839 h 5491534"/>
+              <a:gd name="connsiteX4" fmla="*/ 4434802 w 10423900"/>
+              <a:gd name="connsiteY4" fmla="*/ 284558 h 5491534"/>
+              <a:gd name="connsiteX5" fmla="*/ 4011937 w 10423900"/>
+              <a:gd name="connsiteY5" fmla="*/ 395559 h 5491534"/>
+              <a:gd name="connsiteX6" fmla="*/ 3573213 w 10423900"/>
+              <a:gd name="connsiteY6" fmla="*/ 474847 h 5491534"/>
+              <a:gd name="connsiteX7" fmla="*/ 3097489 w 10423900"/>
+              <a:gd name="connsiteY7" fmla="*/ 532990 h 5491534"/>
+              <a:gd name="connsiteX8" fmla="*/ 2664052 w 10423900"/>
+              <a:gd name="connsiteY8" fmla="*/ 649279 h 5491534"/>
+              <a:gd name="connsiteX9" fmla="*/ 3795218 w 10423900"/>
+              <a:gd name="connsiteY9" fmla="*/ 696852 h 5491534"/>
+              <a:gd name="connsiteX10" fmla="*/ 3208492 w 10423900"/>
+              <a:gd name="connsiteY10" fmla="*/ 802568 h 5491534"/>
+              <a:gd name="connsiteX11" fmla="*/ 2727483 w 10423900"/>
+              <a:gd name="connsiteY11" fmla="*/ 939999 h 5491534"/>
+              <a:gd name="connsiteX12" fmla="*/ 2389190 w 10423900"/>
+              <a:gd name="connsiteY12" fmla="*/ 1003429 h 5491534"/>
+              <a:gd name="connsiteX13" fmla="*/ 2029754 w 10423900"/>
+              <a:gd name="connsiteY13" fmla="*/ 1019287 h 5491534"/>
+              <a:gd name="connsiteX14" fmla="*/ 1945181 w 10423900"/>
+              <a:gd name="connsiteY14" fmla="*/ 1119716 h 5491534"/>
+              <a:gd name="connsiteX15" fmla="*/ 2056184 w 10423900"/>
+              <a:gd name="connsiteY15" fmla="*/ 1225434 h 5491534"/>
+              <a:gd name="connsiteX16" fmla="*/ 2225329 w 10423900"/>
+              <a:gd name="connsiteY16" fmla="*/ 1236004 h 5491534"/>
+              <a:gd name="connsiteX17" fmla="*/ 3234920 w 10423900"/>
+              <a:gd name="connsiteY17" fmla="*/ 1262435 h 5491534"/>
+              <a:gd name="connsiteX18" fmla="*/ 0 w 10423900"/>
+              <a:gd name="connsiteY18" fmla="*/ 1495009 h 5491534"/>
+              <a:gd name="connsiteX19" fmla="*/ 438724 w 10423900"/>
+              <a:gd name="connsiteY19" fmla="*/ 1637728 h 5491534"/>
+              <a:gd name="connsiteX20" fmla="*/ 586726 w 10423900"/>
+              <a:gd name="connsiteY20" fmla="*/ 2028877 h 5491534"/>
+              <a:gd name="connsiteX21" fmla="*/ 1125878 w 10423900"/>
+              <a:gd name="connsiteY21" fmla="*/ 2250882 h 5491534"/>
+              <a:gd name="connsiteX22" fmla="*/ 1474744 w 10423900"/>
+              <a:gd name="connsiteY22" fmla="*/ 2330169 h 5491534"/>
+              <a:gd name="connsiteX23" fmla="*/ 2272901 w 10423900"/>
+              <a:gd name="connsiteY23" fmla="*/ 2446458 h 5491534"/>
+              <a:gd name="connsiteX24" fmla="*/ 2389190 w 10423900"/>
+              <a:gd name="connsiteY24" fmla="*/ 2636747 h 5491534"/>
+              <a:gd name="connsiteX25" fmla="*/ 2489621 w 10423900"/>
+              <a:gd name="connsiteY25" fmla="*/ 2848179 h 5491534"/>
+              <a:gd name="connsiteX26" fmla="*/ 2701053 w 10423900"/>
+              <a:gd name="connsiteY26" fmla="*/ 2985611 h 5491534"/>
+              <a:gd name="connsiteX27" fmla="*/ 1057165 w 10423900"/>
+              <a:gd name="connsiteY27" fmla="*/ 2964468 h 5491534"/>
+              <a:gd name="connsiteX28" fmla="*/ 2912485 w 10423900"/>
+              <a:gd name="connsiteY28" fmla="*/ 3408477 h 5491534"/>
+              <a:gd name="connsiteX29" fmla="*/ 2748626 w 10423900"/>
+              <a:gd name="connsiteY29" fmla="*/ 3582909 h 5491534"/>
+              <a:gd name="connsiteX30" fmla="*/ 3763503 w 10423900"/>
+              <a:gd name="connsiteY30" fmla="*/ 3820771 h 5491534"/>
+              <a:gd name="connsiteX31" fmla="*/ 3219063 w 10423900"/>
+              <a:gd name="connsiteY31" fmla="*/ 3847199 h 5491534"/>
+              <a:gd name="connsiteX32" fmla="*/ 6385269 w 10423900"/>
+              <a:gd name="connsiteY32" fmla="*/ 4840933 h 5491534"/>
+              <a:gd name="connsiteX33" fmla="*/ 10285854 w 10423900"/>
+              <a:gd name="connsiteY33" fmla="*/ 5471118 h 5491534"/>
+              <a:gd name="connsiteX34" fmla="*/ 10423900 w 10423900"/>
+              <a:gd name="connsiteY34" fmla="*/ 5491534 h 5491534"/>
+            </a:gdLst>
+            <a:ahLst/>
+            <a:cxnLst>
+              <a:cxn ang="0">
+                <a:pos x="connsiteX0" y="connsiteY0"/>
+              </a:cxn>
+              <a:cxn ang="0">
+                <a:pos x="connsiteX1" y="connsiteY1"/>
+              </a:cxn>
+              <a:cxn ang="0">
+                <a:pos x="connsiteX2" y="connsiteY2"/>
+              </a:cxn>
+              <a:cxn ang="0">
+                <a:pos x="connsiteX3" y="connsiteY3"/>
+              </a:cxn>
+              <a:cxn ang="0">
+                <a:pos x="connsiteX4" y="connsiteY4"/>
+              </a:cxn>
+              <a:cxn ang="0">
+                <a:pos x="connsiteX5" y="connsiteY5"/>
+              </a:cxn>
+              <a:cxn ang="0">
+                <a:pos x="connsiteX6" y="connsiteY6"/>
+              </a:cxn>
+              <a:cxn ang="0">
+                <a:pos x="connsiteX7" y="connsiteY7"/>
+              </a:cxn>
+              <a:cxn ang="0">
+                <a:pos x="connsiteX8" y="connsiteY8"/>
+              </a:cxn>
+              <a:cxn ang="0">
+                <a:pos x="connsiteX9" y="connsiteY9"/>
+              </a:cxn>
+              <a:cxn ang="0">
+                <a:pos x="connsiteX10" y="connsiteY10"/>
+              </a:cxn>
+              <a:cxn ang="0">
+                <a:pos x="connsiteX11" y="connsiteY11"/>
+              </a:cxn>
+              <a:cxn ang="0">
+                <a:pos x="connsiteX12" y="connsiteY12"/>
+              </a:cxn>
+              <a:cxn ang="0">
+                <a:pos x="connsiteX13" y="connsiteY13"/>
+              </a:cxn>
+              <a:cxn ang="0">
+                <a:pos x="connsiteX14" y="connsiteY14"/>
+              </a:cxn>
+              <a:cxn ang="0">
+                <a:pos x="connsiteX15" y="connsiteY15"/>
+              </a:cxn>
+              <a:cxn ang="0">
+                <a:pos x="connsiteX16" y="connsiteY16"/>
+              </a:cxn>
+              <a:cxn ang="0">
+                <a:pos x="connsiteX17" y="connsiteY17"/>
+              </a:cxn>
+              <a:cxn ang="0">
+                <a:pos x="connsiteX18" y="connsiteY18"/>
+              </a:cxn>
+              <a:cxn ang="0">
+                <a:pos x="connsiteX19" y="connsiteY19"/>
+              </a:cxn>
+              <a:cxn ang="0">
+                <a:pos x="connsiteX20" y="connsiteY20"/>
+              </a:cxn>
+              <a:cxn ang="0">
+                <a:pos x="connsiteX21" y="connsiteY21"/>
+              </a:cxn>
+              <a:cxn ang="0">
+                <a:pos x="connsiteX22" y="connsiteY22"/>
+              </a:cxn>
+              <a:cxn ang="0">
+                <a:pos x="connsiteX23" y="connsiteY23"/>
+              </a:cxn>
+              <a:cxn ang="0">
+                <a:pos x="connsiteX24" y="connsiteY24"/>
+              </a:cxn>
+              <a:cxn ang="0">
+                <a:pos x="connsiteX25" y="connsiteY25"/>
+              </a:cxn>
+              <a:cxn ang="0">
+                <a:pos x="connsiteX26" y="connsiteY26"/>
+              </a:cxn>
+              <a:cxn ang="0">
+                <a:pos x="connsiteX27" y="connsiteY27"/>
+              </a:cxn>
+              <a:cxn ang="0">
+                <a:pos x="connsiteX28" y="connsiteY28"/>
+              </a:cxn>
+              <a:cxn ang="0">
+                <a:pos x="connsiteX29" y="connsiteY29"/>
+              </a:cxn>
+              <a:cxn ang="0">
+                <a:pos x="connsiteX30" y="connsiteY30"/>
+              </a:cxn>
+              <a:cxn ang="0">
+                <a:pos x="connsiteX31" y="connsiteY31"/>
+              </a:cxn>
+              <a:cxn ang="0">
+                <a:pos x="connsiteX32" y="connsiteY32"/>
+              </a:cxn>
+              <a:cxn ang="0">
+                <a:pos x="connsiteX33" y="connsiteY33"/>
+              </a:cxn>
+              <a:cxn ang="0">
+                <a:pos x="connsiteX34" y="connsiteY34"/>
+              </a:cxn>
+            </a:cxnLst>
+            <a:rect l="l" t="t" r="r" b="b"/>
+            <a:pathLst>
+              <a:path w="10423900" h="5491534">
+                <a:moveTo>
+                  <a:pt x="10423900" y="0"/>
+                </a:moveTo>
+                <a:lnTo>
+                  <a:pt x="3493157" y="0"/>
+                </a:lnTo>
+                <a:lnTo>
+                  <a:pt x="3493018" y="31"/>
+                </a:lnTo>
+                <a:cubicBezTo>
+                  <a:pt x="3414969" y="12668"/>
+                  <a:pt x="3328744" y="21588"/>
+                  <a:pt x="3245493" y="104839"/>
+                </a:cubicBezTo>
+                <a:cubicBezTo>
+                  <a:pt x="3668357" y="162984"/>
+                  <a:pt x="4075366" y="51981"/>
+                  <a:pt x="4434802" y="284558"/>
+                </a:cubicBezTo>
+                <a:cubicBezTo>
+                  <a:pt x="4302656" y="400846"/>
+                  <a:pt x="4154654" y="374416"/>
+                  <a:pt x="4011937" y="395559"/>
+                </a:cubicBezTo>
+                <a:cubicBezTo>
+                  <a:pt x="3863934" y="416704"/>
+                  <a:pt x="3721217" y="453704"/>
+                  <a:pt x="3573213" y="474847"/>
+                </a:cubicBezTo>
+                <a:cubicBezTo>
+                  <a:pt x="3414639" y="501275"/>
+                  <a:pt x="3256063" y="506562"/>
+                  <a:pt x="3097489" y="532990"/>
+                </a:cubicBezTo>
+                <a:cubicBezTo>
+                  <a:pt x="2965345" y="554135"/>
+                  <a:pt x="2822627" y="517133"/>
+                  <a:pt x="2664052" y="649279"/>
+                </a:cubicBezTo>
+                <a:cubicBezTo>
+                  <a:pt x="3055203" y="744424"/>
+                  <a:pt x="3409352" y="601706"/>
+                  <a:pt x="3795218" y="696852"/>
+                </a:cubicBezTo>
+                <a:cubicBezTo>
+                  <a:pt x="3567928" y="781425"/>
+                  <a:pt x="3382924" y="754995"/>
+                  <a:pt x="3208492" y="802568"/>
+                </a:cubicBezTo>
+                <a:cubicBezTo>
+                  <a:pt x="3049916" y="850140"/>
+                  <a:pt x="2859627" y="797282"/>
+                  <a:pt x="2727483" y="939999"/>
+                </a:cubicBezTo>
+                <a:cubicBezTo>
+                  <a:pt x="2627052" y="1051000"/>
+                  <a:pt x="2521336" y="1066858"/>
+                  <a:pt x="2389190" y="1003429"/>
+                </a:cubicBezTo>
+                <a:cubicBezTo>
+                  <a:pt x="2272901" y="945284"/>
+                  <a:pt x="2146043" y="961142"/>
+                  <a:pt x="2029754" y="1019287"/>
+                </a:cubicBezTo>
+                <a:cubicBezTo>
+                  <a:pt x="1987468" y="1040430"/>
+                  <a:pt x="1945181" y="1066858"/>
+                  <a:pt x="1945181" y="1119716"/>
+                </a:cubicBezTo>
+                <a:cubicBezTo>
+                  <a:pt x="1945181" y="1193719"/>
+                  <a:pt x="1998039" y="1214862"/>
+                  <a:pt x="2056184" y="1225434"/>
+                </a:cubicBezTo>
+                <a:cubicBezTo>
+                  <a:pt x="2109042" y="1236004"/>
+                  <a:pt x="2172471" y="1246577"/>
+                  <a:pt x="2225329" y="1236004"/>
+                </a:cubicBezTo>
+                <a:cubicBezTo>
+                  <a:pt x="2563622" y="1177861"/>
+                  <a:pt x="2896629" y="1273005"/>
+                  <a:pt x="3234920" y="1262435"/>
+                </a:cubicBezTo>
+                <a:cubicBezTo>
+                  <a:pt x="2172471" y="1489724"/>
+                  <a:pt x="1099450" y="1415723"/>
+                  <a:pt x="0" y="1495009"/>
+                </a:cubicBezTo>
+                <a:cubicBezTo>
+                  <a:pt x="142717" y="1653583"/>
+                  <a:pt x="327721" y="1521439"/>
+                  <a:pt x="438724" y="1637728"/>
+                </a:cubicBezTo>
+                <a:cubicBezTo>
+                  <a:pt x="333006" y="1880875"/>
+                  <a:pt x="375293" y="2013020"/>
+                  <a:pt x="586726" y="2028877"/>
+                </a:cubicBezTo>
+                <a:cubicBezTo>
+                  <a:pt x="792873" y="2044734"/>
+                  <a:pt x="1014877" y="1960161"/>
+                  <a:pt x="1125878" y="2250882"/>
+                </a:cubicBezTo>
+                <a:cubicBezTo>
+                  <a:pt x="1157593" y="2340740"/>
+                  <a:pt x="1353170" y="2314312"/>
+                  <a:pt x="1474744" y="2330169"/>
+                </a:cubicBezTo>
+                <a:cubicBezTo>
+                  <a:pt x="1739034" y="2367170"/>
+                  <a:pt x="2019183" y="2330169"/>
+                  <a:pt x="2272901" y="2446458"/>
+                </a:cubicBezTo>
+                <a:cubicBezTo>
+                  <a:pt x="2373332" y="2488744"/>
+                  <a:pt x="2442048" y="2520459"/>
+                  <a:pt x="2389190" y="2636747"/>
+                </a:cubicBezTo>
+                <a:cubicBezTo>
+                  <a:pt x="2336332" y="2758321"/>
+                  <a:pt x="2405048" y="2800607"/>
+                  <a:pt x="2489621" y="2848179"/>
+                </a:cubicBezTo>
+                <a:cubicBezTo>
+                  <a:pt x="2553051" y="2885180"/>
+                  <a:pt x="2648195" y="2874609"/>
+                  <a:pt x="2701053" y="2985611"/>
+                </a:cubicBezTo>
+                <a:cubicBezTo>
+                  <a:pt x="2146043" y="2969753"/>
+                  <a:pt x="1606888" y="2879895"/>
+                  <a:pt x="1057165" y="2964468"/>
+                </a:cubicBezTo>
+                <a:cubicBezTo>
+                  <a:pt x="1659748" y="3175900"/>
+                  <a:pt x="2320474" y="3165328"/>
+                  <a:pt x="2912485" y="3408477"/>
+                </a:cubicBezTo>
+                <a:cubicBezTo>
+                  <a:pt x="2891342" y="3493050"/>
+                  <a:pt x="2753911" y="3456048"/>
+                  <a:pt x="2748626" y="3582909"/>
+                </a:cubicBezTo>
+                <a:cubicBezTo>
+                  <a:pt x="3060489" y="3715055"/>
+                  <a:pt x="3435782" y="3625195"/>
+                  <a:pt x="3763503" y="3820771"/>
+                </a:cubicBezTo>
+                <a:cubicBezTo>
+                  <a:pt x="3573213" y="3910629"/>
+                  <a:pt x="3398782" y="3762626"/>
+                  <a:pt x="3219063" y="3847199"/>
+                </a:cubicBezTo>
+                <a:cubicBezTo>
+                  <a:pt x="3277208" y="3974060"/>
+                  <a:pt x="5909545" y="4756360"/>
+                  <a:pt x="6385269" y="4840933"/>
+                </a:cubicBezTo>
+                <a:cubicBezTo>
+                  <a:pt x="7171204" y="4982659"/>
+                  <a:pt x="9157515" y="5302348"/>
+                  <a:pt x="10285854" y="5471118"/>
+                </a:cubicBezTo>
+                <a:lnTo>
+                  <a:pt x="10423900" y="5491534"/>
+                </a:lnTo>
+                <a:close/>
+              </a:path>
+            </a:pathLst>
+          </a:custGeom>
+          <a:solidFill>
+            <a:schemeClr val="bg2">
+              <a:alpha val="50000"/>
+            </a:schemeClr>
+          </a:solidFill>
+          <a:ln w="32707" cap="flat">
+            <a:noFill/>
+            <a:prstDash val="solid"/>
+            <a:miter/>
+          </a:ln>
+        </p:spPr>
+        <p:txBody>
+          <a:bodyPr rtlCol="0" anchor="ctr"/>
+          <a:lstStyle/>
+          <a:p>
+            <a:endParaRPr lang="en-US"/>
+          </a:p>
+        </p:txBody>
+      </p:sp>
+      <p:sp>
+        <p:nvSpPr>
+          <p:cNvPr id="12" name="Freeform: Shape 11">
+            <a:extLst>
+              <a:ext uri="{FF2B5EF4-FFF2-40B4-BE49-F238E27FC236}">
+                <a16:creationId xmlns:a16="http://schemas.microsoft.com/office/drawing/2014/main" id="{B0651F5E-0457-4065-ACB2-8B81590C204B}"/>
+              </a:ext>
+              <a:ext uri="{C183D7F6-B498-43B3-948B-1728B52AA6E4}">
+                <adec:decorative xmlns:adec="http://schemas.microsoft.com/office/drawing/2017/decorative" val="1"/>
+              </a:ext>
+            </a:extLst>
+          </p:cNvPr>
+          <p:cNvSpPr>
+            <a:spLocks noGrp="1" noRot="1" noChangeAspect="1" noMove="1" noResize="1" noEditPoints="1" noAdjustHandles="1" noChangeArrowheads="1" noChangeShapeType="1" noTextEdit="1"/>
+          </p:cNvSpPr>
+          <p:nvPr>
+            <p:extLst>
+              <p:ext uri="{386F3935-93C4-4BCD-93E2-E3B085C9AB24}">
+                <p16:designElem xmlns:p16="http://schemas.microsoft.com/office/powerpoint/2015/main" val="1"/>
+              </p:ext>
+            </p:extLst>
+          </p:nvPr>
+        </p:nvSpPr>
+        <p:spPr>
+          <a:xfrm rot="21050098" flipH="1" flipV="1">
+            <a:off x="-160709" y="3977842"/>
+            <a:ext cx="7507400" cy="3166385"/>
+          </a:xfrm>
+          <a:custGeom>
+            <a:avLst/>
+            <a:gdLst>
+              <a:gd name="connsiteX0" fmla="*/ 5497485 w 7507400"/>
+              <a:gd name="connsiteY0" fmla="*/ 2912009 h 3166385"/>
+              <a:gd name="connsiteX1" fmla="*/ 7034681 w 7507400"/>
+              <a:gd name="connsiteY1" fmla="*/ 3151263 h 3166385"/>
+              <a:gd name="connsiteX2" fmla="*/ 7137723 w 7507400"/>
+              <a:gd name="connsiteY2" fmla="*/ 3166385 h 3166385"/>
+              <a:gd name="connsiteX3" fmla="*/ 7507400 w 7507400"/>
+              <a:gd name="connsiteY3" fmla="*/ 875071 h 3166385"/>
+              <a:gd name="connsiteX4" fmla="*/ 2083578 w 7507400"/>
+              <a:gd name="connsiteY4" fmla="*/ 0 h 3166385"/>
+              <a:gd name="connsiteX5" fmla="*/ 2023081 w 7507400"/>
+              <a:gd name="connsiteY5" fmla="*/ 5468 h 3166385"/>
+              <a:gd name="connsiteX6" fmla="*/ 1865374 w 7507400"/>
+              <a:gd name="connsiteY6" fmla="*/ 76313 h 3166385"/>
+              <a:gd name="connsiteX7" fmla="*/ 1634010 w 7507400"/>
+              <a:gd name="connsiteY7" fmla="*/ 119359 h 3166385"/>
+              <a:gd name="connsiteX8" fmla="*/ 1388186 w 7507400"/>
+              <a:gd name="connsiteY8" fmla="*/ 130121 h 3166385"/>
+              <a:gd name="connsiteX9" fmla="*/ 1330344 w 7507400"/>
+              <a:gd name="connsiteY9" fmla="*/ 198275 h 3166385"/>
+              <a:gd name="connsiteX10" fmla="*/ 1406262 w 7507400"/>
+              <a:gd name="connsiteY10" fmla="*/ 270018 h 3166385"/>
+              <a:gd name="connsiteX11" fmla="*/ 1521942 w 7507400"/>
+              <a:gd name="connsiteY11" fmla="*/ 277191 h 3166385"/>
+              <a:gd name="connsiteX12" fmla="*/ 2212420 w 7507400"/>
+              <a:gd name="connsiteY12" fmla="*/ 295128 h 3166385"/>
+              <a:gd name="connsiteX13" fmla="*/ 0 w 7507400"/>
+              <a:gd name="connsiteY13" fmla="*/ 452960 h 3166385"/>
+              <a:gd name="connsiteX14" fmla="*/ 300051 w 7507400"/>
+              <a:gd name="connsiteY14" fmla="*/ 549813 h 3166385"/>
+              <a:gd name="connsiteX15" fmla="*/ 401272 w 7507400"/>
+              <a:gd name="connsiteY15" fmla="*/ 815258 h 3166385"/>
+              <a:gd name="connsiteX16" fmla="*/ 770008 w 7507400"/>
+              <a:gd name="connsiteY16" fmla="*/ 965917 h 3166385"/>
+              <a:gd name="connsiteX17" fmla="*/ 1008605 w 7507400"/>
+              <a:gd name="connsiteY17" fmla="*/ 1019724 h 3166385"/>
+              <a:gd name="connsiteX18" fmla="*/ 1554478 w 7507400"/>
+              <a:gd name="connsiteY18" fmla="*/ 1098641 h 3166385"/>
+              <a:gd name="connsiteX19" fmla="*/ 1634010 w 7507400"/>
+              <a:gd name="connsiteY19" fmla="*/ 1227777 h 3166385"/>
+              <a:gd name="connsiteX20" fmla="*/ 1702696 w 7507400"/>
+              <a:gd name="connsiteY20" fmla="*/ 1371261 h 3166385"/>
+              <a:gd name="connsiteX21" fmla="*/ 1847299 w 7507400"/>
+              <a:gd name="connsiteY21" fmla="*/ 1464526 h 3166385"/>
+              <a:gd name="connsiteX22" fmla="*/ 723015 w 7507400"/>
+              <a:gd name="connsiteY22" fmla="*/ 1450177 h 3166385"/>
+              <a:gd name="connsiteX23" fmla="*/ 1991901 w 7507400"/>
+              <a:gd name="connsiteY23" fmla="*/ 1751495 h 3166385"/>
+              <a:gd name="connsiteX24" fmla="*/ 1879835 w 7507400"/>
+              <a:gd name="connsiteY24" fmla="*/ 1869870 h 3166385"/>
+              <a:gd name="connsiteX25" fmla="*/ 2573927 w 7507400"/>
+              <a:gd name="connsiteY25" fmla="*/ 2031290 h 3166385"/>
+              <a:gd name="connsiteX26" fmla="*/ 2201575 w 7507400"/>
+              <a:gd name="connsiteY26" fmla="*/ 2049225 h 3166385"/>
+              <a:gd name="connsiteX27" fmla="*/ 4367000 w 7507400"/>
+              <a:gd name="connsiteY27" fmla="*/ 2723602 h 3166385"/>
+              <a:gd name="connsiteX28" fmla="*/ 5497485 w 7507400"/>
+              <a:gd name="connsiteY28" fmla="*/ 2912009 h 3166385"/>
+            </a:gdLst>
+            <a:ahLst/>
+            <a:cxnLst>
+              <a:cxn ang="0">
+                <a:pos x="connsiteX0" y="connsiteY0"/>
+              </a:cxn>
+              <a:cxn ang="0">
+                <a:pos x="connsiteX1" y="connsiteY1"/>
+              </a:cxn>
+              <a:cxn ang="0">
+                <a:pos x="connsiteX2" y="connsiteY2"/>
+              </a:cxn>
+              <a:cxn ang="0">
+                <a:pos x="connsiteX3" y="connsiteY3"/>
+              </a:cxn>
+              <a:cxn ang="0">
+                <a:pos x="connsiteX4" y="connsiteY4"/>
+              </a:cxn>
+              <a:cxn ang="0">
+                <a:pos x="connsiteX5" y="connsiteY5"/>
+              </a:cxn>
+              <a:cxn ang="0">
+                <a:pos x="connsiteX6" y="connsiteY6"/>
+              </a:cxn>
+              <a:cxn ang="0">
+                <a:pos x="connsiteX7" y="connsiteY7"/>
+              </a:cxn>
+              <a:cxn ang="0">
+                <a:pos x="connsiteX8" y="connsiteY8"/>
+              </a:cxn>
+              <a:cxn ang="0">
+                <a:pos x="connsiteX9" y="connsiteY9"/>
+              </a:cxn>
+              <a:cxn ang="0">
+                <a:pos x="connsiteX10" y="connsiteY10"/>
+              </a:cxn>
+              <a:cxn ang="0">
+                <a:pos x="connsiteX11" y="connsiteY11"/>
+              </a:cxn>
+              <a:cxn ang="0">
+                <a:pos x="connsiteX12" y="connsiteY12"/>
+              </a:cxn>
+              <a:cxn ang="0">
+                <a:pos x="connsiteX13" y="connsiteY13"/>
+              </a:cxn>
+              <a:cxn ang="0">
+                <a:pos x="connsiteX14" y="connsiteY14"/>
+              </a:cxn>
+              <a:cxn ang="0">
+                <a:pos x="connsiteX15" y="connsiteY15"/>
+              </a:cxn>
+              <a:cxn ang="0">
+                <a:pos x="connsiteX16" y="connsiteY16"/>
+              </a:cxn>
+              <a:cxn ang="0">
+                <a:pos x="connsiteX17" y="connsiteY17"/>
+              </a:cxn>
+              <a:cxn ang="0">
+                <a:pos x="connsiteX18" y="connsiteY18"/>
+              </a:cxn>
+              <a:cxn ang="0">
+                <a:pos x="connsiteX19" y="connsiteY19"/>
+              </a:cxn>
+              <a:cxn ang="0">
+                <a:pos x="connsiteX20" y="connsiteY20"/>
+              </a:cxn>
+              <a:cxn ang="0">
+                <a:pos x="connsiteX21" y="connsiteY21"/>
+              </a:cxn>
+              <a:cxn ang="0">
+                <a:pos x="connsiteX22" y="connsiteY22"/>
+              </a:cxn>
+              <a:cxn ang="0">
+                <a:pos x="connsiteX23" y="connsiteY23"/>
+              </a:cxn>
+              <a:cxn ang="0">
+                <a:pos x="connsiteX24" y="connsiteY24"/>
+              </a:cxn>
+              <a:cxn ang="0">
+                <a:pos x="connsiteX25" y="connsiteY25"/>
+              </a:cxn>
+              <a:cxn ang="0">
+                <a:pos x="connsiteX26" y="connsiteY26"/>
+              </a:cxn>
+              <a:cxn ang="0">
+                <a:pos x="connsiteX27" y="connsiteY27"/>
+              </a:cxn>
+              <a:cxn ang="0">
+                <a:pos x="connsiteX28" y="connsiteY28"/>
+              </a:cxn>
+            </a:cxnLst>
+            <a:rect l="l" t="t" r="r" b="b"/>
+            <a:pathLst>
+              <a:path w="7507400" h="3166385">
+                <a:moveTo>
+                  <a:pt x="5497485" y="2912009"/>
+                </a:moveTo>
+                <a:cubicBezTo>
+                  <a:pt x="6033497" y="2998226"/>
+                  <a:pt x="6619155" y="3089592"/>
+                  <a:pt x="7034681" y="3151263"/>
+                </a:cubicBezTo>
+                <a:lnTo>
+                  <a:pt x="7137723" y="3166385"/>
+                </a:lnTo>
+                <a:lnTo>
+                  <a:pt x="7507400" y="875071"/>
+                </a:lnTo>
+                <a:lnTo>
+                  <a:pt x="2083578" y="0"/>
+                </a:lnTo>
+                <a:lnTo>
+                  <a:pt x="2023081" y="5468"/>
+                </a:lnTo>
+                <a:cubicBezTo>
+                  <a:pt x="1965692" y="12642"/>
+                  <a:pt x="1910562" y="27887"/>
+                  <a:pt x="1865374" y="76313"/>
+                </a:cubicBezTo>
+                <a:cubicBezTo>
+                  <a:pt x="1796688" y="151642"/>
+                  <a:pt x="1724387" y="162404"/>
+                  <a:pt x="1634010" y="119359"/>
+                </a:cubicBezTo>
+                <a:cubicBezTo>
+                  <a:pt x="1554478" y="79900"/>
+                  <a:pt x="1467718" y="90662"/>
+                  <a:pt x="1388186" y="130121"/>
+                </a:cubicBezTo>
+                <a:cubicBezTo>
+                  <a:pt x="1359266" y="144469"/>
+                  <a:pt x="1330344" y="162404"/>
+                  <a:pt x="1330344" y="198275"/>
+                </a:cubicBezTo>
+                <a:cubicBezTo>
+                  <a:pt x="1330344" y="248495"/>
+                  <a:pt x="1366496" y="262843"/>
+                  <a:pt x="1406262" y="270018"/>
+                </a:cubicBezTo>
+                <a:cubicBezTo>
+                  <a:pt x="1442412" y="277191"/>
+                  <a:pt x="1485792" y="284366"/>
+                  <a:pt x="1521942" y="277191"/>
+                </a:cubicBezTo>
+                <a:cubicBezTo>
+                  <a:pt x="1753307" y="237734"/>
+                  <a:pt x="1981057" y="302301"/>
+                  <a:pt x="2212420" y="295128"/>
+                </a:cubicBezTo>
+                <a:cubicBezTo>
+                  <a:pt x="1485792" y="449373"/>
+                  <a:pt x="751934" y="399154"/>
+                  <a:pt x="0" y="452960"/>
+                </a:cubicBezTo>
+                <a:cubicBezTo>
+                  <a:pt x="97608" y="560573"/>
+                  <a:pt x="224135" y="470896"/>
+                  <a:pt x="300051" y="549813"/>
+                </a:cubicBezTo>
+                <a:cubicBezTo>
+                  <a:pt x="227750" y="714820"/>
+                  <a:pt x="256671" y="804497"/>
+                  <a:pt x="401272" y="815258"/>
+                </a:cubicBezTo>
+                <a:cubicBezTo>
+                  <a:pt x="542261" y="826019"/>
+                  <a:pt x="694093" y="768625"/>
+                  <a:pt x="770008" y="965917"/>
+                </a:cubicBezTo>
+                <a:cubicBezTo>
+                  <a:pt x="791699" y="1026898"/>
+                  <a:pt x="925458" y="1008963"/>
+                  <a:pt x="1008605" y="1019724"/>
+                </a:cubicBezTo>
+                <a:cubicBezTo>
+                  <a:pt x="1189357" y="1044833"/>
+                  <a:pt x="1380957" y="1019724"/>
+                  <a:pt x="1554478" y="1098641"/>
+                </a:cubicBezTo>
+                <a:cubicBezTo>
+                  <a:pt x="1623165" y="1127337"/>
+                  <a:pt x="1670160" y="1148860"/>
+                  <a:pt x="1634010" y="1227777"/>
+                </a:cubicBezTo>
+                <a:cubicBezTo>
+                  <a:pt x="1597859" y="1310280"/>
+                  <a:pt x="1644855" y="1338976"/>
+                  <a:pt x="1702696" y="1371261"/>
+                </a:cubicBezTo>
+                <a:cubicBezTo>
+                  <a:pt x="1746077" y="1396370"/>
+                  <a:pt x="1811148" y="1389197"/>
+                  <a:pt x="1847299" y="1464526"/>
+                </a:cubicBezTo>
+                <a:cubicBezTo>
+                  <a:pt x="1467717" y="1453764"/>
+                  <a:pt x="1098981" y="1392783"/>
+                  <a:pt x="723015" y="1450177"/>
+                </a:cubicBezTo>
+                <a:cubicBezTo>
+                  <a:pt x="1135131" y="1593662"/>
+                  <a:pt x="1587014" y="1586487"/>
+                  <a:pt x="1991901" y="1751495"/>
+                </a:cubicBezTo>
+                <a:cubicBezTo>
+                  <a:pt x="1977441" y="1808889"/>
+                  <a:pt x="1883449" y="1783778"/>
+                  <a:pt x="1879835" y="1869870"/>
+                </a:cubicBezTo>
+                <a:cubicBezTo>
+                  <a:pt x="2093123" y="1959548"/>
+                  <a:pt x="2349794" y="1898566"/>
+                  <a:pt x="2573927" y="2031290"/>
+                </a:cubicBezTo>
+                <a:cubicBezTo>
+                  <a:pt x="2443785" y="2092271"/>
+                  <a:pt x="2324488" y="1991831"/>
+                  <a:pt x="2201575" y="2049225"/>
+                </a:cubicBezTo>
+                <a:cubicBezTo>
+                  <a:pt x="2241342" y="2135316"/>
+                  <a:pt x="4041644" y="2666208"/>
+                  <a:pt x="4367000" y="2723602"/>
+                </a:cubicBezTo>
+                <a:cubicBezTo>
+                  <a:pt x="4615085" y="2767993"/>
+                  <a:pt x="5038048" y="2838109"/>
+                  <a:pt x="5497485" y="2912009"/>
+                </a:cubicBezTo>
+                <a:close/>
+              </a:path>
+            </a:pathLst>
+          </a:custGeom>
+          <a:solidFill>
+            <a:schemeClr val="bg2">
+              <a:alpha val="50000"/>
+            </a:schemeClr>
+          </a:solidFill>
+          <a:ln w="32707" cap="flat">
+            <a:noFill/>
+            <a:prstDash val="solid"/>
+            <a:miter/>
+          </a:ln>
+        </p:spPr>
+        <p:txBody>
+          <a:bodyPr rtlCol="0" anchor="ctr"/>
+          <a:lstStyle/>
+          <a:p>
+            <a:endParaRPr lang="en-US"/>
+          </a:p>
+        </p:txBody>
+      </p:sp>
+      <p:sp>
+        <p:nvSpPr>
+          <p:cNvPr id="2" name="Title 1">
+            <a:extLst>
+              <a:ext uri="{FF2B5EF4-FFF2-40B4-BE49-F238E27FC236}">
+                <a16:creationId xmlns:a16="http://schemas.microsoft.com/office/drawing/2014/main" id="{2E8BCDEE-D645-5457-C206-C311207E9297}"/>
+              </a:ext>
+            </a:extLst>
+          </p:cNvPr>
+          <p:cNvSpPr>
+            <a:spLocks noGrp="1"/>
+          </p:cNvSpPr>
+          <p:nvPr>
+            <p:ph type="title"/>
+          </p:nvPr>
+        </p:nvSpPr>
+        <p:spPr>
+          <a:xfrm>
+            <a:off x="235133" y="326413"/>
+            <a:ext cx="11066416" cy="1222866"/>
+          </a:xfrm>
+        </p:spPr>
+        <p:txBody>
+          <a:bodyPr vert="horz" lIns="91440" tIns="45720" rIns="91440" bIns="45720" rtlCol="0" anchor="ctr">
+            <a:normAutofit/>
+          </a:bodyPr>
+          <a:lstStyle/>
+          <a:p>
+            <a:r>
+              <a:rPr lang="en-US" sz="5400" b="1" dirty="0">
+                <a:latin typeface="Calibri" panose="020F0502020204030204" pitchFamily="34" charset="0"/>
+                <a:cs typeface="Calibri" panose="020F0502020204030204" pitchFamily="34" charset="0"/>
+              </a:rPr>
+              <a:t>Sequenced Collections</a:t>
+            </a:r>
+            <a:endParaRPr lang="en-US" sz="5200" b="1" kern="1200" dirty="0">
+              <a:solidFill>
+                <a:schemeClr val="tx1"/>
+              </a:solidFill>
+              <a:latin typeface="+mj-lt"/>
+              <a:ea typeface="+mj-ea"/>
+              <a:cs typeface="+mj-cs"/>
+            </a:endParaRPr>
+          </a:p>
+        </p:txBody>
+      </p:sp>
+      <p:pic>
+        <p:nvPicPr>
+          <p:cNvPr id="4" name="Picture 3" descr="A diagram of a sequence of text&#10;&#10;Description automatically generated with medium confidence">
+            <a:extLst>
+              <a:ext uri="{FF2B5EF4-FFF2-40B4-BE49-F238E27FC236}">
+                <a16:creationId xmlns:a16="http://schemas.microsoft.com/office/drawing/2014/main" id="{4C8E7C2B-9D04-7FFF-3912-43542D9272E7}"/>
+              </a:ext>
+            </a:extLst>
+          </p:cNvPr>
+          <p:cNvPicPr>
+            <a:picLocks noChangeAspect="1"/>
+          </p:cNvPicPr>
+          <p:nvPr/>
+        </p:nvPicPr>
+        <p:blipFill>
+          <a:blip r:embed="rId3"/>
+          <a:stretch>
+            <a:fillRect/>
+          </a:stretch>
+        </p:blipFill>
+        <p:spPr>
+          <a:xfrm>
+            <a:off x="379142" y="1549279"/>
+            <a:ext cx="7772400" cy="3152853"/>
+          </a:xfrm>
+          <a:prstGeom prst="rect">
+            <a:avLst/>
+          </a:prstGeom>
+        </p:spPr>
+      </p:pic>
+      <p:pic>
+        <p:nvPicPr>
+          <p:cNvPr id="7" name="Picture 6" descr="A screenshot of a computer&#10;&#10;Description automatically generated">
+            <a:extLst>
+              <a:ext uri="{FF2B5EF4-FFF2-40B4-BE49-F238E27FC236}">
+                <a16:creationId xmlns:a16="http://schemas.microsoft.com/office/drawing/2014/main" id="{46E7F10C-9560-4AB3-7BB9-C7E9048BFE6E}"/>
+              </a:ext>
+            </a:extLst>
+          </p:cNvPr>
+          <p:cNvPicPr>
+            <a:picLocks noChangeAspect="1"/>
+          </p:cNvPicPr>
+          <p:nvPr/>
+        </p:nvPicPr>
+        <p:blipFill>
+          <a:blip r:embed="rId4"/>
+          <a:stretch>
+            <a:fillRect/>
+          </a:stretch>
+        </p:blipFill>
+        <p:spPr>
+          <a:xfrm>
+            <a:off x="8295551" y="2342285"/>
+            <a:ext cx="3896449" cy="4483012"/>
+          </a:xfrm>
+          <a:prstGeom prst="rect">
+            <a:avLst/>
+          </a:prstGeom>
+        </p:spPr>
+      </p:pic>
+    </p:spTree>
+    <p:extLst>
+      <p:ext uri="{BB962C8B-B14F-4D97-AF65-F5344CB8AC3E}">
+        <p14:creationId xmlns:p14="http://schemas.microsoft.com/office/powerpoint/2010/main" val="3135277206"/>
+      </p:ext>
+    </p:extLst>
+  </p:cSld>
+  <p:clrMapOvr>
+    <a:masterClrMapping/>
+  </p:clrMapOvr>
+</p:sld>
+</file>
+
+<file path=ppt/slides/slide12.xml><?xml version="1.0" encoding="utf-8"?>
+<p:sld xmlns:a="http://schemas.openxmlformats.org/drawingml/2006/main" xmlns:r="http://schemas.openxmlformats.org/officeDocument/2006/relationships" xmlns:p="http://schemas.openxmlformats.org/presentationml/2006/main">
+  <p:cSld>
+    <p:spTree>
+      <p:nvGrpSpPr>
+        <p:cNvPr id="1" name=""/>
+        <p:cNvGrpSpPr/>
+        <p:nvPr/>
+      </p:nvGrpSpPr>
+      <p:grpSpPr>
+        <a:xfrm>
+          <a:off x="0" y="0"/>
+          <a:ext cx="0" cy="0"/>
+          <a:chOff x="0" y="0"/>
+          <a:chExt cx="0" cy="0"/>
+        </a:xfrm>
+      </p:grpSpPr>
+      <p:sp>
+        <p:nvSpPr>
           <p:cNvPr id="2" name="Title 1">
             <a:extLst>
               <a:ext uri="{FF2B5EF4-FFF2-40B4-BE49-F238E27FC236}">
@@ -5433,7 +7858,7 @@
                   <a:srgbClr val="FFFF00"/>
                 </a:highlight>
               </a:rPr>
-              <a:t> and fast application response times are a requirement.</a:t>
+              <a:t> and fast application response times are a requirement</a:t>
             </a:r>
           </a:p>
           <a:p>
@@ -5522,7 +7947,7 @@
                 <a:latin typeface="Calibri" panose="020F0502020204030204" pitchFamily="34" charset="0"/>
                 <a:cs typeface="Calibri" panose="020F0502020204030204" pitchFamily="34" charset="0"/>
               </a:rPr>
-              <a:t>Used a dynamic number of threads , and the max can be configured explicitly.</a:t>
+              <a:t>Uses a dynamic number of threads, and the max can be configured explicitly.</a:t>
             </a:r>
           </a:p>
           <a:p>
@@ -5611,7 +8036,7 @@
 </p:sld>
 </file>
 
-<file path=ppt/slides/slide11.xml><?xml version="1.0" encoding="utf-8"?>
+<file path=ppt/slides/slide13.xml><?xml version="1.0" encoding="utf-8"?>
 <p:sld xmlns:a="http://schemas.openxmlformats.org/drawingml/2006/main" xmlns:r="http://schemas.openxmlformats.org/officeDocument/2006/relationships" xmlns:p="http://schemas.openxmlformats.org/presentationml/2006/main">
   <p:cSld>
     <p:bg>
@@ -6356,7 +8781,7 @@
 </p:sld>
 </file>
 
-<file path=ppt/slides/slide12.xml><?xml version="1.0" encoding="utf-8"?>
+<file path=ppt/slides/slide14.xml><?xml version="1.0" encoding="utf-8"?>
 <p:sld xmlns:a="http://schemas.openxmlformats.org/drawingml/2006/main" xmlns:r="http://schemas.openxmlformats.org/officeDocument/2006/relationships" xmlns:p="http://schemas.openxmlformats.org/presentationml/2006/main">
   <p:cSld>
     <p:spTree>
@@ -6446,7 +8871,7 @@
 </p:sld>
 </file>
 
-<file path=ppt/slides/slide13.xml><?xml version="1.0" encoding="utf-8"?>
+<file path=ppt/slides/slide15.xml><?xml version="1.0" encoding="utf-8"?>
 <p:sld xmlns:a="http://schemas.openxmlformats.org/drawingml/2006/main" xmlns:r="http://schemas.openxmlformats.org/officeDocument/2006/relationships" xmlns:p="http://schemas.openxmlformats.org/presentationml/2006/main">
   <p:cSld>
     <p:bg>
@@ -10177,7 +12602,7 @@
 </p:sld>
 </file>
 
-<file path=ppt/slides/slide14.xml><?xml version="1.0" encoding="utf-8"?>
+<file path=ppt/slides/slide16.xml><?xml version="1.0" encoding="utf-8"?>
 <p:sld xmlns:a="http://schemas.openxmlformats.org/drawingml/2006/main" xmlns:r="http://schemas.openxmlformats.org/officeDocument/2006/relationships" xmlns:p="http://schemas.openxmlformats.org/presentationml/2006/main">
   <p:cSld>
     <p:bg>
@@ -11033,7 +13458,7 @@
 </p:sld>
 </file>
 
-<file path=ppt/slides/slide15.xml><?xml version="1.0" encoding="utf-8"?>
+<file path=ppt/slides/slide17.xml><?xml version="1.0" encoding="utf-8"?>
 <p:sld xmlns:a="http://schemas.openxmlformats.org/drawingml/2006/main" xmlns:r="http://schemas.openxmlformats.org/officeDocument/2006/relationships" xmlns:p="http://schemas.openxmlformats.org/presentationml/2006/main">
   <p:cSld>
     <p:bg>
@@ -12301,7 +14726,7 @@
 </p:sld>
 </file>
 
-<file path=ppt/slides/slide16.xml><?xml version="1.0" encoding="utf-8"?>
+<file path=ppt/slides/slide18.xml><?xml version="1.0" encoding="utf-8"?>
 <p:sld xmlns:a="http://schemas.openxmlformats.org/drawingml/2006/main" xmlns:r="http://schemas.openxmlformats.org/officeDocument/2006/relationships" xmlns:p="http://schemas.openxmlformats.org/presentationml/2006/main">
   <p:cSld>
     <p:bg>
@@ -12738,7 +15163,7 @@
 </p:sld>
 </file>
 
-<file path=ppt/slides/slide17.xml><?xml version="1.0" encoding="utf-8"?>
+<file path=ppt/slides/slide19.xml><?xml version="1.0" encoding="utf-8"?>
 <p:sld xmlns:a="http://schemas.openxmlformats.org/drawingml/2006/main" xmlns:r="http://schemas.openxmlformats.org/officeDocument/2006/relationships" xmlns:p="http://schemas.openxmlformats.org/presentationml/2006/main">
   <p:cSld>
     <p:bg>
@@ -22454,7 +24879,215 @@
               <a:rPr lang="en-US" b="1" dirty="0">
                 <a:latin typeface="+mn-lt"/>
               </a:rPr>
-              <a:t>String Templates</a:t>
+              <a:t>Amber: String Templates </a:t>
+            </a:r>
+            <a:r>
+              <a:rPr lang="en-US" b="1" i="1" dirty="0">
+                <a:latin typeface="+mn-lt"/>
+              </a:rPr>
+              <a:t>(preview)</a:t>
+            </a:r>
+          </a:p>
+        </p:txBody>
+      </p:sp>
+      <p:sp>
+        <p:nvSpPr>
+          <p:cNvPr id="5" name="Content Placeholder 2">
+            <a:extLst>
+              <a:ext uri="{FF2B5EF4-FFF2-40B4-BE49-F238E27FC236}">
+                <a16:creationId xmlns:a16="http://schemas.microsoft.com/office/drawing/2014/main" id="{A6895E22-BD87-7D61-8EB0-844A4D833A03}"/>
+              </a:ext>
+            </a:extLst>
+          </p:cNvPr>
+          <p:cNvSpPr>
+            <a:spLocks noGrp="1"/>
+          </p:cNvSpPr>
+          <p:nvPr>
+            <p:ph idx="1"/>
+          </p:nvPr>
+        </p:nvSpPr>
+        <p:spPr>
+          <a:xfrm>
+            <a:off x="850238" y="1469679"/>
+            <a:ext cx="10515600" cy="4351338"/>
+          </a:xfrm>
+        </p:spPr>
+        <p:txBody>
+          <a:bodyPr>
+            <a:normAutofit/>
+          </a:bodyPr>
+          <a:lstStyle/>
+          <a:p>
+            <a:pPr rtl="0" fontAlgn="base">
+              <a:lnSpc>
+                <a:spcPct val="100000"/>
+              </a:lnSpc>
+              <a:spcBef>
+                <a:spcPts val="0"/>
+              </a:spcBef>
+              <a:spcAft>
+                <a:spcPts val="0"/>
+              </a:spcAft>
+              <a:buFont typeface="Arial" panose="020B0604020202020204" pitchFamily="34" charset="0"/>
+              <a:buChar char="•"/>
+            </a:pPr>
+            <a:r>
+              <a:rPr lang="en-US" dirty="0"/>
+              <a:t>Other languages</a:t>
+            </a:r>
+          </a:p>
+          <a:p>
+            <a:pPr lvl="1" fontAlgn="base">
+              <a:lnSpc>
+                <a:spcPct val="100000"/>
+              </a:lnSpc>
+              <a:spcBef>
+                <a:spcPts val="0"/>
+              </a:spcBef>
+            </a:pPr>
+            <a:r>
+              <a:rPr lang="en-US" dirty="0"/>
+              <a:t>Evaluate expression/variable</a:t>
+            </a:r>
+          </a:p>
+          <a:p>
+            <a:pPr lvl="1" fontAlgn="base">
+              <a:lnSpc>
+                <a:spcPct val="100000"/>
+              </a:lnSpc>
+              <a:spcBef>
+                <a:spcPts val="0"/>
+              </a:spcBef>
+            </a:pPr>
+            <a:r>
+              <a:rPr lang="en-US" dirty="0"/>
+              <a:t>Convert to String if needed</a:t>
+            </a:r>
+          </a:p>
+          <a:p>
+            <a:pPr lvl="1" fontAlgn="base">
+              <a:lnSpc>
+                <a:spcPct val="100000"/>
+              </a:lnSpc>
+              <a:spcBef>
+                <a:spcPts val="0"/>
+              </a:spcBef>
+            </a:pPr>
+            <a:r>
+              <a:rPr lang="en-US" dirty="0"/>
+              <a:t>Insert resulted String into the original String literal</a:t>
+            </a:r>
+          </a:p>
+          <a:p>
+            <a:pPr lvl="1" fontAlgn="base">
+              <a:lnSpc>
+                <a:spcPct val="170000"/>
+              </a:lnSpc>
+              <a:spcBef>
+                <a:spcPts val="0"/>
+              </a:spcBef>
+            </a:pPr>
+            <a:endParaRPr lang="en-US" dirty="0"/>
+          </a:p>
+        </p:txBody>
+      </p:sp>
+      <p:pic>
+        <p:nvPicPr>
+          <p:cNvPr id="3" name="Picture 2" descr="A cartoon of two people&#10;&#10;Description automatically generated">
+            <a:extLst>
+              <a:ext uri="{FF2B5EF4-FFF2-40B4-BE49-F238E27FC236}">
+                <a16:creationId xmlns:a16="http://schemas.microsoft.com/office/drawing/2014/main" id="{9C492005-6FF9-9ED9-2A71-D9572D82F019}"/>
+              </a:ext>
+            </a:extLst>
+          </p:cNvPr>
+          <p:cNvPicPr>
+            <a:picLocks noChangeAspect="1"/>
+          </p:cNvPicPr>
+          <p:nvPr/>
+        </p:nvPicPr>
+        <p:blipFill>
+          <a:blip r:embed="rId3"/>
+          <a:stretch>
+            <a:fillRect/>
+          </a:stretch>
+        </p:blipFill>
+        <p:spPr>
+          <a:xfrm>
+            <a:off x="486031" y="3035750"/>
+            <a:ext cx="10879807" cy="3545786"/>
+          </a:xfrm>
+          <a:prstGeom prst="rect">
+            <a:avLst/>
+          </a:prstGeom>
+        </p:spPr>
+      </p:pic>
+    </p:spTree>
+    <p:extLst>
+      <p:ext uri="{BB962C8B-B14F-4D97-AF65-F5344CB8AC3E}">
+        <p14:creationId xmlns:p14="http://schemas.microsoft.com/office/powerpoint/2010/main" val="2262469262"/>
+      </p:ext>
+    </p:extLst>
+  </p:cSld>
+  <p:clrMapOvr>
+    <a:masterClrMapping/>
+  </p:clrMapOvr>
+</p:sld>
+</file>
+
+<file path=ppt/slides/slide9.xml><?xml version="1.0" encoding="utf-8"?>
+<p:sld xmlns:a="http://schemas.openxmlformats.org/drawingml/2006/main" xmlns:r="http://schemas.openxmlformats.org/officeDocument/2006/relationships" xmlns:p="http://schemas.openxmlformats.org/presentationml/2006/main">
+  <p:cSld>
+    <p:spTree>
+      <p:nvGrpSpPr>
+        <p:cNvPr id="1" name=""/>
+        <p:cNvGrpSpPr/>
+        <p:nvPr/>
+      </p:nvGrpSpPr>
+      <p:grpSpPr>
+        <a:xfrm>
+          <a:off x="0" y="0"/>
+          <a:ext cx="0" cy="0"/>
+          <a:chOff x="0" y="0"/>
+          <a:chExt cx="0" cy="0"/>
+        </a:xfrm>
+      </p:grpSpPr>
+      <p:sp>
+        <p:nvSpPr>
+          <p:cNvPr id="4" name="Title 1">
+            <a:extLst>
+              <a:ext uri="{FF2B5EF4-FFF2-40B4-BE49-F238E27FC236}">
+                <a16:creationId xmlns:a16="http://schemas.microsoft.com/office/drawing/2014/main" id="{9CA3CFD1-15C7-979F-A478-8FE9B7915B20}"/>
+              </a:ext>
+            </a:extLst>
+          </p:cNvPr>
+          <p:cNvSpPr>
+            <a:spLocks noGrp="1"/>
+          </p:cNvSpPr>
+          <p:nvPr>
+            <p:ph type="title"/>
+          </p:nvPr>
+        </p:nvSpPr>
+        <p:spPr>
+          <a:xfrm>
+            <a:off x="838200" y="365125"/>
+            <a:ext cx="10515600" cy="1325563"/>
+          </a:xfrm>
+        </p:spPr>
+        <p:txBody>
+          <a:bodyPr/>
+          <a:lstStyle/>
+          <a:p>
+            <a:r>
+              <a:rPr lang="en-US" b="1" dirty="0">
+                <a:latin typeface="+mn-lt"/>
+              </a:rPr>
+              <a:t>Amber: String Templates </a:t>
+            </a:r>
+            <a:r>
+              <a:rPr lang="en-US" b="1" i="1" dirty="0">
+                <a:latin typeface="+mn-lt"/>
+              </a:rPr>
+              <a:t>(preview)</a:t>
             </a:r>
           </a:p>
         </p:txBody>
@@ -22503,6 +25136,9 @@
             <a:r>
               <a:rPr lang="en-GB" sz="2800" b="0" i="1" dirty="0">
                 <a:effectLst/>
+                <a:highlight>
+                  <a:srgbClr val="FFFF00"/>
+                </a:highlight>
                 <a:latin typeface="-apple-system"/>
               </a:rPr>
               <a:t>template expression</a:t>
@@ -22690,6 +25326,13 @@
                 <a:hlinkClick r:id="rId3"/>
               </a:rPr>
               <a:t>java.lang.StringTemplate.Processor</a:t>
+            </a:r>
+            <a:r>
+              <a:rPr lang="en-GB" b="0" i="0" u="none" strike="noStrike" dirty="0">
+                <a:effectLst/>
+                <a:latin typeface="-apple-system"/>
+              </a:rPr>
+              <a:t> functional interface</a:t>
             </a:r>
             <a:endParaRPr lang="en-US" i="1" dirty="0"/>
           </a:p>
@@ -22728,925 +25371,7 @@
     </p:spTree>
     <p:extLst>
       <p:ext uri="{BB962C8B-B14F-4D97-AF65-F5344CB8AC3E}">
-        <p14:creationId xmlns:p14="http://schemas.microsoft.com/office/powerpoint/2010/main" val="2262469262"/>
-      </p:ext>
-    </p:extLst>
-  </p:cSld>
-  <p:clrMapOvr>
-    <a:masterClrMapping/>
-  </p:clrMapOvr>
-</p:sld>
-</file>
-
-<file path=ppt/slides/slide9.xml><?xml version="1.0" encoding="utf-8"?>
-<p:sld xmlns:a="http://schemas.openxmlformats.org/drawingml/2006/main" xmlns:r="http://schemas.openxmlformats.org/officeDocument/2006/relationships" xmlns:p="http://schemas.openxmlformats.org/presentationml/2006/main">
-  <p:cSld>
-    <p:bg>
-      <p:bgPr>
-        <a:solidFill>
-          <a:schemeClr val="bg1"/>
-        </a:solidFill>
-        <a:effectLst/>
-      </p:bgPr>
-    </p:bg>
-    <p:spTree>
-      <p:nvGrpSpPr>
-        <p:cNvPr id="1" name=""/>
-        <p:cNvGrpSpPr/>
-        <p:nvPr/>
-      </p:nvGrpSpPr>
-      <p:grpSpPr>
-        <a:xfrm>
-          <a:off x="0" y="0"/>
-          <a:ext cx="0" cy="0"/>
-          <a:chOff x="0" y="0"/>
-          <a:chExt cx="0" cy="0"/>
-        </a:xfrm>
-      </p:grpSpPr>
-      <p:sp useBgFill="1">
-        <p:nvSpPr>
-          <p:cNvPr id="8" name="Rectangle 7">
-            <a:extLst>
-              <a:ext uri="{FF2B5EF4-FFF2-40B4-BE49-F238E27FC236}">
-                <a16:creationId xmlns:a16="http://schemas.microsoft.com/office/drawing/2014/main" id="{FEC7823C-FDD6-429C-986C-063FDEBF9EAA}"/>
-              </a:ext>
-              <a:ext uri="{C183D7F6-B498-43B3-948B-1728B52AA6E4}">
-                <adec:decorative xmlns:adec="http://schemas.microsoft.com/office/drawing/2017/decorative" val="1"/>
-              </a:ext>
-            </a:extLst>
-          </p:cNvPr>
-          <p:cNvSpPr>
-            <a:spLocks noGrp="1" noRot="1" noChangeAspect="1" noMove="1" noResize="1" noEditPoints="1" noAdjustHandles="1" noChangeArrowheads="1" noChangeShapeType="1" noTextEdit="1"/>
-          </p:cNvSpPr>
-          <p:nvPr>
-            <p:extLst>
-              <p:ext uri="{386F3935-93C4-4BCD-93E2-E3B085C9AB24}">
-                <p16:designElem xmlns:p16="http://schemas.microsoft.com/office/powerpoint/2015/main" val="1"/>
-              </p:ext>
-            </p:extLst>
-          </p:nvPr>
-        </p:nvSpPr>
-        <p:spPr>
-          <a:xfrm>
-            <a:off x="0" y="0"/>
-            <a:ext cx="12188952" cy="6858000"/>
-          </a:xfrm>
-          <a:prstGeom prst="rect">
-            <a:avLst/>
-          </a:prstGeom>
-          <a:ln>
-            <a:noFill/>
-          </a:ln>
-        </p:spPr>
-        <p:style>
-          <a:lnRef idx="2">
-            <a:schemeClr val="accent1">
-              <a:shade val="50000"/>
-            </a:schemeClr>
-          </a:lnRef>
-          <a:fillRef idx="1">
-            <a:schemeClr val="accent1"/>
-          </a:fillRef>
-          <a:effectRef idx="0">
-            <a:schemeClr val="accent1"/>
-          </a:effectRef>
-          <a:fontRef idx="minor">
-            <a:schemeClr val="lt1"/>
-          </a:fontRef>
-        </p:style>
-        <p:txBody>
-          <a:bodyPr rtlCol="0" anchor="ctr"/>
-          <a:lstStyle/>
-          <a:p>
-            <a:pPr algn="ctr"/>
-            <a:endParaRPr lang="en-US"/>
-          </a:p>
-        </p:txBody>
-      </p:sp>
-      <p:sp>
-        <p:nvSpPr>
-          <p:cNvPr id="10" name="Freeform: Shape 9">
-            <a:extLst>
-              <a:ext uri="{FF2B5EF4-FFF2-40B4-BE49-F238E27FC236}">
-                <a16:creationId xmlns:a16="http://schemas.microsoft.com/office/drawing/2014/main" id="{9CF7FE1C-8BC5-4B0C-A2BC-93AB72C90FDD}"/>
-              </a:ext>
-              <a:ext uri="{C183D7F6-B498-43B3-948B-1728B52AA6E4}">
-                <adec:decorative xmlns:adec="http://schemas.microsoft.com/office/drawing/2017/decorative" val="1"/>
-              </a:ext>
-            </a:extLst>
-          </p:cNvPr>
-          <p:cNvSpPr>
-            <a:spLocks noGrp="1" noRot="1" noChangeAspect="1" noMove="1" noResize="1" noEditPoints="1" noAdjustHandles="1" noChangeArrowheads="1" noChangeShapeType="1" noTextEdit="1"/>
-          </p:cNvSpPr>
-          <p:nvPr>
-            <p:extLst>
-              <p:ext uri="{386F3935-93C4-4BCD-93E2-E3B085C9AB24}">
-                <p16:designElem xmlns:p16="http://schemas.microsoft.com/office/powerpoint/2015/main" val="1"/>
-              </p:ext>
-            </p:extLst>
-          </p:nvPr>
-        </p:nvSpPr>
-        <p:spPr>
-          <a:xfrm>
-            <a:off x="1768100" y="-1"/>
-            <a:ext cx="10423900" cy="5920155"/>
-          </a:xfrm>
-          <a:custGeom>
-            <a:avLst/>
-            <a:gdLst>
-              <a:gd name="connsiteX0" fmla="*/ 10423900 w 10423900"/>
-              <a:gd name="connsiteY0" fmla="*/ 0 h 5491534"/>
-              <a:gd name="connsiteX1" fmla="*/ 3493157 w 10423900"/>
-              <a:gd name="connsiteY1" fmla="*/ 0 h 5491534"/>
-              <a:gd name="connsiteX2" fmla="*/ 3493018 w 10423900"/>
-              <a:gd name="connsiteY2" fmla="*/ 31 h 5491534"/>
-              <a:gd name="connsiteX3" fmla="*/ 3245493 w 10423900"/>
-              <a:gd name="connsiteY3" fmla="*/ 104839 h 5491534"/>
-              <a:gd name="connsiteX4" fmla="*/ 4434802 w 10423900"/>
-              <a:gd name="connsiteY4" fmla="*/ 284558 h 5491534"/>
-              <a:gd name="connsiteX5" fmla="*/ 4011937 w 10423900"/>
-              <a:gd name="connsiteY5" fmla="*/ 395559 h 5491534"/>
-              <a:gd name="connsiteX6" fmla="*/ 3573213 w 10423900"/>
-              <a:gd name="connsiteY6" fmla="*/ 474847 h 5491534"/>
-              <a:gd name="connsiteX7" fmla="*/ 3097489 w 10423900"/>
-              <a:gd name="connsiteY7" fmla="*/ 532990 h 5491534"/>
-              <a:gd name="connsiteX8" fmla="*/ 2664052 w 10423900"/>
-              <a:gd name="connsiteY8" fmla="*/ 649279 h 5491534"/>
-              <a:gd name="connsiteX9" fmla="*/ 3795218 w 10423900"/>
-              <a:gd name="connsiteY9" fmla="*/ 696852 h 5491534"/>
-              <a:gd name="connsiteX10" fmla="*/ 3208492 w 10423900"/>
-              <a:gd name="connsiteY10" fmla="*/ 802568 h 5491534"/>
-              <a:gd name="connsiteX11" fmla="*/ 2727483 w 10423900"/>
-              <a:gd name="connsiteY11" fmla="*/ 939999 h 5491534"/>
-              <a:gd name="connsiteX12" fmla="*/ 2389190 w 10423900"/>
-              <a:gd name="connsiteY12" fmla="*/ 1003429 h 5491534"/>
-              <a:gd name="connsiteX13" fmla="*/ 2029754 w 10423900"/>
-              <a:gd name="connsiteY13" fmla="*/ 1019287 h 5491534"/>
-              <a:gd name="connsiteX14" fmla="*/ 1945181 w 10423900"/>
-              <a:gd name="connsiteY14" fmla="*/ 1119716 h 5491534"/>
-              <a:gd name="connsiteX15" fmla="*/ 2056184 w 10423900"/>
-              <a:gd name="connsiteY15" fmla="*/ 1225434 h 5491534"/>
-              <a:gd name="connsiteX16" fmla="*/ 2225329 w 10423900"/>
-              <a:gd name="connsiteY16" fmla="*/ 1236004 h 5491534"/>
-              <a:gd name="connsiteX17" fmla="*/ 3234920 w 10423900"/>
-              <a:gd name="connsiteY17" fmla="*/ 1262435 h 5491534"/>
-              <a:gd name="connsiteX18" fmla="*/ 0 w 10423900"/>
-              <a:gd name="connsiteY18" fmla="*/ 1495009 h 5491534"/>
-              <a:gd name="connsiteX19" fmla="*/ 438724 w 10423900"/>
-              <a:gd name="connsiteY19" fmla="*/ 1637728 h 5491534"/>
-              <a:gd name="connsiteX20" fmla="*/ 586726 w 10423900"/>
-              <a:gd name="connsiteY20" fmla="*/ 2028877 h 5491534"/>
-              <a:gd name="connsiteX21" fmla="*/ 1125878 w 10423900"/>
-              <a:gd name="connsiteY21" fmla="*/ 2250882 h 5491534"/>
-              <a:gd name="connsiteX22" fmla="*/ 1474744 w 10423900"/>
-              <a:gd name="connsiteY22" fmla="*/ 2330169 h 5491534"/>
-              <a:gd name="connsiteX23" fmla="*/ 2272901 w 10423900"/>
-              <a:gd name="connsiteY23" fmla="*/ 2446458 h 5491534"/>
-              <a:gd name="connsiteX24" fmla="*/ 2389190 w 10423900"/>
-              <a:gd name="connsiteY24" fmla="*/ 2636747 h 5491534"/>
-              <a:gd name="connsiteX25" fmla="*/ 2489621 w 10423900"/>
-              <a:gd name="connsiteY25" fmla="*/ 2848179 h 5491534"/>
-              <a:gd name="connsiteX26" fmla="*/ 2701053 w 10423900"/>
-              <a:gd name="connsiteY26" fmla="*/ 2985611 h 5491534"/>
-              <a:gd name="connsiteX27" fmla="*/ 1057165 w 10423900"/>
-              <a:gd name="connsiteY27" fmla="*/ 2964468 h 5491534"/>
-              <a:gd name="connsiteX28" fmla="*/ 2912485 w 10423900"/>
-              <a:gd name="connsiteY28" fmla="*/ 3408477 h 5491534"/>
-              <a:gd name="connsiteX29" fmla="*/ 2748626 w 10423900"/>
-              <a:gd name="connsiteY29" fmla="*/ 3582909 h 5491534"/>
-              <a:gd name="connsiteX30" fmla="*/ 3763503 w 10423900"/>
-              <a:gd name="connsiteY30" fmla="*/ 3820771 h 5491534"/>
-              <a:gd name="connsiteX31" fmla="*/ 3219063 w 10423900"/>
-              <a:gd name="connsiteY31" fmla="*/ 3847199 h 5491534"/>
-              <a:gd name="connsiteX32" fmla="*/ 6385269 w 10423900"/>
-              <a:gd name="connsiteY32" fmla="*/ 4840933 h 5491534"/>
-              <a:gd name="connsiteX33" fmla="*/ 10285854 w 10423900"/>
-              <a:gd name="connsiteY33" fmla="*/ 5471118 h 5491534"/>
-              <a:gd name="connsiteX34" fmla="*/ 10423900 w 10423900"/>
-              <a:gd name="connsiteY34" fmla="*/ 5491534 h 5491534"/>
-            </a:gdLst>
-            <a:ahLst/>
-            <a:cxnLst>
-              <a:cxn ang="0">
-                <a:pos x="connsiteX0" y="connsiteY0"/>
-              </a:cxn>
-              <a:cxn ang="0">
-                <a:pos x="connsiteX1" y="connsiteY1"/>
-              </a:cxn>
-              <a:cxn ang="0">
-                <a:pos x="connsiteX2" y="connsiteY2"/>
-              </a:cxn>
-              <a:cxn ang="0">
-                <a:pos x="connsiteX3" y="connsiteY3"/>
-              </a:cxn>
-              <a:cxn ang="0">
-                <a:pos x="connsiteX4" y="connsiteY4"/>
-              </a:cxn>
-              <a:cxn ang="0">
-                <a:pos x="connsiteX5" y="connsiteY5"/>
-              </a:cxn>
-              <a:cxn ang="0">
-                <a:pos x="connsiteX6" y="connsiteY6"/>
-              </a:cxn>
-              <a:cxn ang="0">
-                <a:pos x="connsiteX7" y="connsiteY7"/>
-              </a:cxn>
-              <a:cxn ang="0">
-                <a:pos x="connsiteX8" y="connsiteY8"/>
-              </a:cxn>
-              <a:cxn ang="0">
-                <a:pos x="connsiteX9" y="connsiteY9"/>
-              </a:cxn>
-              <a:cxn ang="0">
-                <a:pos x="connsiteX10" y="connsiteY10"/>
-              </a:cxn>
-              <a:cxn ang="0">
-                <a:pos x="connsiteX11" y="connsiteY11"/>
-              </a:cxn>
-              <a:cxn ang="0">
-                <a:pos x="connsiteX12" y="connsiteY12"/>
-              </a:cxn>
-              <a:cxn ang="0">
-                <a:pos x="connsiteX13" y="connsiteY13"/>
-              </a:cxn>
-              <a:cxn ang="0">
-                <a:pos x="connsiteX14" y="connsiteY14"/>
-              </a:cxn>
-              <a:cxn ang="0">
-                <a:pos x="connsiteX15" y="connsiteY15"/>
-              </a:cxn>
-              <a:cxn ang="0">
-                <a:pos x="connsiteX16" y="connsiteY16"/>
-              </a:cxn>
-              <a:cxn ang="0">
-                <a:pos x="connsiteX17" y="connsiteY17"/>
-              </a:cxn>
-              <a:cxn ang="0">
-                <a:pos x="connsiteX18" y="connsiteY18"/>
-              </a:cxn>
-              <a:cxn ang="0">
-                <a:pos x="connsiteX19" y="connsiteY19"/>
-              </a:cxn>
-              <a:cxn ang="0">
-                <a:pos x="connsiteX20" y="connsiteY20"/>
-              </a:cxn>
-              <a:cxn ang="0">
-                <a:pos x="connsiteX21" y="connsiteY21"/>
-              </a:cxn>
-              <a:cxn ang="0">
-                <a:pos x="connsiteX22" y="connsiteY22"/>
-              </a:cxn>
-              <a:cxn ang="0">
-                <a:pos x="connsiteX23" y="connsiteY23"/>
-              </a:cxn>
-              <a:cxn ang="0">
-                <a:pos x="connsiteX24" y="connsiteY24"/>
-              </a:cxn>
-              <a:cxn ang="0">
-                <a:pos x="connsiteX25" y="connsiteY25"/>
-              </a:cxn>
-              <a:cxn ang="0">
-                <a:pos x="connsiteX26" y="connsiteY26"/>
-              </a:cxn>
-              <a:cxn ang="0">
-                <a:pos x="connsiteX27" y="connsiteY27"/>
-              </a:cxn>
-              <a:cxn ang="0">
-                <a:pos x="connsiteX28" y="connsiteY28"/>
-              </a:cxn>
-              <a:cxn ang="0">
-                <a:pos x="connsiteX29" y="connsiteY29"/>
-              </a:cxn>
-              <a:cxn ang="0">
-                <a:pos x="connsiteX30" y="connsiteY30"/>
-              </a:cxn>
-              <a:cxn ang="0">
-                <a:pos x="connsiteX31" y="connsiteY31"/>
-              </a:cxn>
-              <a:cxn ang="0">
-                <a:pos x="connsiteX32" y="connsiteY32"/>
-              </a:cxn>
-              <a:cxn ang="0">
-                <a:pos x="connsiteX33" y="connsiteY33"/>
-              </a:cxn>
-              <a:cxn ang="0">
-                <a:pos x="connsiteX34" y="connsiteY34"/>
-              </a:cxn>
-            </a:cxnLst>
-            <a:rect l="l" t="t" r="r" b="b"/>
-            <a:pathLst>
-              <a:path w="10423900" h="5491534">
-                <a:moveTo>
-                  <a:pt x="10423900" y="0"/>
-                </a:moveTo>
-                <a:lnTo>
-                  <a:pt x="3493157" y="0"/>
-                </a:lnTo>
-                <a:lnTo>
-                  <a:pt x="3493018" y="31"/>
-                </a:lnTo>
-                <a:cubicBezTo>
-                  <a:pt x="3414969" y="12668"/>
-                  <a:pt x="3328744" y="21588"/>
-                  <a:pt x="3245493" y="104839"/>
-                </a:cubicBezTo>
-                <a:cubicBezTo>
-                  <a:pt x="3668357" y="162984"/>
-                  <a:pt x="4075366" y="51981"/>
-                  <a:pt x="4434802" y="284558"/>
-                </a:cubicBezTo>
-                <a:cubicBezTo>
-                  <a:pt x="4302656" y="400846"/>
-                  <a:pt x="4154654" y="374416"/>
-                  <a:pt x="4011937" y="395559"/>
-                </a:cubicBezTo>
-                <a:cubicBezTo>
-                  <a:pt x="3863934" y="416704"/>
-                  <a:pt x="3721217" y="453704"/>
-                  <a:pt x="3573213" y="474847"/>
-                </a:cubicBezTo>
-                <a:cubicBezTo>
-                  <a:pt x="3414639" y="501275"/>
-                  <a:pt x="3256063" y="506562"/>
-                  <a:pt x="3097489" y="532990"/>
-                </a:cubicBezTo>
-                <a:cubicBezTo>
-                  <a:pt x="2965345" y="554135"/>
-                  <a:pt x="2822627" y="517133"/>
-                  <a:pt x="2664052" y="649279"/>
-                </a:cubicBezTo>
-                <a:cubicBezTo>
-                  <a:pt x="3055203" y="744424"/>
-                  <a:pt x="3409352" y="601706"/>
-                  <a:pt x="3795218" y="696852"/>
-                </a:cubicBezTo>
-                <a:cubicBezTo>
-                  <a:pt x="3567928" y="781425"/>
-                  <a:pt x="3382924" y="754995"/>
-                  <a:pt x="3208492" y="802568"/>
-                </a:cubicBezTo>
-                <a:cubicBezTo>
-                  <a:pt x="3049916" y="850140"/>
-                  <a:pt x="2859627" y="797282"/>
-                  <a:pt x="2727483" y="939999"/>
-                </a:cubicBezTo>
-                <a:cubicBezTo>
-                  <a:pt x="2627052" y="1051000"/>
-                  <a:pt x="2521336" y="1066858"/>
-                  <a:pt x="2389190" y="1003429"/>
-                </a:cubicBezTo>
-                <a:cubicBezTo>
-                  <a:pt x="2272901" y="945284"/>
-                  <a:pt x="2146043" y="961142"/>
-                  <a:pt x="2029754" y="1019287"/>
-                </a:cubicBezTo>
-                <a:cubicBezTo>
-                  <a:pt x="1987468" y="1040430"/>
-                  <a:pt x="1945181" y="1066858"/>
-                  <a:pt x="1945181" y="1119716"/>
-                </a:cubicBezTo>
-                <a:cubicBezTo>
-                  <a:pt x="1945181" y="1193719"/>
-                  <a:pt x="1998039" y="1214862"/>
-                  <a:pt x="2056184" y="1225434"/>
-                </a:cubicBezTo>
-                <a:cubicBezTo>
-                  <a:pt x="2109042" y="1236004"/>
-                  <a:pt x="2172471" y="1246577"/>
-                  <a:pt x="2225329" y="1236004"/>
-                </a:cubicBezTo>
-                <a:cubicBezTo>
-                  <a:pt x="2563622" y="1177861"/>
-                  <a:pt x="2896629" y="1273005"/>
-                  <a:pt x="3234920" y="1262435"/>
-                </a:cubicBezTo>
-                <a:cubicBezTo>
-                  <a:pt x="2172471" y="1489724"/>
-                  <a:pt x="1099450" y="1415723"/>
-                  <a:pt x="0" y="1495009"/>
-                </a:cubicBezTo>
-                <a:cubicBezTo>
-                  <a:pt x="142717" y="1653583"/>
-                  <a:pt x="327721" y="1521439"/>
-                  <a:pt x="438724" y="1637728"/>
-                </a:cubicBezTo>
-                <a:cubicBezTo>
-                  <a:pt x="333006" y="1880875"/>
-                  <a:pt x="375293" y="2013020"/>
-                  <a:pt x="586726" y="2028877"/>
-                </a:cubicBezTo>
-                <a:cubicBezTo>
-                  <a:pt x="792873" y="2044734"/>
-                  <a:pt x="1014877" y="1960161"/>
-                  <a:pt x="1125878" y="2250882"/>
-                </a:cubicBezTo>
-                <a:cubicBezTo>
-                  <a:pt x="1157593" y="2340740"/>
-                  <a:pt x="1353170" y="2314312"/>
-                  <a:pt x="1474744" y="2330169"/>
-                </a:cubicBezTo>
-                <a:cubicBezTo>
-                  <a:pt x="1739034" y="2367170"/>
-                  <a:pt x="2019183" y="2330169"/>
-                  <a:pt x="2272901" y="2446458"/>
-                </a:cubicBezTo>
-                <a:cubicBezTo>
-                  <a:pt x="2373332" y="2488744"/>
-                  <a:pt x="2442048" y="2520459"/>
-                  <a:pt x="2389190" y="2636747"/>
-                </a:cubicBezTo>
-                <a:cubicBezTo>
-                  <a:pt x="2336332" y="2758321"/>
-                  <a:pt x="2405048" y="2800607"/>
-                  <a:pt x="2489621" y="2848179"/>
-                </a:cubicBezTo>
-                <a:cubicBezTo>
-                  <a:pt x="2553051" y="2885180"/>
-                  <a:pt x="2648195" y="2874609"/>
-                  <a:pt x="2701053" y="2985611"/>
-                </a:cubicBezTo>
-                <a:cubicBezTo>
-                  <a:pt x="2146043" y="2969753"/>
-                  <a:pt x="1606888" y="2879895"/>
-                  <a:pt x="1057165" y="2964468"/>
-                </a:cubicBezTo>
-                <a:cubicBezTo>
-                  <a:pt x="1659748" y="3175900"/>
-                  <a:pt x="2320474" y="3165328"/>
-                  <a:pt x="2912485" y="3408477"/>
-                </a:cubicBezTo>
-                <a:cubicBezTo>
-                  <a:pt x="2891342" y="3493050"/>
-                  <a:pt x="2753911" y="3456048"/>
-                  <a:pt x="2748626" y="3582909"/>
-                </a:cubicBezTo>
-                <a:cubicBezTo>
-                  <a:pt x="3060489" y="3715055"/>
-                  <a:pt x="3435782" y="3625195"/>
-                  <a:pt x="3763503" y="3820771"/>
-                </a:cubicBezTo>
-                <a:cubicBezTo>
-                  <a:pt x="3573213" y="3910629"/>
-                  <a:pt x="3398782" y="3762626"/>
-                  <a:pt x="3219063" y="3847199"/>
-                </a:cubicBezTo>
-                <a:cubicBezTo>
-                  <a:pt x="3277208" y="3974060"/>
-                  <a:pt x="5909545" y="4756360"/>
-                  <a:pt x="6385269" y="4840933"/>
-                </a:cubicBezTo>
-                <a:cubicBezTo>
-                  <a:pt x="7171204" y="4982659"/>
-                  <a:pt x="9157515" y="5302348"/>
-                  <a:pt x="10285854" y="5471118"/>
-                </a:cubicBezTo>
-                <a:lnTo>
-                  <a:pt x="10423900" y="5491534"/>
-                </a:lnTo>
-                <a:close/>
-              </a:path>
-            </a:pathLst>
-          </a:custGeom>
-          <a:solidFill>
-            <a:schemeClr val="bg2">
-              <a:alpha val="50000"/>
-            </a:schemeClr>
-          </a:solidFill>
-          <a:ln w="32707" cap="flat">
-            <a:noFill/>
-            <a:prstDash val="solid"/>
-            <a:miter/>
-          </a:ln>
-        </p:spPr>
-        <p:txBody>
-          <a:bodyPr rtlCol="0" anchor="ctr"/>
-          <a:lstStyle/>
-          <a:p>
-            <a:endParaRPr lang="en-US"/>
-          </a:p>
-        </p:txBody>
-      </p:sp>
-      <p:sp>
-        <p:nvSpPr>
-          <p:cNvPr id="12" name="Freeform: Shape 11">
-            <a:extLst>
-              <a:ext uri="{FF2B5EF4-FFF2-40B4-BE49-F238E27FC236}">
-                <a16:creationId xmlns:a16="http://schemas.microsoft.com/office/drawing/2014/main" id="{B0651F5E-0457-4065-ACB2-8B81590C204B}"/>
-              </a:ext>
-              <a:ext uri="{C183D7F6-B498-43B3-948B-1728B52AA6E4}">
-                <adec:decorative xmlns:adec="http://schemas.microsoft.com/office/drawing/2017/decorative" val="1"/>
-              </a:ext>
-            </a:extLst>
-          </p:cNvPr>
-          <p:cNvSpPr>
-            <a:spLocks noGrp="1" noRot="1" noChangeAspect="1" noMove="1" noResize="1" noEditPoints="1" noAdjustHandles="1" noChangeArrowheads="1" noChangeShapeType="1" noTextEdit="1"/>
-          </p:cNvSpPr>
-          <p:nvPr>
-            <p:extLst>
-              <p:ext uri="{386F3935-93C4-4BCD-93E2-E3B085C9AB24}">
-                <p16:designElem xmlns:p16="http://schemas.microsoft.com/office/powerpoint/2015/main" val="1"/>
-              </p:ext>
-            </p:extLst>
-          </p:nvPr>
-        </p:nvSpPr>
-        <p:spPr>
-          <a:xfrm rot="21050098" flipH="1" flipV="1">
-            <a:off x="-160709" y="3977842"/>
-            <a:ext cx="7507400" cy="3166385"/>
-          </a:xfrm>
-          <a:custGeom>
-            <a:avLst/>
-            <a:gdLst>
-              <a:gd name="connsiteX0" fmla="*/ 5497485 w 7507400"/>
-              <a:gd name="connsiteY0" fmla="*/ 2912009 h 3166385"/>
-              <a:gd name="connsiteX1" fmla="*/ 7034681 w 7507400"/>
-              <a:gd name="connsiteY1" fmla="*/ 3151263 h 3166385"/>
-              <a:gd name="connsiteX2" fmla="*/ 7137723 w 7507400"/>
-              <a:gd name="connsiteY2" fmla="*/ 3166385 h 3166385"/>
-              <a:gd name="connsiteX3" fmla="*/ 7507400 w 7507400"/>
-              <a:gd name="connsiteY3" fmla="*/ 875071 h 3166385"/>
-              <a:gd name="connsiteX4" fmla="*/ 2083578 w 7507400"/>
-              <a:gd name="connsiteY4" fmla="*/ 0 h 3166385"/>
-              <a:gd name="connsiteX5" fmla="*/ 2023081 w 7507400"/>
-              <a:gd name="connsiteY5" fmla="*/ 5468 h 3166385"/>
-              <a:gd name="connsiteX6" fmla="*/ 1865374 w 7507400"/>
-              <a:gd name="connsiteY6" fmla="*/ 76313 h 3166385"/>
-              <a:gd name="connsiteX7" fmla="*/ 1634010 w 7507400"/>
-              <a:gd name="connsiteY7" fmla="*/ 119359 h 3166385"/>
-              <a:gd name="connsiteX8" fmla="*/ 1388186 w 7507400"/>
-              <a:gd name="connsiteY8" fmla="*/ 130121 h 3166385"/>
-              <a:gd name="connsiteX9" fmla="*/ 1330344 w 7507400"/>
-              <a:gd name="connsiteY9" fmla="*/ 198275 h 3166385"/>
-              <a:gd name="connsiteX10" fmla="*/ 1406262 w 7507400"/>
-              <a:gd name="connsiteY10" fmla="*/ 270018 h 3166385"/>
-              <a:gd name="connsiteX11" fmla="*/ 1521942 w 7507400"/>
-              <a:gd name="connsiteY11" fmla="*/ 277191 h 3166385"/>
-              <a:gd name="connsiteX12" fmla="*/ 2212420 w 7507400"/>
-              <a:gd name="connsiteY12" fmla="*/ 295128 h 3166385"/>
-              <a:gd name="connsiteX13" fmla="*/ 0 w 7507400"/>
-              <a:gd name="connsiteY13" fmla="*/ 452960 h 3166385"/>
-              <a:gd name="connsiteX14" fmla="*/ 300051 w 7507400"/>
-              <a:gd name="connsiteY14" fmla="*/ 549813 h 3166385"/>
-              <a:gd name="connsiteX15" fmla="*/ 401272 w 7507400"/>
-              <a:gd name="connsiteY15" fmla="*/ 815258 h 3166385"/>
-              <a:gd name="connsiteX16" fmla="*/ 770008 w 7507400"/>
-              <a:gd name="connsiteY16" fmla="*/ 965917 h 3166385"/>
-              <a:gd name="connsiteX17" fmla="*/ 1008605 w 7507400"/>
-              <a:gd name="connsiteY17" fmla="*/ 1019724 h 3166385"/>
-              <a:gd name="connsiteX18" fmla="*/ 1554478 w 7507400"/>
-              <a:gd name="connsiteY18" fmla="*/ 1098641 h 3166385"/>
-              <a:gd name="connsiteX19" fmla="*/ 1634010 w 7507400"/>
-              <a:gd name="connsiteY19" fmla="*/ 1227777 h 3166385"/>
-              <a:gd name="connsiteX20" fmla="*/ 1702696 w 7507400"/>
-              <a:gd name="connsiteY20" fmla="*/ 1371261 h 3166385"/>
-              <a:gd name="connsiteX21" fmla="*/ 1847299 w 7507400"/>
-              <a:gd name="connsiteY21" fmla="*/ 1464526 h 3166385"/>
-              <a:gd name="connsiteX22" fmla="*/ 723015 w 7507400"/>
-              <a:gd name="connsiteY22" fmla="*/ 1450177 h 3166385"/>
-              <a:gd name="connsiteX23" fmla="*/ 1991901 w 7507400"/>
-              <a:gd name="connsiteY23" fmla="*/ 1751495 h 3166385"/>
-              <a:gd name="connsiteX24" fmla="*/ 1879835 w 7507400"/>
-              <a:gd name="connsiteY24" fmla="*/ 1869870 h 3166385"/>
-              <a:gd name="connsiteX25" fmla="*/ 2573927 w 7507400"/>
-              <a:gd name="connsiteY25" fmla="*/ 2031290 h 3166385"/>
-              <a:gd name="connsiteX26" fmla="*/ 2201575 w 7507400"/>
-              <a:gd name="connsiteY26" fmla="*/ 2049225 h 3166385"/>
-              <a:gd name="connsiteX27" fmla="*/ 4367000 w 7507400"/>
-              <a:gd name="connsiteY27" fmla="*/ 2723602 h 3166385"/>
-              <a:gd name="connsiteX28" fmla="*/ 5497485 w 7507400"/>
-              <a:gd name="connsiteY28" fmla="*/ 2912009 h 3166385"/>
-            </a:gdLst>
-            <a:ahLst/>
-            <a:cxnLst>
-              <a:cxn ang="0">
-                <a:pos x="connsiteX0" y="connsiteY0"/>
-              </a:cxn>
-              <a:cxn ang="0">
-                <a:pos x="connsiteX1" y="connsiteY1"/>
-              </a:cxn>
-              <a:cxn ang="0">
-                <a:pos x="connsiteX2" y="connsiteY2"/>
-              </a:cxn>
-              <a:cxn ang="0">
-                <a:pos x="connsiteX3" y="connsiteY3"/>
-              </a:cxn>
-              <a:cxn ang="0">
-                <a:pos x="connsiteX4" y="connsiteY4"/>
-              </a:cxn>
-              <a:cxn ang="0">
-                <a:pos x="connsiteX5" y="connsiteY5"/>
-              </a:cxn>
-              <a:cxn ang="0">
-                <a:pos x="connsiteX6" y="connsiteY6"/>
-              </a:cxn>
-              <a:cxn ang="0">
-                <a:pos x="connsiteX7" y="connsiteY7"/>
-              </a:cxn>
-              <a:cxn ang="0">
-                <a:pos x="connsiteX8" y="connsiteY8"/>
-              </a:cxn>
-              <a:cxn ang="0">
-                <a:pos x="connsiteX9" y="connsiteY9"/>
-              </a:cxn>
-              <a:cxn ang="0">
-                <a:pos x="connsiteX10" y="connsiteY10"/>
-              </a:cxn>
-              <a:cxn ang="0">
-                <a:pos x="connsiteX11" y="connsiteY11"/>
-              </a:cxn>
-              <a:cxn ang="0">
-                <a:pos x="connsiteX12" y="connsiteY12"/>
-              </a:cxn>
-              <a:cxn ang="0">
-                <a:pos x="connsiteX13" y="connsiteY13"/>
-              </a:cxn>
-              <a:cxn ang="0">
-                <a:pos x="connsiteX14" y="connsiteY14"/>
-              </a:cxn>
-              <a:cxn ang="0">
-                <a:pos x="connsiteX15" y="connsiteY15"/>
-              </a:cxn>
-              <a:cxn ang="0">
-                <a:pos x="connsiteX16" y="connsiteY16"/>
-              </a:cxn>
-              <a:cxn ang="0">
-                <a:pos x="connsiteX17" y="connsiteY17"/>
-              </a:cxn>
-              <a:cxn ang="0">
-                <a:pos x="connsiteX18" y="connsiteY18"/>
-              </a:cxn>
-              <a:cxn ang="0">
-                <a:pos x="connsiteX19" y="connsiteY19"/>
-              </a:cxn>
-              <a:cxn ang="0">
-                <a:pos x="connsiteX20" y="connsiteY20"/>
-              </a:cxn>
-              <a:cxn ang="0">
-                <a:pos x="connsiteX21" y="connsiteY21"/>
-              </a:cxn>
-              <a:cxn ang="0">
-                <a:pos x="connsiteX22" y="connsiteY22"/>
-              </a:cxn>
-              <a:cxn ang="0">
-                <a:pos x="connsiteX23" y="connsiteY23"/>
-              </a:cxn>
-              <a:cxn ang="0">
-                <a:pos x="connsiteX24" y="connsiteY24"/>
-              </a:cxn>
-              <a:cxn ang="0">
-                <a:pos x="connsiteX25" y="connsiteY25"/>
-              </a:cxn>
-              <a:cxn ang="0">
-                <a:pos x="connsiteX26" y="connsiteY26"/>
-              </a:cxn>
-              <a:cxn ang="0">
-                <a:pos x="connsiteX27" y="connsiteY27"/>
-              </a:cxn>
-              <a:cxn ang="0">
-                <a:pos x="connsiteX28" y="connsiteY28"/>
-              </a:cxn>
-            </a:cxnLst>
-            <a:rect l="l" t="t" r="r" b="b"/>
-            <a:pathLst>
-              <a:path w="7507400" h="3166385">
-                <a:moveTo>
-                  <a:pt x="5497485" y="2912009"/>
-                </a:moveTo>
-                <a:cubicBezTo>
-                  <a:pt x="6033497" y="2998226"/>
-                  <a:pt x="6619155" y="3089592"/>
-                  <a:pt x="7034681" y="3151263"/>
-                </a:cubicBezTo>
-                <a:lnTo>
-                  <a:pt x="7137723" y="3166385"/>
-                </a:lnTo>
-                <a:lnTo>
-                  <a:pt x="7507400" y="875071"/>
-                </a:lnTo>
-                <a:lnTo>
-                  <a:pt x="2083578" y="0"/>
-                </a:lnTo>
-                <a:lnTo>
-                  <a:pt x="2023081" y="5468"/>
-                </a:lnTo>
-                <a:cubicBezTo>
-                  <a:pt x="1965692" y="12642"/>
-                  <a:pt x="1910562" y="27887"/>
-                  <a:pt x="1865374" y="76313"/>
-                </a:cubicBezTo>
-                <a:cubicBezTo>
-                  <a:pt x="1796688" y="151642"/>
-                  <a:pt x="1724387" y="162404"/>
-                  <a:pt x="1634010" y="119359"/>
-                </a:cubicBezTo>
-                <a:cubicBezTo>
-                  <a:pt x="1554478" y="79900"/>
-                  <a:pt x="1467718" y="90662"/>
-                  <a:pt x="1388186" y="130121"/>
-                </a:cubicBezTo>
-                <a:cubicBezTo>
-                  <a:pt x="1359266" y="144469"/>
-                  <a:pt x="1330344" y="162404"/>
-                  <a:pt x="1330344" y="198275"/>
-                </a:cubicBezTo>
-                <a:cubicBezTo>
-                  <a:pt x="1330344" y="248495"/>
-                  <a:pt x="1366496" y="262843"/>
-                  <a:pt x="1406262" y="270018"/>
-                </a:cubicBezTo>
-                <a:cubicBezTo>
-                  <a:pt x="1442412" y="277191"/>
-                  <a:pt x="1485792" y="284366"/>
-                  <a:pt x="1521942" y="277191"/>
-                </a:cubicBezTo>
-                <a:cubicBezTo>
-                  <a:pt x="1753307" y="237734"/>
-                  <a:pt x="1981057" y="302301"/>
-                  <a:pt x="2212420" y="295128"/>
-                </a:cubicBezTo>
-                <a:cubicBezTo>
-                  <a:pt x="1485792" y="449373"/>
-                  <a:pt x="751934" y="399154"/>
-                  <a:pt x="0" y="452960"/>
-                </a:cubicBezTo>
-                <a:cubicBezTo>
-                  <a:pt x="97608" y="560573"/>
-                  <a:pt x="224135" y="470896"/>
-                  <a:pt x="300051" y="549813"/>
-                </a:cubicBezTo>
-                <a:cubicBezTo>
-                  <a:pt x="227750" y="714820"/>
-                  <a:pt x="256671" y="804497"/>
-                  <a:pt x="401272" y="815258"/>
-                </a:cubicBezTo>
-                <a:cubicBezTo>
-                  <a:pt x="542261" y="826019"/>
-                  <a:pt x="694093" y="768625"/>
-                  <a:pt x="770008" y="965917"/>
-                </a:cubicBezTo>
-                <a:cubicBezTo>
-                  <a:pt x="791699" y="1026898"/>
-                  <a:pt x="925458" y="1008963"/>
-                  <a:pt x="1008605" y="1019724"/>
-                </a:cubicBezTo>
-                <a:cubicBezTo>
-                  <a:pt x="1189357" y="1044833"/>
-                  <a:pt x="1380957" y="1019724"/>
-                  <a:pt x="1554478" y="1098641"/>
-                </a:cubicBezTo>
-                <a:cubicBezTo>
-                  <a:pt x="1623165" y="1127337"/>
-                  <a:pt x="1670160" y="1148860"/>
-                  <a:pt x="1634010" y="1227777"/>
-                </a:cubicBezTo>
-                <a:cubicBezTo>
-                  <a:pt x="1597859" y="1310280"/>
-                  <a:pt x="1644855" y="1338976"/>
-                  <a:pt x="1702696" y="1371261"/>
-                </a:cubicBezTo>
-                <a:cubicBezTo>
-                  <a:pt x="1746077" y="1396370"/>
-                  <a:pt x="1811148" y="1389197"/>
-                  <a:pt x="1847299" y="1464526"/>
-                </a:cubicBezTo>
-                <a:cubicBezTo>
-                  <a:pt x="1467717" y="1453764"/>
-                  <a:pt x="1098981" y="1392783"/>
-                  <a:pt x="723015" y="1450177"/>
-                </a:cubicBezTo>
-                <a:cubicBezTo>
-                  <a:pt x="1135131" y="1593662"/>
-                  <a:pt x="1587014" y="1586487"/>
-                  <a:pt x="1991901" y="1751495"/>
-                </a:cubicBezTo>
-                <a:cubicBezTo>
-                  <a:pt x="1977441" y="1808889"/>
-                  <a:pt x="1883449" y="1783778"/>
-                  <a:pt x="1879835" y="1869870"/>
-                </a:cubicBezTo>
-                <a:cubicBezTo>
-                  <a:pt x="2093123" y="1959548"/>
-                  <a:pt x="2349794" y="1898566"/>
-                  <a:pt x="2573927" y="2031290"/>
-                </a:cubicBezTo>
-                <a:cubicBezTo>
-                  <a:pt x="2443785" y="2092271"/>
-                  <a:pt x="2324488" y="1991831"/>
-                  <a:pt x="2201575" y="2049225"/>
-                </a:cubicBezTo>
-                <a:cubicBezTo>
-                  <a:pt x="2241342" y="2135316"/>
-                  <a:pt x="4041644" y="2666208"/>
-                  <a:pt x="4367000" y="2723602"/>
-                </a:cubicBezTo>
-                <a:cubicBezTo>
-                  <a:pt x="4615085" y="2767993"/>
-                  <a:pt x="5038048" y="2838109"/>
-                  <a:pt x="5497485" y="2912009"/>
-                </a:cubicBezTo>
-                <a:close/>
-              </a:path>
-            </a:pathLst>
-          </a:custGeom>
-          <a:solidFill>
-            <a:schemeClr val="bg2">
-              <a:alpha val="50000"/>
-            </a:schemeClr>
-          </a:solidFill>
-          <a:ln w="32707" cap="flat">
-            <a:noFill/>
-            <a:prstDash val="solid"/>
-            <a:miter/>
-          </a:ln>
-        </p:spPr>
-        <p:txBody>
-          <a:bodyPr rtlCol="0" anchor="ctr"/>
-          <a:lstStyle/>
-          <a:p>
-            <a:endParaRPr lang="en-US"/>
-          </a:p>
-        </p:txBody>
-      </p:sp>
-      <p:sp>
-        <p:nvSpPr>
-          <p:cNvPr id="2" name="Title 1">
-            <a:extLst>
-              <a:ext uri="{FF2B5EF4-FFF2-40B4-BE49-F238E27FC236}">
-                <a16:creationId xmlns:a16="http://schemas.microsoft.com/office/drawing/2014/main" id="{2E8BCDEE-D645-5457-C206-C311207E9297}"/>
-              </a:ext>
-            </a:extLst>
-          </p:cNvPr>
-          <p:cNvSpPr>
-            <a:spLocks noGrp="1"/>
-          </p:cNvSpPr>
-          <p:nvPr>
-            <p:ph type="title"/>
-          </p:nvPr>
-        </p:nvSpPr>
-        <p:spPr>
-          <a:xfrm>
-            <a:off x="235133" y="326413"/>
-            <a:ext cx="11066416" cy="1222866"/>
-          </a:xfrm>
-        </p:spPr>
-        <p:txBody>
-          <a:bodyPr vert="horz" lIns="91440" tIns="45720" rIns="91440" bIns="45720" rtlCol="0" anchor="ctr">
-            <a:normAutofit/>
-          </a:bodyPr>
-          <a:lstStyle/>
-          <a:p>
-            <a:r>
-              <a:rPr lang="en-US" sz="5400" b="1" dirty="0">
-                <a:latin typeface="Calibri" panose="020F0502020204030204" pitchFamily="34" charset="0"/>
-                <a:cs typeface="Calibri" panose="020F0502020204030204" pitchFamily="34" charset="0"/>
-              </a:rPr>
-              <a:t>Sequenced Collections</a:t>
-            </a:r>
-            <a:endParaRPr lang="en-US" sz="5200" b="1" kern="1200" dirty="0">
-              <a:solidFill>
-                <a:schemeClr val="tx1"/>
-              </a:solidFill>
-              <a:latin typeface="+mj-lt"/>
-              <a:ea typeface="+mj-ea"/>
-              <a:cs typeface="+mj-cs"/>
-            </a:endParaRPr>
-          </a:p>
-        </p:txBody>
-      </p:sp>
-      <p:pic>
-        <p:nvPicPr>
-          <p:cNvPr id="5" name="Picture 4" descr="A screenshot of a computer&#10;&#10;Description automatically generated">
-            <a:extLst>
-              <a:ext uri="{FF2B5EF4-FFF2-40B4-BE49-F238E27FC236}">
-                <a16:creationId xmlns:a16="http://schemas.microsoft.com/office/drawing/2014/main" id="{211A625A-74AF-6D65-9C71-13163F8F5F4A}"/>
-              </a:ext>
-            </a:extLst>
-          </p:cNvPr>
-          <p:cNvPicPr>
-            <a:picLocks noChangeAspect="1"/>
-          </p:cNvPicPr>
-          <p:nvPr/>
-        </p:nvPicPr>
-        <p:blipFill>
-          <a:blip r:embed="rId2"/>
-          <a:stretch>
-            <a:fillRect/>
-          </a:stretch>
-        </p:blipFill>
-        <p:spPr>
-          <a:xfrm>
-            <a:off x="2225221" y="1980474"/>
-            <a:ext cx="8111853" cy="2515877"/>
-          </a:xfrm>
-          <a:prstGeom prst="rect">
-            <a:avLst/>
-          </a:prstGeom>
-        </p:spPr>
-      </p:pic>
-    </p:spTree>
-    <p:extLst>
-      <p:ext uri="{BB962C8B-B14F-4D97-AF65-F5344CB8AC3E}">
-        <p14:creationId xmlns:p14="http://schemas.microsoft.com/office/powerpoint/2010/main" val="3135277206"/>
+        <p14:creationId xmlns:p14="http://schemas.microsoft.com/office/powerpoint/2010/main" val="2995848117"/>
       </p:ext>
     </p:extLst>
   </p:cSld>

--- a/Java21-Presentation.pptx
+++ b/Java21-Presentation.pptx
@@ -215,7 +215,7 @@
           <a:p>
             <a:fld id="{7DCE309A-7A60-DC46-A116-E07ABADAD367}" type="datetimeFigureOut">
               <a:rPr lang="en-US" smtClean="0"/>
-              <a:t>11/3/23</a:t>
+              <a:t>11/7/23</a:t>
             </a:fld>
             <a:endParaRPr lang="en-US"/>
           </a:p>
@@ -1661,102 +1661,10 @@
               <a:buFont typeface="Arial" panose="020B0604020202020204" pitchFamily="34" charset="0"/>
               <a:buChar char="•"/>
             </a:pPr>
-            <a:r>
-              <a:rPr lang="en-US" dirty="0"/>
-              <a:t>Java’s alternative to String interpolation</a:t>
-            </a:r>
-          </a:p>
-          <a:p>
-            <a:pPr rtl="0" fontAlgn="base">
-              <a:lnSpc>
-                <a:spcPct val="170000"/>
-              </a:lnSpc>
-              <a:spcBef>
-                <a:spcPts val="0"/>
-              </a:spcBef>
-              <a:spcAft>
-                <a:spcPts val="0"/>
-              </a:spcAft>
-              <a:buFont typeface="Arial" panose="020B0604020202020204" pitchFamily="34" charset="0"/>
-              <a:buChar char="•"/>
-            </a:pPr>
-            <a:r>
-              <a:rPr lang="en-US" dirty="0"/>
-              <a:t>Drawbacks: </a:t>
-            </a:r>
-            <a:r>
-              <a:rPr lang="en-GB" b="0" i="0" dirty="0">
-                <a:effectLst/>
-                <a:latin typeface="-apple-system"/>
-              </a:rPr>
-              <a:t>replacing the result of the interpolation would create an invalid overall String literal </a:t>
-            </a:r>
-          </a:p>
-          <a:p>
-            <a:pPr rtl="0" fontAlgn="base">
-              <a:lnSpc>
-                <a:spcPct val="170000"/>
-              </a:lnSpc>
-              <a:spcBef>
-                <a:spcPts val="0"/>
-              </a:spcBef>
-              <a:spcAft>
-                <a:spcPts val="0"/>
-              </a:spcAft>
-              <a:buFont typeface="Arial" panose="020B0604020202020204" pitchFamily="34" charset="0"/>
-              <a:buChar char="•"/>
-            </a:pPr>
-            <a:r>
-              <a:rPr lang="en-GB" b="0" i="0" dirty="0">
-                <a:effectLst/>
-                <a:latin typeface="-apple-system"/>
-              </a:rPr>
-              <a:t> without validation </a:t>
-            </a:r>
-          </a:p>
-          <a:p>
-            <a:pPr rtl="0" fontAlgn="base">
-              <a:lnSpc>
-                <a:spcPct val="170000"/>
-              </a:lnSpc>
-              <a:spcBef>
-                <a:spcPts val="0"/>
-              </a:spcBef>
-              <a:spcAft>
-                <a:spcPts val="0"/>
-              </a:spcAft>
-              <a:buFont typeface="Arial" panose="020B0604020202020204" pitchFamily="34" charset="0"/>
-              <a:buChar char="•"/>
-            </a:pPr>
-            <a:r>
-              <a:rPr lang="en-GB" b="0" i="0" dirty="0">
-                <a:effectLst/>
-                <a:latin typeface="-apple-system"/>
-              </a:rPr>
-              <a:t>    SQL injections</a:t>
-            </a:r>
-          </a:p>
-          <a:p>
-            <a:pPr rtl="0" fontAlgn="base">
-              <a:lnSpc>
-                <a:spcPct val="170000"/>
-              </a:lnSpc>
-              <a:spcBef>
-                <a:spcPts val="0"/>
-              </a:spcBef>
-              <a:spcAft>
-                <a:spcPts val="0"/>
-              </a:spcAft>
-              <a:buFont typeface="Arial" panose="020B0604020202020204" pitchFamily="34" charset="0"/>
-              <a:buChar char="•"/>
-            </a:pPr>
-            <a:r>
-              <a:rPr lang="en-GB" b="0" i="0" dirty="0">
-                <a:effectLst/>
-                <a:latin typeface="-apple-system"/>
-              </a:rPr>
-              <a:t>     Invalid JSON, etc</a:t>
-            </a:r>
+            <a:endParaRPr lang="en-GB" b="0" i="0" dirty="0">
+              <a:effectLst/>
+              <a:latin typeface="-apple-system"/>
+            </a:endParaRPr>
           </a:p>
         </p:txBody>
       </p:sp>
@@ -1840,242 +1748,6 @@
           <a:bodyPr/>
           <a:lstStyle/>
           <a:p>
-            <a:r>
-              <a:rPr lang="en-US" dirty="0"/>
-              <a:t>The Java compiler automatically imports STR (</a:t>
-            </a:r>
-            <a:r>
-              <a:rPr lang="en-GB" dirty="0"/>
-              <a:t>public</a:t>
-            </a:r>
-            <a:r>
-              <a:rPr lang="en-GB" b="0" i="0" dirty="0">
-                <a:solidFill>
-                  <a:srgbClr val="000000"/>
-                </a:solidFill>
-                <a:effectLst/>
-                <a:latin typeface="DejaVu Sans" panose="020B0609030804020204" pitchFamily="49" charset="0"/>
-              </a:rPr>
-              <a:t> </a:t>
-            </a:r>
-            <a:r>
-              <a:rPr lang="en-GB" dirty="0"/>
-              <a:t>static</a:t>
-            </a:r>
-            <a:r>
-              <a:rPr lang="en-GB" b="0" i="0" dirty="0">
-                <a:solidFill>
-                  <a:srgbClr val="000000"/>
-                </a:solidFill>
-                <a:effectLst/>
-                <a:latin typeface="DejaVu Sans" panose="020B0609030804020204" pitchFamily="49" charset="0"/>
-              </a:rPr>
-              <a:t> </a:t>
-            </a:r>
-            <a:r>
-              <a:rPr lang="en-GB" dirty="0"/>
-              <a:t>final</a:t>
-            </a:r>
-            <a:r>
-              <a:rPr lang="en-GB" b="0" i="0" dirty="0">
-                <a:solidFill>
-                  <a:srgbClr val="000000"/>
-                </a:solidFill>
-                <a:effectLst/>
-                <a:latin typeface="DejaVu Sans" panose="020B0609030804020204" pitchFamily="49" charset="0"/>
-              </a:rPr>
-              <a:t> field </a:t>
-            </a:r>
-            <a:r>
-              <a:rPr lang="en-US" dirty="0"/>
-              <a:t>)  in any Java source file.</a:t>
-            </a:r>
-          </a:p>
-          <a:p>
-            <a:r>
-              <a:rPr lang="en-US" dirty="0"/>
-              <a:t>STR is an instance of a  processor, similar to a Function(String) -&gt; String</a:t>
-            </a:r>
-          </a:p>
-          <a:p>
-            <a:r>
-              <a:rPr lang="en-US" dirty="0"/>
-              <a:t>Java did not have for a long time a way to embed variables in strings to be resolved at runtime.</a:t>
-            </a:r>
-          </a:p>
-          <a:p>
-            <a:r>
-              <a:rPr lang="en-US" dirty="0"/>
-              <a:t>Expected to replace older ways of formatting strings: concatenation, </a:t>
-            </a:r>
-            <a:r>
-              <a:rPr lang="en-US" dirty="0" err="1"/>
-              <a:t>StringBuilder,String.format</a:t>
-            </a:r>
-            <a:r>
-              <a:rPr lang="en-US" dirty="0"/>
-              <a:t>(), </a:t>
-            </a:r>
-            <a:r>
-              <a:rPr lang="en-US" dirty="0" err="1"/>
-              <a:t>MessageFormat</a:t>
-            </a:r>
-            <a:r>
-              <a:rPr lang="en-US" dirty="0"/>
-              <a:t> class. </a:t>
-            </a:r>
-            <a:r>
-              <a:rPr lang="en-GB" b="0" i="0" dirty="0">
-                <a:solidFill>
-                  <a:srgbClr val="404040"/>
-                </a:solidFill>
-                <a:effectLst/>
-                <a:latin typeface="-apple-system"/>
-              </a:rPr>
-              <a:t>Either they create code hard to read or they are just too verbose for a simple task.</a:t>
-            </a:r>
-          </a:p>
-          <a:p>
-            <a:r>
-              <a:rPr lang="en-GB" b="0" i="0" dirty="0">
-                <a:solidFill>
-                  <a:srgbClr val="404040"/>
-                </a:solidFill>
-                <a:effectLst/>
-                <a:latin typeface="-apple-system"/>
-              </a:rPr>
-              <a:t>It works with multi-line strings too. If provides clarity</a:t>
-            </a:r>
-          </a:p>
-          <a:p>
-            <a:r>
-              <a:rPr lang="en-GB" b="0" i="0" dirty="0">
-                <a:solidFill>
-                  <a:srgbClr val="404040"/>
-                </a:solidFill>
-                <a:effectLst/>
-                <a:latin typeface="-apple-system"/>
-              </a:rPr>
-              <a:t>=&gt; </a:t>
-            </a:r>
-            <a:r>
-              <a:rPr lang="en-GB" b="0" i="0" dirty="0">
-                <a:solidFill>
-                  <a:srgbClr val="000000"/>
-                </a:solidFill>
-                <a:effectLst/>
-                <a:latin typeface="DejaVu Sans" panose="020B0609030804020204" pitchFamily="49" charset="0"/>
-              </a:rPr>
-              <a:t>coupling literal text with embedded expressions and </a:t>
-            </a:r>
-            <a:r>
-              <a:rPr lang="en-GB" b="0" i="1" dirty="0">
-                <a:solidFill>
-                  <a:srgbClr val="000000"/>
-                </a:solidFill>
-                <a:effectLst/>
-                <a:latin typeface="DejaVu Sans" panose="020B0609030804020204" pitchFamily="49" charset="0"/>
-              </a:rPr>
-              <a:t>template processors</a:t>
-            </a:r>
-            <a:r>
-              <a:rPr lang="en-GB" b="0" i="0" dirty="0">
-                <a:solidFill>
-                  <a:srgbClr val="000000"/>
-                </a:solidFill>
-                <a:effectLst/>
-                <a:latin typeface="DejaVu Sans" panose="020B0609030804020204" pitchFamily="49" charset="0"/>
-              </a:rPr>
-              <a:t> to produce specialized results.</a:t>
-            </a:r>
-          </a:p>
-          <a:p>
-            <a:r>
-              <a:rPr lang="en-GB" b="0" i="0" dirty="0">
-                <a:solidFill>
-                  <a:srgbClr val="000000"/>
-                </a:solidFill>
-                <a:effectLst/>
-                <a:latin typeface="DejaVu Sans" panose="020B0609030804020204" pitchFamily="49" charset="0"/>
-              </a:rPr>
-              <a:t>String interpolation is dangerous because the resulted strings might need to be validated or secured, especially when interacting with other systems – such as SQL databases.</a:t>
-            </a:r>
-          </a:p>
-          <a:p>
-            <a:r>
-              <a:rPr lang="en-GB" b="0" i="0" dirty="0">
-                <a:solidFill>
-                  <a:srgbClr val="000000"/>
-                </a:solidFill>
-                <a:effectLst/>
-                <a:latin typeface="DejaVu Sans" panose="020B0609030804020204" pitchFamily="49" charset="0"/>
-              </a:rPr>
-              <a:t>Another example -&gt; a JSON string can easily be broken by interpolation.</a:t>
-            </a:r>
-          </a:p>
-          <a:p>
-            <a:endParaRPr lang="en-GB" b="0" i="0" dirty="0">
-              <a:solidFill>
-                <a:srgbClr val="000000"/>
-              </a:solidFill>
-              <a:effectLst/>
-              <a:latin typeface="DejaVu Sans" panose="020B0609030804020204" pitchFamily="49" charset="0"/>
-            </a:endParaRPr>
-          </a:p>
-          <a:p>
-            <a:r>
-              <a:rPr lang="en-GB" b="0" i="1" dirty="0">
-                <a:solidFill>
-                  <a:srgbClr val="000000"/>
-                </a:solidFill>
-                <a:effectLst/>
-                <a:latin typeface="DejaVu Sans" panose="020B0609030804020204" pitchFamily="49" charset="0"/>
-              </a:rPr>
-              <a:t>Template expressions</a:t>
-            </a:r>
-            <a:r>
-              <a:rPr lang="en-GB" b="0" i="0" dirty="0">
-                <a:solidFill>
-                  <a:srgbClr val="000000"/>
-                </a:solidFill>
-                <a:effectLst/>
-                <a:latin typeface="DejaVu Sans" panose="020B0609030804020204" pitchFamily="49" charset="0"/>
-              </a:rPr>
-              <a:t> are a new kind of expression in the Java programming language. Template expressions can perform string interpolation but are also programmable in a way that helps developers compose strings safely and efficiently.</a:t>
-            </a:r>
-          </a:p>
-          <a:p>
-            <a:r>
-              <a:rPr lang="en-GB" b="0" i="0" dirty="0">
-                <a:solidFill>
-                  <a:srgbClr val="000000"/>
-                </a:solidFill>
-                <a:effectLst/>
-                <a:latin typeface="DejaVu Sans" panose="020B0609030804020204" pitchFamily="49" charset="0"/>
-              </a:rPr>
-              <a:t>Template processor + “.” + embedded expression</a:t>
-            </a:r>
-          </a:p>
-          <a:p>
-            <a:endParaRPr lang="en-GB" b="0" i="0" dirty="0">
-              <a:solidFill>
-                <a:srgbClr val="000000"/>
-              </a:solidFill>
-              <a:effectLst/>
-              <a:latin typeface="DejaVu Sans" panose="020B0609030804020204" pitchFamily="49" charset="0"/>
-            </a:endParaRPr>
-          </a:p>
-          <a:p>
-            <a:r>
-              <a:rPr lang="en-GB" b="0" i="0" dirty="0">
-                <a:solidFill>
-                  <a:srgbClr val="000000"/>
-                </a:solidFill>
-                <a:effectLst/>
-                <a:latin typeface="DejaVu Sans" panose="020B0609030804020204" pitchFamily="49" charset="0"/>
-              </a:rPr>
-              <a:t>Other FMT = STR +  interprets format specifiers , RAW (STR deferred). </a:t>
-            </a:r>
             <a:endParaRPr lang="en-US" dirty="0"/>
           </a:p>
         </p:txBody>
@@ -2160,242 +1832,6 @@
           <a:bodyPr/>
           <a:lstStyle/>
           <a:p>
-            <a:r>
-              <a:rPr lang="en-US" dirty="0"/>
-              <a:t>The Java compiler automatically imports STR (</a:t>
-            </a:r>
-            <a:r>
-              <a:rPr lang="en-GB" dirty="0"/>
-              <a:t>public</a:t>
-            </a:r>
-            <a:r>
-              <a:rPr lang="en-GB" b="0" i="0" dirty="0">
-                <a:solidFill>
-                  <a:srgbClr val="000000"/>
-                </a:solidFill>
-                <a:effectLst/>
-                <a:latin typeface="DejaVu Sans" panose="020B0609030804020204" pitchFamily="49" charset="0"/>
-              </a:rPr>
-              <a:t> </a:t>
-            </a:r>
-            <a:r>
-              <a:rPr lang="en-GB" dirty="0"/>
-              <a:t>static</a:t>
-            </a:r>
-            <a:r>
-              <a:rPr lang="en-GB" b="0" i="0" dirty="0">
-                <a:solidFill>
-                  <a:srgbClr val="000000"/>
-                </a:solidFill>
-                <a:effectLst/>
-                <a:latin typeface="DejaVu Sans" panose="020B0609030804020204" pitchFamily="49" charset="0"/>
-              </a:rPr>
-              <a:t> </a:t>
-            </a:r>
-            <a:r>
-              <a:rPr lang="en-GB" dirty="0"/>
-              <a:t>final</a:t>
-            </a:r>
-            <a:r>
-              <a:rPr lang="en-GB" b="0" i="0" dirty="0">
-                <a:solidFill>
-                  <a:srgbClr val="000000"/>
-                </a:solidFill>
-                <a:effectLst/>
-                <a:latin typeface="DejaVu Sans" panose="020B0609030804020204" pitchFamily="49" charset="0"/>
-              </a:rPr>
-              <a:t> field </a:t>
-            </a:r>
-            <a:r>
-              <a:rPr lang="en-US" dirty="0"/>
-              <a:t>)  in any Java source file.</a:t>
-            </a:r>
-          </a:p>
-          <a:p>
-            <a:r>
-              <a:rPr lang="en-US" dirty="0"/>
-              <a:t>STR is an instance of a  processor, similar to a Function(String) -&gt; String</a:t>
-            </a:r>
-          </a:p>
-          <a:p>
-            <a:r>
-              <a:rPr lang="en-US" dirty="0"/>
-              <a:t>Java did not have for a long time a way to embed variables in strings to be resolved at runtime.</a:t>
-            </a:r>
-          </a:p>
-          <a:p>
-            <a:r>
-              <a:rPr lang="en-US" dirty="0"/>
-              <a:t>Expected to replace older ways of formatting strings: concatenation, </a:t>
-            </a:r>
-            <a:r>
-              <a:rPr lang="en-US" dirty="0" err="1"/>
-              <a:t>StringBuilder,String.format</a:t>
-            </a:r>
-            <a:r>
-              <a:rPr lang="en-US" dirty="0"/>
-              <a:t>(), </a:t>
-            </a:r>
-            <a:r>
-              <a:rPr lang="en-US" dirty="0" err="1"/>
-              <a:t>MessageFormat</a:t>
-            </a:r>
-            <a:r>
-              <a:rPr lang="en-US" dirty="0"/>
-              <a:t> class. </a:t>
-            </a:r>
-            <a:r>
-              <a:rPr lang="en-GB" b="0" i="0" dirty="0">
-                <a:solidFill>
-                  <a:srgbClr val="404040"/>
-                </a:solidFill>
-                <a:effectLst/>
-                <a:latin typeface="-apple-system"/>
-              </a:rPr>
-              <a:t>Either they create code hard to read or they are just too verbose for a simple task.</a:t>
-            </a:r>
-          </a:p>
-          <a:p>
-            <a:r>
-              <a:rPr lang="en-GB" b="0" i="0" dirty="0">
-                <a:solidFill>
-                  <a:srgbClr val="404040"/>
-                </a:solidFill>
-                <a:effectLst/>
-                <a:latin typeface="-apple-system"/>
-              </a:rPr>
-              <a:t>It works with multi-line strings too. If provides clarity</a:t>
-            </a:r>
-          </a:p>
-          <a:p>
-            <a:r>
-              <a:rPr lang="en-GB" b="0" i="0" dirty="0">
-                <a:solidFill>
-                  <a:srgbClr val="404040"/>
-                </a:solidFill>
-                <a:effectLst/>
-                <a:latin typeface="-apple-system"/>
-              </a:rPr>
-              <a:t>=&gt; </a:t>
-            </a:r>
-            <a:r>
-              <a:rPr lang="en-GB" b="0" i="0" dirty="0">
-                <a:solidFill>
-                  <a:srgbClr val="000000"/>
-                </a:solidFill>
-                <a:effectLst/>
-                <a:latin typeface="DejaVu Sans" panose="020B0609030804020204" pitchFamily="49" charset="0"/>
-              </a:rPr>
-              <a:t>coupling literal text with embedded expressions and </a:t>
-            </a:r>
-            <a:r>
-              <a:rPr lang="en-GB" b="0" i="1" dirty="0">
-                <a:solidFill>
-                  <a:srgbClr val="000000"/>
-                </a:solidFill>
-                <a:effectLst/>
-                <a:latin typeface="DejaVu Sans" panose="020B0609030804020204" pitchFamily="49" charset="0"/>
-              </a:rPr>
-              <a:t>template processors</a:t>
-            </a:r>
-            <a:r>
-              <a:rPr lang="en-GB" b="0" i="0" dirty="0">
-                <a:solidFill>
-                  <a:srgbClr val="000000"/>
-                </a:solidFill>
-                <a:effectLst/>
-                <a:latin typeface="DejaVu Sans" panose="020B0609030804020204" pitchFamily="49" charset="0"/>
-              </a:rPr>
-              <a:t> to produce specialized results.</a:t>
-            </a:r>
-          </a:p>
-          <a:p>
-            <a:r>
-              <a:rPr lang="en-GB" b="0" i="0" dirty="0">
-                <a:solidFill>
-                  <a:srgbClr val="000000"/>
-                </a:solidFill>
-                <a:effectLst/>
-                <a:latin typeface="DejaVu Sans" panose="020B0609030804020204" pitchFamily="49" charset="0"/>
-              </a:rPr>
-              <a:t>String interpolation is dangerous because the resulted strings might need to be validated or secured, especially when interacting with other systems – such as SQL databases.</a:t>
-            </a:r>
-          </a:p>
-          <a:p>
-            <a:r>
-              <a:rPr lang="en-GB" b="0" i="0" dirty="0">
-                <a:solidFill>
-                  <a:srgbClr val="000000"/>
-                </a:solidFill>
-                <a:effectLst/>
-                <a:latin typeface="DejaVu Sans" panose="020B0609030804020204" pitchFamily="49" charset="0"/>
-              </a:rPr>
-              <a:t>Another example -&gt; a JSON string can easily be broken by interpolation.</a:t>
-            </a:r>
-          </a:p>
-          <a:p>
-            <a:endParaRPr lang="en-GB" b="0" i="0" dirty="0">
-              <a:solidFill>
-                <a:srgbClr val="000000"/>
-              </a:solidFill>
-              <a:effectLst/>
-              <a:latin typeface="DejaVu Sans" panose="020B0609030804020204" pitchFamily="49" charset="0"/>
-            </a:endParaRPr>
-          </a:p>
-          <a:p>
-            <a:r>
-              <a:rPr lang="en-GB" b="0" i="1" dirty="0">
-                <a:solidFill>
-                  <a:srgbClr val="000000"/>
-                </a:solidFill>
-                <a:effectLst/>
-                <a:latin typeface="DejaVu Sans" panose="020B0609030804020204" pitchFamily="49" charset="0"/>
-              </a:rPr>
-              <a:t>Template expressions</a:t>
-            </a:r>
-            <a:r>
-              <a:rPr lang="en-GB" b="0" i="0" dirty="0">
-                <a:solidFill>
-                  <a:srgbClr val="000000"/>
-                </a:solidFill>
-                <a:effectLst/>
-                <a:latin typeface="DejaVu Sans" panose="020B0609030804020204" pitchFamily="49" charset="0"/>
-              </a:rPr>
-              <a:t> are a new kind of expression in the Java programming language. Template expressions can perform string interpolation but are also programmable in a way that helps developers compose strings safely and efficiently.</a:t>
-            </a:r>
-          </a:p>
-          <a:p>
-            <a:r>
-              <a:rPr lang="en-GB" b="0" i="0" dirty="0">
-                <a:solidFill>
-                  <a:srgbClr val="000000"/>
-                </a:solidFill>
-                <a:effectLst/>
-                <a:latin typeface="DejaVu Sans" panose="020B0609030804020204" pitchFamily="49" charset="0"/>
-              </a:rPr>
-              <a:t>Template processor + “.” + embedded expression</a:t>
-            </a:r>
-          </a:p>
-          <a:p>
-            <a:endParaRPr lang="en-GB" b="0" i="0" dirty="0">
-              <a:solidFill>
-                <a:srgbClr val="000000"/>
-              </a:solidFill>
-              <a:effectLst/>
-              <a:latin typeface="DejaVu Sans" panose="020B0609030804020204" pitchFamily="49" charset="0"/>
-            </a:endParaRPr>
-          </a:p>
-          <a:p>
-            <a:r>
-              <a:rPr lang="en-GB" b="0" i="0" dirty="0">
-                <a:solidFill>
-                  <a:srgbClr val="000000"/>
-                </a:solidFill>
-                <a:effectLst/>
-                <a:latin typeface="DejaVu Sans" panose="020B0609030804020204" pitchFamily="49" charset="0"/>
-              </a:rPr>
-              <a:t>Other FMT = STF +  interprets format specifiers , RAW (STR deferred). </a:t>
-            </a:r>
             <a:endParaRPr lang="en-US" dirty="0"/>
           </a:p>
         </p:txBody>
@@ -2679,7 +2115,7 @@
           <a:p>
             <a:fld id="{00B59761-C2A7-844A-B0A4-477EF3BF3F07}" type="datetimeFigureOut">
               <a:rPr lang="en-US" smtClean="0"/>
-              <a:t>11/3/23</a:t>
+              <a:t>11/7/23</a:t>
             </a:fld>
             <a:endParaRPr lang="en-US"/>
           </a:p>
@@ -2879,7 +2315,7 @@
           <a:p>
             <a:fld id="{00B59761-C2A7-844A-B0A4-477EF3BF3F07}" type="datetimeFigureOut">
               <a:rPr lang="en-US" smtClean="0"/>
-              <a:t>11/3/23</a:t>
+              <a:t>11/7/23</a:t>
             </a:fld>
             <a:endParaRPr lang="en-US"/>
           </a:p>
@@ -3089,7 +2525,7 @@
           <a:p>
             <a:fld id="{00B59761-C2A7-844A-B0A4-477EF3BF3F07}" type="datetimeFigureOut">
               <a:rPr lang="en-US" smtClean="0"/>
-              <a:t>11/3/23</a:t>
+              <a:t>11/7/23</a:t>
             </a:fld>
             <a:endParaRPr lang="en-US"/>
           </a:p>
@@ -3289,7 +2725,7 @@
           <a:p>
             <a:fld id="{00B59761-C2A7-844A-B0A4-477EF3BF3F07}" type="datetimeFigureOut">
               <a:rPr lang="en-US" smtClean="0"/>
-              <a:t>11/3/23</a:t>
+              <a:t>11/7/23</a:t>
             </a:fld>
             <a:endParaRPr lang="en-US"/>
           </a:p>
@@ -3565,7 +3001,7 @@
           <a:p>
             <a:fld id="{00B59761-C2A7-844A-B0A4-477EF3BF3F07}" type="datetimeFigureOut">
               <a:rPr lang="en-US" smtClean="0"/>
-              <a:t>11/3/23</a:t>
+              <a:t>11/7/23</a:t>
             </a:fld>
             <a:endParaRPr lang="en-US"/>
           </a:p>
@@ -3833,7 +3269,7 @@
           <a:p>
             <a:fld id="{00B59761-C2A7-844A-B0A4-477EF3BF3F07}" type="datetimeFigureOut">
               <a:rPr lang="en-US" smtClean="0"/>
-              <a:t>11/3/23</a:t>
+              <a:t>11/7/23</a:t>
             </a:fld>
             <a:endParaRPr lang="en-US"/>
           </a:p>
@@ -4248,7 +3684,7 @@
           <a:p>
             <a:fld id="{00B59761-C2A7-844A-B0A4-477EF3BF3F07}" type="datetimeFigureOut">
               <a:rPr lang="en-US" smtClean="0"/>
-              <a:t>11/3/23</a:t>
+              <a:t>11/7/23</a:t>
             </a:fld>
             <a:endParaRPr lang="en-US"/>
           </a:p>
@@ -4390,7 +3826,7 @@
           <a:p>
             <a:fld id="{00B59761-C2A7-844A-B0A4-477EF3BF3F07}" type="datetimeFigureOut">
               <a:rPr lang="en-US" smtClean="0"/>
-              <a:t>11/3/23</a:t>
+              <a:t>11/7/23</a:t>
             </a:fld>
             <a:endParaRPr lang="en-US"/>
           </a:p>
@@ -4503,7 +3939,7 @@
           <a:p>
             <a:fld id="{00B59761-C2A7-844A-B0A4-477EF3BF3F07}" type="datetimeFigureOut">
               <a:rPr lang="en-US" smtClean="0"/>
-              <a:t>11/3/23</a:t>
+              <a:t>11/7/23</a:t>
             </a:fld>
             <a:endParaRPr lang="en-US"/>
           </a:p>
@@ -4816,7 +4252,7 @@
           <a:p>
             <a:fld id="{00B59761-C2A7-844A-B0A4-477EF3BF3F07}" type="datetimeFigureOut">
               <a:rPr lang="en-US" smtClean="0"/>
-              <a:t>11/3/23</a:t>
+              <a:t>11/7/23</a:t>
             </a:fld>
             <a:endParaRPr lang="en-US"/>
           </a:p>
@@ -5105,7 +4541,7 @@
           <a:p>
             <a:fld id="{00B59761-C2A7-844A-B0A4-477EF3BF3F07}" type="datetimeFigureOut">
               <a:rPr lang="en-US" smtClean="0"/>
-              <a:t>11/3/23</a:t>
+              <a:t>11/7/23</a:t>
             </a:fld>
             <a:endParaRPr lang="en-US"/>
           </a:p>
@@ -5348,7 +4784,7 @@
           <a:p>
             <a:fld id="{00B59761-C2A7-844A-B0A4-477EF3BF3F07}" type="datetimeFigureOut">
               <a:rPr lang="en-US" smtClean="0"/>
-              <a:t>11/3/23</a:t>
+              <a:t>11/7/23</a:t>
             </a:fld>
             <a:endParaRPr lang="en-US"/>
           </a:p>
@@ -24933,7 +24369,7 @@
             </a:pPr>
             <a:r>
               <a:rPr lang="en-US" dirty="0"/>
-              <a:t>Other languages</a:t>
+              <a:t>String interpolation in other languages</a:t>
             </a:r>
           </a:p>
           <a:p>

--- a/Java21-Presentation.pptx
+++ b/Java21-Presentation.pptx
@@ -5,7 +5,7 @@
     <p:sldMasterId id="2147483648" r:id="rId1"/>
   </p:sldMasterIdLst>
   <p:notesMasterIdLst>
-    <p:notesMasterId r:id="rId21"/>
+    <p:notesMasterId r:id="rId22"/>
   </p:notesMasterIdLst>
   <p:sldIdLst>
     <p:sldId id="256" r:id="rId2"/>
@@ -20,13 +20,14 @@
     <p:sldId id="276" r:id="rId11"/>
     <p:sldId id="267" r:id="rId12"/>
     <p:sldId id="269" r:id="rId13"/>
-    <p:sldId id="270" r:id="rId14"/>
-    <p:sldId id="271" r:id="rId15"/>
-    <p:sldId id="272" r:id="rId16"/>
-    <p:sldId id="275" r:id="rId17"/>
-    <p:sldId id="274" r:id="rId18"/>
-    <p:sldId id="264" r:id="rId19"/>
-    <p:sldId id="265" r:id="rId20"/>
+    <p:sldId id="278" r:id="rId14"/>
+    <p:sldId id="270" r:id="rId15"/>
+    <p:sldId id="271" r:id="rId16"/>
+    <p:sldId id="272" r:id="rId17"/>
+    <p:sldId id="275" r:id="rId18"/>
+    <p:sldId id="274" r:id="rId19"/>
+    <p:sldId id="264" r:id="rId20"/>
+    <p:sldId id="265" r:id="rId21"/>
   </p:sldIdLst>
   <p:sldSz cx="12192000" cy="6858000"/>
   <p:notesSz cx="6858000" cy="9144000"/>
@@ -215,7 +216,7 @@
           <a:p>
             <a:fld id="{7DCE309A-7A60-DC46-A116-E07ABADAD367}" type="datetimeFigureOut">
               <a:rPr lang="en-US" smtClean="0"/>
-              <a:t>11/7/23</a:t>
+              <a:t>11/8/23</a:t>
             </a:fld>
             <a:endParaRPr lang="en-US"/>
           </a:p>
@@ -622,39 +623,6 @@
                 <a:effectLst/>
                 <a:latin typeface="DejaVu Sans" panose="020B0609030804020204" pitchFamily="49" charset="0"/>
               </a:rPr>
-              <a:t>to maintain separate </a:t>
-            </a:r>
-            <a:r>
-              <a:rPr lang="en-GB" b="0" i="0" u="none" strike="noStrike" dirty="0">
-                <a:solidFill>
-                  <a:srgbClr val="437291"/>
-                </a:solidFill>
-                <a:effectLst/>
-                <a:latin typeface="DejaVu Sans" panose="020B0609030804020204" pitchFamily="49" charset="0"/>
-                <a:hlinkClick r:id="rId3"/>
-              </a:rPr>
-              <a:t>generations</a:t>
-            </a:r>
-            <a:r>
-              <a:rPr lang="en-GB" b="0" i="0" dirty="0">
-                <a:solidFill>
-                  <a:srgbClr val="000000"/>
-                </a:solidFill>
-                <a:effectLst/>
-                <a:latin typeface="DejaVu Sans" panose="020B0609030804020204" pitchFamily="49" charset="0"/>
-              </a:rPr>
-              <a:t> for young and old objects. This will allow ZGC to collect young objects — which tend to die young — more frequently.</a:t>
-            </a:r>
-          </a:p>
-          <a:p>
-            <a:r>
-              <a:rPr lang="en-GB" b="0" i="0" dirty="0">
-                <a:solidFill>
-                  <a:srgbClr val="000000"/>
-                </a:solidFill>
-                <a:effectLst/>
-                <a:latin typeface="DejaVu Sans" panose="020B0609030804020204" pitchFamily="49" charset="0"/>
-              </a:rPr>
               <a:t>NUMA= </a:t>
             </a:r>
             <a:r>
@@ -667,140 +635,6 @@
               </a:rPr>
               <a:t>Non-Uniform Memory Access</a:t>
             </a:r>
-          </a:p>
-          <a:p>
-            <a:pPr marL="0" marR="0" lvl="0" indent="0" algn="l" defTabSz="914400" rtl="0" eaLnBrk="1" fontAlgn="auto" latinLnBrk="0" hangingPunct="1">
-              <a:lnSpc>
-                <a:spcPct val="100000"/>
-              </a:lnSpc>
-              <a:spcBef>
-                <a:spcPts val="0"/>
-              </a:spcBef>
-              <a:spcAft>
-                <a:spcPts val="0"/>
-              </a:spcAft>
-              <a:buClrTx/>
-              <a:buSzTx/>
-              <a:buFontTx/>
-              <a:buNone/>
-              <a:tabLst/>
-              <a:defRPr/>
-            </a:pPr>
-            <a:r>
-              <a:rPr lang="en-GB" b="0" i="0" dirty="0">
-                <a:solidFill>
-                  <a:srgbClr val="000000"/>
-                </a:solidFill>
-                <a:effectLst/>
-                <a:latin typeface="DejaVu Sans" panose="020B0609030804020204" pitchFamily="49" charset="0"/>
-              </a:rPr>
-              <a:t>Lower garbage collection CPU overhead.</a:t>
-            </a:r>
-          </a:p>
-          <a:p>
-            <a:pPr marL="171450" marR="0" lvl="0" indent="-171450" algn="l" defTabSz="914400" rtl="0" eaLnBrk="1" fontAlgn="auto" latinLnBrk="0" hangingPunct="1">
-              <a:lnSpc>
-                <a:spcPct val="100000"/>
-              </a:lnSpc>
-              <a:spcBef>
-                <a:spcPts val="0"/>
-              </a:spcBef>
-              <a:spcAft>
-                <a:spcPts val="0"/>
-              </a:spcAft>
-              <a:buClrTx/>
-              <a:buSzTx/>
-              <a:buFont typeface="Wingdings" pitchFamily="2" charset="2"/>
-              <a:buChar char="è"/>
-              <a:tabLst/>
-              <a:defRPr/>
-            </a:pPr>
-            <a:r>
-              <a:rPr lang="en-GB" b="0" i="0" dirty="0">
-                <a:solidFill>
-                  <a:srgbClr val="000000"/>
-                </a:solidFill>
-                <a:effectLst/>
-                <a:latin typeface="DejaVu Sans" panose="020B0609030804020204" pitchFamily="49" charset="0"/>
-              </a:rPr>
-              <a:t>Pause times should not exceed 1 millisecond,</a:t>
-            </a:r>
-          </a:p>
-          <a:p>
-            <a:pPr marL="171450" marR="0" lvl="0" indent="-171450" algn="l" defTabSz="914400" rtl="0" eaLnBrk="1" fontAlgn="auto" latinLnBrk="0" hangingPunct="1">
-              <a:lnSpc>
-                <a:spcPct val="100000"/>
-              </a:lnSpc>
-              <a:spcBef>
-                <a:spcPts val="0"/>
-              </a:spcBef>
-              <a:spcAft>
-                <a:spcPts val="0"/>
-              </a:spcAft>
-              <a:buClrTx/>
-              <a:buSzTx/>
-              <a:buFont typeface="Wingdings" pitchFamily="2" charset="2"/>
-              <a:buChar char="è"/>
-              <a:tabLst/>
-              <a:defRPr/>
-            </a:pPr>
-            <a:r>
-              <a:rPr lang="en-GB" b="0" i="0" dirty="0">
-                <a:solidFill>
-                  <a:srgbClr val="333333"/>
-                </a:solidFill>
-                <a:effectLst/>
-                <a:latin typeface="Bitstream Vera Sans"/>
-              </a:rPr>
-              <a:t>At its core, ZGC is a </a:t>
-            </a:r>
-            <a:r>
-              <a:rPr lang="en-GB" b="1" i="0" dirty="0">
-                <a:solidFill>
-                  <a:srgbClr val="333333"/>
-                </a:solidFill>
-                <a:effectLst/>
-                <a:latin typeface="Bitstream Vera Sans"/>
-              </a:rPr>
-              <a:t>concurrent</a:t>
-            </a:r>
-            <a:r>
-              <a:rPr lang="en-GB" b="0" i="0" dirty="0">
-                <a:solidFill>
-                  <a:srgbClr val="333333"/>
-                </a:solidFill>
-                <a:effectLst/>
-                <a:latin typeface="Bitstream Vera Sans"/>
-              </a:rPr>
-              <a:t> garbage collector, meaning all heavy lifting work is done while </a:t>
-            </a:r>
-            <a:r>
-              <a:rPr lang="en-GB" b="1" i="0" dirty="0">
-                <a:solidFill>
-                  <a:srgbClr val="333333"/>
-                </a:solidFill>
-                <a:effectLst/>
-                <a:latin typeface="Bitstream Vera Sans"/>
-              </a:rPr>
-              <a:t>Java threads continue to execute</a:t>
-            </a:r>
-            <a:r>
-              <a:rPr lang="en-GB" b="0" i="0" dirty="0">
-                <a:solidFill>
-                  <a:srgbClr val="333333"/>
-                </a:solidFill>
-                <a:effectLst/>
-                <a:latin typeface="Bitstream Vera Sans"/>
-              </a:rPr>
-              <a:t>.</a:t>
-            </a:r>
-            <a:endParaRPr lang="en-GB" b="0" i="0" dirty="0">
-              <a:solidFill>
-                <a:srgbClr val="000000"/>
-              </a:solidFill>
-              <a:effectLst/>
-              <a:latin typeface="DejaVu Sans" panose="020B0609030804020204" pitchFamily="49" charset="0"/>
-            </a:endParaRPr>
           </a:p>
           <a:p>
             <a:pPr marL="171450" marR="0" lvl="0" indent="-171450" algn="l" defTabSz="914400" rtl="0" eaLnBrk="1" fontAlgn="auto" latinLnBrk="0" hangingPunct="1">
@@ -837,64 +671,6 @@
               <a:effectLst/>
               <a:latin typeface="DejaVu Sans" panose="020B0609030804020204" pitchFamily="49" charset="0"/>
             </a:endParaRPr>
-          </a:p>
-          <a:p>
-            <a:pPr marL="171450" marR="0" lvl="0" indent="-171450" algn="l" defTabSz="914400" rtl="0" eaLnBrk="1" fontAlgn="auto" latinLnBrk="0" hangingPunct="1">
-              <a:lnSpc>
-                <a:spcPct val="100000"/>
-              </a:lnSpc>
-              <a:spcBef>
-                <a:spcPts val="0"/>
-              </a:spcBef>
-              <a:spcAft>
-                <a:spcPts val="0"/>
-              </a:spcAft>
-              <a:buClrTx/>
-              <a:buSzTx/>
-              <a:buFont typeface="Wingdings" pitchFamily="2" charset="2"/>
-              <a:buChar char="è"/>
-              <a:tabLst/>
-              <a:defRPr/>
-            </a:pPr>
-            <a:r>
-              <a:rPr lang="en-GB" b="0" i="0" dirty="0">
-                <a:solidFill>
-                  <a:srgbClr val="444444"/>
-                </a:solidFill>
-                <a:effectLst/>
-                <a:latin typeface="Bitstream Vera Sans"/>
-              </a:rPr>
-              <a:t>Starting from JDK 17, ZGC dynamically scales up and down the number of concurrent GC threads.</a:t>
-            </a:r>
-          </a:p>
-          <a:p>
-            <a:pPr marL="171450" marR="0" lvl="0" indent="-171450" algn="l" defTabSz="914400" rtl="0" eaLnBrk="1" fontAlgn="auto" latinLnBrk="0" hangingPunct="1">
-              <a:lnSpc>
-                <a:spcPct val="100000"/>
-              </a:lnSpc>
-              <a:spcBef>
-                <a:spcPts val="0"/>
-              </a:spcBef>
-              <a:spcAft>
-                <a:spcPts val="0"/>
-              </a:spcAft>
-              <a:buClrTx/>
-              <a:buSzTx/>
-              <a:buFont typeface="Wingdings" pitchFamily="2" charset="2"/>
-              <a:buChar char="è"/>
-              <a:tabLst/>
-              <a:defRPr/>
-            </a:pPr>
-            <a:r>
-              <a:rPr lang="en-GB" b="0" i="0" dirty="0">
-                <a:solidFill>
-                  <a:srgbClr val="444444"/>
-                </a:solidFill>
-                <a:effectLst/>
-                <a:latin typeface="Bitstream Vera Sans"/>
-              </a:rPr>
-              <a:t>The log is way richer in details</a:t>
-            </a:r>
           </a:p>
           <a:p>
             <a:pPr marL="171450" marR="0" lvl="0" indent="-171450" algn="l" defTabSz="914400" rtl="0" eaLnBrk="1" fontAlgn="auto" latinLnBrk="0" hangingPunct="1">
@@ -1026,6 +802,109 @@
           <a:bodyPr/>
           <a:lstStyle/>
           <a:p>
+            <a:r>
+              <a:rPr lang="en-GB" b="0" i="0" dirty="0">
+                <a:solidFill>
+                  <a:srgbClr val="000000"/>
+                </a:solidFill>
+                <a:effectLst/>
+                <a:latin typeface="DejaVu Sans" panose="020B0609030804020204" pitchFamily="49" charset="0"/>
+              </a:rPr>
+              <a:t>NUMA= </a:t>
+            </a:r>
+            <a:r>
+              <a:rPr lang="en-GB" b="1" i="0" dirty="0">
+                <a:solidFill>
+                  <a:srgbClr val="222222"/>
+                </a:solidFill>
+                <a:effectLst/>
+                <a:latin typeface="Merriweather" panose="020F0502020204030204" pitchFamily="34" charset="0"/>
+              </a:rPr>
+              <a:t>Non-Uniform Memory Access</a:t>
+            </a:r>
+          </a:p>
+          <a:p>
+            <a:pPr marL="171450" marR="0" lvl="0" indent="-171450" algn="l" defTabSz="914400" rtl="0" eaLnBrk="1" fontAlgn="auto" latinLnBrk="0" hangingPunct="1">
+              <a:lnSpc>
+                <a:spcPct val="100000"/>
+              </a:lnSpc>
+              <a:spcBef>
+                <a:spcPts val="0"/>
+              </a:spcBef>
+              <a:spcAft>
+                <a:spcPts val="0"/>
+              </a:spcAft>
+              <a:buClrTx/>
+              <a:buSzTx/>
+              <a:buFont typeface="Wingdings" pitchFamily="2" charset="2"/>
+              <a:buChar char="è"/>
+              <a:tabLst/>
+              <a:defRPr/>
+            </a:pPr>
+            <a:r>
+              <a:rPr lang="en-GB" b="0" i="0" dirty="0">
+                <a:solidFill>
+                  <a:srgbClr val="444444"/>
+                </a:solidFill>
+                <a:effectLst/>
+                <a:latin typeface="Bitstream Vera Sans"/>
+              </a:rPr>
+              <a:t>"Zettabyte File System”</a:t>
+            </a:r>
+            <a:endParaRPr lang="en-GB" b="0" i="0" dirty="0">
+              <a:solidFill>
+                <a:srgbClr val="000000"/>
+              </a:solidFill>
+              <a:effectLst/>
+              <a:latin typeface="DejaVu Sans" panose="020B0609030804020204" pitchFamily="49" charset="0"/>
+            </a:endParaRPr>
+          </a:p>
+          <a:p>
+            <a:pPr marL="171450" marR="0" lvl="0" indent="-171450" algn="l" defTabSz="914400" rtl="0" eaLnBrk="1" fontAlgn="auto" latinLnBrk="0" hangingPunct="1">
+              <a:lnSpc>
+                <a:spcPct val="100000"/>
+              </a:lnSpc>
+              <a:spcBef>
+                <a:spcPts val="0"/>
+              </a:spcBef>
+              <a:spcAft>
+                <a:spcPts val="0"/>
+              </a:spcAft>
+              <a:buClrTx/>
+              <a:buSzTx/>
+              <a:buFont typeface="Wingdings" pitchFamily="2" charset="2"/>
+              <a:buChar char="è"/>
+              <a:tabLst/>
+              <a:defRPr/>
+            </a:pPr>
+            <a:r>
+              <a:rPr lang="en-GB" dirty="0">
+                <a:solidFill>
+                  <a:srgbClr val="080808"/>
+                </a:solidFill>
+                <a:effectLst/>
+              </a:rPr>
+              <a:t>(Non-generational ZGC uses multi-mapped memory to reduce the overhead of load barriers.)</a:t>
+            </a:r>
+          </a:p>
+          <a:p>
+            <a:pPr marL="171450" marR="0" lvl="0" indent="-171450" algn="l" defTabSz="914400" rtl="0" eaLnBrk="1" fontAlgn="auto" latinLnBrk="0" hangingPunct="1">
+              <a:lnSpc>
+                <a:spcPct val="100000"/>
+              </a:lnSpc>
+              <a:spcBef>
+                <a:spcPts val="0"/>
+              </a:spcBef>
+              <a:spcAft>
+                <a:spcPts val="0"/>
+              </a:spcAft>
+              <a:buClrTx/>
+              <a:buSzTx/>
+              <a:buFont typeface="Wingdings" pitchFamily="2" charset="2"/>
+              <a:buChar char="è"/>
+              <a:tabLst/>
+              <a:defRPr/>
+            </a:pPr>
             <a:endParaRPr lang="en-US" dirty="0"/>
           </a:p>
         </p:txBody>
@@ -1047,7 +926,7 @@
           <a:p>
             <a:fld id="{97338A82-0D20-3D4A-B4B7-58B5112FF922}" type="slidenum">
               <a:rPr lang="en-US" smtClean="0"/>
-              <a:t>17</a:t>
+              <a:t>13</a:t>
             </a:fld>
             <a:endParaRPr lang="en-US"/>
           </a:p>
@@ -1056,7 +935,7 @@
     </p:spTree>
     <p:extLst>
       <p:ext uri="{BB962C8B-B14F-4D97-AF65-F5344CB8AC3E}">
-        <p14:creationId xmlns:p14="http://schemas.microsoft.com/office/powerpoint/2010/main" val="907419315"/>
+        <p14:creationId xmlns:p14="http://schemas.microsoft.com/office/powerpoint/2010/main" val="890224173"/>
       </p:ext>
     </p:extLst>
   </p:cSld>
@@ -1110,7 +989,7 @@
           <a:bodyPr/>
           <a:lstStyle/>
           <a:p>
-            <a:endParaRPr lang="en-US"/>
+            <a:endParaRPr lang="en-US" dirty="0"/>
           </a:p>
         </p:txBody>
       </p:sp>
@@ -1131,7 +1010,91 @@
           <a:p>
             <a:fld id="{97338A82-0D20-3D4A-B4B7-58B5112FF922}" type="slidenum">
               <a:rPr lang="en-US" smtClean="0"/>
-              <a:t>19</a:t>
+              <a:t>18</a:t>
+            </a:fld>
+            <a:endParaRPr lang="en-US"/>
+          </a:p>
+        </p:txBody>
+      </p:sp>
+    </p:spTree>
+    <p:extLst>
+      <p:ext uri="{BB962C8B-B14F-4D97-AF65-F5344CB8AC3E}">
+        <p14:creationId xmlns:p14="http://schemas.microsoft.com/office/powerpoint/2010/main" val="907419315"/>
+      </p:ext>
+    </p:extLst>
+  </p:cSld>
+  <p:clrMapOvr>
+    <a:masterClrMapping/>
+  </p:clrMapOvr>
+</p:notes>
+</file>
+
+<file path=ppt/notesSlides/notesSlide13.xml><?xml version="1.0" encoding="utf-8"?>
+<p:notes xmlns:a="http://schemas.openxmlformats.org/drawingml/2006/main" xmlns:r="http://schemas.openxmlformats.org/officeDocument/2006/relationships" xmlns:p="http://schemas.openxmlformats.org/presentationml/2006/main">
+  <p:cSld>
+    <p:spTree>
+      <p:nvGrpSpPr>
+        <p:cNvPr id="1" name=""/>
+        <p:cNvGrpSpPr/>
+        <p:nvPr/>
+      </p:nvGrpSpPr>
+      <p:grpSpPr>
+        <a:xfrm>
+          <a:off x="0" y="0"/>
+          <a:ext cx="0" cy="0"/>
+          <a:chOff x="0" y="0"/>
+          <a:chExt cx="0" cy="0"/>
+        </a:xfrm>
+      </p:grpSpPr>
+      <p:sp>
+        <p:nvSpPr>
+          <p:cNvPr id="2" name="Slide Image Placeholder 1"/>
+          <p:cNvSpPr>
+            <a:spLocks noGrp="1" noRot="1" noChangeAspect="1"/>
+          </p:cNvSpPr>
+          <p:nvPr>
+            <p:ph type="sldImg"/>
+          </p:nvPr>
+        </p:nvSpPr>
+        <p:spPr/>
+      </p:sp>
+      <p:sp>
+        <p:nvSpPr>
+          <p:cNvPr id="3" name="Notes Placeholder 2"/>
+          <p:cNvSpPr>
+            <a:spLocks noGrp="1"/>
+          </p:cNvSpPr>
+          <p:nvPr>
+            <p:ph type="body" idx="1"/>
+          </p:nvPr>
+        </p:nvSpPr>
+        <p:spPr/>
+        <p:txBody>
+          <a:bodyPr/>
+          <a:lstStyle/>
+          <a:p>
+            <a:endParaRPr lang="en-US"/>
+          </a:p>
+        </p:txBody>
+      </p:sp>
+      <p:sp>
+        <p:nvSpPr>
+          <p:cNvPr id="4" name="Slide Number Placeholder 3"/>
+          <p:cNvSpPr>
+            <a:spLocks noGrp="1"/>
+          </p:cNvSpPr>
+          <p:nvPr>
+            <p:ph type="sldNum" sz="quarter" idx="5"/>
+          </p:nvPr>
+        </p:nvSpPr>
+        <p:spPr/>
+        <p:txBody>
+          <a:bodyPr/>
+          <a:lstStyle/>
+          <a:p>
+            <a:fld id="{97338A82-0D20-3D4A-B4B7-58B5112FF922}" type="slidenum">
+              <a:rPr lang="en-US" smtClean="0"/>
+              <a:t>20</a:t>
             </a:fld>
             <a:endParaRPr lang="en-US"/>
           </a:p>
@@ -2115,7 +2078,7 @@
           <a:p>
             <a:fld id="{00B59761-C2A7-844A-B0A4-477EF3BF3F07}" type="datetimeFigureOut">
               <a:rPr lang="en-US" smtClean="0"/>
-              <a:t>11/7/23</a:t>
+              <a:t>11/8/23</a:t>
             </a:fld>
             <a:endParaRPr lang="en-US"/>
           </a:p>
@@ -2315,7 +2278,7 @@
           <a:p>
             <a:fld id="{00B59761-C2A7-844A-B0A4-477EF3BF3F07}" type="datetimeFigureOut">
               <a:rPr lang="en-US" smtClean="0"/>
-              <a:t>11/7/23</a:t>
+              <a:t>11/8/23</a:t>
             </a:fld>
             <a:endParaRPr lang="en-US"/>
           </a:p>
@@ -2525,7 +2488,7 @@
           <a:p>
             <a:fld id="{00B59761-C2A7-844A-B0A4-477EF3BF3F07}" type="datetimeFigureOut">
               <a:rPr lang="en-US" smtClean="0"/>
-              <a:t>11/7/23</a:t>
+              <a:t>11/8/23</a:t>
             </a:fld>
             <a:endParaRPr lang="en-US"/>
           </a:p>
@@ -2725,7 +2688,7 @@
           <a:p>
             <a:fld id="{00B59761-C2A7-844A-B0A4-477EF3BF3F07}" type="datetimeFigureOut">
               <a:rPr lang="en-US" smtClean="0"/>
-              <a:t>11/7/23</a:t>
+              <a:t>11/8/23</a:t>
             </a:fld>
             <a:endParaRPr lang="en-US"/>
           </a:p>
@@ -3001,7 +2964,7 @@
           <a:p>
             <a:fld id="{00B59761-C2A7-844A-B0A4-477EF3BF3F07}" type="datetimeFigureOut">
               <a:rPr lang="en-US" smtClean="0"/>
-              <a:t>11/7/23</a:t>
+              <a:t>11/8/23</a:t>
             </a:fld>
             <a:endParaRPr lang="en-US"/>
           </a:p>
@@ -3269,7 +3232,7 @@
           <a:p>
             <a:fld id="{00B59761-C2A7-844A-B0A4-477EF3BF3F07}" type="datetimeFigureOut">
               <a:rPr lang="en-US" smtClean="0"/>
-              <a:t>11/7/23</a:t>
+              <a:t>11/8/23</a:t>
             </a:fld>
             <a:endParaRPr lang="en-US"/>
           </a:p>
@@ -3684,7 +3647,7 @@
           <a:p>
             <a:fld id="{00B59761-C2A7-844A-B0A4-477EF3BF3F07}" type="datetimeFigureOut">
               <a:rPr lang="en-US" smtClean="0"/>
-              <a:t>11/7/23</a:t>
+              <a:t>11/8/23</a:t>
             </a:fld>
             <a:endParaRPr lang="en-US"/>
           </a:p>
@@ -3826,7 +3789,7 @@
           <a:p>
             <a:fld id="{00B59761-C2A7-844A-B0A4-477EF3BF3F07}" type="datetimeFigureOut">
               <a:rPr lang="en-US" smtClean="0"/>
-              <a:t>11/7/23</a:t>
+              <a:t>11/8/23</a:t>
             </a:fld>
             <a:endParaRPr lang="en-US"/>
           </a:p>
@@ -3939,7 +3902,7 @@
           <a:p>
             <a:fld id="{00B59761-C2A7-844A-B0A4-477EF3BF3F07}" type="datetimeFigureOut">
               <a:rPr lang="en-US" smtClean="0"/>
-              <a:t>11/7/23</a:t>
+              <a:t>11/8/23</a:t>
             </a:fld>
             <a:endParaRPr lang="en-US"/>
           </a:p>
@@ -4252,7 +4215,7 @@
           <a:p>
             <a:fld id="{00B59761-C2A7-844A-B0A4-477EF3BF3F07}" type="datetimeFigureOut">
               <a:rPr lang="en-US" smtClean="0"/>
-              <a:t>11/7/23</a:t>
+              <a:t>11/8/23</a:t>
             </a:fld>
             <a:endParaRPr lang="en-US"/>
           </a:p>
@@ -4541,7 +4504,7 @@
           <a:p>
             <a:fld id="{00B59761-C2A7-844A-B0A4-477EF3BF3F07}" type="datetimeFigureOut">
               <a:rPr lang="en-US" smtClean="0"/>
-              <a:t>11/7/23</a:t>
+              <a:t>11/8/23</a:t>
             </a:fld>
             <a:endParaRPr lang="en-US"/>
           </a:p>
@@ -4784,7 +4747,7 @@
           <a:p>
             <a:fld id="{00B59761-C2A7-844A-B0A4-477EF3BF3F07}" type="datetimeFigureOut">
               <a:rPr lang="en-US" smtClean="0"/>
-              <a:t>11/7/23</a:t>
+              <a:t>11/8/23</a:t>
             </a:fld>
             <a:endParaRPr lang="en-US"/>
           </a:p>
@@ -7137,7 +7100,7 @@
         <p:spPr/>
         <p:txBody>
           <a:bodyPr>
-            <a:normAutofit fontScale="85000" lnSpcReduction="20000"/>
+            <a:normAutofit fontScale="77500" lnSpcReduction="20000"/>
           </a:bodyPr>
           <a:lstStyle/>
           <a:p>
@@ -7250,7 +7213,27 @@
                 <a:effectLst/>
                 <a:cs typeface="Calibri" panose="020F0502020204030204" pitchFamily="34" charset="0"/>
               </a:rPr>
-              <a:t>ZGC intends to provide stop-the-world phases as short as possible. </a:t>
+              <a:t>ZGC intends to provide stop-the-world phases as short as possible. (1 </a:t>
+            </a:r>
+            <a:r>
+              <a:rPr lang="en-GB" b="0" i="0" dirty="0" err="1">
+                <a:solidFill>
+                  <a:srgbClr val="000000"/>
+                </a:solidFill>
+                <a:effectLst/>
+                <a:cs typeface="Calibri" panose="020F0502020204030204" pitchFamily="34" charset="0"/>
+              </a:rPr>
+              <a:t>ms</a:t>
+            </a:r>
+            <a:r>
+              <a:rPr lang="en-GB" b="0" i="0" dirty="0">
+                <a:solidFill>
+                  <a:srgbClr val="000000"/>
+                </a:solidFill>
+                <a:effectLst/>
+                <a:cs typeface="Calibri" panose="020F0502020204030204" pitchFamily="34" charset="0"/>
+              </a:rPr>
+              <a:t>)</a:t>
             </a:r>
           </a:p>
           <a:p>
@@ -7384,6 +7367,38 @@
                 <a:cs typeface="Calibri" panose="020F0502020204030204" pitchFamily="34" charset="0"/>
               </a:rPr>
               <a:t>Uses a dynamic number of threads, and the max can be configured explicitly.</a:t>
+            </a:r>
+          </a:p>
+          <a:p>
+            <a:r>
+              <a:rPr lang="en-GB" dirty="0">
+                <a:solidFill>
+                  <a:srgbClr val="000000"/>
+                </a:solidFill>
+                <a:latin typeface="Calibri" panose="020F0502020204030204" pitchFamily="34" charset="0"/>
+                <a:cs typeface="Calibri" panose="020F0502020204030204" pitchFamily="34" charset="0"/>
+              </a:rPr>
+              <a:t>Uses a dynamic number of </a:t>
+            </a:r>
+            <a:r>
+              <a:rPr lang="en-GB" dirty="0" err="1">
+                <a:solidFill>
+                  <a:srgbClr val="000000"/>
+                </a:solidFill>
+                <a:latin typeface="Calibri" panose="020F0502020204030204" pitchFamily="34" charset="0"/>
+                <a:cs typeface="Calibri" panose="020F0502020204030204" pitchFamily="34" charset="0"/>
+              </a:rPr>
+              <a:t>ZPages</a:t>
+            </a:r>
+            <a:r>
+              <a:rPr lang="en-GB" dirty="0">
+                <a:solidFill>
+                  <a:srgbClr val="000000"/>
+                </a:solidFill>
+                <a:latin typeface="Calibri" panose="020F0502020204030204" pitchFamily="34" charset="0"/>
+                <a:cs typeface="Calibri" panose="020F0502020204030204" pitchFamily="34" charset="0"/>
+              </a:rPr>
+              <a:t> (memory regions of various size)</a:t>
             </a:r>
           </a:p>
           <a:p>
@@ -7473,6 +7488,297 @@
 </file>
 
 <file path=ppt/slides/slide13.xml><?xml version="1.0" encoding="utf-8"?>
+<p:sld xmlns:a="http://schemas.openxmlformats.org/drawingml/2006/main" xmlns:r="http://schemas.openxmlformats.org/officeDocument/2006/relationships" xmlns:p="http://schemas.openxmlformats.org/presentationml/2006/main">
+  <p:cSld>
+    <p:spTree>
+      <p:nvGrpSpPr>
+        <p:cNvPr id="1" name=""/>
+        <p:cNvGrpSpPr/>
+        <p:nvPr/>
+      </p:nvGrpSpPr>
+      <p:grpSpPr>
+        <a:xfrm>
+          <a:off x="0" y="0"/>
+          <a:ext cx="0" cy="0"/>
+          <a:chOff x="0" y="0"/>
+          <a:chExt cx="0" cy="0"/>
+        </a:xfrm>
+      </p:grpSpPr>
+      <p:sp>
+        <p:nvSpPr>
+          <p:cNvPr id="2" name="Title 1">
+            <a:extLst>
+              <a:ext uri="{FF2B5EF4-FFF2-40B4-BE49-F238E27FC236}">
+                <a16:creationId xmlns:a16="http://schemas.microsoft.com/office/drawing/2014/main" id="{0154882C-1B36-7E2E-9F7A-AF86CFA42D4E}"/>
+              </a:ext>
+            </a:extLst>
+          </p:cNvPr>
+          <p:cNvSpPr>
+            <a:spLocks noGrp="1"/>
+          </p:cNvSpPr>
+          <p:nvPr>
+            <p:ph type="title"/>
+          </p:nvPr>
+        </p:nvSpPr>
+        <p:spPr/>
+        <p:txBody>
+          <a:bodyPr/>
+          <a:lstStyle/>
+          <a:p>
+            <a:r>
+              <a:rPr lang="en-US" b="1" dirty="0">
+                <a:latin typeface="Calibri" panose="020F0502020204030204" pitchFamily="34" charset="0"/>
+                <a:cs typeface="Calibri" panose="020F0502020204030204" pitchFamily="34" charset="0"/>
+              </a:rPr>
+              <a:t>ZGC</a:t>
+            </a:r>
+          </a:p>
+        </p:txBody>
+      </p:sp>
+      <p:pic>
+        <p:nvPicPr>
+          <p:cNvPr id="5" name="Content Placeholder 4" descr="Diagram of a diagram of a generation&#10;&#10;Description automatically generated with medium confidence">
+            <a:extLst>
+              <a:ext uri="{FF2B5EF4-FFF2-40B4-BE49-F238E27FC236}">
+                <a16:creationId xmlns:a16="http://schemas.microsoft.com/office/drawing/2014/main" id="{E3428E1F-3235-4B37-6E82-C9664B800651}"/>
+              </a:ext>
+            </a:extLst>
+          </p:cNvPr>
+          <p:cNvPicPr>
+            <a:picLocks noGrp="1" noChangeAspect="1"/>
+          </p:cNvPicPr>
+          <p:nvPr>
+            <p:ph idx="1"/>
+          </p:nvPr>
+        </p:nvPicPr>
+        <p:blipFill>
+          <a:blip r:embed="rId3"/>
+          <a:stretch>
+            <a:fillRect/>
+          </a:stretch>
+        </p:blipFill>
+        <p:spPr>
+          <a:xfrm>
+            <a:off x="5317435" y="624419"/>
+            <a:ext cx="6223183" cy="2312111"/>
+          </a:xfrm>
+        </p:spPr>
+      </p:pic>
+      <p:pic>
+        <p:nvPicPr>
+          <p:cNvPr id="7" name="Picture 6" descr="A close-up of a crossword puzzle&#10;&#10;Description automatically generated">
+            <a:extLst>
+              <a:ext uri="{FF2B5EF4-FFF2-40B4-BE49-F238E27FC236}">
+                <a16:creationId xmlns:a16="http://schemas.microsoft.com/office/drawing/2014/main" id="{18780FF6-5A82-986F-D1A7-0E98780EA94B}"/>
+              </a:ext>
+            </a:extLst>
+          </p:cNvPr>
+          <p:cNvPicPr>
+            <a:picLocks noChangeAspect="1"/>
+          </p:cNvPicPr>
+          <p:nvPr/>
+        </p:nvPicPr>
+        <p:blipFill>
+          <a:blip r:embed="rId4"/>
+          <a:stretch>
+            <a:fillRect/>
+          </a:stretch>
+        </p:blipFill>
+        <p:spPr>
+          <a:xfrm>
+            <a:off x="366378" y="2936530"/>
+            <a:ext cx="5729622" cy="3404152"/>
+          </a:xfrm>
+          <a:prstGeom prst="rect">
+            <a:avLst/>
+          </a:prstGeom>
+        </p:spPr>
+      </p:pic>
+      <p:pic>
+        <p:nvPicPr>
+          <p:cNvPr id="9" name="Picture 8" descr="A screenshot of a game&#10;&#10;Description automatically generated">
+            <a:extLst>
+              <a:ext uri="{FF2B5EF4-FFF2-40B4-BE49-F238E27FC236}">
+                <a16:creationId xmlns:a16="http://schemas.microsoft.com/office/drawing/2014/main" id="{4BCFF7AB-D9B1-1821-DE40-06AD8BD14C59}"/>
+              </a:ext>
+            </a:extLst>
+          </p:cNvPr>
+          <p:cNvPicPr>
+            <a:picLocks noChangeAspect="1"/>
+          </p:cNvPicPr>
+          <p:nvPr/>
+        </p:nvPicPr>
+        <p:blipFill>
+          <a:blip r:embed="rId5"/>
+          <a:stretch>
+            <a:fillRect/>
+          </a:stretch>
+        </p:blipFill>
+        <p:spPr>
+          <a:xfrm>
+            <a:off x="6508013" y="3022199"/>
+            <a:ext cx="5339430" cy="3378343"/>
+          </a:xfrm>
+          <a:prstGeom prst="rect">
+            <a:avLst/>
+          </a:prstGeom>
+        </p:spPr>
+      </p:pic>
+      <p:sp>
+        <p:nvSpPr>
+          <p:cNvPr id="10" name="TextBox 9">
+            <a:extLst>
+              <a:ext uri="{FF2B5EF4-FFF2-40B4-BE49-F238E27FC236}">
+                <a16:creationId xmlns:a16="http://schemas.microsoft.com/office/drawing/2014/main" id="{67243E09-B82A-3137-3563-86032DB768B2}"/>
+              </a:ext>
+            </a:extLst>
+          </p:cNvPr>
+          <p:cNvSpPr txBox="1"/>
+          <p:nvPr/>
+        </p:nvSpPr>
+        <p:spPr>
+          <a:xfrm>
+            <a:off x="7581531" y="612734"/>
+            <a:ext cx="4265912" cy="646331"/>
+          </a:xfrm>
+          <a:prstGeom prst="rect">
+            <a:avLst/>
+          </a:prstGeom>
+          <a:noFill/>
+        </p:spPr>
+        <p:txBody>
+          <a:bodyPr wrap="square" rtlCol="0">
+            <a:spAutoFit/>
+          </a:bodyPr>
+          <a:lstStyle/>
+          <a:p>
+            <a:r>
+              <a:rPr lang="en-GB" dirty="0">
+                <a:solidFill>
+                  <a:srgbClr val="0033B3"/>
+                </a:solidFill>
+                <a:effectLst/>
+              </a:rPr>
+              <a:t>Old style GC heap allocation (before Java 8)</a:t>
+            </a:r>
+            <a:endParaRPr lang="en-GB" dirty="0">
+              <a:solidFill>
+                <a:srgbClr val="080808"/>
+              </a:solidFill>
+              <a:effectLst/>
+            </a:endParaRPr>
+          </a:p>
+          <a:p>
+            <a:endParaRPr lang="en-US" dirty="0"/>
+          </a:p>
+        </p:txBody>
+      </p:sp>
+      <p:sp>
+        <p:nvSpPr>
+          <p:cNvPr id="11" name="TextBox 10">
+            <a:extLst>
+              <a:ext uri="{FF2B5EF4-FFF2-40B4-BE49-F238E27FC236}">
+                <a16:creationId xmlns:a16="http://schemas.microsoft.com/office/drawing/2014/main" id="{391396A4-4FCF-BC3E-56E4-FF6E86679C59}"/>
+              </a:ext>
+            </a:extLst>
+          </p:cNvPr>
+          <p:cNvSpPr txBox="1"/>
+          <p:nvPr/>
+        </p:nvSpPr>
+        <p:spPr>
+          <a:xfrm>
+            <a:off x="591009" y="6169709"/>
+            <a:ext cx="4265912" cy="369332"/>
+          </a:xfrm>
+          <a:prstGeom prst="rect">
+            <a:avLst/>
+          </a:prstGeom>
+          <a:noFill/>
+        </p:spPr>
+        <p:txBody>
+          <a:bodyPr wrap="square" rtlCol="0">
+            <a:spAutoFit/>
+          </a:bodyPr>
+          <a:lstStyle/>
+          <a:p>
+            <a:r>
+              <a:rPr lang="en-GB" dirty="0">
+                <a:solidFill>
+                  <a:srgbClr val="0033B3"/>
+                </a:solidFill>
+                <a:effectLst/>
+              </a:rPr>
+              <a:t>G1GC heap allocation (starting with Java 8)</a:t>
+            </a:r>
+            <a:endParaRPr lang="en-GB" dirty="0">
+              <a:solidFill>
+                <a:srgbClr val="080808"/>
+              </a:solidFill>
+              <a:effectLst/>
+            </a:endParaRPr>
+          </a:p>
+        </p:txBody>
+      </p:sp>
+      <p:sp>
+        <p:nvSpPr>
+          <p:cNvPr id="12" name="TextBox 11">
+            <a:extLst>
+              <a:ext uri="{FF2B5EF4-FFF2-40B4-BE49-F238E27FC236}">
+                <a16:creationId xmlns:a16="http://schemas.microsoft.com/office/drawing/2014/main" id="{5086CE6C-F116-C7D0-BAD3-B7DBB12553E8}"/>
+              </a:ext>
+            </a:extLst>
+          </p:cNvPr>
+          <p:cNvSpPr txBox="1"/>
+          <p:nvPr/>
+        </p:nvSpPr>
+        <p:spPr>
+          <a:xfrm>
+            <a:off x="7044772" y="6406440"/>
+            <a:ext cx="4265912" cy="369332"/>
+          </a:xfrm>
+          <a:prstGeom prst="rect">
+            <a:avLst/>
+          </a:prstGeom>
+          <a:noFill/>
+        </p:spPr>
+        <p:txBody>
+          <a:bodyPr wrap="square" rtlCol="0">
+            <a:spAutoFit/>
+          </a:bodyPr>
+          <a:lstStyle/>
+          <a:p>
+            <a:r>
+              <a:rPr lang="en-GB" dirty="0">
+                <a:solidFill>
+                  <a:srgbClr val="0033B3"/>
+                </a:solidFill>
+                <a:effectLst/>
+              </a:rPr>
+              <a:t>ZGC heap allocation (starting with Java 11)</a:t>
+            </a:r>
+            <a:endParaRPr lang="en-GB" dirty="0">
+              <a:solidFill>
+                <a:srgbClr val="080808"/>
+              </a:solidFill>
+              <a:effectLst/>
+            </a:endParaRPr>
+          </a:p>
+        </p:txBody>
+      </p:sp>
+    </p:spTree>
+    <p:extLst>
+      <p:ext uri="{BB962C8B-B14F-4D97-AF65-F5344CB8AC3E}">
+        <p14:creationId xmlns:p14="http://schemas.microsoft.com/office/powerpoint/2010/main" val="3576318688"/>
+      </p:ext>
+    </p:extLst>
+  </p:cSld>
+  <p:clrMapOvr>
+    <a:masterClrMapping/>
+  </p:clrMapOvr>
+</p:sld>
+</file>
+
+<file path=ppt/slides/slide14.xml><?xml version="1.0" encoding="utf-8"?>
 <p:sld xmlns:a="http://schemas.openxmlformats.org/drawingml/2006/main" xmlns:r="http://schemas.openxmlformats.org/officeDocument/2006/relationships" xmlns:p="http://schemas.openxmlformats.org/presentationml/2006/main">
   <p:cSld>
     <p:bg>
@@ -8217,7 +8523,7 @@
 </p:sld>
 </file>
 
-<file path=ppt/slides/slide14.xml><?xml version="1.0" encoding="utf-8"?>
+<file path=ppt/slides/slide15.xml><?xml version="1.0" encoding="utf-8"?>
 <p:sld xmlns:a="http://schemas.openxmlformats.org/drawingml/2006/main" xmlns:r="http://schemas.openxmlformats.org/officeDocument/2006/relationships" xmlns:p="http://schemas.openxmlformats.org/presentationml/2006/main">
   <p:cSld>
     <p:spTree>
@@ -8307,7 +8613,7 @@
 </p:sld>
 </file>
 
-<file path=ppt/slides/slide15.xml><?xml version="1.0" encoding="utf-8"?>
+<file path=ppt/slides/slide16.xml><?xml version="1.0" encoding="utf-8"?>
 <p:sld xmlns:a="http://schemas.openxmlformats.org/drawingml/2006/main" xmlns:r="http://schemas.openxmlformats.org/officeDocument/2006/relationships" xmlns:p="http://schemas.openxmlformats.org/presentationml/2006/main">
   <p:cSld>
     <p:bg>
@@ -12038,7 +12344,7 @@
 </p:sld>
 </file>
 
-<file path=ppt/slides/slide16.xml><?xml version="1.0" encoding="utf-8"?>
+<file path=ppt/slides/slide17.xml><?xml version="1.0" encoding="utf-8"?>
 <p:sld xmlns:a="http://schemas.openxmlformats.org/drawingml/2006/main" xmlns:r="http://schemas.openxmlformats.org/officeDocument/2006/relationships" xmlns:p="http://schemas.openxmlformats.org/presentationml/2006/main">
   <p:cSld>
     <p:bg>
@@ -12894,7 +13200,7 @@
 </p:sld>
 </file>
 
-<file path=ppt/slides/slide17.xml><?xml version="1.0" encoding="utf-8"?>
+<file path=ppt/slides/slide18.xml><?xml version="1.0" encoding="utf-8"?>
 <p:sld xmlns:a="http://schemas.openxmlformats.org/drawingml/2006/main" xmlns:r="http://schemas.openxmlformats.org/officeDocument/2006/relationships" xmlns:p="http://schemas.openxmlformats.org/presentationml/2006/main">
   <p:cSld>
     <p:bg>
@@ -14162,7 +14468,7 @@
 </p:sld>
 </file>
 
-<file path=ppt/slides/slide18.xml><?xml version="1.0" encoding="utf-8"?>
+<file path=ppt/slides/slide19.xml><?xml version="1.0" encoding="utf-8"?>
 <p:sld xmlns:a="http://schemas.openxmlformats.org/drawingml/2006/main" xmlns:r="http://schemas.openxmlformats.org/officeDocument/2006/relationships" xmlns:p="http://schemas.openxmlformats.org/presentationml/2006/main">
   <p:cSld>
     <p:bg>
@@ -14599,7 +14905,1364 @@
 </p:sld>
 </file>
 
-<file path=ppt/slides/slide19.xml><?xml version="1.0" encoding="utf-8"?>
+<file path=ppt/slides/slide2.xml><?xml version="1.0" encoding="utf-8"?>
+<p:sld xmlns:a="http://schemas.openxmlformats.org/drawingml/2006/main" xmlns:r="http://schemas.openxmlformats.org/officeDocument/2006/relationships" xmlns:p="http://schemas.openxmlformats.org/presentationml/2006/main">
+  <p:cSld>
+    <p:bg>
+      <p:bgPr>
+        <a:solidFill>
+          <a:schemeClr val="bg1"/>
+        </a:solidFill>
+        <a:effectLst/>
+      </p:bgPr>
+    </p:bg>
+    <p:spTree>
+      <p:nvGrpSpPr>
+        <p:cNvPr id="1" name=""/>
+        <p:cNvGrpSpPr/>
+        <p:nvPr/>
+      </p:nvGrpSpPr>
+      <p:grpSpPr>
+        <a:xfrm>
+          <a:off x="0" y="0"/>
+          <a:ext cx="0" cy="0"/>
+          <a:chOff x="0" y="0"/>
+          <a:chExt cx="0" cy="0"/>
+        </a:xfrm>
+      </p:grpSpPr>
+      <p:sp useBgFill="1">
+        <p:nvSpPr>
+          <p:cNvPr id="8" name="Rectangle 7">
+            <a:extLst>
+              <a:ext uri="{FF2B5EF4-FFF2-40B4-BE49-F238E27FC236}">
+                <a16:creationId xmlns:a16="http://schemas.microsoft.com/office/drawing/2014/main" id="{B20EED73-1494-4E89-869B-E501A02B2408}"/>
+              </a:ext>
+              <a:ext uri="{C183D7F6-B498-43B3-948B-1728B52AA6E4}">
+                <adec:decorative xmlns:adec="http://schemas.microsoft.com/office/drawing/2017/decorative" val="1"/>
+              </a:ext>
+            </a:extLst>
+          </p:cNvPr>
+          <p:cNvSpPr>
+            <a:spLocks noGrp="1" noRot="1" noChangeAspect="1" noMove="1" noResize="1" noEditPoints="1" noAdjustHandles="1" noChangeArrowheads="1" noChangeShapeType="1" noTextEdit="1"/>
+          </p:cNvSpPr>
+          <p:nvPr>
+            <p:extLst>
+              <p:ext uri="{386F3935-93C4-4BCD-93E2-E3B085C9AB24}">
+                <p16:designElem xmlns:p16="http://schemas.microsoft.com/office/powerpoint/2015/main" val="1"/>
+              </p:ext>
+            </p:extLst>
+          </p:nvPr>
+        </p:nvSpPr>
+        <p:spPr>
+          <a:xfrm>
+            <a:off x="0" y="0"/>
+            <a:ext cx="12188952" cy="6858000"/>
+          </a:xfrm>
+          <a:prstGeom prst="rect">
+            <a:avLst/>
+          </a:prstGeom>
+          <a:ln>
+            <a:noFill/>
+          </a:ln>
+        </p:spPr>
+        <p:style>
+          <a:lnRef idx="2">
+            <a:schemeClr val="accent1">
+              <a:shade val="50000"/>
+            </a:schemeClr>
+          </a:lnRef>
+          <a:fillRef idx="1">
+            <a:schemeClr val="accent1"/>
+          </a:fillRef>
+          <a:effectRef idx="0">
+            <a:schemeClr val="accent1"/>
+          </a:effectRef>
+          <a:fontRef idx="minor">
+            <a:schemeClr val="lt1"/>
+          </a:fontRef>
+        </p:style>
+        <p:txBody>
+          <a:bodyPr rtlCol="0" anchor="ctr"/>
+          <a:lstStyle/>
+          <a:p>
+            <a:pPr algn="ctr"/>
+            <a:endParaRPr lang="en-US"/>
+          </a:p>
+        </p:txBody>
+      </p:sp>
+      <p:sp>
+        <p:nvSpPr>
+          <p:cNvPr id="10" name="Freeform: Shape 9">
+            <a:extLst>
+              <a:ext uri="{FF2B5EF4-FFF2-40B4-BE49-F238E27FC236}">
+                <a16:creationId xmlns:a16="http://schemas.microsoft.com/office/drawing/2014/main" id="{E9D7A3A2-205A-4FD7-89D2-24FA8A54EA12}"/>
+              </a:ext>
+              <a:ext uri="{C183D7F6-B498-43B3-948B-1728B52AA6E4}">
+                <adec:decorative xmlns:adec="http://schemas.microsoft.com/office/drawing/2017/decorative" val="1"/>
+              </a:ext>
+            </a:extLst>
+          </p:cNvPr>
+          <p:cNvSpPr>
+            <a:spLocks noGrp="1" noRot="1" noChangeAspect="1" noMove="1" noResize="1" noEditPoints="1" noAdjustHandles="1" noChangeArrowheads="1" noChangeShapeType="1" noTextEdit="1"/>
+          </p:cNvSpPr>
+          <p:nvPr>
+            <p:extLst>
+              <p:ext uri="{386F3935-93C4-4BCD-93E2-E3B085C9AB24}">
+                <p16:designElem xmlns:p16="http://schemas.microsoft.com/office/powerpoint/2015/main" val="1"/>
+              </p:ext>
+            </p:extLst>
+          </p:nvPr>
+        </p:nvSpPr>
+        <p:spPr>
+          <a:xfrm>
+            <a:off x="814934" y="0"/>
+            <a:ext cx="11377066" cy="4001047"/>
+          </a:xfrm>
+          <a:custGeom>
+            <a:avLst/>
+            <a:gdLst>
+              <a:gd name="connsiteX0" fmla="*/ 914840 w 11377066"/>
+              <a:gd name="connsiteY0" fmla="*/ 0 h 3343806"/>
+              <a:gd name="connsiteX1" fmla="*/ 11365513 w 11377066"/>
+              <a:gd name="connsiteY1" fmla="*/ 0 h 3343806"/>
+              <a:gd name="connsiteX2" fmla="*/ 11365513 w 11377066"/>
+              <a:gd name="connsiteY2" fmla="*/ 846735 h 3343806"/>
+              <a:gd name="connsiteX3" fmla="*/ 11050704 w 11377066"/>
+              <a:gd name="connsiteY3" fmla="*/ 1046017 h 3343806"/>
+              <a:gd name="connsiteX4" fmla="*/ 11195112 w 11377066"/>
+              <a:gd name="connsiteY4" fmla="*/ 1103780 h 3343806"/>
+              <a:gd name="connsiteX5" fmla="*/ 10553944 w 11377066"/>
+              <a:gd name="connsiteY5" fmla="*/ 1441695 h 3343806"/>
+              <a:gd name="connsiteX6" fmla="*/ 11148902 w 11377066"/>
+              <a:gd name="connsiteY6" fmla="*/ 1383932 h 3343806"/>
+              <a:gd name="connsiteX7" fmla="*/ 11117132 w 11377066"/>
+              <a:gd name="connsiteY7" fmla="*/ 1430142 h 3343806"/>
+              <a:gd name="connsiteX8" fmla="*/ 11085363 w 11377066"/>
+              <a:gd name="connsiteY8" fmla="*/ 1476352 h 3343806"/>
+              <a:gd name="connsiteX9" fmla="*/ 11365513 w 11377066"/>
+              <a:gd name="connsiteY9" fmla="*/ 1447471 h 3343806"/>
+              <a:gd name="connsiteX10" fmla="*/ 11365513 w 11377066"/>
+              <a:gd name="connsiteY10" fmla="*/ 1496569 h 3343806"/>
+              <a:gd name="connsiteX11" fmla="*/ 11278869 w 11377066"/>
+              <a:gd name="connsiteY11" fmla="*/ 1554332 h 3343806"/>
+              <a:gd name="connsiteX12" fmla="*/ 11365513 w 11377066"/>
+              <a:gd name="connsiteY12" fmla="*/ 1539891 h 3343806"/>
+              <a:gd name="connsiteX13" fmla="*/ 11377066 w 11377066"/>
+              <a:gd name="connsiteY13" fmla="*/ 1539891 h 3343806"/>
+              <a:gd name="connsiteX14" fmla="*/ 11377066 w 11377066"/>
+              <a:gd name="connsiteY14" fmla="*/ 1765167 h 3343806"/>
+              <a:gd name="connsiteX15" fmla="*/ 4624577 w 11377066"/>
+              <a:gd name="connsiteY15" fmla="*/ 3342096 h 3343806"/>
+              <a:gd name="connsiteX16" fmla="*/ 4000738 w 11377066"/>
+              <a:gd name="connsiteY16" fmla="*/ 3313214 h 3343806"/>
+              <a:gd name="connsiteX17" fmla="*/ 3853443 w 11377066"/>
+              <a:gd name="connsiteY17" fmla="*/ 3217905 h 3343806"/>
+              <a:gd name="connsiteX18" fmla="*/ 4003625 w 11377066"/>
+              <a:gd name="connsiteY18" fmla="*/ 3171695 h 3343806"/>
+              <a:gd name="connsiteX19" fmla="*/ 4465729 w 11377066"/>
+              <a:gd name="connsiteY19" fmla="*/ 3024399 h 3343806"/>
+              <a:gd name="connsiteX20" fmla="*/ 4015179 w 11377066"/>
+              <a:gd name="connsiteY20" fmla="*/ 3047505 h 3343806"/>
+              <a:gd name="connsiteX21" fmla="*/ 4656346 w 11377066"/>
+              <a:gd name="connsiteY21" fmla="*/ 2926202 h 3343806"/>
+              <a:gd name="connsiteX22" fmla="*/ 4841188 w 11377066"/>
+              <a:gd name="connsiteY22" fmla="*/ 2862663 h 3343806"/>
+              <a:gd name="connsiteX23" fmla="*/ 4659236 w 11377066"/>
+              <a:gd name="connsiteY23" fmla="*/ 2836670 h 3343806"/>
+              <a:gd name="connsiteX24" fmla="*/ 3778351 w 11377066"/>
+              <a:gd name="connsiteY24" fmla="*/ 2914650 h 3343806"/>
+              <a:gd name="connsiteX25" fmla="*/ 3694595 w 11377066"/>
+              <a:gd name="connsiteY25" fmla="*/ 2923314 h 3343806"/>
+              <a:gd name="connsiteX26" fmla="*/ 3119852 w 11377066"/>
+              <a:gd name="connsiteY26" fmla="*/ 2862663 h 3343806"/>
+              <a:gd name="connsiteX27" fmla="*/ 3440437 w 11377066"/>
+              <a:gd name="connsiteY27" fmla="*/ 2799124 h 3343806"/>
+              <a:gd name="connsiteX28" fmla="*/ 3070753 w 11377066"/>
+              <a:gd name="connsiteY28" fmla="*/ 2761578 h 3343806"/>
+              <a:gd name="connsiteX29" fmla="*/ 2623091 w 11377066"/>
+              <a:gd name="connsiteY29" fmla="*/ 2726920 h 3343806"/>
+              <a:gd name="connsiteX30" fmla="*/ 2160987 w 11377066"/>
+              <a:gd name="connsiteY30" fmla="*/ 2611394 h 3343806"/>
+              <a:gd name="connsiteX31" fmla="*/ 1837515 w 11377066"/>
+              <a:gd name="connsiteY31" fmla="*/ 2573848 h 3343806"/>
+              <a:gd name="connsiteX32" fmla="*/ 1869284 w 11377066"/>
+              <a:gd name="connsiteY32" fmla="*/ 2472763 h 3343806"/>
+              <a:gd name="connsiteX33" fmla="*/ 1808633 w 11377066"/>
+              <a:gd name="connsiteY33" fmla="*/ 2386119 h 3343806"/>
+              <a:gd name="connsiteX34" fmla="*/ 2354493 w 11377066"/>
+              <a:gd name="connsiteY34" fmla="*/ 2342797 h 3343806"/>
+              <a:gd name="connsiteX35" fmla="*/ 2146546 w 11377066"/>
+              <a:gd name="connsiteY35" fmla="*/ 2328356 h 3343806"/>
+              <a:gd name="connsiteX36" fmla="*/ 2054126 w 11377066"/>
+              <a:gd name="connsiteY36" fmla="*/ 2285034 h 3343806"/>
+              <a:gd name="connsiteX37" fmla="*/ 2132106 w 11377066"/>
+              <a:gd name="connsiteY37" fmla="*/ 2238823 h 3343806"/>
+              <a:gd name="connsiteX38" fmla="*/ 2478684 w 11377066"/>
+              <a:gd name="connsiteY38" fmla="*/ 2085751 h 3343806"/>
+              <a:gd name="connsiteX39" fmla="*/ 1511154 w 11377066"/>
+              <a:gd name="connsiteY39" fmla="*/ 2094416 h 3343806"/>
+              <a:gd name="connsiteX40" fmla="*/ 1638232 w 11377066"/>
+              <a:gd name="connsiteY40" fmla="*/ 2042429 h 3343806"/>
+              <a:gd name="connsiteX41" fmla="*/ 2972556 w 11377066"/>
+              <a:gd name="connsiteY41" fmla="*/ 1718957 h 3343806"/>
+              <a:gd name="connsiteX42" fmla="*/ 3238266 w 11377066"/>
+              <a:gd name="connsiteY42" fmla="*/ 1678523 h 3343806"/>
+              <a:gd name="connsiteX43" fmla="*/ 2522005 w 11377066"/>
+              <a:gd name="connsiteY43" fmla="*/ 1664082 h 3343806"/>
+              <a:gd name="connsiteX44" fmla="*/ 1421621 w 11377066"/>
+              <a:gd name="connsiteY44" fmla="*/ 1522563 h 3343806"/>
+              <a:gd name="connsiteX45" fmla="*/ 1525595 w 11377066"/>
+              <a:gd name="connsiteY45" fmla="*/ 1392596 h 3343806"/>
+              <a:gd name="connsiteX46" fmla="*/ 982623 w 11377066"/>
+              <a:gd name="connsiteY46" fmla="*/ 1415701 h 3343806"/>
+              <a:gd name="connsiteX47" fmla="*/ 1231003 w 11377066"/>
+              <a:gd name="connsiteY47" fmla="*/ 1314616 h 3343806"/>
+              <a:gd name="connsiteX48" fmla="*/ 1025945 w 11377066"/>
+              <a:gd name="connsiteY48" fmla="*/ 1297287 h 3343806"/>
+              <a:gd name="connsiteX49" fmla="*/ 841104 w 11377066"/>
+              <a:gd name="connsiteY49" fmla="*/ 1225083 h 3343806"/>
+              <a:gd name="connsiteX50" fmla="*/ 1612239 w 11377066"/>
+              <a:gd name="connsiteY50" fmla="*/ 1112445 h 3343806"/>
+              <a:gd name="connsiteX51" fmla="*/ 1814409 w 11377066"/>
+              <a:gd name="connsiteY51" fmla="*/ 1008471 h 3343806"/>
+              <a:gd name="connsiteX52" fmla="*/ 1932824 w 11377066"/>
+              <a:gd name="connsiteY52" fmla="*/ 979590 h 3343806"/>
+              <a:gd name="connsiteX53" fmla="*/ 2083007 w 11377066"/>
+              <a:gd name="connsiteY53" fmla="*/ 936268 h 3343806"/>
+              <a:gd name="connsiteX54" fmla="*/ 1947265 w 11377066"/>
+              <a:gd name="connsiteY54" fmla="*/ 924715 h 3343806"/>
+              <a:gd name="connsiteX55" fmla="*/ 1271438 w 11377066"/>
+              <a:gd name="connsiteY55" fmla="*/ 895834 h 3343806"/>
+              <a:gd name="connsiteX56" fmla="*/ 659150 w 11377066"/>
+              <a:gd name="connsiteY56" fmla="*/ 907386 h 3343806"/>
+              <a:gd name="connsiteX57" fmla="*/ 780453 w 11377066"/>
+              <a:gd name="connsiteY57" fmla="*/ 846735 h 3343806"/>
+              <a:gd name="connsiteX58" fmla="*/ 841104 w 11377066"/>
+              <a:gd name="connsiteY58" fmla="*/ 788972 h 3343806"/>
+              <a:gd name="connsiteX59" fmla="*/ 448316 w 11377066"/>
+              <a:gd name="connsiteY59" fmla="*/ 659006 h 3343806"/>
+              <a:gd name="connsiteX60" fmla="*/ 910419 w 11377066"/>
+              <a:gd name="connsiteY60" fmla="*/ 569473 h 3343806"/>
+              <a:gd name="connsiteX61" fmla="*/ 604275 w 11377066"/>
+              <a:gd name="connsiteY61" fmla="*/ 514598 h 3343806"/>
+              <a:gd name="connsiteX62" fmla="*/ 15093 w 11377066"/>
+              <a:gd name="connsiteY62" fmla="*/ 352862 h 3343806"/>
+              <a:gd name="connsiteX63" fmla="*/ 430987 w 11377066"/>
+              <a:gd name="connsiteY63" fmla="*/ 136251 h 3343806"/>
+              <a:gd name="connsiteX64" fmla="*/ 874092 w 11377066"/>
+              <a:gd name="connsiteY64" fmla="*/ 17656 h 3343806"/>
+            </a:gdLst>
+            <a:ahLst/>
+            <a:cxnLst>
+              <a:cxn ang="0">
+                <a:pos x="connsiteX0" y="connsiteY0"/>
+              </a:cxn>
+              <a:cxn ang="0">
+                <a:pos x="connsiteX1" y="connsiteY1"/>
+              </a:cxn>
+              <a:cxn ang="0">
+                <a:pos x="connsiteX2" y="connsiteY2"/>
+              </a:cxn>
+              <a:cxn ang="0">
+                <a:pos x="connsiteX3" y="connsiteY3"/>
+              </a:cxn>
+              <a:cxn ang="0">
+                <a:pos x="connsiteX4" y="connsiteY4"/>
+              </a:cxn>
+              <a:cxn ang="0">
+                <a:pos x="connsiteX5" y="connsiteY5"/>
+              </a:cxn>
+              <a:cxn ang="0">
+                <a:pos x="connsiteX6" y="connsiteY6"/>
+              </a:cxn>
+              <a:cxn ang="0">
+                <a:pos x="connsiteX7" y="connsiteY7"/>
+              </a:cxn>
+              <a:cxn ang="0">
+                <a:pos x="connsiteX8" y="connsiteY8"/>
+              </a:cxn>
+              <a:cxn ang="0">
+                <a:pos x="connsiteX9" y="connsiteY9"/>
+              </a:cxn>
+              <a:cxn ang="0">
+                <a:pos x="connsiteX10" y="connsiteY10"/>
+              </a:cxn>
+              <a:cxn ang="0">
+                <a:pos x="connsiteX11" y="connsiteY11"/>
+              </a:cxn>
+              <a:cxn ang="0">
+                <a:pos x="connsiteX12" y="connsiteY12"/>
+              </a:cxn>
+              <a:cxn ang="0">
+                <a:pos x="connsiteX13" y="connsiteY13"/>
+              </a:cxn>
+              <a:cxn ang="0">
+                <a:pos x="connsiteX14" y="connsiteY14"/>
+              </a:cxn>
+              <a:cxn ang="0">
+                <a:pos x="connsiteX15" y="connsiteY15"/>
+              </a:cxn>
+              <a:cxn ang="0">
+                <a:pos x="connsiteX16" y="connsiteY16"/>
+              </a:cxn>
+              <a:cxn ang="0">
+                <a:pos x="connsiteX17" y="connsiteY17"/>
+              </a:cxn>
+              <a:cxn ang="0">
+                <a:pos x="connsiteX18" y="connsiteY18"/>
+              </a:cxn>
+              <a:cxn ang="0">
+                <a:pos x="connsiteX19" y="connsiteY19"/>
+              </a:cxn>
+              <a:cxn ang="0">
+                <a:pos x="connsiteX20" y="connsiteY20"/>
+              </a:cxn>
+              <a:cxn ang="0">
+                <a:pos x="connsiteX21" y="connsiteY21"/>
+              </a:cxn>
+              <a:cxn ang="0">
+                <a:pos x="connsiteX22" y="connsiteY22"/>
+              </a:cxn>
+              <a:cxn ang="0">
+                <a:pos x="connsiteX23" y="connsiteY23"/>
+              </a:cxn>
+              <a:cxn ang="0">
+                <a:pos x="connsiteX24" y="connsiteY24"/>
+              </a:cxn>
+              <a:cxn ang="0">
+                <a:pos x="connsiteX25" y="connsiteY25"/>
+              </a:cxn>
+              <a:cxn ang="0">
+                <a:pos x="connsiteX26" y="connsiteY26"/>
+              </a:cxn>
+              <a:cxn ang="0">
+                <a:pos x="connsiteX27" y="connsiteY27"/>
+              </a:cxn>
+              <a:cxn ang="0">
+                <a:pos x="connsiteX28" y="connsiteY28"/>
+              </a:cxn>
+              <a:cxn ang="0">
+                <a:pos x="connsiteX29" y="connsiteY29"/>
+              </a:cxn>
+              <a:cxn ang="0">
+                <a:pos x="connsiteX30" y="connsiteY30"/>
+              </a:cxn>
+              <a:cxn ang="0">
+                <a:pos x="connsiteX31" y="connsiteY31"/>
+              </a:cxn>
+              <a:cxn ang="0">
+                <a:pos x="connsiteX32" y="connsiteY32"/>
+              </a:cxn>
+              <a:cxn ang="0">
+                <a:pos x="connsiteX33" y="connsiteY33"/>
+              </a:cxn>
+              <a:cxn ang="0">
+                <a:pos x="connsiteX34" y="connsiteY34"/>
+              </a:cxn>
+              <a:cxn ang="0">
+                <a:pos x="connsiteX35" y="connsiteY35"/>
+              </a:cxn>
+              <a:cxn ang="0">
+                <a:pos x="connsiteX36" y="connsiteY36"/>
+              </a:cxn>
+              <a:cxn ang="0">
+                <a:pos x="connsiteX37" y="connsiteY37"/>
+              </a:cxn>
+              <a:cxn ang="0">
+                <a:pos x="connsiteX38" y="connsiteY38"/>
+              </a:cxn>
+              <a:cxn ang="0">
+                <a:pos x="connsiteX39" y="connsiteY39"/>
+              </a:cxn>
+              <a:cxn ang="0">
+                <a:pos x="connsiteX40" y="connsiteY40"/>
+              </a:cxn>
+              <a:cxn ang="0">
+                <a:pos x="connsiteX41" y="connsiteY41"/>
+              </a:cxn>
+              <a:cxn ang="0">
+                <a:pos x="connsiteX42" y="connsiteY42"/>
+              </a:cxn>
+              <a:cxn ang="0">
+                <a:pos x="connsiteX43" y="connsiteY43"/>
+              </a:cxn>
+              <a:cxn ang="0">
+                <a:pos x="connsiteX44" y="connsiteY44"/>
+              </a:cxn>
+              <a:cxn ang="0">
+                <a:pos x="connsiteX45" y="connsiteY45"/>
+              </a:cxn>
+              <a:cxn ang="0">
+                <a:pos x="connsiteX46" y="connsiteY46"/>
+              </a:cxn>
+              <a:cxn ang="0">
+                <a:pos x="connsiteX47" y="connsiteY47"/>
+              </a:cxn>
+              <a:cxn ang="0">
+                <a:pos x="connsiteX48" y="connsiteY48"/>
+              </a:cxn>
+              <a:cxn ang="0">
+                <a:pos x="connsiteX49" y="connsiteY49"/>
+              </a:cxn>
+              <a:cxn ang="0">
+                <a:pos x="connsiteX50" y="connsiteY50"/>
+              </a:cxn>
+              <a:cxn ang="0">
+                <a:pos x="connsiteX51" y="connsiteY51"/>
+              </a:cxn>
+              <a:cxn ang="0">
+                <a:pos x="connsiteX52" y="connsiteY52"/>
+              </a:cxn>
+              <a:cxn ang="0">
+                <a:pos x="connsiteX53" y="connsiteY53"/>
+              </a:cxn>
+              <a:cxn ang="0">
+                <a:pos x="connsiteX54" y="connsiteY54"/>
+              </a:cxn>
+              <a:cxn ang="0">
+                <a:pos x="connsiteX55" y="connsiteY55"/>
+              </a:cxn>
+              <a:cxn ang="0">
+                <a:pos x="connsiteX56" y="connsiteY56"/>
+              </a:cxn>
+              <a:cxn ang="0">
+                <a:pos x="connsiteX57" y="connsiteY57"/>
+              </a:cxn>
+              <a:cxn ang="0">
+                <a:pos x="connsiteX58" y="connsiteY58"/>
+              </a:cxn>
+              <a:cxn ang="0">
+                <a:pos x="connsiteX59" y="connsiteY59"/>
+              </a:cxn>
+              <a:cxn ang="0">
+                <a:pos x="connsiteX60" y="connsiteY60"/>
+              </a:cxn>
+              <a:cxn ang="0">
+                <a:pos x="connsiteX61" y="connsiteY61"/>
+              </a:cxn>
+              <a:cxn ang="0">
+                <a:pos x="connsiteX62" y="connsiteY62"/>
+              </a:cxn>
+              <a:cxn ang="0">
+                <a:pos x="connsiteX63" y="connsiteY63"/>
+              </a:cxn>
+              <a:cxn ang="0">
+                <a:pos x="connsiteX64" y="connsiteY64"/>
+              </a:cxn>
+            </a:cxnLst>
+            <a:rect l="l" t="t" r="r" b="b"/>
+            <a:pathLst>
+              <a:path w="11377066" h="3343806">
+                <a:moveTo>
+                  <a:pt x="914840" y="0"/>
+                </a:moveTo>
+                <a:lnTo>
+                  <a:pt x="11365513" y="0"/>
+                </a:lnTo>
+                <a:lnTo>
+                  <a:pt x="11365513" y="846735"/>
+                </a:lnTo>
+                <a:cubicBezTo>
+                  <a:pt x="11273092" y="924715"/>
+                  <a:pt x="11163343" y="985366"/>
+                  <a:pt x="11050704" y="1046017"/>
+                </a:cubicBezTo>
+                <a:cubicBezTo>
+                  <a:pt x="11088251" y="1089339"/>
+                  <a:pt x="11169119" y="1037353"/>
+                  <a:pt x="11195112" y="1103780"/>
+                </a:cubicBezTo>
+                <a:cubicBezTo>
+                  <a:pt x="10987166" y="1216419"/>
+                  <a:pt x="10796548" y="1357938"/>
+                  <a:pt x="10553944" y="1441695"/>
+                </a:cubicBezTo>
+                <a:cubicBezTo>
+                  <a:pt x="10753226" y="1381043"/>
+                  <a:pt x="10952508" y="1409925"/>
+                  <a:pt x="11148902" y="1383932"/>
+                </a:cubicBezTo>
+                <a:cubicBezTo>
+                  <a:pt x="11174895" y="1418589"/>
+                  <a:pt x="11131573" y="1418589"/>
+                  <a:pt x="11117132" y="1430142"/>
+                </a:cubicBezTo>
+                <a:cubicBezTo>
+                  <a:pt x="11102692" y="1441695"/>
+                  <a:pt x="11082474" y="1450359"/>
+                  <a:pt x="11085363" y="1476352"/>
+                </a:cubicBezTo>
+                <a:cubicBezTo>
+                  <a:pt x="11174895" y="1487905"/>
+                  <a:pt x="11273092" y="1447471"/>
+                  <a:pt x="11365513" y="1447471"/>
+                </a:cubicBezTo>
+                <a:lnTo>
+                  <a:pt x="11365513" y="1496569"/>
+                </a:lnTo>
+                <a:cubicBezTo>
+                  <a:pt x="11333743" y="1513898"/>
+                  <a:pt x="11293310" y="1519674"/>
+                  <a:pt x="11278869" y="1554332"/>
+                </a:cubicBezTo>
+                <a:cubicBezTo>
+                  <a:pt x="11307750" y="1548556"/>
+                  <a:pt x="11336632" y="1545668"/>
+                  <a:pt x="11365513" y="1539891"/>
+                </a:cubicBezTo>
+                <a:lnTo>
+                  <a:pt x="11377066" y="1539891"/>
+                </a:lnTo>
+                <a:lnTo>
+                  <a:pt x="11377066" y="1765167"/>
+                </a:lnTo>
+                <a:cubicBezTo>
+                  <a:pt x="9482441" y="3362313"/>
+                  <a:pt x="4945162" y="3324767"/>
+                  <a:pt x="4624577" y="3342096"/>
+                </a:cubicBezTo>
+                <a:cubicBezTo>
+                  <a:pt x="4523492" y="3347872"/>
+                  <a:pt x="4098935" y="3339207"/>
+                  <a:pt x="4000738" y="3313214"/>
+                </a:cubicBezTo>
+                <a:cubicBezTo>
+                  <a:pt x="3867883" y="3281444"/>
+                  <a:pt x="3853443" y="3217905"/>
+                  <a:pt x="3853443" y="3217905"/>
+                </a:cubicBezTo>
+                <a:cubicBezTo>
+                  <a:pt x="3853443" y="3217905"/>
+                  <a:pt x="3919869" y="3191912"/>
+                  <a:pt x="4003625" y="3171695"/>
+                </a:cubicBezTo>
+                <a:cubicBezTo>
+                  <a:pt x="4165361" y="3131261"/>
+                  <a:pt x="4298217" y="3056169"/>
+                  <a:pt x="4465729" y="3024399"/>
+                </a:cubicBezTo>
+                <a:cubicBezTo>
+                  <a:pt x="4315546" y="3033064"/>
+                  <a:pt x="4165361" y="3038840"/>
+                  <a:pt x="4015179" y="3047505"/>
+                </a:cubicBezTo>
+                <a:cubicBezTo>
+                  <a:pt x="4223124" y="2969524"/>
+                  <a:pt x="4442625" y="2957972"/>
+                  <a:pt x="4656346" y="2926202"/>
+                </a:cubicBezTo>
+                <a:cubicBezTo>
+                  <a:pt x="4725662" y="2917538"/>
+                  <a:pt x="4841188" y="2943531"/>
+                  <a:pt x="4841188" y="2862663"/>
+                </a:cubicBezTo>
+                <a:cubicBezTo>
+                  <a:pt x="4838300" y="2810676"/>
+                  <a:pt x="4725662" y="2833782"/>
+                  <a:pt x="4659236" y="2836670"/>
+                </a:cubicBezTo>
+                <a:cubicBezTo>
+                  <a:pt x="4364644" y="2845334"/>
+                  <a:pt x="4072941" y="2882880"/>
+                  <a:pt x="3778351" y="2914650"/>
+                </a:cubicBezTo>
+                <a:cubicBezTo>
+                  <a:pt x="3749468" y="2917538"/>
+                  <a:pt x="3714811" y="2931979"/>
+                  <a:pt x="3694595" y="2923314"/>
+                </a:cubicBezTo>
+                <a:cubicBezTo>
+                  <a:pt x="3527082" y="2865551"/>
+                  <a:pt x="3336463" y="2879992"/>
+                  <a:pt x="3119852" y="2862663"/>
+                </a:cubicBezTo>
+                <a:cubicBezTo>
+                  <a:pt x="3238266" y="2796236"/>
+                  <a:pt x="3339351" y="2842446"/>
+                  <a:pt x="3440437" y="2799124"/>
+                </a:cubicBezTo>
+                <a:cubicBezTo>
+                  <a:pt x="3316246" y="2752913"/>
+                  <a:pt x="3189168" y="2773131"/>
+                  <a:pt x="3070753" y="2761578"/>
+                </a:cubicBezTo>
+                <a:cubicBezTo>
+                  <a:pt x="2984109" y="2752913"/>
+                  <a:pt x="2672189" y="2741361"/>
+                  <a:pt x="2623091" y="2726920"/>
+                </a:cubicBezTo>
+                <a:cubicBezTo>
+                  <a:pt x="2472907" y="2683598"/>
+                  <a:pt x="2293842" y="2689374"/>
+                  <a:pt x="2160987" y="2611394"/>
+                </a:cubicBezTo>
+                <a:cubicBezTo>
+                  <a:pt x="2065678" y="2556519"/>
+                  <a:pt x="1938600" y="2602730"/>
+                  <a:pt x="1837515" y="2573848"/>
+                </a:cubicBezTo>
+                <a:cubicBezTo>
+                  <a:pt x="1794192" y="2533414"/>
+                  <a:pt x="1854843" y="2504533"/>
+                  <a:pt x="1869284" y="2472763"/>
+                </a:cubicBezTo>
+                <a:cubicBezTo>
+                  <a:pt x="1889502" y="2432329"/>
+                  <a:pt x="1834626" y="2423665"/>
+                  <a:pt x="1808633" y="2386119"/>
+                </a:cubicBezTo>
+                <a:cubicBezTo>
+                  <a:pt x="1987698" y="2389007"/>
+                  <a:pt x="2158099" y="2377454"/>
+                  <a:pt x="2354493" y="2342797"/>
+                </a:cubicBezTo>
+                <a:cubicBezTo>
+                  <a:pt x="2273625" y="2290810"/>
+                  <a:pt x="2204309" y="2339908"/>
+                  <a:pt x="2146546" y="2328356"/>
+                </a:cubicBezTo>
+                <a:cubicBezTo>
+                  <a:pt x="2106113" y="2319691"/>
+                  <a:pt x="2054126" y="2328356"/>
+                  <a:pt x="2054126" y="2285034"/>
+                </a:cubicBezTo>
+                <a:cubicBezTo>
+                  <a:pt x="2054126" y="2250376"/>
+                  <a:pt x="2100336" y="2244599"/>
+                  <a:pt x="2132106" y="2238823"/>
+                </a:cubicBezTo>
+                <a:cubicBezTo>
+                  <a:pt x="2256296" y="2218606"/>
+                  <a:pt x="2377599" y="2192613"/>
+                  <a:pt x="2478684" y="2085751"/>
+                </a:cubicBezTo>
+                <a:cubicBezTo>
+                  <a:pt x="2152323" y="2051094"/>
+                  <a:pt x="1817297" y="2186837"/>
+                  <a:pt x="1511154" y="2094416"/>
+                </a:cubicBezTo>
+                <a:cubicBezTo>
+                  <a:pt x="1537147" y="2033765"/>
+                  <a:pt x="1597798" y="2045317"/>
+                  <a:pt x="1638232" y="2042429"/>
+                </a:cubicBezTo>
+                <a:cubicBezTo>
+                  <a:pt x="1909718" y="2016436"/>
+                  <a:pt x="2825261" y="1701628"/>
+                  <a:pt x="2972556" y="1718957"/>
+                </a:cubicBezTo>
+                <a:cubicBezTo>
+                  <a:pt x="3062089" y="1727621"/>
+                  <a:pt x="3154510" y="1721845"/>
+                  <a:pt x="3238266" y="1678523"/>
+                </a:cubicBezTo>
+                <a:cubicBezTo>
+                  <a:pt x="3339351" y="1626536"/>
+                  <a:pt x="2695295" y="1736286"/>
+                  <a:pt x="2522005" y="1664082"/>
+                </a:cubicBezTo>
+                <a:cubicBezTo>
+                  <a:pt x="2438249" y="1629424"/>
+                  <a:pt x="1730654" y="1528339"/>
+                  <a:pt x="1421621" y="1522563"/>
+                </a:cubicBezTo>
+                <a:cubicBezTo>
+                  <a:pt x="1450503" y="1467688"/>
+                  <a:pt x="1557364" y="1470576"/>
+                  <a:pt x="1525595" y="1392596"/>
+                </a:cubicBezTo>
+                <a:cubicBezTo>
+                  <a:pt x="1358082" y="1386820"/>
+                  <a:pt x="1179017" y="1435918"/>
+                  <a:pt x="982623" y="1415701"/>
+                </a:cubicBezTo>
+                <a:cubicBezTo>
+                  <a:pt x="1051938" y="1346386"/>
+                  <a:pt x="1153023" y="1352162"/>
+                  <a:pt x="1231003" y="1314616"/>
+                </a:cubicBezTo>
+                <a:cubicBezTo>
+                  <a:pt x="1170352" y="1262629"/>
+                  <a:pt x="1095261" y="1294399"/>
+                  <a:pt x="1025945" y="1297287"/>
+                </a:cubicBezTo>
+                <a:cubicBezTo>
+                  <a:pt x="965294" y="1300175"/>
+                  <a:pt x="812222" y="1227972"/>
+                  <a:pt x="841104" y="1225083"/>
+                </a:cubicBezTo>
+                <a:cubicBezTo>
+                  <a:pt x="1101037" y="1207755"/>
+                  <a:pt x="1352306" y="1129775"/>
+                  <a:pt x="1612239" y="1112445"/>
+                </a:cubicBezTo>
+                <a:cubicBezTo>
+                  <a:pt x="1698883" y="1106668"/>
+                  <a:pt x="1797081" y="1112445"/>
+                  <a:pt x="1814409" y="1008471"/>
+                </a:cubicBezTo>
+                <a:cubicBezTo>
+                  <a:pt x="1817297" y="979590"/>
+                  <a:pt x="1808633" y="973814"/>
+                  <a:pt x="1932824" y="979590"/>
+                </a:cubicBezTo>
+                <a:cubicBezTo>
+                  <a:pt x="1981922" y="982478"/>
+                  <a:pt x="2045461" y="982478"/>
+                  <a:pt x="2083007" y="936268"/>
+                </a:cubicBezTo>
+                <a:cubicBezTo>
+                  <a:pt x="2045461" y="898722"/>
+                  <a:pt x="1990587" y="927603"/>
+                  <a:pt x="1947265" y="924715"/>
+                </a:cubicBezTo>
+                <a:cubicBezTo>
+                  <a:pt x="1828850" y="921827"/>
+                  <a:pt x="1386963" y="904498"/>
+                  <a:pt x="1271438" y="895834"/>
+                </a:cubicBezTo>
+                <a:cubicBezTo>
+                  <a:pt x="1031721" y="875617"/>
+                  <a:pt x="901755" y="933380"/>
+                  <a:pt x="659150" y="907386"/>
+                </a:cubicBezTo>
+                <a:cubicBezTo>
+                  <a:pt x="734242" y="890057"/>
+                  <a:pt x="705361" y="866952"/>
+                  <a:pt x="780453" y="846735"/>
+                </a:cubicBezTo>
+                <a:cubicBezTo>
+                  <a:pt x="815110" y="838071"/>
+                  <a:pt x="849768" y="820742"/>
+                  <a:pt x="841104" y="788972"/>
+                </a:cubicBezTo>
+                <a:cubicBezTo>
+                  <a:pt x="835327" y="757202"/>
+                  <a:pt x="396329" y="690775"/>
+                  <a:pt x="448316" y="659006"/>
+                </a:cubicBezTo>
+                <a:cubicBezTo>
+                  <a:pt x="592723" y="575249"/>
+                  <a:pt x="1020169" y="607019"/>
+                  <a:pt x="910419" y="569473"/>
+                </a:cubicBezTo>
+                <a:cubicBezTo>
+                  <a:pt x="742907" y="511710"/>
+                  <a:pt x="716913" y="500157"/>
+                  <a:pt x="604275" y="514598"/>
+                </a:cubicBezTo>
+                <a:cubicBezTo>
+                  <a:pt x="506079" y="529039"/>
+                  <a:pt x="113290" y="349974"/>
+                  <a:pt x="15093" y="352862"/>
+                </a:cubicBezTo>
+                <a:cubicBezTo>
+                  <a:pt x="-71551" y="352862"/>
+                  <a:pt x="234593" y="211343"/>
+                  <a:pt x="430987" y="136251"/>
+                </a:cubicBezTo>
+                <a:cubicBezTo>
+                  <a:pt x="571784" y="82098"/>
+                  <a:pt x="732076" y="70184"/>
+                  <a:pt x="874092" y="17656"/>
+                </a:cubicBezTo>
+                <a:close/>
+              </a:path>
+            </a:pathLst>
+          </a:custGeom>
+          <a:solidFill>
+            <a:schemeClr val="bg2">
+              <a:alpha val="50000"/>
+            </a:schemeClr>
+          </a:solidFill>
+          <a:ln w="32707" cap="flat">
+            <a:noFill/>
+            <a:prstDash val="solid"/>
+            <a:miter/>
+          </a:ln>
+        </p:spPr>
+        <p:txBody>
+          <a:bodyPr wrap="square" rtlCol="0" anchor="ctr">
+            <a:noAutofit/>
+          </a:bodyPr>
+          <a:lstStyle/>
+          <a:p>
+            <a:endParaRPr lang="en-US">
+              <a:solidFill>
+                <a:schemeClr val="tx1"/>
+              </a:solidFill>
+            </a:endParaRPr>
+          </a:p>
+        </p:txBody>
+      </p:sp>
+      <p:sp>
+        <p:nvSpPr>
+          <p:cNvPr id="2" name="Title 1">
+            <a:extLst>
+              <a:ext uri="{FF2B5EF4-FFF2-40B4-BE49-F238E27FC236}">
+                <a16:creationId xmlns:a16="http://schemas.microsoft.com/office/drawing/2014/main" id="{17B2E28A-2184-C132-339A-5B5E2747BAD3}"/>
+              </a:ext>
+            </a:extLst>
+          </p:cNvPr>
+          <p:cNvSpPr>
+            <a:spLocks noGrp="1"/>
+          </p:cNvSpPr>
+          <p:nvPr>
+            <p:ph type="title"/>
+          </p:nvPr>
+        </p:nvSpPr>
+        <p:spPr>
+          <a:xfrm>
+            <a:off x="778735" y="1226962"/>
+            <a:ext cx="4482111" cy="3527214"/>
+          </a:xfrm>
+        </p:spPr>
+        <p:txBody>
+          <a:bodyPr anchor="t">
+            <a:normAutofit/>
+          </a:bodyPr>
+          <a:lstStyle/>
+          <a:p>
+            <a:r>
+              <a:rPr lang="en-US" b="1" dirty="0"/>
+              <a:t>Agenda</a:t>
+            </a:r>
+          </a:p>
+        </p:txBody>
+      </p:sp>
+      <p:sp>
+        <p:nvSpPr>
+          <p:cNvPr id="12" name="Freeform: Shape 11">
+            <a:extLst>
+              <a:ext uri="{FF2B5EF4-FFF2-40B4-BE49-F238E27FC236}">
+                <a16:creationId xmlns:a16="http://schemas.microsoft.com/office/drawing/2014/main" id="{C6BFDF0B-6325-416D-926F-7141006DDBD0}"/>
+              </a:ext>
+              <a:ext uri="{C183D7F6-B498-43B3-948B-1728B52AA6E4}">
+                <adec:decorative xmlns:adec="http://schemas.microsoft.com/office/drawing/2017/decorative" val="1"/>
+              </a:ext>
+            </a:extLst>
+          </p:cNvPr>
+          <p:cNvSpPr>
+            <a:spLocks noGrp="1" noRot="1" noChangeAspect="1" noMove="1" noResize="1" noEditPoints="1" noAdjustHandles="1" noChangeArrowheads="1" noChangeShapeType="1" noTextEdit="1"/>
+          </p:cNvSpPr>
+          <p:nvPr>
+            <p:extLst>
+              <p:ext uri="{386F3935-93C4-4BCD-93E2-E3B085C9AB24}">
+                <p16:designElem xmlns:p16="http://schemas.microsoft.com/office/powerpoint/2015/main" val="1"/>
+              </p:ext>
+            </p:extLst>
+          </p:nvPr>
+        </p:nvSpPr>
+        <p:spPr>
+          <a:xfrm flipV="1">
+            <a:off x="5693668" y="5127460"/>
+            <a:ext cx="6498333" cy="1730540"/>
+          </a:xfrm>
+          <a:custGeom>
+            <a:avLst/>
+            <a:gdLst>
+              <a:gd name="connsiteX0" fmla="*/ 2987112 w 6498333"/>
+              <a:gd name="connsiteY0" fmla="*/ 1730384 h 1730540"/>
+              <a:gd name="connsiteX1" fmla="*/ 3113423 w 6498333"/>
+              <a:gd name="connsiteY1" fmla="*/ 1728494 h 1730540"/>
+              <a:gd name="connsiteX2" fmla="*/ 6436159 w 6498333"/>
+              <a:gd name="connsiteY2" fmla="*/ 1396018 h 1730540"/>
+              <a:gd name="connsiteX3" fmla="*/ 6498333 w 6498333"/>
+              <a:gd name="connsiteY3" fmla="*/ 1381988 h 1730540"/>
+              <a:gd name="connsiteX4" fmla="*/ 6498333 w 6498333"/>
+              <a:gd name="connsiteY4" fmla="*/ 0 h 1730540"/>
+              <a:gd name="connsiteX5" fmla="*/ 723703 w 6498333"/>
+              <a:gd name="connsiteY5" fmla="*/ 0 h 1730540"/>
+              <a:gd name="connsiteX6" fmla="*/ 629735 w 6498333"/>
+              <a:gd name="connsiteY6" fmla="*/ 31770 h 1730540"/>
+              <a:gd name="connsiteX7" fmla="*/ 127078 w 6498333"/>
+              <a:gd name="connsiteY7" fmla="*/ 173371 h 1730540"/>
+              <a:gd name="connsiteX8" fmla="*/ 0 w 6498333"/>
+              <a:gd name="connsiteY8" fmla="*/ 235577 h 1730540"/>
+              <a:gd name="connsiteX9" fmla="*/ 967530 w 6498333"/>
+              <a:gd name="connsiteY9" fmla="*/ 225208 h 1730540"/>
+              <a:gd name="connsiteX10" fmla="*/ 620954 w 6498333"/>
+              <a:gd name="connsiteY10" fmla="*/ 408367 h 1730540"/>
+              <a:gd name="connsiteX11" fmla="*/ 542972 w 6498333"/>
+              <a:gd name="connsiteY11" fmla="*/ 463661 h 1730540"/>
+              <a:gd name="connsiteX12" fmla="*/ 635392 w 6498333"/>
+              <a:gd name="connsiteY12" fmla="*/ 515499 h 1730540"/>
+              <a:gd name="connsiteX13" fmla="*/ 843339 w 6498333"/>
+              <a:gd name="connsiteY13" fmla="*/ 532778 h 1730540"/>
+              <a:gd name="connsiteX14" fmla="*/ 297479 w 6498333"/>
+              <a:gd name="connsiteY14" fmla="*/ 584615 h 1730540"/>
+              <a:gd name="connsiteX15" fmla="*/ 358130 w 6498333"/>
+              <a:gd name="connsiteY15" fmla="*/ 688289 h 1730540"/>
+              <a:gd name="connsiteX16" fmla="*/ 326361 w 6498333"/>
+              <a:gd name="connsiteY16" fmla="*/ 809243 h 1730540"/>
+              <a:gd name="connsiteX17" fmla="*/ 649833 w 6498333"/>
+              <a:gd name="connsiteY17" fmla="*/ 854169 h 1730540"/>
+              <a:gd name="connsiteX18" fmla="*/ 1111937 w 6498333"/>
+              <a:gd name="connsiteY18" fmla="*/ 992402 h 1730540"/>
+              <a:gd name="connsiteX19" fmla="*/ 1559599 w 6498333"/>
+              <a:gd name="connsiteY19" fmla="*/ 1033872 h 1730540"/>
+              <a:gd name="connsiteX20" fmla="*/ 1929284 w 6498333"/>
+              <a:gd name="connsiteY20" fmla="*/ 1078798 h 1730540"/>
+              <a:gd name="connsiteX21" fmla="*/ 1608698 w 6498333"/>
+              <a:gd name="connsiteY21" fmla="*/ 1154826 h 1730540"/>
+              <a:gd name="connsiteX22" fmla="*/ 2183442 w 6498333"/>
+              <a:gd name="connsiteY22" fmla="*/ 1227398 h 1730540"/>
+              <a:gd name="connsiteX23" fmla="*/ 2267197 w 6498333"/>
+              <a:gd name="connsiteY23" fmla="*/ 1217031 h 1730540"/>
+              <a:gd name="connsiteX24" fmla="*/ 3148082 w 6498333"/>
+              <a:gd name="connsiteY24" fmla="*/ 1123724 h 1730540"/>
+              <a:gd name="connsiteX25" fmla="*/ 3330034 w 6498333"/>
+              <a:gd name="connsiteY25" fmla="*/ 1154826 h 1730540"/>
+              <a:gd name="connsiteX26" fmla="*/ 3145192 w 6498333"/>
+              <a:gd name="connsiteY26" fmla="*/ 1230854 h 1730540"/>
+              <a:gd name="connsiteX27" fmla="*/ 2504025 w 6498333"/>
+              <a:gd name="connsiteY27" fmla="*/ 1376000 h 1730540"/>
+              <a:gd name="connsiteX28" fmla="*/ 2954575 w 6498333"/>
+              <a:gd name="connsiteY28" fmla="*/ 1348352 h 1730540"/>
+              <a:gd name="connsiteX29" fmla="*/ 2492471 w 6498333"/>
+              <a:gd name="connsiteY29" fmla="*/ 1524600 h 1730540"/>
+              <a:gd name="connsiteX30" fmla="*/ 2342289 w 6498333"/>
+              <a:gd name="connsiteY30" fmla="*/ 1579893 h 1730540"/>
+              <a:gd name="connsiteX31" fmla="*/ 2489584 w 6498333"/>
+              <a:gd name="connsiteY31" fmla="*/ 1693935 h 1730540"/>
+              <a:gd name="connsiteX32" fmla="*/ 2987112 w 6498333"/>
+              <a:gd name="connsiteY32" fmla="*/ 1730384 h 1730540"/>
+            </a:gdLst>
+            <a:ahLst/>
+            <a:cxnLst>
+              <a:cxn ang="0">
+                <a:pos x="connsiteX0" y="connsiteY0"/>
+              </a:cxn>
+              <a:cxn ang="0">
+                <a:pos x="connsiteX1" y="connsiteY1"/>
+              </a:cxn>
+              <a:cxn ang="0">
+                <a:pos x="connsiteX2" y="connsiteY2"/>
+              </a:cxn>
+              <a:cxn ang="0">
+                <a:pos x="connsiteX3" y="connsiteY3"/>
+              </a:cxn>
+              <a:cxn ang="0">
+                <a:pos x="connsiteX4" y="connsiteY4"/>
+              </a:cxn>
+              <a:cxn ang="0">
+                <a:pos x="connsiteX5" y="connsiteY5"/>
+              </a:cxn>
+              <a:cxn ang="0">
+                <a:pos x="connsiteX6" y="connsiteY6"/>
+              </a:cxn>
+              <a:cxn ang="0">
+                <a:pos x="connsiteX7" y="connsiteY7"/>
+              </a:cxn>
+              <a:cxn ang="0">
+                <a:pos x="connsiteX8" y="connsiteY8"/>
+              </a:cxn>
+              <a:cxn ang="0">
+                <a:pos x="connsiteX9" y="connsiteY9"/>
+              </a:cxn>
+              <a:cxn ang="0">
+                <a:pos x="connsiteX10" y="connsiteY10"/>
+              </a:cxn>
+              <a:cxn ang="0">
+                <a:pos x="connsiteX11" y="connsiteY11"/>
+              </a:cxn>
+              <a:cxn ang="0">
+                <a:pos x="connsiteX12" y="connsiteY12"/>
+              </a:cxn>
+              <a:cxn ang="0">
+                <a:pos x="connsiteX13" y="connsiteY13"/>
+              </a:cxn>
+              <a:cxn ang="0">
+                <a:pos x="connsiteX14" y="connsiteY14"/>
+              </a:cxn>
+              <a:cxn ang="0">
+                <a:pos x="connsiteX15" y="connsiteY15"/>
+              </a:cxn>
+              <a:cxn ang="0">
+                <a:pos x="connsiteX16" y="connsiteY16"/>
+              </a:cxn>
+              <a:cxn ang="0">
+                <a:pos x="connsiteX17" y="connsiteY17"/>
+              </a:cxn>
+              <a:cxn ang="0">
+                <a:pos x="connsiteX18" y="connsiteY18"/>
+              </a:cxn>
+              <a:cxn ang="0">
+                <a:pos x="connsiteX19" y="connsiteY19"/>
+              </a:cxn>
+              <a:cxn ang="0">
+                <a:pos x="connsiteX20" y="connsiteY20"/>
+              </a:cxn>
+              <a:cxn ang="0">
+                <a:pos x="connsiteX21" y="connsiteY21"/>
+              </a:cxn>
+              <a:cxn ang="0">
+                <a:pos x="connsiteX22" y="connsiteY22"/>
+              </a:cxn>
+              <a:cxn ang="0">
+                <a:pos x="connsiteX23" y="connsiteY23"/>
+              </a:cxn>
+              <a:cxn ang="0">
+                <a:pos x="connsiteX24" y="connsiteY24"/>
+              </a:cxn>
+              <a:cxn ang="0">
+                <a:pos x="connsiteX25" y="connsiteY25"/>
+              </a:cxn>
+              <a:cxn ang="0">
+                <a:pos x="connsiteX26" y="connsiteY26"/>
+              </a:cxn>
+              <a:cxn ang="0">
+                <a:pos x="connsiteX27" y="connsiteY27"/>
+              </a:cxn>
+              <a:cxn ang="0">
+                <a:pos x="connsiteX28" y="connsiteY28"/>
+              </a:cxn>
+              <a:cxn ang="0">
+                <a:pos x="connsiteX29" y="connsiteY29"/>
+              </a:cxn>
+              <a:cxn ang="0">
+                <a:pos x="connsiteX30" y="connsiteY30"/>
+              </a:cxn>
+              <a:cxn ang="0">
+                <a:pos x="connsiteX31" y="connsiteY31"/>
+              </a:cxn>
+              <a:cxn ang="0">
+                <a:pos x="connsiteX32" y="connsiteY32"/>
+              </a:cxn>
+            </a:cxnLst>
+            <a:rect l="l" t="t" r="r" b="b"/>
+            <a:pathLst>
+              <a:path w="6498333" h="1730540">
+                <a:moveTo>
+                  <a:pt x="2987112" y="1730384"/>
+                </a:moveTo>
+                <a:cubicBezTo>
+                  <a:pt x="3042664" y="1730870"/>
+                  <a:pt x="3088152" y="1730222"/>
+                  <a:pt x="3113423" y="1728494"/>
+                </a:cubicBezTo>
+                <a:cubicBezTo>
+                  <a:pt x="3293752" y="1716831"/>
+                  <a:pt x="4808270" y="1725943"/>
+                  <a:pt x="6436159" y="1396018"/>
+                </a:cubicBezTo>
+                <a:lnTo>
+                  <a:pt x="6498333" y="1381988"/>
+                </a:lnTo>
+                <a:lnTo>
+                  <a:pt x="6498333" y="0"/>
+                </a:lnTo>
+                <a:lnTo>
+                  <a:pt x="723703" y="0"/>
+                </a:lnTo>
+                <a:lnTo>
+                  <a:pt x="629735" y="31770"/>
+                </a:lnTo>
+                <a:cubicBezTo>
+                  <a:pt x="421263" y="101447"/>
+                  <a:pt x="228886" y="161708"/>
+                  <a:pt x="127078" y="173371"/>
+                </a:cubicBezTo>
+                <a:cubicBezTo>
+                  <a:pt x="86644" y="176827"/>
+                  <a:pt x="25993" y="163004"/>
+                  <a:pt x="0" y="235577"/>
+                </a:cubicBezTo>
+                <a:cubicBezTo>
+                  <a:pt x="306144" y="346163"/>
+                  <a:pt x="641170" y="183739"/>
+                  <a:pt x="967530" y="225208"/>
+                </a:cubicBezTo>
+                <a:cubicBezTo>
+                  <a:pt x="866445" y="353075"/>
+                  <a:pt x="745142" y="384177"/>
+                  <a:pt x="620954" y="408367"/>
+                </a:cubicBezTo>
+                <a:cubicBezTo>
+                  <a:pt x="589182" y="415279"/>
+                  <a:pt x="542972" y="422191"/>
+                  <a:pt x="542972" y="463661"/>
+                </a:cubicBezTo>
+                <a:cubicBezTo>
+                  <a:pt x="542972" y="515499"/>
+                  <a:pt x="594959" y="505130"/>
+                  <a:pt x="635392" y="515499"/>
+                </a:cubicBezTo>
+                <a:cubicBezTo>
+                  <a:pt x="693155" y="529321"/>
+                  <a:pt x="762471" y="470573"/>
+                  <a:pt x="843339" y="532778"/>
+                </a:cubicBezTo>
+                <a:cubicBezTo>
+                  <a:pt x="646945" y="574247"/>
+                  <a:pt x="476544" y="588071"/>
+                  <a:pt x="297479" y="584615"/>
+                </a:cubicBezTo>
+                <a:cubicBezTo>
+                  <a:pt x="323472" y="629541"/>
+                  <a:pt x="378348" y="639908"/>
+                  <a:pt x="358130" y="688289"/>
+                </a:cubicBezTo>
+                <a:cubicBezTo>
+                  <a:pt x="343689" y="726304"/>
+                  <a:pt x="283038" y="760862"/>
+                  <a:pt x="326361" y="809243"/>
+                </a:cubicBezTo>
+                <a:cubicBezTo>
+                  <a:pt x="427447" y="843802"/>
+                  <a:pt x="554524" y="788508"/>
+                  <a:pt x="649833" y="854169"/>
+                </a:cubicBezTo>
+                <a:cubicBezTo>
+                  <a:pt x="782688" y="947476"/>
+                  <a:pt x="961753" y="940565"/>
+                  <a:pt x="1111937" y="992402"/>
+                </a:cubicBezTo>
+                <a:cubicBezTo>
+                  <a:pt x="1161035" y="1009682"/>
+                  <a:pt x="1472955" y="1023504"/>
+                  <a:pt x="1559599" y="1033872"/>
+                </a:cubicBezTo>
+                <a:cubicBezTo>
+                  <a:pt x="1678015" y="1047696"/>
+                  <a:pt x="1805093" y="1023504"/>
+                  <a:pt x="1929284" y="1078798"/>
+                </a:cubicBezTo>
+                <a:cubicBezTo>
+                  <a:pt x="1828198" y="1130635"/>
+                  <a:pt x="1727113" y="1075343"/>
+                  <a:pt x="1608698" y="1154826"/>
+                </a:cubicBezTo>
+                <a:cubicBezTo>
+                  <a:pt x="1825309" y="1175561"/>
+                  <a:pt x="2015928" y="1158282"/>
+                  <a:pt x="2183442" y="1227398"/>
+                </a:cubicBezTo>
+                <a:cubicBezTo>
+                  <a:pt x="2203658" y="1237767"/>
+                  <a:pt x="2238314" y="1220487"/>
+                  <a:pt x="2267197" y="1217031"/>
+                </a:cubicBezTo>
+                <a:cubicBezTo>
+                  <a:pt x="2561787" y="1179017"/>
+                  <a:pt x="2853490" y="1134091"/>
+                  <a:pt x="3148082" y="1123724"/>
+                </a:cubicBezTo>
+                <a:cubicBezTo>
+                  <a:pt x="3214508" y="1120268"/>
+                  <a:pt x="3327146" y="1092621"/>
+                  <a:pt x="3330034" y="1154826"/>
+                </a:cubicBezTo>
+                <a:cubicBezTo>
+                  <a:pt x="3330034" y="1251589"/>
+                  <a:pt x="3214508" y="1220487"/>
+                  <a:pt x="3145192" y="1230854"/>
+                </a:cubicBezTo>
+                <a:cubicBezTo>
+                  <a:pt x="2931471" y="1268869"/>
+                  <a:pt x="2711970" y="1282691"/>
+                  <a:pt x="2504025" y="1376000"/>
+                </a:cubicBezTo>
+                <a:cubicBezTo>
+                  <a:pt x="2654207" y="1365632"/>
+                  <a:pt x="2804392" y="1358720"/>
+                  <a:pt x="2954575" y="1348352"/>
+                </a:cubicBezTo>
+                <a:cubicBezTo>
+                  <a:pt x="2787063" y="1386367"/>
+                  <a:pt x="2654207" y="1476218"/>
+                  <a:pt x="2492471" y="1524600"/>
+                </a:cubicBezTo>
+                <a:cubicBezTo>
+                  <a:pt x="2408715" y="1548791"/>
+                  <a:pt x="2342289" y="1579893"/>
+                  <a:pt x="2342289" y="1579893"/>
+                </a:cubicBezTo>
+                <a:cubicBezTo>
+                  <a:pt x="2342289" y="1579893"/>
+                  <a:pt x="2356730" y="1655921"/>
+                  <a:pt x="2489584" y="1693935"/>
+                </a:cubicBezTo>
+                <a:cubicBezTo>
+                  <a:pt x="2563232" y="1717262"/>
+                  <a:pt x="2820457" y="1728925"/>
+                  <a:pt x="2987112" y="1730384"/>
+                </a:cubicBezTo>
+                <a:close/>
+              </a:path>
+            </a:pathLst>
+          </a:custGeom>
+          <a:solidFill>
+            <a:schemeClr val="bg2">
+              <a:alpha val="50000"/>
+            </a:schemeClr>
+          </a:solidFill>
+          <a:ln w="32707" cap="flat">
+            <a:noFill/>
+            <a:prstDash val="solid"/>
+            <a:miter/>
+          </a:ln>
+        </p:spPr>
+        <p:txBody>
+          <a:bodyPr wrap="square" rtlCol="0" anchor="ctr">
+            <a:noAutofit/>
+          </a:bodyPr>
+          <a:lstStyle/>
+          <a:p>
+            <a:endParaRPr lang="en-US">
+              <a:solidFill>
+                <a:schemeClr val="tx1"/>
+              </a:solidFill>
+            </a:endParaRPr>
+          </a:p>
+        </p:txBody>
+      </p:sp>
+      <p:sp>
+        <p:nvSpPr>
+          <p:cNvPr id="3" name="Content Placeholder 2">
+            <a:extLst>
+              <a:ext uri="{FF2B5EF4-FFF2-40B4-BE49-F238E27FC236}">
+                <a16:creationId xmlns:a16="http://schemas.microsoft.com/office/drawing/2014/main" id="{B550C824-7E13-4EDE-A68C-2C35B4FEB815}"/>
+              </a:ext>
+            </a:extLst>
+          </p:cNvPr>
+          <p:cNvSpPr>
+            <a:spLocks noGrp="1"/>
+          </p:cNvSpPr>
+          <p:nvPr>
+            <p:ph idx="1"/>
+          </p:nvPr>
+        </p:nvSpPr>
+        <p:spPr>
+          <a:xfrm>
+            <a:off x="1820559" y="2499709"/>
+            <a:ext cx="5257804" cy="3929186"/>
+          </a:xfrm>
+        </p:spPr>
+        <p:txBody>
+          <a:bodyPr anchor="t">
+            <a:normAutofit/>
+          </a:bodyPr>
+          <a:lstStyle/>
+          <a:p>
+            <a:pPr rtl="0" fontAlgn="base">
+              <a:spcBef>
+                <a:spcPts val="0"/>
+              </a:spcBef>
+              <a:spcAft>
+                <a:spcPts val="1200"/>
+              </a:spcAft>
+              <a:buFont typeface="Wingdings" pitchFamily="2" charset="2"/>
+              <a:buChar char="Ø"/>
+            </a:pPr>
+            <a:r>
+              <a:rPr lang="en-GB" sz="3200" b="0" i="0" u="none" strike="noStrike" dirty="0">
+                <a:effectLst/>
+                <a:latin typeface="Lato" panose="020F0502020204030203" pitchFamily="34" charset="0"/>
+              </a:rPr>
+              <a:t>Maven 4 - what’s new</a:t>
+            </a:r>
+          </a:p>
+          <a:p>
+            <a:pPr rtl="0" fontAlgn="base">
+              <a:spcBef>
+                <a:spcPts val="0"/>
+              </a:spcBef>
+              <a:spcAft>
+                <a:spcPts val="1200"/>
+              </a:spcAft>
+              <a:buFont typeface="Wingdings" pitchFamily="2" charset="2"/>
+              <a:buChar char="Ø"/>
+            </a:pPr>
+            <a:endParaRPr lang="en-GB" sz="3200" b="0" i="0" u="none" strike="noStrike" dirty="0">
+              <a:effectLst/>
+              <a:latin typeface="Lato" panose="020F0502020204030203" pitchFamily="34" charset="0"/>
+            </a:endParaRPr>
+          </a:p>
+          <a:p>
+            <a:pPr rtl="0" fontAlgn="base">
+              <a:spcBef>
+                <a:spcPts val="0"/>
+              </a:spcBef>
+              <a:spcAft>
+                <a:spcPts val="0"/>
+              </a:spcAft>
+              <a:buFont typeface="Wingdings" pitchFamily="2" charset="2"/>
+              <a:buChar char="Ø"/>
+            </a:pPr>
+            <a:r>
+              <a:rPr lang="en-GB" sz="3200" b="0" i="0" u="none" strike="noStrike" dirty="0">
+                <a:effectLst/>
+                <a:latin typeface="Lato" panose="020F0502020204030203" pitchFamily="34" charset="0"/>
+              </a:rPr>
+              <a:t>Java 21 – goodies</a:t>
+            </a:r>
+          </a:p>
+          <a:p>
+            <a:pPr marL="0" indent="0" rtl="0" fontAlgn="base">
+              <a:spcBef>
+                <a:spcPts val="0"/>
+              </a:spcBef>
+              <a:spcAft>
+                <a:spcPts val="0"/>
+              </a:spcAft>
+              <a:buNone/>
+            </a:pPr>
+            <a:endParaRPr lang="en-GB" sz="3200" b="0" i="0" u="none" strike="noStrike" dirty="0">
+              <a:effectLst/>
+              <a:latin typeface="Lato" panose="020F0502020204030203" pitchFamily="34" charset="0"/>
+            </a:endParaRPr>
+          </a:p>
+          <a:p>
+            <a:pPr rtl="0" fontAlgn="base">
+              <a:spcBef>
+                <a:spcPts val="0"/>
+              </a:spcBef>
+              <a:spcAft>
+                <a:spcPts val="0"/>
+              </a:spcAft>
+              <a:buFont typeface="Wingdings" pitchFamily="2" charset="2"/>
+              <a:buChar char="Ø"/>
+            </a:pPr>
+            <a:endParaRPr lang="en-GB" sz="3200" dirty="0">
+              <a:latin typeface="Lato" panose="020F0502020204030203" pitchFamily="34" charset="0"/>
+            </a:endParaRPr>
+          </a:p>
+          <a:p>
+            <a:pPr rtl="0" fontAlgn="base">
+              <a:spcBef>
+                <a:spcPts val="0"/>
+              </a:spcBef>
+              <a:spcAft>
+                <a:spcPts val="0"/>
+              </a:spcAft>
+              <a:buFont typeface="Wingdings" pitchFamily="2" charset="2"/>
+              <a:buChar char="Ø"/>
+            </a:pPr>
+            <a:r>
+              <a:rPr lang="en-GB" sz="3200" b="0" i="0" u="none" strike="noStrike" dirty="0">
+                <a:effectLst/>
+                <a:latin typeface="Lato" panose="020F0502020204030203" pitchFamily="34" charset="0"/>
+              </a:rPr>
+              <a:t>Play time</a:t>
+            </a:r>
+          </a:p>
+        </p:txBody>
+      </p:sp>
+    </p:spTree>
+    <p:extLst>
+      <p:ext uri="{BB962C8B-B14F-4D97-AF65-F5344CB8AC3E}">
+        <p14:creationId xmlns:p14="http://schemas.microsoft.com/office/powerpoint/2010/main" val="3704788612"/>
+      </p:ext>
+    </p:extLst>
+  </p:cSld>
+  <p:clrMapOvr>
+    <a:masterClrMapping/>
+  </p:clrMapOvr>
+</p:sld>
+</file>
+
+<file path=ppt/slides/slide20.xml><?xml version="1.0" encoding="utf-8"?>
 <p:sld xmlns:a="http://schemas.openxmlformats.org/drawingml/2006/main" xmlns:r="http://schemas.openxmlformats.org/officeDocument/2006/relationships" xmlns:p="http://schemas.openxmlformats.org/presentationml/2006/main">
   <p:cSld>
     <p:bg>
@@ -15155,1363 +16818,6 @@
     <p:extLst>
       <p:ext uri="{BB962C8B-B14F-4D97-AF65-F5344CB8AC3E}">
         <p14:creationId xmlns:p14="http://schemas.microsoft.com/office/powerpoint/2010/main" val="2597553"/>
-      </p:ext>
-    </p:extLst>
-  </p:cSld>
-  <p:clrMapOvr>
-    <a:masterClrMapping/>
-  </p:clrMapOvr>
-</p:sld>
-</file>
-
-<file path=ppt/slides/slide2.xml><?xml version="1.0" encoding="utf-8"?>
-<p:sld xmlns:a="http://schemas.openxmlformats.org/drawingml/2006/main" xmlns:r="http://schemas.openxmlformats.org/officeDocument/2006/relationships" xmlns:p="http://schemas.openxmlformats.org/presentationml/2006/main">
-  <p:cSld>
-    <p:bg>
-      <p:bgPr>
-        <a:solidFill>
-          <a:schemeClr val="bg1"/>
-        </a:solidFill>
-        <a:effectLst/>
-      </p:bgPr>
-    </p:bg>
-    <p:spTree>
-      <p:nvGrpSpPr>
-        <p:cNvPr id="1" name=""/>
-        <p:cNvGrpSpPr/>
-        <p:nvPr/>
-      </p:nvGrpSpPr>
-      <p:grpSpPr>
-        <a:xfrm>
-          <a:off x="0" y="0"/>
-          <a:ext cx="0" cy="0"/>
-          <a:chOff x="0" y="0"/>
-          <a:chExt cx="0" cy="0"/>
-        </a:xfrm>
-      </p:grpSpPr>
-      <p:sp useBgFill="1">
-        <p:nvSpPr>
-          <p:cNvPr id="8" name="Rectangle 7">
-            <a:extLst>
-              <a:ext uri="{FF2B5EF4-FFF2-40B4-BE49-F238E27FC236}">
-                <a16:creationId xmlns:a16="http://schemas.microsoft.com/office/drawing/2014/main" id="{B20EED73-1494-4E89-869B-E501A02B2408}"/>
-              </a:ext>
-              <a:ext uri="{C183D7F6-B498-43B3-948B-1728B52AA6E4}">
-                <adec:decorative xmlns:adec="http://schemas.microsoft.com/office/drawing/2017/decorative" val="1"/>
-              </a:ext>
-            </a:extLst>
-          </p:cNvPr>
-          <p:cNvSpPr>
-            <a:spLocks noGrp="1" noRot="1" noChangeAspect="1" noMove="1" noResize="1" noEditPoints="1" noAdjustHandles="1" noChangeArrowheads="1" noChangeShapeType="1" noTextEdit="1"/>
-          </p:cNvSpPr>
-          <p:nvPr>
-            <p:extLst>
-              <p:ext uri="{386F3935-93C4-4BCD-93E2-E3B085C9AB24}">
-                <p16:designElem xmlns:p16="http://schemas.microsoft.com/office/powerpoint/2015/main" val="1"/>
-              </p:ext>
-            </p:extLst>
-          </p:nvPr>
-        </p:nvSpPr>
-        <p:spPr>
-          <a:xfrm>
-            <a:off x="0" y="0"/>
-            <a:ext cx="12188952" cy="6858000"/>
-          </a:xfrm>
-          <a:prstGeom prst="rect">
-            <a:avLst/>
-          </a:prstGeom>
-          <a:ln>
-            <a:noFill/>
-          </a:ln>
-        </p:spPr>
-        <p:style>
-          <a:lnRef idx="2">
-            <a:schemeClr val="accent1">
-              <a:shade val="50000"/>
-            </a:schemeClr>
-          </a:lnRef>
-          <a:fillRef idx="1">
-            <a:schemeClr val="accent1"/>
-          </a:fillRef>
-          <a:effectRef idx="0">
-            <a:schemeClr val="accent1"/>
-          </a:effectRef>
-          <a:fontRef idx="minor">
-            <a:schemeClr val="lt1"/>
-          </a:fontRef>
-        </p:style>
-        <p:txBody>
-          <a:bodyPr rtlCol="0" anchor="ctr"/>
-          <a:lstStyle/>
-          <a:p>
-            <a:pPr algn="ctr"/>
-            <a:endParaRPr lang="en-US"/>
-          </a:p>
-        </p:txBody>
-      </p:sp>
-      <p:sp>
-        <p:nvSpPr>
-          <p:cNvPr id="10" name="Freeform: Shape 9">
-            <a:extLst>
-              <a:ext uri="{FF2B5EF4-FFF2-40B4-BE49-F238E27FC236}">
-                <a16:creationId xmlns:a16="http://schemas.microsoft.com/office/drawing/2014/main" id="{E9D7A3A2-205A-4FD7-89D2-24FA8A54EA12}"/>
-              </a:ext>
-              <a:ext uri="{C183D7F6-B498-43B3-948B-1728B52AA6E4}">
-                <adec:decorative xmlns:adec="http://schemas.microsoft.com/office/drawing/2017/decorative" val="1"/>
-              </a:ext>
-            </a:extLst>
-          </p:cNvPr>
-          <p:cNvSpPr>
-            <a:spLocks noGrp="1" noRot="1" noChangeAspect="1" noMove="1" noResize="1" noEditPoints="1" noAdjustHandles="1" noChangeArrowheads="1" noChangeShapeType="1" noTextEdit="1"/>
-          </p:cNvSpPr>
-          <p:nvPr>
-            <p:extLst>
-              <p:ext uri="{386F3935-93C4-4BCD-93E2-E3B085C9AB24}">
-                <p16:designElem xmlns:p16="http://schemas.microsoft.com/office/powerpoint/2015/main" val="1"/>
-              </p:ext>
-            </p:extLst>
-          </p:nvPr>
-        </p:nvSpPr>
-        <p:spPr>
-          <a:xfrm>
-            <a:off x="814934" y="0"/>
-            <a:ext cx="11377066" cy="4001047"/>
-          </a:xfrm>
-          <a:custGeom>
-            <a:avLst/>
-            <a:gdLst>
-              <a:gd name="connsiteX0" fmla="*/ 914840 w 11377066"/>
-              <a:gd name="connsiteY0" fmla="*/ 0 h 3343806"/>
-              <a:gd name="connsiteX1" fmla="*/ 11365513 w 11377066"/>
-              <a:gd name="connsiteY1" fmla="*/ 0 h 3343806"/>
-              <a:gd name="connsiteX2" fmla="*/ 11365513 w 11377066"/>
-              <a:gd name="connsiteY2" fmla="*/ 846735 h 3343806"/>
-              <a:gd name="connsiteX3" fmla="*/ 11050704 w 11377066"/>
-              <a:gd name="connsiteY3" fmla="*/ 1046017 h 3343806"/>
-              <a:gd name="connsiteX4" fmla="*/ 11195112 w 11377066"/>
-              <a:gd name="connsiteY4" fmla="*/ 1103780 h 3343806"/>
-              <a:gd name="connsiteX5" fmla="*/ 10553944 w 11377066"/>
-              <a:gd name="connsiteY5" fmla="*/ 1441695 h 3343806"/>
-              <a:gd name="connsiteX6" fmla="*/ 11148902 w 11377066"/>
-              <a:gd name="connsiteY6" fmla="*/ 1383932 h 3343806"/>
-              <a:gd name="connsiteX7" fmla="*/ 11117132 w 11377066"/>
-              <a:gd name="connsiteY7" fmla="*/ 1430142 h 3343806"/>
-              <a:gd name="connsiteX8" fmla="*/ 11085363 w 11377066"/>
-              <a:gd name="connsiteY8" fmla="*/ 1476352 h 3343806"/>
-              <a:gd name="connsiteX9" fmla="*/ 11365513 w 11377066"/>
-              <a:gd name="connsiteY9" fmla="*/ 1447471 h 3343806"/>
-              <a:gd name="connsiteX10" fmla="*/ 11365513 w 11377066"/>
-              <a:gd name="connsiteY10" fmla="*/ 1496569 h 3343806"/>
-              <a:gd name="connsiteX11" fmla="*/ 11278869 w 11377066"/>
-              <a:gd name="connsiteY11" fmla="*/ 1554332 h 3343806"/>
-              <a:gd name="connsiteX12" fmla="*/ 11365513 w 11377066"/>
-              <a:gd name="connsiteY12" fmla="*/ 1539891 h 3343806"/>
-              <a:gd name="connsiteX13" fmla="*/ 11377066 w 11377066"/>
-              <a:gd name="connsiteY13" fmla="*/ 1539891 h 3343806"/>
-              <a:gd name="connsiteX14" fmla="*/ 11377066 w 11377066"/>
-              <a:gd name="connsiteY14" fmla="*/ 1765167 h 3343806"/>
-              <a:gd name="connsiteX15" fmla="*/ 4624577 w 11377066"/>
-              <a:gd name="connsiteY15" fmla="*/ 3342096 h 3343806"/>
-              <a:gd name="connsiteX16" fmla="*/ 4000738 w 11377066"/>
-              <a:gd name="connsiteY16" fmla="*/ 3313214 h 3343806"/>
-              <a:gd name="connsiteX17" fmla="*/ 3853443 w 11377066"/>
-              <a:gd name="connsiteY17" fmla="*/ 3217905 h 3343806"/>
-              <a:gd name="connsiteX18" fmla="*/ 4003625 w 11377066"/>
-              <a:gd name="connsiteY18" fmla="*/ 3171695 h 3343806"/>
-              <a:gd name="connsiteX19" fmla="*/ 4465729 w 11377066"/>
-              <a:gd name="connsiteY19" fmla="*/ 3024399 h 3343806"/>
-              <a:gd name="connsiteX20" fmla="*/ 4015179 w 11377066"/>
-              <a:gd name="connsiteY20" fmla="*/ 3047505 h 3343806"/>
-              <a:gd name="connsiteX21" fmla="*/ 4656346 w 11377066"/>
-              <a:gd name="connsiteY21" fmla="*/ 2926202 h 3343806"/>
-              <a:gd name="connsiteX22" fmla="*/ 4841188 w 11377066"/>
-              <a:gd name="connsiteY22" fmla="*/ 2862663 h 3343806"/>
-              <a:gd name="connsiteX23" fmla="*/ 4659236 w 11377066"/>
-              <a:gd name="connsiteY23" fmla="*/ 2836670 h 3343806"/>
-              <a:gd name="connsiteX24" fmla="*/ 3778351 w 11377066"/>
-              <a:gd name="connsiteY24" fmla="*/ 2914650 h 3343806"/>
-              <a:gd name="connsiteX25" fmla="*/ 3694595 w 11377066"/>
-              <a:gd name="connsiteY25" fmla="*/ 2923314 h 3343806"/>
-              <a:gd name="connsiteX26" fmla="*/ 3119852 w 11377066"/>
-              <a:gd name="connsiteY26" fmla="*/ 2862663 h 3343806"/>
-              <a:gd name="connsiteX27" fmla="*/ 3440437 w 11377066"/>
-              <a:gd name="connsiteY27" fmla="*/ 2799124 h 3343806"/>
-              <a:gd name="connsiteX28" fmla="*/ 3070753 w 11377066"/>
-              <a:gd name="connsiteY28" fmla="*/ 2761578 h 3343806"/>
-              <a:gd name="connsiteX29" fmla="*/ 2623091 w 11377066"/>
-              <a:gd name="connsiteY29" fmla="*/ 2726920 h 3343806"/>
-              <a:gd name="connsiteX30" fmla="*/ 2160987 w 11377066"/>
-              <a:gd name="connsiteY30" fmla="*/ 2611394 h 3343806"/>
-              <a:gd name="connsiteX31" fmla="*/ 1837515 w 11377066"/>
-              <a:gd name="connsiteY31" fmla="*/ 2573848 h 3343806"/>
-              <a:gd name="connsiteX32" fmla="*/ 1869284 w 11377066"/>
-              <a:gd name="connsiteY32" fmla="*/ 2472763 h 3343806"/>
-              <a:gd name="connsiteX33" fmla="*/ 1808633 w 11377066"/>
-              <a:gd name="connsiteY33" fmla="*/ 2386119 h 3343806"/>
-              <a:gd name="connsiteX34" fmla="*/ 2354493 w 11377066"/>
-              <a:gd name="connsiteY34" fmla="*/ 2342797 h 3343806"/>
-              <a:gd name="connsiteX35" fmla="*/ 2146546 w 11377066"/>
-              <a:gd name="connsiteY35" fmla="*/ 2328356 h 3343806"/>
-              <a:gd name="connsiteX36" fmla="*/ 2054126 w 11377066"/>
-              <a:gd name="connsiteY36" fmla="*/ 2285034 h 3343806"/>
-              <a:gd name="connsiteX37" fmla="*/ 2132106 w 11377066"/>
-              <a:gd name="connsiteY37" fmla="*/ 2238823 h 3343806"/>
-              <a:gd name="connsiteX38" fmla="*/ 2478684 w 11377066"/>
-              <a:gd name="connsiteY38" fmla="*/ 2085751 h 3343806"/>
-              <a:gd name="connsiteX39" fmla="*/ 1511154 w 11377066"/>
-              <a:gd name="connsiteY39" fmla="*/ 2094416 h 3343806"/>
-              <a:gd name="connsiteX40" fmla="*/ 1638232 w 11377066"/>
-              <a:gd name="connsiteY40" fmla="*/ 2042429 h 3343806"/>
-              <a:gd name="connsiteX41" fmla="*/ 2972556 w 11377066"/>
-              <a:gd name="connsiteY41" fmla="*/ 1718957 h 3343806"/>
-              <a:gd name="connsiteX42" fmla="*/ 3238266 w 11377066"/>
-              <a:gd name="connsiteY42" fmla="*/ 1678523 h 3343806"/>
-              <a:gd name="connsiteX43" fmla="*/ 2522005 w 11377066"/>
-              <a:gd name="connsiteY43" fmla="*/ 1664082 h 3343806"/>
-              <a:gd name="connsiteX44" fmla="*/ 1421621 w 11377066"/>
-              <a:gd name="connsiteY44" fmla="*/ 1522563 h 3343806"/>
-              <a:gd name="connsiteX45" fmla="*/ 1525595 w 11377066"/>
-              <a:gd name="connsiteY45" fmla="*/ 1392596 h 3343806"/>
-              <a:gd name="connsiteX46" fmla="*/ 982623 w 11377066"/>
-              <a:gd name="connsiteY46" fmla="*/ 1415701 h 3343806"/>
-              <a:gd name="connsiteX47" fmla="*/ 1231003 w 11377066"/>
-              <a:gd name="connsiteY47" fmla="*/ 1314616 h 3343806"/>
-              <a:gd name="connsiteX48" fmla="*/ 1025945 w 11377066"/>
-              <a:gd name="connsiteY48" fmla="*/ 1297287 h 3343806"/>
-              <a:gd name="connsiteX49" fmla="*/ 841104 w 11377066"/>
-              <a:gd name="connsiteY49" fmla="*/ 1225083 h 3343806"/>
-              <a:gd name="connsiteX50" fmla="*/ 1612239 w 11377066"/>
-              <a:gd name="connsiteY50" fmla="*/ 1112445 h 3343806"/>
-              <a:gd name="connsiteX51" fmla="*/ 1814409 w 11377066"/>
-              <a:gd name="connsiteY51" fmla="*/ 1008471 h 3343806"/>
-              <a:gd name="connsiteX52" fmla="*/ 1932824 w 11377066"/>
-              <a:gd name="connsiteY52" fmla="*/ 979590 h 3343806"/>
-              <a:gd name="connsiteX53" fmla="*/ 2083007 w 11377066"/>
-              <a:gd name="connsiteY53" fmla="*/ 936268 h 3343806"/>
-              <a:gd name="connsiteX54" fmla="*/ 1947265 w 11377066"/>
-              <a:gd name="connsiteY54" fmla="*/ 924715 h 3343806"/>
-              <a:gd name="connsiteX55" fmla="*/ 1271438 w 11377066"/>
-              <a:gd name="connsiteY55" fmla="*/ 895834 h 3343806"/>
-              <a:gd name="connsiteX56" fmla="*/ 659150 w 11377066"/>
-              <a:gd name="connsiteY56" fmla="*/ 907386 h 3343806"/>
-              <a:gd name="connsiteX57" fmla="*/ 780453 w 11377066"/>
-              <a:gd name="connsiteY57" fmla="*/ 846735 h 3343806"/>
-              <a:gd name="connsiteX58" fmla="*/ 841104 w 11377066"/>
-              <a:gd name="connsiteY58" fmla="*/ 788972 h 3343806"/>
-              <a:gd name="connsiteX59" fmla="*/ 448316 w 11377066"/>
-              <a:gd name="connsiteY59" fmla="*/ 659006 h 3343806"/>
-              <a:gd name="connsiteX60" fmla="*/ 910419 w 11377066"/>
-              <a:gd name="connsiteY60" fmla="*/ 569473 h 3343806"/>
-              <a:gd name="connsiteX61" fmla="*/ 604275 w 11377066"/>
-              <a:gd name="connsiteY61" fmla="*/ 514598 h 3343806"/>
-              <a:gd name="connsiteX62" fmla="*/ 15093 w 11377066"/>
-              <a:gd name="connsiteY62" fmla="*/ 352862 h 3343806"/>
-              <a:gd name="connsiteX63" fmla="*/ 430987 w 11377066"/>
-              <a:gd name="connsiteY63" fmla="*/ 136251 h 3343806"/>
-              <a:gd name="connsiteX64" fmla="*/ 874092 w 11377066"/>
-              <a:gd name="connsiteY64" fmla="*/ 17656 h 3343806"/>
-            </a:gdLst>
-            <a:ahLst/>
-            <a:cxnLst>
-              <a:cxn ang="0">
-                <a:pos x="connsiteX0" y="connsiteY0"/>
-              </a:cxn>
-              <a:cxn ang="0">
-                <a:pos x="connsiteX1" y="connsiteY1"/>
-              </a:cxn>
-              <a:cxn ang="0">
-                <a:pos x="connsiteX2" y="connsiteY2"/>
-              </a:cxn>
-              <a:cxn ang="0">
-                <a:pos x="connsiteX3" y="connsiteY3"/>
-              </a:cxn>
-              <a:cxn ang="0">
-                <a:pos x="connsiteX4" y="connsiteY4"/>
-              </a:cxn>
-              <a:cxn ang="0">
-                <a:pos x="connsiteX5" y="connsiteY5"/>
-              </a:cxn>
-              <a:cxn ang="0">
-                <a:pos x="connsiteX6" y="connsiteY6"/>
-              </a:cxn>
-              <a:cxn ang="0">
-                <a:pos x="connsiteX7" y="connsiteY7"/>
-              </a:cxn>
-              <a:cxn ang="0">
-                <a:pos x="connsiteX8" y="connsiteY8"/>
-              </a:cxn>
-              <a:cxn ang="0">
-                <a:pos x="connsiteX9" y="connsiteY9"/>
-              </a:cxn>
-              <a:cxn ang="0">
-                <a:pos x="connsiteX10" y="connsiteY10"/>
-              </a:cxn>
-              <a:cxn ang="0">
-                <a:pos x="connsiteX11" y="connsiteY11"/>
-              </a:cxn>
-              <a:cxn ang="0">
-                <a:pos x="connsiteX12" y="connsiteY12"/>
-              </a:cxn>
-              <a:cxn ang="0">
-                <a:pos x="connsiteX13" y="connsiteY13"/>
-              </a:cxn>
-              <a:cxn ang="0">
-                <a:pos x="connsiteX14" y="connsiteY14"/>
-              </a:cxn>
-              <a:cxn ang="0">
-                <a:pos x="connsiteX15" y="connsiteY15"/>
-              </a:cxn>
-              <a:cxn ang="0">
-                <a:pos x="connsiteX16" y="connsiteY16"/>
-              </a:cxn>
-              <a:cxn ang="0">
-                <a:pos x="connsiteX17" y="connsiteY17"/>
-              </a:cxn>
-              <a:cxn ang="0">
-                <a:pos x="connsiteX18" y="connsiteY18"/>
-              </a:cxn>
-              <a:cxn ang="0">
-                <a:pos x="connsiteX19" y="connsiteY19"/>
-              </a:cxn>
-              <a:cxn ang="0">
-                <a:pos x="connsiteX20" y="connsiteY20"/>
-              </a:cxn>
-              <a:cxn ang="0">
-                <a:pos x="connsiteX21" y="connsiteY21"/>
-              </a:cxn>
-              <a:cxn ang="0">
-                <a:pos x="connsiteX22" y="connsiteY22"/>
-              </a:cxn>
-              <a:cxn ang="0">
-                <a:pos x="connsiteX23" y="connsiteY23"/>
-              </a:cxn>
-              <a:cxn ang="0">
-                <a:pos x="connsiteX24" y="connsiteY24"/>
-              </a:cxn>
-              <a:cxn ang="0">
-                <a:pos x="connsiteX25" y="connsiteY25"/>
-              </a:cxn>
-              <a:cxn ang="0">
-                <a:pos x="connsiteX26" y="connsiteY26"/>
-              </a:cxn>
-              <a:cxn ang="0">
-                <a:pos x="connsiteX27" y="connsiteY27"/>
-              </a:cxn>
-              <a:cxn ang="0">
-                <a:pos x="connsiteX28" y="connsiteY28"/>
-              </a:cxn>
-              <a:cxn ang="0">
-                <a:pos x="connsiteX29" y="connsiteY29"/>
-              </a:cxn>
-              <a:cxn ang="0">
-                <a:pos x="connsiteX30" y="connsiteY30"/>
-              </a:cxn>
-              <a:cxn ang="0">
-                <a:pos x="connsiteX31" y="connsiteY31"/>
-              </a:cxn>
-              <a:cxn ang="0">
-                <a:pos x="connsiteX32" y="connsiteY32"/>
-              </a:cxn>
-              <a:cxn ang="0">
-                <a:pos x="connsiteX33" y="connsiteY33"/>
-              </a:cxn>
-              <a:cxn ang="0">
-                <a:pos x="connsiteX34" y="connsiteY34"/>
-              </a:cxn>
-              <a:cxn ang="0">
-                <a:pos x="connsiteX35" y="connsiteY35"/>
-              </a:cxn>
-              <a:cxn ang="0">
-                <a:pos x="connsiteX36" y="connsiteY36"/>
-              </a:cxn>
-              <a:cxn ang="0">
-                <a:pos x="connsiteX37" y="connsiteY37"/>
-              </a:cxn>
-              <a:cxn ang="0">
-                <a:pos x="connsiteX38" y="connsiteY38"/>
-              </a:cxn>
-              <a:cxn ang="0">
-                <a:pos x="connsiteX39" y="connsiteY39"/>
-              </a:cxn>
-              <a:cxn ang="0">
-                <a:pos x="connsiteX40" y="connsiteY40"/>
-              </a:cxn>
-              <a:cxn ang="0">
-                <a:pos x="connsiteX41" y="connsiteY41"/>
-              </a:cxn>
-              <a:cxn ang="0">
-                <a:pos x="connsiteX42" y="connsiteY42"/>
-              </a:cxn>
-              <a:cxn ang="0">
-                <a:pos x="connsiteX43" y="connsiteY43"/>
-              </a:cxn>
-              <a:cxn ang="0">
-                <a:pos x="connsiteX44" y="connsiteY44"/>
-              </a:cxn>
-              <a:cxn ang="0">
-                <a:pos x="connsiteX45" y="connsiteY45"/>
-              </a:cxn>
-              <a:cxn ang="0">
-                <a:pos x="connsiteX46" y="connsiteY46"/>
-              </a:cxn>
-              <a:cxn ang="0">
-                <a:pos x="connsiteX47" y="connsiteY47"/>
-              </a:cxn>
-              <a:cxn ang="0">
-                <a:pos x="connsiteX48" y="connsiteY48"/>
-              </a:cxn>
-              <a:cxn ang="0">
-                <a:pos x="connsiteX49" y="connsiteY49"/>
-              </a:cxn>
-              <a:cxn ang="0">
-                <a:pos x="connsiteX50" y="connsiteY50"/>
-              </a:cxn>
-              <a:cxn ang="0">
-                <a:pos x="connsiteX51" y="connsiteY51"/>
-              </a:cxn>
-              <a:cxn ang="0">
-                <a:pos x="connsiteX52" y="connsiteY52"/>
-              </a:cxn>
-              <a:cxn ang="0">
-                <a:pos x="connsiteX53" y="connsiteY53"/>
-              </a:cxn>
-              <a:cxn ang="0">
-                <a:pos x="connsiteX54" y="connsiteY54"/>
-              </a:cxn>
-              <a:cxn ang="0">
-                <a:pos x="connsiteX55" y="connsiteY55"/>
-              </a:cxn>
-              <a:cxn ang="0">
-                <a:pos x="connsiteX56" y="connsiteY56"/>
-              </a:cxn>
-              <a:cxn ang="0">
-                <a:pos x="connsiteX57" y="connsiteY57"/>
-              </a:cxn>
-              <a:cxn ang="0">
-                <a:pos x="connsiteX58" y="connsiteY58"/>
-              </a:cxn>
-              <a:cxn ang="0">
-                <a:pos x="connsiteX59" y="connsiteY59"/>
-              </a:cxn>
-              <a:cxn ang="0">
-                <a:pos x="connsiteX60" y="connsiteY60"/>
-              </a:cxn>
-              <a:cxn ang="0">
-                <a:pos x="connsiteX61" y="connsiteY61"/>
-              </a:cxn>
-              <a:cxn ang="0">
-                <a:pos x="connsiteX62" y="connsiteY62"/>
-              </a:cxn>
-              <a:cxn ang="0">
-                <a:pos x="connsiteX63" y="connsiteY63"/>
-              </a:cxn>
-              <a:cxn ang="0">
-                <a:pos x="connsiteX64" y="connsiteY64"/>
-              </a:cxn>
-            </a:cxnLst>
-            <a:rect l="l" t="t" r="r" b="b"/>
-            <a:pathLst>
-              <a:path w="11377066" h="3343806">
-                <a:moveTo>
-                  <a:pt x="914840" y="0"/>
-                </a:moveTo>
-                <a:lnTo>
-                  <a:pt x="11365513" y="0"/>
-                </a:lnTo>
-                <a:lnTo>
-                  <a:pt x="11365513" y="846735"/>
-                </a:lnTo>
-                <a:cubicBezTo>
-                  <a:pt x="11273092" y="924715"/>
-                  <a:pt x="11163343" y="985366"/>
-                  <a:pt x="11050704" y="1046017"/>
-                </a:cubicBezTo>
-                <a:cubicBezTo>
-                  <a:pt x="11088251" y="1089339"/>
-                  <a:pt x="11169119" y="1037353"/>
-                  <a:pt x="11195112" y="1103780"/>
-                </a:cubicBezTo>
-                <a:cubicBezTo>
-                  <a:pt x="10987166" y="1216419"/>
-                  <a:pt x="10796548" y="1357938"/>
-                  <a:pt x="10553944" y="1441695"/>
-                </a:cubicBezTo>
-                <a:cubicBezTo>
-                  <a:pt x="10753226" y="1381043"/>
-                  <a:pt x="10952508" y="1409925"/>
-                  <a:pt x="11148902" y="1383932"/>
-                </a:cubicBezTo>
-                <a:cubicBezTo>
-                  <a:pt x="11174895" y="1418589"/>
-                  <a:pt x="11131573" y="1418589"/>
-                  <a:pt x="11117132" y="1430142"/>
-                </a:cubicBezTo>
-                <a:cubicBezTo>
-                  <a:pt x="11102692" y="1441695"/>
-                  <a:pt x="11082474" y="1450359"/>
-                  <a:pt x="11085363" y="1476352"/>
-                </a:cubicBezTo>
-                <a:cubicBezTo>
-                  <a:pt x="11174895" y="1487905"/>
-                  <a:pt x="11273092" y="1447471"/>
-                  <a:pt x="11365513" y="1447471"/>
-                </a:cubicBezTo>
-                <a:lnTo>
-                  <a:pt x="11365513" y="1496569"/>
-                </a:lnTo>
-                <a:cubicBezTo>
-                  <a:pt x="11333743" y="1513898"/>
-                  <a:pt x="11293310" y="1519674"/>
-                  <a:pt x="11278869" y="1554332"/>
-                </a:cubicBezTo>
-                <a:cubicBezTo>
-                  <a:pt x="11307750" y="1548556"/>
-                  <a:pt x="11336632" y="1545668"/>
-                  <a:pt x="11365513" y="1539891"/>
-                </a:cubicBezTo>
-                <a:lnTo>
-                  <a:pt x="11377066" y="1539891"/>
-                </a:lnTo>
-                <a:lnTo>
-                  <a:pt x="11377066" y="1765167"/>
-                </a:lnTo>
-                <a:cubicBezTo>
-                  <a:pt x="9482441" y="3362313"/>
-                  <a:pt x="4945162" y="3324767"/>
-                  <a:pt x="4624577" y="3342096"/>
-                </a:cubicBezTo>
-                <a:cubicBezTo>
-                  <a:pt x="4523492" y="3347872"/>
-                  <a:pt x="4098935" y="3339207"/>
-                  <a:pt x="4000738" y="3313214"/>
-                </a:cubicBezTo>
-                <a:cubicBezTo>
-                  <a:pt x="3867883" y="3281444"/>
-                  <a:pt x="3853443" y="3217905"/>
-                  <a:pt x="3853443" y="3217905"/>
-                </a:cubicBezTo>
-                <a:cubicBezTo>
-                  <a:pt x="3853443" y="3217905"/>
-                  <a:pt x="3919869" y="3191912"/>
-                  <a:pt x="4003625" y="3171695"/>
-                </a:cubicBezTo>
-                <a:cubicBezTo>
-                  <a:pt x="4165361" y="3131261"/>
-                  <a:pt x="4298217" y="3056169"/>
-                  <a:pt x="4465729" y="3024399"/>
-                </a:cubicBezTo>
-                <a:cubicBezTo>
-                  <a:pt x="4315546" y="3033064"/>
-                  <a:pt x="4165361" y="3038840"/>
-                  <a:pt x="4015179" y="3047505"/>
-                </a:cubicBezTo>
-                <a:cubicBezTo>
-                  <a:pt x="4223124" y="2969524"/>
-                  <a:pt x="4442625" y="2957972"/>
-                  <a:pt x="4656346" y="2926202"/>
-                </a:cubicBezTo>
-                <a:cubicBezTo>
-                  <a:pt x="4725662" y="2917538"/>
-                  <a:pt x="4841188" y="2943531"/>
-                  <a:pt x="4841188" y="2862663"/>
-                </a:cubicBezTo>
-                <a:cubicBezTo>
-                  <a:pt x="4838300" y="2810676"/>
-                  <a:pt x="4725662" y="2833782"/>
-                  <a:pt x="4659236" y="2836670"/>
-                </a:cubicBezTo>
-                <a:cubicBezTo>
-                  <a:pt x="4364644" y="2845334"/>
-                  <a:pt x="4072941" y="2882880"/>
-                  <a:pt x="3778351" y="2914650"/>
-                </a:cubicBezTo>
-                <a:cubicBezTo>
-                  <a:pt x="3749468" y="2917538"/>
-                  <a:pt x="3714811" y="2931979"/>
-                  <a:pt x="3694595" y="2923314"/>
-                </a:cubicBezTo>
-                <a:cubicBezTo>
-                  <a:pt x="3527082" y="2865551"/>
-                  <a:pt x="3336463" y="2879992"/>
-                  <a:pt x="3119852" y="2862663"/>
-                </a:cubicBezTo>
-                <a:cubicBezTo>
-                  <a:pt x="3238266" y="2796236"/>
-                  <a:pt x="3339351" y="2842446"/>
-                  <a:pt x="3440437" y="2799124"/>
-                </a:cubicBezTo>
-                <a:cubicBezTo>
-                  <a:pt x="3316246" y="2752913"/>
-                  <a:pt x="3189168" y="2773131"/>
-                  <a:pt x="3070753" y="2761578"/>
-                </a:cubicBezTo>
-                <a:cubicBezTo>
-                  <a:pt x="2984109" y="2752913"/>
-                  <a:pt x="2672189" y="2741361"/>
-                  <a:pt x="2623091" y="2726920"/>
-                </a:cubicBezTo>
-                <a:cubicBezTo>
-                  <a:pt x="2472907" y="2683598"/>
-                  <a:pt x="2293842" y="2689374"/>
-                  <a:pt x="2160987" y="2611394"/>
-                </a:cubicBezTo>
-                <a:cubicBezTo>
-                  <a:pt x="2065678" y="2556519"/>
-                  <a:pt x="1938600" y="2602730"/>
-                  <a:pt x="1837515" y="2573848"/>
-                </a:cubicBezTo>
-                <a:cubicBezTo>
-                  <a:pt x="1794192" y="2533414"/>
-                  <a:pt x="1854843" y="2504533"/>
-                  <a:pt x="1869284" y="2472763"/>
-                </a:cubicBezTo>
-                <a:cubicBezTo>
-                  <a:pt x="1889502" y="2432329"/>
-                  <a:pt x="1834626" y="2423665"/>
-                  <a:pt x="1808633" y="2386119"/>
-                </a:cubicBezTo>
-                <a:cubicBezTo>
-                  <a:pt x="1987698" y="2389007"/>
-                  <a:pt x="2158099" y="2377454"/>
-                  <a:pt x="2354493" y="2342797"/>
-                </a:cubicBezTo>
-                <a:cubicBezTo>
-                  <a:pt x="2273625" y="2290810"/>
-                  <a:pt x="2204309" y="2339908"/>
-                  <a:pt x="2146546" y="2328356"/>
-                </a:cubicBezTo>
-                <a:cubicBezTo>
-                  <a:pt x="2106113" y="2319691"/>
-                  <a:pt x="2054126" y="2328356"/>
-                  <a:pt x="2054126" y="2285034"/>
-                </a:cubicBezTo>
-                <a:cubicBezTo>
-                  <a:pt x="2054126" y="2250376"/>
-                  <a:pt x="2100336" y="2244599"/>
-                  <a:pt x="2132106" y="2238823"/>
-                </a:cubicBezTo>
-                <a:cubicBezTo>
-                  <a:pt x="2256296" y="2218606"/>
-                  <a:pt x="2377599" y="2192613"/>
-                  <a:pt x="2478684" y="2085751"/>
-                </a:cubicBezTo>
-                <a:cubicBezTo>
-                  <a:pt x="2152323" y="2051094"/>
-                  <a:pt x="1817297" y="2186837"/>
-                  <a:pt x="1511154" y="2094416"/>
-                </a:cubicBezTo>
-                <a:cubicBezTo>
-                  <a:pt x="1537147" y="2033765"/>
-                  <a:pt x="1597798" y="2045317"/>
-                  <a:pt x="1638232" y="2042429"/>
-                </a:cubicBezTo>
-                <a:cubicBezTo>
-                  <a:pt x="1909718" y="2016436"/>
-                  <a:pt x="2825261" y="1701628"/>
-                  <a:pt x="2972556" y="1718957"/>
-                </a:cubicBezTo>
-                <a:cubicBezTo>
-                  <a:pt x="3062089" y="1727621"/>
-                  <a:pt x="3154510" y="1721845"/>
-                  <a:pt x="3238266" y="1678523"/>
-                </a:cubicBezTo>
-                <a:cubicBezTo>
-                  <a:pt x="3339351" y="1626536"/>
-                  <a:pt x="2695295" y="1736286"/>
-                  <a:pt x="2522005" y="1664082"/>
-                </a:cubicBezTo>
-                <a:cubicBezTo>
-                  <a:pt x="2438249" y="1629424"/>
-                  <a:pt x="1730654" y="1528339"/>
-                  <a:pt x="1421621" y="1522563"/>
-                </a:cubicBezTo>
-                <a:cubicBezTo>
-                  <a:pt x="1450503" y="1467688"/>
-                  <a:pt x="1557364" y="1470576"/>
-                  <a:pt x="1525595" y="1392596"/>
-                </a:cubicBezTo>
-                <a:cubicBezTo>
-                  <a:pt x="1358082" y="1386820"/>
-                  <a:pt x="1179017" y="1435918"/>
-                  <a:pt x="982623" y="1415701"/>
-                </a:cubicBezTo>
-                <a:cubicBezTo>
-                  <a:pt x="1051938" y="1346386"/>
-                  <a:pt x="1153023" y="1352162"/>
-                  <a:pt x="1231003" y="1314616"/>
-                </a:cubicBezTo>
-                <a:cubicBezTo>
-                  <a:pt x="1170352" y="1262629"/>
-                  <a:pt x="1095261" y="1294399"/>
-                  <a:pt x="1025945" y="1297287"/>
-                </a:cubicBezTo>
-                <a:cubicBezTo>
-                  <a:pt x="965294" y="1300175"/>
-                  <a:pt x="812222" y="1227972"/>
-                  <a:pt x="841104" y="1225083"/>
-                </a:cubicBezTo>
-                <a:cubicBezTo>
-                  <a:pt x="1101037" y="1207755"/>
-                  <a:pt x="1352306" y="1129775"/>
-                  <a:pt x="1612239" y="1112445"/>
-                </a:cubicBezTo>
-                <a:cubicBezTo>
-                  <a:pt x="1698883" y="1106668"/>
-                  <a:pt x="1797081" y="1112445"/>
-                  <a:pt x="1814409" y="1008471"/>
-                </a:cubicBezTo>
-                <a:cubicBezTo>
-                  <a:pt x="1817297" y="979590"/>
-                  <a:pt x="1808633" y="973814"/>
-                  <a:pt x="1932824" y="979590"/>
-                </a:cubicBezTo>
-                <a:cubicBezTo>
-                  <a:pt x="1981922" y="982478"/>
-                  <a:pt x="2045461" y="982478"/>
-                  <a:pt x="2083007" y="936268"/>
-                </a:cubicBezTo>
-                <a:cubicBezTo>
-                  <a:pt x="2045461" y="898722"/>
-                  <a:pt x="1990587" y="927603"/>
-                  <a:pt x="1947265" y="924715"/>
-                </a:cubicBezTo>
-                <a:cubicBezTo>
-                  <a:pt x="1828850" y="921827"/>
-                  <a:pt x="1386963" y="904498"/>
-                  <a:pt x="1271438" y="895834"/>
-                </a:cubicBezTo>
-                <a:cubicBezTo>
-                  <a:pt x="1031721" y="875617"/>
-                  <a:pt x="901755" y="933380"/>
-                  <a:pt x="659150" y="907386"/>
-                </a:cubicBezTo>
-                <a:cubicBezTo>
-                  <a:pt x="734242" y="890057"/>
-                  <a:pt x="705361" y="866952"/>
-                  <a:pt x="780453" y="846735"/>
-                </a:cubicBezTo>
-                <a:cubicBezTo>
-                  <a:pt x="815110" y="838071"/>
-                  <a:pt x="849768" y="820742"/>
-                  <a:pt x="841104" y="788972"/>
-                </a:cubicBezTo>
-                <a:cubicBezTo>
-                  <a:pt x="835327" y="757202"/>
-                  <a:pt x="396329" y="690775"/>
-                  <a:pt x="448316" y="659006"/>
-                </a:cubicBezTo>
-                <a:cubicBezTo>
-                  <a:pt x="592723" y="575249"/>
-                  <a:pt x="1020169" y="607019"/>
-                  <a:pt x="910419" y="569473"/>
-                </a:cubicBezTo>
-                <a:cubicBezTo>
-                  <a:pt x="742907" y="511710"/>
-                  <a:pt x="716913" y="500157"/>
-                  <a:pt x="604275" y="514598"/>
-                </a:cubicBezTo>
-                <a:cubicBezTo>
-                  <a:pt x="506079" y="529039"/>
-                  <a:pt x="113290" y="349974"/>
-                  <a:pt x="15093" y="352862"/>
-                </a:cubicBezTo>
-                <a:cubicBezTo>
-                  <a:pt x="-71551" y="352862"/>
-                  <a:pt x="234593" y="211343"/>
-                  <a:pt x="430987" y="136251"/>
-                </a:cubicBezTo>
-                <a:cubicBezTo>
-                  <a:pt x="571784" y="82098"/>
-                  <a:pt x="732076" y="70184"/>
-                  <a:pt x="874092" y="17656"/>
-                </a:cubicBezTo>
-                <a:close/>
-              </a:path>
-            </a:pathLst>
-          </a:custGeom>
-          <a:solidFill>
-            <a:schemeClr val="bg2">
-              <a:alpha val="50000"/>
-            </a:schemeClr>
-          </a:solidFill>
-          <a:ln w="32707" cap="flat">
-            <a:noFill/>
-            <a:prstDash val="solid"/>
-            <a:miter/>
-          </a:ln>
-        </p:spPr>
-        <p:txBody>
-          <a:bodyPr wrap="square" rtlCol="0" anchor="ctr">
-            <a:noAutofit/>
-          </a:bodyPr>
-          <a:lstStyle/>
-          <a:p>
-            <a:endParaRPr lang="en-US">
-              <a:solidFill>
-                <a:schemeClr val="tx1"/>
-              </a:solidFill>
-            </a:endParaRPr>
-          </a:p>
-        </p:txBody>
-      </p:sp>
-      <p:sp>
-        <p:nvSpPr>
-          <p:cNvPr id="2" name="Title 1">
-            <a:extLst>
-              <a:ext uri="{FF2B5EF4-FFF2-40B4-BE49-F238E27FC236}">
-                <a16:creationId xmlns:a16="http://schemas.microsoft.com/office/drawing/2014/main" id="{17B2E28A-2184-C132-339A-5B5E2747BAD3}"/>
-              </a:ext>
-            </a:extLst>
-          </p:cNvPr>
-          <p:cNvSpPr>
-            <a:spLocks noGrp="1"/>
-          </p:cNvSpPr>
-          <p:nvPr>
-            <p:ph type="title"/>
-          </p:nvPr>
-        </p:nvSpPr>
-        <p:spPr>
-          <a:xfrm>
-            <a:off x="778735" y="1226962"/>
-            <a:ext cx="4482111" cy="3527214"/>
-          </a:xfrm>
-        </p:spPr>
-        <p:txBody>
-          <a:bodyPr anchor="t">
-            <a:normAutofit/>
-          </a:bodyPr>
-          <a:lstStyle/>
-          <a:p>
-            <a:r>
-              <a:rPr lang="en-US" b="1" dirty="0"/>
-              <a:t>Agenda</a:t>
-            </a:r>
-          </a:p>
-        </p:txBody>
-      </p:sp>
-      <p:sp>
-        <p:nvSpPr>
-          <p:cNvPr id="12" name="Freeform: Shape 11">
-            <a:extLst>
-              <a:ext uri="{FF2B5EF4-FFF2-40B4-BE49-F238E27FC236}">
-                <a16:creationId xmlns:a16="http://schemas.microsoft.com/office/drawing/2014/main" id="{C6BFDF0B-6325-416D-926F-7141006DDBD0}"/>
-              </a:ext>
-              <a:ext uri="{C183D7F6-B498-43B3-948B-1728B52AA6E4}">
-                <adec:decorative xmlns:adec="http://schemas.microsoft.com/office/drawing/2017/decorative" val="1"/>
-              </a:ext>
-            </a:extLst>
-          </p:cNvPr>
-          <p:cNvSpPr>
-            <a:spLocks noGrp="1" noRot="1" noChangeAspect="1" noMove="1" noResize="1" noEditPoints="1" noAdjustHandles="1" noChangeArrowheads="1" noChangeShapeType="1" noTextEdit="1"/>
-          </p:cNvSpPr>
-          <p:nvPr>
-            <p:extLst>
-              <p:ext uri="{386F3935-93C4-4BCD-93E2-E3B085C9AB24}">
-                <p16:designElem xmlns:p16="http://schemas.microsoft.com/office/powerpoint/2015/main" val="1"/>
-              </p:ext>
-            </p:extLst>
-          </p:nvPr>
-        </p:nvSpPr>
-        <p:spPr>
-          <a:xfrm flipV="1">
-            <a:off x="5693668" y="5127460"/>
-            <a:ext cx="6498333" cy="1730540"/>
-          </a:xfrm>
-          <a:custGeom>
-            <a:avLst/>
-            <a:gdLst>
-              <a:gd name="connsiteX0" fmla="*/ 2987112 w 6498333"/>
-              <a:gd name="connsiteY0" fmla="*/ 1730384 h 1730540"/>
-              <a:gd name="connsiteX1" fmla="*/ 3113423 w 6498333"/>
-              <a:gd name="connsiteY1" fmla="*/ 1728494 h 1730540"/>
-              <a:gd name="connsiteX2" fmla="*/ 6436159 w 6498333"/>
-              <a:gd name="connsiteY2" fmla="*/ 1396018 h 1730540"/>
-              <a:gd name="connsiteX3" fmla="*/ 6498333 w 6498333"/>
-              <a:gd name="connsiteY3" fmla="*/ 1381988 h 1730540"/>
-              <a:gd name="connsiteX4" fmla="*/ 6498333 w 6498333"/>
-              <a:gd name="connsiteY4" fmla="*/ 0 h 1730540"/>
-              <a:gd name="connsiteX5" fmla="*/ 723703 w 6498333"/>
-              <a:gd name="connsiteY5" fmla="*/ 0 h 1730540"/>
-              <a:gd name="connsiteX6" fmla="*/ 629735 w 6498333"/>
-              <a:gd name="connsiteY6" fmla="*/ 31770 h 1730540"/>
-              <a:gd name="connsiteX7" fmla="*/ 127078 w 6498333"/>
-              <a:gd name="connsiteY7" fmla="*/ 173371 h 1730540"/>
-              <a:gd name="connsiteX8" fmla="*/ 0 w 6498333"/>
-              <a:gd name="connsiteY8" fmla="*/ 235577 h 1730540"/>
-              <a:gd name="connsiteX9" fmla="*/ 967530 w 6498333"/>
-              <a:gd name="connsiteY9" fmla="*/ 225208 h 1730540"/>
-              <a:gd name="connsiteX10" fmla="*/ 620954 w 6498333"/>
-              <a:gd name="connsiteY10" fmla="*/ 408367 h 1730540"/>
-              <a:gd name="connsiteX11" fmla="*/ 542972 w 6498333"/>
-              <a:gd name="connsiteY11" fmla="*/ 463661 h 1730540"/>
-              <a:gd name="connsiteX12" fmla="*/ 635392 w 6498333"/>
-              <a:gd name="connsiteY12" fmla="*/ 515499 h 1730540"/>
-              <a:gd name="connsiteX13" fmla="*/ 843339 w 6498333"/>
-              <a:gd name="connsiteY13" fmla="*/ 532778 h 1730540"/>
-              <a:gd name="connsiteX14" fmla="*/ 297479 w 6498333"/>
-              <a:gd name="connsiteY14" fmla="*/ 584615 h 1730540"/>
-              <a:gd name="connsiteX15" fmla="*/ 358130 w 6498333"/>
-              <a:gd name="connsiteY15" fmla="*/ 688289 h 1730540"/>
-              <a:gd name="connsiteX16" fmla="*/ 326361 w 6498333"/>
-              <a:gd name="connsiteY16" fmla="*/ 809243 h 1730540"/>
-              <a:gd name="connsiteX17" fmla="*/ 649833 w 6498333"/>
-              <a:gd name="connsiteY17" fmla="*/ 854169 h 1730540"/>
-              <a:gd name="connsiteX18" fmla="*/ 1111937 w 6498333"/>
-              <a:gd name="connsiteY18" fmla="*/ 992402 h 1730540"/>
-              <a:gd name="connsiteX19" fmla="*/ 1559599 w 6498333"/>
-              <a:gd name="connsiteY19" fmla="*/ 1033872 h 1730540"/>
-              <a:gd name="connsiteX20" fmla="*/ 1929284 w 6498333"/>
-              <a:gd name="connsiteY20" fmla="*/ 1078798 h 1730540"/>
-              <a:gd name="connsiteX21" fmla="*/ 1608698 w 6498333"/>
-              <a:gd name="connsiteY21" fmla="*/ 1154826 h 1730540"/>
-              <a:gd name="connsiteX22" fmla="*/ 2183442 w 6498333"/>
-              <a:gd name="connsiteY22" fmla="*/ 1227398 h 1730540"/>
-              <a:gd name="connsiteX23" fmla="*/ 2267197 w 6498333"/>
-              <a:gd name="connsiteY23" fmla="*/ 1217031 h 1730540"/>
-              <a:gd name="connsiteX24" fmla="*/ 3148082 w 6498333"/>
-              <a:gd name="connsiteY24" fmla="*/ 1123724 h 1730540"/>
-              <a:gd name="connsiteX25" fmla="*/ 3330034 w 6498333"/>
-              <a:gd name="connsiteY25" fmla="*/ 1154826 h 1730540"/>
-              <a:gd name="connsiteX26" fmla="*/ 3145192 w 6498333"/>
-              <a:gd name="connsiteY26" fmla="*/ 1230854 h 1730540"/>
-              <a:gd name="connsiteX27" fmla="*/ 2504025 w 6498333"/>
-              <a:gd name="connsiteY27" fmla="*/ 1376000 h 1730540"/>
-              <a:gd name="connsiteX28" fmla="*/ 2954575 w 6498333"/>
-              <a:gd name="connsiteY28" fmla="*/ 1348352 h 1730540"/>
-              <a:gd name="connsiteX29" fmla="*/ 2492471 w 6498333"/>
-              <a:gd name="connsiteY29" fmla="*/ 1524600 h 1730540"/>
-              <a:gd name="connsiteX30" fmla="*/ 2342289 w 6498333"/>
-              <a:gd name="connsiteY30" fmla="*/ 1579893 h 1730540"/>
-              <a:gd name="connsiteX31" fmla="*/ 2489584 w 6498333"/>
-              <a:gd name="connsiteY31" fmla="*/ 1693935 h 1730540"/>
-              <a:gd name="connsiteX32" fmla="*/ 2987112 w 6498333"/>
-              <a:gd name="connsiteY32" fmla="*/ 1730384 h 1730540"/>
-            </a:gdLst>
-            <a:ahLst/>
-            <a:cxnLst>
-              <a:cxn ang="0">
-                <a:pos x="connsiteX0" y="connsiteY0"/>
-              </a:cxn>
-              <a:cxn ang="0">
-                <a:pos x="connsiteX1" y="connsiteY1"/>
-              </a:cxn>
-              <a:cxn ang="0">
-                <a:pos x="connsiteX2" y="connsiteY2"/>
-              </a:cxn>
-              <a:cxn ang="0">
-                <a:pos x="connsiteX3" y="connsiteY3"/>
-              </a:cxn>
-              <a:cxn ang="0">
-                <a:pos x="connsiteX4" y="connsiteY4"/>
-              </a:cxn>
-              <a:cxn ang="0">
-                <a:pos x="connsiteX5" y="connsiteY5"/>
-              </a:cxn>
-              <a:cxn ang="0">
-                <a:pos x="connsiteX6" y="connsiteY6"/>
-              </a:cxn>
-              <a:cxn ang="0">
-                <a:pos x="connsiteX7" y="connsiteY7"/>
-              </a:cxn>
-              <a:cxn ang="0">
-                <a:pos x="connsiteX8" y="connsiteY8"/>
-              </a:cxn>
-              <a:cxn ang="0">
-                <a:pos x="connsiteX9" y="connsiteY9"/>
-              </a:cxn>
-              <a:cxn ang="0">
-                <a:pos x="connsiteX10" y="connsiteY10"/>
-              </a:cxn>
-              <a:cxn ang="0">
-                <a:pos x="connsiteX11" y="connsiteY11"/>
-              </a:cxn>
-              <a:cxn ang="0">
-                <a:pos x="connsiteX12" y="connsiteY12"/>
-              </a:cxn>
-              <a:cxn ang="0">
-                <a:pos x="connsiteX13" y="connsiteY13"/>
-              </a:cxn>
-              <a:cxn ang="0">
-                <a:pos x="connsiteX14" y="connsiteY14"/>
-              </a:cxn>
-              <a:cxn ang="0">
-                <a:pos x="connsiteX15" y="connsiteY15"/>
-              </a:cxn>
-              <a:cxn ang="0">
-                <a:pos x="connsiteX16" y="connsiteY16"/>
-              </a:cxn>
-              <a:cxn ang="0">
-                <a:pos x="connsiteX17" y="connsiteY17"/>
-              </a:cxn>
-              <a:cxn ang="0">
-                <a:pos x="connsiteX18" y="connsiteY18"/>
-              </a:cxn>
-              <a:cxn ang="0">
-                <a:pos x="connsiteX19" y="connsiteY19"/>
-              </a:cxn>
-              <a:cxn ang="0">
-                <a:pos x="connsiteX20" y="connsiteY20"/>
-              </a:cxn>
-              <a:cxn ang="0">
-                <a:pos x="connsiteX21" y="connsiteY21"/>
-              </a:cxn>
-              <a:cxn ang="0">
-                <a:pos x="connsiteX22" y="connsiteY22"/>
-              </a:cxn>
-              <a:cxn ang="0">
-                <a:pos x="connsiteX23" y="connsiteY23"/>
-              </a:cxn>
-              <a:cxn ang="0">
-                <a:pos x="connsiteX24" y="connsiteY24"/>
-              </a:cxn>
-              <a:cxn ang="0">
-                <a:pos x="connsiteX25" y="connsiteY25"/>
-              </a:cxn>
-              <a:cxn ang="0">
-                <a:pos x="connsiteX26" y="connsiteY26"/>
-              </a:cxn>
-              <a:cxn ang="0">
-                <a:pos x="connsiteX27" y="connsiteY27"/>
-              </a:cxn>
-              <a:cxn ang="0">
-                <a:pos x="connsiteX28" y="connsiteY28"/>
-              </a:cxn>
-              <a:cxn ang="0">
-                <a:pos x="connsiteX29" y="connsiteY29"/>
-              </a:cxn>
-              <a:cxn ang="0">
-                <a:pos x="connsiteX30" y="connsiteY30"/>
-              </a:cxn>
-              <a:cxn ang="0">
-                <a:pos x="connsiteX31" y="connsiteY31"/>
-              </a:cxn>
-              <a:cxn ang="0">
-                <a:pos x="connsiteX32" y="connsiteY32"/>
-              </a:cxn>
-            </a:cxnLst>
-            <a:rect l="l" t="t" r="r" b="b"/>
-            <a:pathLst>
-              <a:path w="6498333" h="1730540">
-                <a:moveTo>
-                  <a:pt x="2987112" y="1730384"/>
-                </a:moveTo>
-                <a:cubicBezTo>
-                  <a:pt x="3042664" y="1730870"/>
-                  <a:pt x="3088152" y="1730222"/>
-                  <a:pt x="3113423" y="1728494"/>
-                </a:cubicBezTo>
-                <a:cubicBezTo>
-                  <a:pt x="3293752" y="1716831"/>
-                  <a:pt x="4808270" y="1725943"/>
-                  <a:pt x="6436159" y="1396018"/>
-                </a:cubicBezTo>
-                <a:lnTo>
-                  <a:pt x="6498333" y="1381988"/>
-                </a:lnTo>
-                <a:lnTo>
-                  <a:pt x="6498333" y="0"/>
-                </a:lnTo>
-                <a:lnTo>
-                  <a:pt x="723703" y="0"/>
-                </a:lnTo>
-                <a:lnTo>
-                  <a:pt x="629735" y="31770"/>
-                </a:lnTo>
-                <a:cubicBezTo>
-                  <a:pt x="421263" y="101447"/>
-                  <a:pt x="228886" y="161708"/>
-                  <a:pt x="127078" y="173371"/>
-                </a:cubicBezTo>
-                <a:cubicBezTo>
-                  <a:pt x="86644" y="176827"/>
-                  <a:pt x="25993" y="163004"/>
-                  <a:pt x="0" y="235577"/>
-                </a:cubicBezTo>
-                <a:cubicBezTo>
-                  <a:pt x="306144" y="346163"/>
-                  <a:pt x="641170" y="183739"/>
-                  <a:pt x="967530" y="225208"/>
-                </a:cubicBezTo>
-                <a:cubicBezTo>
-                  <a:pt x="866445" y="353075"/>
-                  <a:pt x="745142" y="384177"/>
-                  <a:pt x="620954" y="408367"/>
-                </a:cubicBezTo>
-                <a:cubicBezTo>
-                  <a:pt x="589182" y="415279"/>
-                  <a:pt x="542972" y="422191"/>
-                  <a:pt x="542972" y="463661"/>
-                </a:cubicBezTo>
-                <a:cubicBezTo>
-                  <a:pt x="542972" y="515499"/>
-                  <a:pt x="594959" y="505130"/>
-                  <a:pt x="635392" y="515499"/>
-                </a:cubicBezTo>
-                <a:cubicBezTo>
-                  <a:pt x="693155" y="529321"/>
-                  <a:pt x="762471" y="470573"/>
-                  <a:pt x="843339" y="532778"/>
-                </a:cubicBezTo>
-                <a:cubicBezTo>
-                  <a:pt x="646945" y="574247"/>
-                  <a:pt x="476544" y="588071"/>
-                  <a:pt x="297479" y="584615"/>
-                </a:cubicBezTo>
-                <a:cubicBezTo>
-                  <a:pt x="323472" y="629541"/>
-                  <a:pt x="378348" y="639908"/>
-                  <a:pt x="358130" y="688289"/>
-                </a:cubicBezTo>
-                <a:cubicBezTo>
-                  <a:pt x="343689" y="726304"/>
-                  <a:pt x="283038" y="760862"/>
-                  <a:pt x="326361" y="809243"/>
-                </a:cubicBezTo>
-                <a:cubicBezTo>
-                  <a:pt x="427447" y="843802"/>
-                  <a:pt x="554524" y="788508"/>
-                  <a:pt x="649833" y="854169"/>
-                </a:cubicBezTo>
-                <a:cubicBezTo>
-                  <a:pt x="782688" y="947476"/>
-                  <a:pt x="961753" y="940565"/>
-                  <a:pt x="1111937" y="992402"/>
-                </a:cubicBezTo>
-                <a:cubicBezTo>
-                  <a:pt x="1161035" y="1009682"/>
-                  <a:pt x="1472955" y="1023504"/>
-                  <a:pt x="1559599" y="1033872"/>
-                </a:cubicBezTo>
-                <a:cubicBezTo>
-                  <a:pt x="1678015" y="1047696"/>
-                  <a:pt x="1805093" y="1023504"/>
-                  <a:pt x="1929284" y="1078798"/>
-                </a:cubicBezTo>
-                <a:cubicBezTo>
-                  <a:pt x="1828198" y="1130635"/>
-                  <a:pt x="1727113" y="1075343"/>
-                  <a:pt x="1608698" y="1154826"/>
-                </a:cubicBezTo>
-                <a:cubicBezTo>
-                  <a:pt x="1825309" y="1175561"/>
-                  <a:pt x="2015928" y="1158282"/>
-                  <a:pt x="2183442" y="1227398"/>
-                </a:cubicBezTo>
-                <a:cubicBezTo>
-                  <a:pt x="2203658" y="1237767"/>
-                  <a:pt x="2238314" y="1220487"/>
-                  <a:pt x="2267197" y="1217031"/>
-                </a:cubicBezTo>
-                <a:cubicBezTo>
-                  <a:pt x="2561787" y="1179017"/>
-                  <a:pt x="2853490" y="1134091"/>
-                  <a:pt x="3148082" y="1123724"/>
-                </a:cubicBezTo>
-                <a:cubicBezTo>
-                  <a:pt x="3214508" y="1120268"/>
-                  <a:pt x="3327146" y="1092621"/>
-                  <a:pt x="3330034" y="1154826"/>
-                </a:cubicBezTo>
-                <a:cubicBezTo>
-                  <a:pt x="3330034" y="1251589"/>
-                  <a:pt x="3214508" y="1220487"/>
-                  <a:pt x="3145192" y="1230854"/>
-                </a:cubicBezTo>
-                <a:cubicBezTo>
-                  <a:pt x="2931471" y="1268869"/>
-                  <a:pt x="2711970" y="1282691"/>
-                  <a:pt x="2504025" y="1376000"/>
-                </a:cubicBezTo>
-                <a:cubicBezTo>
-                  <a:pt x="2654207" y="1365632"/>
-                  <a:pt x="2804392" y="1358720"/>
-                  <a:pt x="2954575" y="1348352"/>
-                </a:cubicBezTo>
-                <a:cubicBezTo>
-                  <a:pt x="2787063" y="1386367"/>
-                  <a:pt x="2654207" y="1476218"/>
-                  <a:pt x="2492471" y="1524600"/>
-                </a:cubicBezTo>
-                <a:cubicBezTo>
-                  <a:pt x="2408715" y="1548791"/>
-                  <a:pt x="2342289" y="1579893"/>
-                  <a:pt x="2342289" y="1579893"/>
-                </a:cubicBezTo>
-                <a:cubicBezTo>
-                  <a:pt x="2342289" y="1579893"/>
-                  <a:pt x="2356730" y="1655921"/>
-                  <a:pt x="2489584" y="1693935"/>
-                </a:cubicBezTo>
-                <a:cubicBezTo>
-                  <a:pt x="2563232" y="1717262"/>
-                  <a:pt x="2820457" y="1728925"/>
-                  <a:pt x="2987112" y="1730384"/>
-                </a:cubicBezTo>
-                <a:close/>
-              </a:path>
-            </a:pathLst>
-          </a:custGeom>
-          <a:solidFill>
-            <a:schemeClr val="bg2">
-              <a:alpha val="50000"/>
-            </a:schemeClr>
-          </a:solidFill>
-          <a:ln w="32707" cap="flat">
-            <a:noFill/>
-            <a:prstDash val="solid"/>
-            <a:miter/>
-          </a:ln>
-        </p:spPr>
-        <p:txBody>
-          <a:bodyPr wrap="square" rtlCol="0" anchor="ctr">
-            <a:noAutofit/>
-          </a:bodyPr>
-          <a:lstStyle/>
-          <a:p>
-            <a:endParaRPr lang="en-US">
-              <a:solidFill>
-                <a:schemeClr val="tx1"/>
-              </a:solidFill>
-            </a:endParaRPr>
-          </a:p>
-        </p:txBody>
-      </p:sp>
-      <p:sp>
-        <p:nvSpPr>
-          <p:cNvPr id="3" name="Content Placeholder 2">
-            <a:extLst>
-              <a:ext uri="{FF2B5EF4-FFF2-40B4-BE49-F238E27FC236}">
-                <a16:creationId xmlns:a16="http://schemas.microsoft.com/office/drawing/2014/main" id="{B550C824-7E13-4EDE-A68C-2C35B4FEB815}"/>
-              </a:ext>
-            </a:extLst>
-          </p:cNvPr>
-          <p:cNvSpPr>
-            <a:spLocks noGrp="1"/>
-          </p:cNvSpPr>
-          <p:nvPr>
-            <p:ph idx="1"/>
-          </p:nvPr>
-        </p:nvSpPr>
-        <p:spPr>
-          <a:xfrm>
-            <a:off x="1820559" y="2499709"/>
-            <a:ext cx="5257804" cy="3929186"/>
-          </a:xfrm>
-        </p:spPr>
-        <p:txBody>
-          <a:bodyPr anchor="t">
-            <a:normAutofit/>
-          </a:bodyPr>
-          <a:lstStyle/>
-          <a:p>
-            <a:pPr rtl="0" fontAlgn="base">
-              <a:spcBef>
-                <a:spcPts val="0"/>
-              </a:spcBef>
-              <a:spcAft>
-                <a:spcPts val="1200"/>
-              </a:spcAft>
-              <a:buFont typeface="Wingdings" pitchFamily="2" charset="2"/>
-              <a:buChar char="Ø"/>
-            </a:pPr>
-            <a:r>
-              <a:rPr lang="en-GB" sz="3200" b="0" i="0" u="none" strike="noStrike" dirty="0">
-                <a:effectLst/>
-                <a:latin typeface="Lato" panose="020F0502020204030203" pitchFamily="34" charset="0"/>
-              </a:rPr>
-              <a:t>Maven 4 - what’s new</a:t>
-            </a:r>
-          </a:p>
-          <a:p>
-            <a:pPr rtl="0" fontAlgn="base">
-              <a:spcBef>
-                <a:spcPts val="0"/>
-              </a:spcBef>
-              <a:spcAft>
-                <a:spcPts val="1200"/>
-              </a:spcAft>
-              <a:buFont typeface="Wingdings" pitchFamily="2" charset="2"/>
-              <a:buChar char="Ø"/>
-            </a:pPr>
-            <a:endParaRPr lang="en-GB" sz="3200" b="0" i="0" u="none" strike="noStrike" dirty="0">
-              <a:effectLst/>
-              <a:latin typeface="Lato" panose="020F0502020204030203" pitchFamily="34" charset="0"/>
-            </a:endParaRPr>
-          </a:p>
-          <a:p>
-            <a:pPr rtl="0" fontAlgn="base">
-              <a:spcBef>
-                <a:spcPts val="0"/>
-              </a:spcBef>
-              <a:spcAft>
-                <a:spcPts val="0"/>
-              </a:spcAft>
-              <a:buFont typeface="Wingdings" pitchFamily="2" charset="2"/>
-              <a:buChar char="Ø"/>
-            </a:pPr>
-            <a:r>
-              <a:rPr lang="en-GB" sz="3200" b="0" i="0" u="none" strike="noStrike" dirty="0">
-                <a:effectLst/>
-                <a:latin typeface="Lato" panose="020F0502020204030203" pitchFamily="34" charset="0"/>
-              </a:rPr>
-              <a:t>Java 21 – goodies</a:t>
-            </a:r>
-          </a:p>
-          <a:p>
-            <a:pPr marL="0" indent="0" rtl="0" fontAlgn="base">
-              <a:spcBef>
-                <a:spcPts val="0"/>
-              </a:spcBef>
-              <a:spcAft>
-                <a:spcPts val="0"/>
-              </a:spcAft>
-              <a:buNone/>
-            </a:pPr>
-            <a:endParaRPr lang="en-GB" sz="3200" b="0" i="0" u="none" strike="noStrike" dirty="0">
-              <a:effectLst/>
-              <a:latin typeface="Lato" panose="020F0502020204030203" pitchFamily="34" charset="0"/>
-            </a:endParaRPr>
-          </a:p>
-          <a:p>
-            <a:pPr rtl="0" fontAlgn="base">
-              <a:spcBef>
-                <a:spcPts val="0"/>
-              </a:spcBef>
-              <a:spcAft>
-                <a:spcPts val="0"/>
-              </a:spcAft>
-              <a:buFont typeface="Wingdings" pitchFamily="2" charset="2"/>
-              <a:buChar char="Ø"/>
-            </a:pPr>
-            <a:endParaRPr lang="en-GB" sz="3200" dirty="0">
-              <a:latin typeface="Lato" panose="020F0502020204030203" pitchFamily="34" charset="0"/>
-            </a:endParaRPr>
-          </a:p>
-          <a:p>
-            <a:pPr rtl="0" fontAlgn="base">
-              <a:spcBef>
-                <a:spcPts val="0"/>
-              </a:spcBef>
-              <a:spcAft>
-                <a:spcPts val="0"/>
-              </a:spcAft>
-              <a:buFont typeface="Wingdings" pitchFamily="2" charset="2"/>
-              <a:buChar char="Ø"/>
-            </a:pPr>
-            <a:r>
-              <a:rPr lang="en-GB" sz="3200" b="0" i="0" u="none" strike="noStrike" dirty="0">
-                <a:effectLst/>
-                <a:latin typeface="Lato" panose="020F0502020204030203" pitchFamily="34" charset="0"/>
-              </a:rPr>
-              <a:t>Play time</a:t>
-            </a:r>
-          </a:p>
-        </p:txBody>
-      </p:sp>
-    </p:spTree>
-    <p:extLst>
-      <p:ext uri="{BB962C8B-B14F-4D97-AF65-F5344CB8AC3E}">
-        <p14:creationId xmlns:p14="http://schemas.microsoft.com/office/powerpoint/2010/main" val="3704788612"/>
       </p:ext>
     </p:extLst>
   </p:cSld>

--- a/Java21-Presentation.pptx
+++ b/Java21-Presentation.pptx
@@ -5,7 +5,7 @@
     <p:sldMasterId id="2147483648" r:id="rId1"/>
   </p:sldMasterIdLst>
   <p:notesMasterIdLst>
-    <p:notesMasterId r:id="rId22"/>
+    <p:notesMasterId r:id="rId29"/>
   </p:notesMasterIdLst>
   <p:sldIdLst>
     <p:sldId id="256" r:id="rId2"/>
@@ -15,19 +15,26 @@
     <p:sldId id="262" r:id="rId6"/>
     <p:sldId id="263" r:id="rId7"/>
     <p:sldId id="260" r:id="rId8"/>
-    <p:sldId id="268" r:id="rId9"/>
-    <p:sldId id="277" r:id="rId10"/>
-    <p:sldId id="276" r:id="rId11"/>
-    <p:sldId id="267" r:id="rId12"/>
-    <p:sldId id="269" r:id="rId13"/>
-    <p:sldId id="278" r:id="rId14"/>
-    <p:sldId id="270" r:id="rId15"/>
-    <p:sldId id="271" r:id="rId16"/>
-    <p:sldId id="272" r:id="rId17"/>
-    <p:sldId id="275" r:id="rId18"/>
-    <p:sldId id="274" r:id="rId19"/>
-    <p:sldId id="264" r:id="rId20"/>
-    <p:sldId id="265" r:id="rId21"/>
+    <p:sldId id="282" r:id="rId9"/>
+    <p:sldId id="268" r:id="rId10"/>
+    <p:sldId id="277" r:id="rId11"/>
+    <p:sldId id="276" r:id="rId12"/>
+    <p:sldId id="267" r:id="rId13"/>
+    <p:sldId id="269" r:id="rId14"/>
+    <p:sldId id="278" r:id="rId15"/>
+    <p:sldId id="270" r:id="rId16"/>
+    <p:sldId id="279" r:id="rId17"/>
+    <p:sldId id="271" r:id="rId18"/>
+    <p:sldId id="272" r:id="rId19"/>
+    <p:sldId id="280" r:id="rId20"/>
+    <p:sldId id="275" r:id="rId21"/>
+    <p:sldId id="283" r:id="rId22"/>
+    <p:sldId id="284" r:id="rId23"/>
+    <p:sldId id="285" r:id="rId24"/>
+    <p:sldId id="281" r:id="rId25"/>
+    <p:sldId id="274" r:id="rId26"/>
+    <p:sldId id="264" r:id="rId27"/>
+    <p:sldId id="265" r:id="rId28"/>
   </p:sldIdLst>
   <p:sldSz cx="12192000" cy="6858000"/>
   <p:notesSz cx="6858000" cy="9144000"/>
@@ -216,7 +223,7 @@
           <a:p>
             <a:fld id="{7DCE309A-7A60-DC46-A116-E07ABADAD367}" type="datetimeFigureOut">
               <a:rPr lang="en-US" smtClean="0"/>
-              <a:t>11/8/23</a:t>
+              <a:t>11/14/23</a:t>
             </a:fld>
             <a:endParaRPr lang="en-US"/>
           </a:p>
@@ -623,101 +630,8 @@
                 <a:effectLst/>
                 <a:latin typeface="DejaVu Sans" panose="020B0609030804020204" pitchFamily="49" charset="0"/>
               </a:rPr>
-              <a:t>NUMA= </a:t>
-            </a:r>
-            <a:r>
-              <a:rPr lang="en-GB" b="1" i="0" dirty="0">
-                <a:solidFill>
-                  <a:srgbClr val="222222"/>
-                </a:solidFill>
-                <a:effectLst/>
-                <a:latin typeface="Merriweather" panose="020F0502020204030204" pitchFamily="34" charset="0"/>
-              </a:rPr>
-              <a:t>Non-Uniform Memory Access</a:t>
-            </a:r>
-          </a:p>
-          <a:p>
-            <a:pPr marL="171450" marR="0" lvl="0" indent="-171450" algn="l" defTabSz="914400" rtl="0" eaLnBrk="1" fontAlgn="auto" latinLnBrk="0" hangingPunct="1">
-              <a:lnSpc>
-                <a:spcPct val="100000"/>
-              </a:lnSpc>
-              <a:spcBef>
-                <a:spcPts val="0"/>
-              </a:spcBef>
-              <a:spcAft>
-                <a:spcPts val="0"/>
-              </a:spcAft>
-              <a:buClrTx/>
-              <a:buSzTx/>
-              <a:buFont typeface="Wingdings" pitchFamily="2" charset="2"/>
-              <a:buChar char="è"/>
-              <a:tabLst/>
-              <a:defRPr/>
-            </a:pPr>
-            <a:r>
-              <a:rPr lang="en-GB" b="0" i="0" dirty="0">
-                <a:solidFill>
-                  <a:srgbClr val="444444"/>
-                </a:solidFill>
-                <a:effectLst/>
-                <a:latin typeface="Bitstream Vera Sans"/>
-              </a:rPr>
-              <a:t>"Zettabyte File System”</a:t>
-            </a:r>
-            <a:endParaRPr lang="en-GB" b="0" i="0" dirty="0">
-              <a:solidFill>
-                <a:srgbClr val="000000"/>
-              </a:solidFill>
-              <a:effectLst/>
-              <a:latin typeface="DejaVu Sans" panose="020B0609030804020204" pitchFamily="49" charset="0"/>
-            </a:endParaRPr>
-          </a:p>
-          <a:p>
-            <a:pPr marL="171450" marR="0" lvl="0" indent="-171450" algn="l" defTabSz="914400" rtl="0" eaLnBrk="1" fontAlgn="auto" latinLnBrk="0" hangingPunct="1">
-              <a:lnSpc>
-                <a:spcPct val="100000"/>
-              </a:lnSpc>
-              <a:spcBef>
-                <a:spcPts val="0"/>
-              </a:spcBef>
-              <a:spcAft>
-                <a:spcPts val="0"/>
-              </a:spcAft>
-              <a:buClrTx/>
-              <a:buSzTx/>
-              <a:buFont typeface="Wingdings" pitchFamily="2" charset="2"/>
-              <a:buChar char="è"/>
-              <a:tabLst/>
-              <a:defRPr/>
-            </a:pPr>
-            <a:r>
-              <a:rPr lang="en-GB" dirty="0">
-                <a:solidFill>
-                  <a:srgbClr val="080808"/>
-                </a:solidFill>
-                <a:effectLst/>
-              </a:rPr>
-              <a:t>(Non-generational ZGC uses multi-mapped memory to reduce the overhead of load barriers.)</a:t>
-            </a:r>
-          </a:p>
-          <a:p>
-            <a:pPr marL="171450" marR="0" lvl="0" indent="-171450" algn="l" defTabSz="914400" rtl="0" eaLnBrk="1" fontAlgn="auto" latinLnBrk="0" hangingPunct="1">
-              <a:lnSpc>
-                <a:spcPct val="100000"/>
-              </a:lnSpc>
-              <a:spcBef>
-                <a:spcPts val="0"/>
-              </a:spcBef>
-              <a:spcAft>
-                <a:spcPts val="0"/>
-              </a:spcAft>
-              <a:buClrTx/>
-              <a:buSzTx/>
-              <a:buFont typeface="Wingdings" pitchFamily="2" charset="2"/>
-              <a:buChar char="è"/>
-              <a:tabLst/>
-              <a:defRPr/>
-            </a:pPr>
+              <a:t>new interfaces to represent collections with a defined encounter order.</a:t>
+            </a:r>
             <a:endParaRPr lang="en-US" dirty="0"/>
           </a:p>
         </p:txBody>
@@ -748,7 +662,7 @@
     </p:spTree>
     <p:extLst>
       <p:ext uri="{BB962C8B-B14F-4D97-AF65-F5344CB8AC3E}">
-        <p14:creationId xmlns:p14="http://schemas.microsoft.com/office/powerpoint/2010/main" val="2302287201"/>
+        <p14:creationId xmlns:p14="http://schemas.microsoft.com/office/powerpoint/2010/main" val="1016568727"/>
       </p:ext>
     </p:extLst>
   </p:cSld>
@@ -935,7 +849,7 @@
     </p:spTree>
     <p:extLst>
       <p:ext uri="{BB962C8B-B14F-4D97-AF65-F5344CB8AC3E}">
-        <p14:creationId xmlns:p14="http://schemas.microsoft.com/office/powerpoint/2010/main" val="890224173"/>
+        <p14:creationId xmlns:p14="http://schemas.microsoft.com/office/powerpoint/2010/main" val="2302287201"/>
       </p:ext>
     </p:extLst>
   </p:cSld>
@@ -989,7 +903,90 @@
           <a:bodyPr/>
           <a:lstStyle/>
           <a:p>
-            <a:endParaRPr lang="en-US" dirty="0"/>
+            <a:r>
+              <a:rPr lang="en-GB" b="0" i="0" dirty="0">
+                <a:solidFill>
+                  <a:srgbClr val="000000"/>
+                </a:solidFill>
+                <a:effectLst/>
+                <a:latin typeface="DejaVu Sans" panose="020B0609030804020204" pitchFamily="49" charset="0"/>
+              </a:rPr>
+              <a:t>NUMA= </a:t>
+            </a:r>
+            <a:r>
+              <a:rPr lang="en-GB" b="1" i="0" dirty="0">
+                <a:solidFill>
+                  <a:srgbClr val="222222"/>
+                </a:solidFill>
+                <a:effectLst/>
+                <a:latin typeface="Merriweather" panose="020F0502020204030204" pitchFamily="34" charset="0"/>
+              </a:rPr>
+              <a:t>Non-Uniform Memory Access</a:t>
+            </a:r>
+          </a:p>
+          <a:p>
+            <a:pPr marL="171450" marR="0" lvl="0" indent="-171450" algn="l" defTabSz="914400" rtl="0" eaLnBrk="1" fontAlgn="auto" latinLnBrk="0" hangingPunct="1">
+              <a:lnSpc>
+                <a:spcPct val="100000"/>
+              </a:lnSpc>
+              <a:spcBef>
+                <a:spcPts val="0"/>
+              </a:spcBef>
+              <a:spcAft>
+                <a:spcPts val="0"/>
+              </a:spcAft>
+              <a:buClrTx/>
+              <a:buSzTx/>
+              <a:buFont typeface="Wingdings" pitchFamily="2" charset="2"/>
+              <a:buChar char="è"/>
+              <a:tabLst/>
+              <a:defRPr/>
+            </a:pPr>
+            <a:r>
+              <a:rPr lang="en-GB" b="0" i="0" dirty="0">
+                <a:solidFill>
+                  <a:srgbClr val="444444"/>
+                </a:solidFill>
+                <a:effectLst/>
+                <a:latin typeface="Bitstream Vera Sans"/>
+              </a:rPr>
+              <a:t>"Zettabyte File System”</a:t>
+            </a:r>
+            <a:endParaRPr lang="en-GB" b="0" i="0" dirty="0">
+              <a:solidFill>
+                <a:srgbClr val="000000"/>
+              </a:solidFill>
+              <a:effectLst/>
+              <a:latin typeface="DejaVu Sans" panose="020B0609030804020204" pitchFamily="49" charset="0"/>
+            </a:endParaRPr>
+          </a:p>
+          <a:p>
+            <a:pPr marL="171450" marR="0" lvl="0" indent="-171450" algn="l" defTabSz="914400" rtl="0" eaLnBrk="1" fontAlgn="auto" latinLnBrk="0" hangingPunct="1">
+              <a:lnSpc>
+                <a:spcPct val="100000"/>
+              </a:lnSpc>
+              <a:spcBef>
+                <a:spcPts val="0"/>
+              </a:spcBef>
+              <a:spcAft>
+                <a:spcPts val="0"/>
+              </a:spcAft>
+              <a:buClrTx/>
+              <a:buSzTx/>
+              <a:buFont typeface="Wingdings" pitchFamily="2" charset="2"/>
+              <a:buChar char="è"/>
+              <a:tabLst/>
+              <a:defRPr/>
+            </a:pPr>
+            <a:r>
+              <a:rPr lang="en-GB" dirty="0">
+                <a:solidFill>
+                  <a:srgbClr val="080808"/>
+                </a:solidFill>
+                <a:effectLst/>
+              </a:rPr>
+              <a:t>(Non-generational ZGC uses multi-mapped memory to reduce the overhead of load barriers.)</a:t>
+            </a:r>
           </a:p>
         </p:txBody>
       </p:sp>
@@ -1010,7 +1007,7 @@
           <a:p>
             <a:fld id="{97338A82-0D20-3D4A-B4B7-58B5112FF922}" type="slidenum">
               <a:rPr lang="en-US" smtClean="0"/>
-              <a:t>18</a:t>
+              <a:t>14</a:t>
             </a:fld>
             <a:endParaRPr lang="en-US"/>
           </a:p>
@@ -1019,7 +1016,7 @@
     </p:spTree>
     <p:extLst>
       <p:ext uri="{BB962C8B-B14F-4D97-AF65-F5344CB8AC3E}">
-        <p14:creationId xmlns:p14="http://schemas.microsoft.com/office/powerpoint/2010/main" val="907419315"/>
+        <p14:creationId xmlns:p14="http://schemas.microsoft.com/office/powerpoint/2010/main" val="890224173"/>
       </p:ext>
     </p:extLst>
   </p:cSld>
@@ -1073,7 +1070,7 @@
           <a:bodyPr/>
           <a:lstStyle/>
           <a:p>
-            <a:endParaRPr lang="en-US"/>
+            <a:endParaRPr lang="en-US" dirty="0"/>
           </a:p>
         </p:txBody>
       </p:sp>
@@ -1094,7 +1091,343 @@
           <a:p>
             <a:fld id="{97338A82-0D20-3D4A-B4B7-58B5112FF922}" type="slidenum">
               <a:rPr lang="en-US" smtClean="0"/>
-              <a:t>20</a:t>
+              <a:t>19</a:t>
+            </a:fld>
+            <a:endParaRPr lang="en-US"/>
+          </a:p>
+        </p:txBody>
+      </p:sp>
+    </p:spTree>
+    <p:extLst>
+      <p:ext uri="{BB962C8B-B14F-4D97-AF65-F5344CB8AC3E}">
+        <p14:creationId xmlns:p14="http://schemas.microsoft.com/office/powerpoint/2010/main" val="3086876158"/>
+      </p:ext>
+    </p:extLst>
+  </p:cSld>
+  <p:clrMapOvr>
+    <a:masterClrMapping/>
+  </p:clrMapOvr>
+</p:notes>
+</file>
+
+<file path=ppt/notesSlides/notesSlide14.xml><?xml version="1.0" encoding="utf-8"?>
+<p:notes xmlns:a="http://schemas.openxmlformats.org/drawingml/2006/main" xmlns:r="http://schemas.openxmlformats.org/officeDocument/2006/relationships" xmlns:p="http://schemas.openxmlformats.org/presentationml/2006/main">
+  <p:cSld>
+    <p:spTree>
+      <p:nvGrpSpPr>
+        <p:cNvPr id="1" name=""/>
+        <p:cNvGrpSpPr/>
+        <p:nvPr/>
+      </p:nvGrpSpPr>
+      <p:grpSpPr>
+        <a:xfrm>
+          <a:off x="0" y="0"/>
+          <a:ext cx="0" cy="0"/>
+          <a:chOff x="0" y="0"/>
+          <a:chExt cx="0" cy="0"/>
+        </a:xfrm>
+      </p:grpSpPr>
+      <p:sp>
+        <p:nvSpPr>
+          <p:cNvPr id="2" name="Slide Image Placeholder 1"/>
+          <p:cNvSpPr>
+            <a:spLocks noGrp="1" noRot="1" noChangeAspect="1"/>
+          </p:cNvSpPr>
+          <p:nvPr>
+            <p:ph type="sldImg"/>
+          </p:nvPr>
+        </p:nvSpPr>
+        <p:spPr/>
+      </p:sp>
+      <p:sp>
+        <p:nvSpPr>
+          <p:cNvPr id="3" name="Notes Placeholder 2"/>
+          <p:cNvSpPr>
+            <a:spLocks noGrp="1"/>
+          </p:cNvSpPr>
+          <p:nvPr>
+            <p:ph type="body" idx="1"/>
+          </p:nvPr>
+        </p:nvSpPr>
+        <p:spPr/>
+        <p:txBody>
+          <a:bodyPr/>
+          <a:lstStyle/>
+          <a:p>
+            <a:endParaRPr lang="en-US" dirty="0"/>
+          </a:p>
+        </p:txBody>
+      </p:sp>
+      <p:sp>
+        <p:nvSpPr>
+          <p:cNvPr id="4" name="Slide Number Placeholder 3"/>
+          <p:cNvSpPr>
+            <a:spLocks noGrp="1"/>
+          </p:cNvSpPr>
+          <p:nvPr>
+            <p:ph type="sldNum" sz="quarter" idx="5"/>
+          </p:nvPr>
+        </p:nvSpPr>
+        <p:spPr/>
+        <p:txBody>
+          <a:bodyPr/>
+          <a:lstStyle/>
+          <a:p>
+            <a:fld id="{97338A82-0D20-3D4A-B4B7-58B5112FF922}" type="slidenum">
+              <a:rPr lang="en-US" smtClean="0"/>
+              <a:t>22</a:t>
+            </a:fld>
+            <a:endParaRPr lang="en-US"/>
+          </a:p>
+        </p:txBody>
+      </p:sp>
+    </p:spTree>
+    <p:extLst>
+      <p:ext uri="{BB962C8B-B14F-4D97-AF65-F5344CB8AC3E}">
+        <p14:creationId xmlns:p14="http://schemas.microsoft.com/office/powerpoint/2010/main" val="672745388"/>
+      </p:ext>
+    </p:extLst>
+  </p:cSld>
+  <p:clrMapOvr>
+    <a:masterClrMapping/>
+  </p:clrMapOvr>
+</p:notes>
+</file>
+
+<file path=ppt/notesSlides/notesSlide15.xml><?xml version="1.0" encoding="utf-8"?>
+<p:notes xmlns:a="http://schemas.openxmlformats.org/drawingml/2006/main" xmlns:r="http://schemas.openxmlformats.org/officeDocument/2006/relationships" xmlns:p="http://schemas.openxmlformats.org/presentationml/2006/main">
+  <p:cSld>
+    <p:spTree>
+      <p:nvGrpSpPr>
+        <p:cNvPr id="1" name=""/>
+        <p:cNvGrpSpPr/>
+        <p:nvPr/>
+      </p:nvGrpSpPr>
+      <p:grpSpPr>
+        <a:xfrm>
+          <a:off x="0" y="0"/>
+          <a:ext cx="0" cy="0"/>
+          <a:chOff x="0" y="0"/>
+          <a:chExt cx="0" cy="0"/>
+        </a:xfrm>
+      </p:grpSpPr>
+      <p:sp>
+        <p:nvSpPr>
+          <p:cNvPr id="2" name="Slide Image Placeholder 1"/>
+          <p:cNvSpPr>
+            <a:spLocks noGrp="1" noRot="1" noChangeAspect="1"/>
+          </p:cNvSpPr>
+          <p:nvPr>
+            <p:ph type="sldImg"/>
+          </p:nvPr>
+        </p:nvSpPr>
+        <p:spPr/>
+      </p:sp>
+      <p:sp>
+        <p:nvSpPr>
+          <p:cNvPr id="3" name="Notes Placeholder 2"/>
+          <p:cNvSpPr>
+            <a:spLocks noGrp="1"/>
+          </p:cNvSpPr>
+          <p:nvPr>
+            <p:ph type="body" idx="1"/>
+          </p:nvPr>
+        </p:nvSpPr>
+        <p:spPr/>
+        <p:txBody>
+          <a:bodyPr/>
+          <a:lstStyle/>
+          <a:p>
+            <a:endParaRPr lang="en-US" dirty="0"/>
+          </a:p>
+        </p:txBody>
+      </p:sp>
+      <p:sp>
+        <p:nvSpPr>
+          <p:cNvPr id="4" name="Slide Number Placeholder 3"/>
+          <p:cNvSpPr>
+            <a:spLocks noGrp="1"/>
+          </p:cNvSpPr>
+          <p:nvPr>
+            <p:ph type="sldNum" sz="quarter" idx="5"/>
+          </p:nvPr>
+        </p:nvSpPr>
+        <p:spPr/>
+        <p:txBody>
+          <a:bodyPr/>
+          <a:lstStyle/>
+          <a:p>
+            <a:fld id="{97338A82-0D20-3D4A-B4B7-58B5112FF922}" type="slidenum">
+              <a:rPr lang="en-US" smtClean="0"/>
+              <a:t>23</a:t>
+            </a:fld>
+            <a:endParaRPr lang="en-US"/>
+          </a:p>
+        </p:txBody>
+      </p:sp>
+    </p:spTree>
+    <p:extLst>
+      <p:ext uri="{BB962C8B-B14F-4D97-AF65-F5344CB8AC3E}">
+        <p14:creationId xmlns:p14="http://schemas.microsoft.com/office/powerpoint/2010/main" val="1449500572"/>
+      </p:ext>
+    </p:extLst>
+  </p:cSld>
+  <p:clrMapOvr>
+    <a:masterClrMapping/>
+  </p:clrMapOvr>
+</p:notes>
+</file>
+
+<file path=ppt/notesSlides/notesSlide16.xml><?xml version="1.0" encoding="utf-8"?>
+<p:notes xmlns:a="http://schemas.openxmlformats.org/drawingml/2006/main" xmlns:r="http://schemas.openxmlformats.org/officeDocument/2006/relationships" xmlns:p="http://schemas.openxmlformats.org/presentationml/2006/main">
+  <p:cSld>
+    <p:spTree>
+      <p:nvGrpSpPr>
+        <p:cNvPr id="1" name=""/>
+        <p:cNvGrpSpPr/>
+        <p:nvPr/>
+      </p:nvGrpSpPr>
+      <p:grpSpPr>
+        <a:xfrm>
+          <a:off x="0" y="0"/>
+          <a:ext cx="0" cy="0"/>
+          <a:chOff x="0" y="0"/>
+          <a:chExt cx="0" cy="0"/>
+        </a:xfrm>
+      </p:grpSpPr>
+      <p:sp>
+        <p:nvSpPr>
+          <p:cNvPr id="2" name="Slide Image Placeholder 1"/>
+          <p:cNvSpPr>
+            <a:spLocks noGrp="1" noRot="1" noChangeAspect="1"/>
+          </p:cNvSpPr>
+          <p:nvPr>
+            <p:ph type="sldImg"/>
+          </p:nvPr>
+        </p:nvSpPr>
+        <p:spPr/>
+      </p:sp>
+      <p:sp>
+        <p:nvSpPr>
+          <p:cNvPr id="3" name="Notes Placeholder 2"/>
+          <p:cNvSpPr>
+            <a:spLocks noGrp="1"/>
+          </p:cNvSpPr>
+          <p:nvPr>
+            <p:ph type="body" idx="1"/>
+          </p:nvPr>
+        </p:nvSpPr>
+        <p:spPr/>
+        <p:txBody>
+          <a:bodyPr/>
+          <a:lstStyle/>
+          <a:p>
+            <a:endParaRPr lang="en-US" dirty="0"/>
+          </a:p>
+        </p:txBody>
+      </p:sp>
+      <p:sp>
+        <p:nvSpPr>
+          <p:cNvPr id="4" name="Slide Number Placeholder 3"/>
+          <p:cNvSpPr>
+            <a:spLocks noGrp="1"/>
+          </p:cNvSpPr>
+          <p:nvPr>
+            <p:ph type="sldNum" sz="quarter" idx="5"/>
+          </p:nvPr>
+        </p:nvSpPr>
+        <p:spPr/>
+        <p:txBody>
+          <a:bodyPr/>
+          <a:lstStyle/>
+          <a:p>
+            <a:fld id="{97338A82-0D20-3D4A-B4B7-58B5112FF922}" type="slidenum">
+              <a:rPr lang="en-US" smtClean="0"/>
+              <a:t>25</a:t>
+            </a:fld>
+            <a:endParaRPr lang="en-US"/>
+          </a:p>
+        </p:txBody>
+      </p:sp>
+    </p:spTree>
+    <p:extLst>
+      <p:ext uri="{BB962C8B-B14F-4D97-AF65-F5344CB8AC3E}">
+        <p14:creationId xmlns:p14="http://schemas.microsoft.com/office/powerpoint/2010/main" val="907419315"/>
+      </p:ext>
+    </p:extLst>
+  </p:cSld>
+  <p:clrMapOvr>
+    <a:masterClrMapping/>
+  </p:clrMapOvr>
+</p:notes>
+</file>
+
+<file path=ppt/notesSlides/notesSlide17.xml><?xml version="1.0" encoding="utf-8"?>
+<p:notes xmlns:a="http://schemas.openxmlformats.org/drawingml/2006/main" xmlns:r="http://schemas.openxmlformats.org/officeDocument/2006/relationships" xmlns:p="http://schemas.openxmlformats.org/presentationml/2006/main">
+  <p:cSld>
+    <p:spTree>
+      <p:nvGrpSpPr>
+        <p:cNvPr id="1" name=""/>
+        <p:cNvGrpSpPr/>
+        <p:nvPr/>
+      </p:nvGrpSpPr>
+      <p:grpSpPr>
+        <a:xfrm>
+          <a:off x="0" y="0"/>
+          <a:ext cx="0" cy="0"/>
+          <a:chOff x="0" y="0"/>
+          <a:chExt cx="0" cy="0"/>
+        </a:xfrm>
+      </p:grpSpPr>
+      <p:sp>
+        <p:nvSpPr>
+          <p:cNvPr id="2" name="Slide Image Placeholder 1"/>
+          <p:cNvSpPr>
+            <a:spLocks noGrp="1" noRot="1" noChangeAspect="1"/>
+          </p:cNvSpPr>
+          <p:nvPr>
+            <p:ph type="sldImg"/>
+          </p:nvPr>
+        </p:nvSpPr>
+        <p:spPr/>
+      </p:sp>
+      <p:sp>
+        <p:nvSpPr>
+          <p:cNvPr id="3" name="Notes Placeholder 2"/>
+          <p:cNvSpPr>
+            <a:spLocks noGrp="1"/>
+          </p:cNvSpPr>
+          <p:nvPr>
+            <p:ph type="body" idx="1"/>
+          </p:nvPr>
+        </p:nvSpPr>
+        <p:spPr/>
+        <p:txBody>
+          <a:bodyPr/>
+          <a:lstStyle/>
+          <a:p>
+            <a:endParaRPr lang="en-US"/>
+          </a:p>
+        </p:txBody>
+      </p:sp>
+      <p:sp>
+        <p:nvSpPr>
+          <p:cNvPr id="4" name="Slide Number Placeholder 3"/>
+          <p:cNvSpPr>
+            <a:spLocks noGrp="1"/>
+          </p:cNvSpPr>
+          <p:nvPr>
+            <p:ph type="sldNum" sz="quarter" idx="5"/>
+          </p:nvPr>
+        </p:nvSpPr>
+        <p:spPr/>
+        <p:txBody>
+          <a:bodyPr/>
+          <a:lstStyle/>
+          <a:p>
+            <a:fld id="{97338A82-0D20-3D4A-B4B7-58B5112FF922}" type="slidenum">
+              <a:rPr lang="en-US" smtClean="0"/>
+              <a:t>27</a:t>
             </a:fld>
             <a:endParaRPr lang="en-US"/>
           </a:p>
@@ -1430,6 +1763,38 @@
               <a:t>Loom: the reactive model will become redundant in Java.</a:t>
             </a:r>
           </a:p>
+          <a:p>
+            <a:r>
+              <a:rPr lang="en-GB" sz="1800" b="0" i="0" u="none" strike="noStrike" dirty="0">
+                <a:solidFill>
+                  <a:srgbClr val="000000"/>
+                </a:solidFill>
+                <a:effectLst/>
+                <a:latin typeface="Arial" panose="020B0604020202020204" pitchFamily="34" charset="0"/>
+              </a:rPr>
+              <a:t>Leyden: historically Java prioritised performance over faster </a:t>
+            </a:r>
+            <a:r>
+              <a:rPr lang="en-GB" sz="1800" b="0" i="0" u="none" strike="noStrike" dirty="0" err="1">
+                <a:solidFill>
+                  <a:srgbClr val="000000"/>
+                </a:solidFill>
+                <a:effectLst/>
+                <a:latin typeface="Arial" panose="020B0604020202020204" pitchFamily="34" charset="0"/>
+              </a:rPr>
+              <a:t>startups</a:t>
+            </a:r>
+            <a:r>
+              <a:rPr lang="en-GB" sz="1800" b="0" i="0" u="none" strike="noStrike" dirty="0">
+                <a:solidFill>
+                  <a:srgbClr val="000000"/>
+                </a:solidFill>
+                <a:effectLst/>
+                <a:latin typeface="Arial" panose="020B0604020202020204" pitchFamily="34" charset="0"/>
+              </a:rPr>
+              <a:t>.</a:t>
+            </a:r>
+          </a:p>
         </p:txBody>
       </p:sp>
       <p:sp>
@@ -1529,6 +1894,15 @@
               <a:t>56.6% - Valuable deliveries</a:t>
             </a:r>
           </a:p>
+          <a:p>
+            <a:endParaRPr lang="en-US" dirty="0"/>
+          </a:p>
+          <a:p>
+            <a:r>
+              <a:rPr lang="en-US" dirty="0"/>
+              <a:t>Backward compatibility – is out the window.</a:t>
+            </a:r>
+          </a:p>
         </p:txBody>
       </p:sp>
       <p:sp>
@@ -1611,23 +1985,22 @@
           <a:bodyPr/>
           <a:lstStyle/>
           <a:p>
-            <a:pPr rtl="0" fontAlgn="base">
-              <a:lnSpc>
-                <a:spcPct val="170000"/>
-              </a:lnSpc>
-              <a:spcBef>
-                <a:spcPts val="0"/>
-              </a:spcBef>
-              <a:spcAft>
-                <a:spcPts val="0"/>
-              </a:spcAft>
-              <a:buFont typeface="Arial" panose="020B0604020202020204" pitchFamily="34" charset="0"/>
-              <a:buChar char="•"/>
-            </a:pPr>
-            <a:endParaRPr lang="en-GB" b="0" i="0" dirty="0">
-              <a:effectLst/>
-              <a:latin typeface="-apple-system"/>
-            </a:endParaRPr>
+            <a:r>
+              <a:rPr lang="en-US" dirty="0"/>
+              <a:t>33.3 % - Preview</a:t>
+            </a:r>
+          </a:p>
+          <a:p>
+            <a:r>
+              <a:rPr lang="en-US" dirty="0"/>
+              <a:t>13.3 % - Deprecations</a:t>
+            </a:r>
+          </a:p>
+          <a:p>
+            <a:r>
+              <a:rPr lang="en-US" dirty="0"/>
+              <a:t>56.6% - Valuable deliveries</a:t>
+            </a:r>
           </a:p>
         </p:txBody>
       </p:sp>
@@ -1657,7 +2030,7 @@
     </p:spTree>
     <p:extLst>
       <p:ext uri="{BB962C8B-B14F-4D97-AF65-F5344CB8AC3E}">
-        <p14:creationId xmlns:p14="http://schemas.microsoft.com/office/powerpoint/2010/main" val="3207804677"/>
+        <p14:creationId xmlns:p14="http://schemas.microsoft.com/office/powerpoint/2010/main" val="667253747"/>
       </p:ext>
     </p:extLst>
   </p:cSld>
@@ -1711,7 +2084,23 @@
           <a:bodyPr/>
           <a:lstStyle/>
           <a:p>
-            <a:endParaRPr lang="en-US" dirty="0"/>
+            <a:pPr rtl="0" fontAlgn="base">
+              <a:lnSpc>
+                <a:spcPct val="170000"/>
+              </a:lnSpc>
+              <a:spcBef>
+                <a:spcPts val="0"/>
+              </a:spcBef>
+              <a:spcAft>
+                <a:spcPts val="0"/>
+              </a:spcAft>
+              <a:buFont typeface="Arial" panose="020B0604020202020204" pitchFamily="34" charset="0"/>
+              <a:buChar char="•"/>
+            </a:pPr>
+            <a:endParaRPr lang="en-GB" b="0" i="0" dirty="0">
+              <a:effectLst/>
+              <a:latin typeface="-apple-system"/>
+            </a:endParaRPr>
           </a:p>
         </p:txBody>
       </p:sp>
@@ -1741,7 +2130,7 @@
     </p:spTree>
     <p:extLst>
       <p:ext uri="{BB962C8B-B14F-4D97-AF65-F5344CB8AC3E}">
-        <p14:creationId xmlns:p14="http://schemas.microsoft.com/office/powerpoint/2010/main" val="690679781"/>
+        <p14:creationId xmlns:p14="http://schemas.microsoft.com/office/powerpoint/2010/main" val="3207804677"/>
       </p:ext>
     </p:extLst>
   </p:cSld>
@@ -1825,7 +2214,7 @@
     </p:spTree>
     <p:extLst>
       <p:ext uri="{BB962C8B-B14F-4D97-AF65-F5344CB8AC3E}">
-        <p14:creationId xmlns:p14="http://schemas.microsoft.com/office/powerpoint/2010/main" val="2053882686"/>
+        <p14:creationId xmlns:p14="http://schemas.microsoft.com/office/powerpoint/2010/main" val="690679781"/>
       </p:ext>
     </p:extLst>
   </p:cSld>
@@ -1879,16 +2268,6 @@
           <a:bodyPr/>
           <a:lstStyle/>
           <a:p>
-            <a:r>
-              <a:rPr lang="en-GB" b="0" i="0" dirty="0">
-                <a:solidFill>
-                  <a:srgbClr val="000000"/>
-                </a:solidFill>
-                <a:effectLst/>
-                <a:latin typeface="DejaVu Sans" panose="020B0609030804020204" pitchFamily="49" charset="0"/>
-              </a:rPr>
-              <a:t>new interfaces to represent collections with a defined encounter order.</a:t>
-            </a:r>
             <a:endParaRPr lang="en-US" dirty="0"/>
           </a:p>
         </p:txBody>
@@ -1919,7 +2298,7 @@
     </p:spTree>
     <p:extLst>
       <p:ext uri="{BB962C8B-B14F-4D97-AF65-F5344CB8AC3E}">
-        <p14:creationId xmlns:p14="http://schemas.microsoft.com/office/powerpoint/2010/main" val="1016568727"/>
+        <p14:creationId xmlns:p14="http://schemas.microsoft.com/office/powerpoint/2010/main" val="2053882686"/>
       </p:ext>
     </p:extLst>
   </p:cSld>
@@ -2078,7 +2457,7 @@
           <a:p>
             <a:fld id="{00B59761-C2A7-844A-B0A4-477EF3BF3F07}" type="datetimeFigureOut">
               <a:rPr lang="en-US" smtClean="0"/>
-              <a:t>11/8/23</a:t>
+              <a:t>11/14/23</a:t>
             </a:fld>
             <a:endParaRPr lang="en-US"/>
           </a:p>
@@ -2278,7 +2657,7 @@
           <a:p>
             <a:fld id="{00B59761-C2A7-844A-B0A4-477EF3BF3F07}" type="datetimeFigureOut">
               <a:rPr lang="en-US" smtClean="0"/>
-              <a:t>11/8/23</a:t>
+              <a:t>11/14/23</a:t>
             </a:fld>
             <a:endParaRPr lang="en-US"/>
           </a:p>
@@ -2488,7 +2867,7 @@
           <a:p>
             <a:fld id="{00B59761-C2A7-844A-B0A4-477EF3BF3F07}" type="datetimeFigureOut">
               <a:rPr lang="en-US" smtClean="0"/>
-              <a:t>11/8/23</a:t>
+              <a:t>11/14/23</a:t>
             </a:fld>
             <a:endParaRPr lang="en-US"/>
           </a:p>
@@ -2688,7 +3067,7 @@
           <a:p>
             <a:fld id="{00B59761-C2A7-844A-B0A4-477EF3BF3F07}" type="datetimeFigureOut">
               <a:rPr lang="en-US" smtClean="0"/>
-              <a:t>11/8/23</a:t>
+              <a:t>11/14/23</a:t>
             </a:fld>
             <a:endParaRPr lang="en-US"/>
           </a:p>
@@ -2964,7 +3343,7 @@
           <a:p>
             <a:fld id="{00B59761-C2A7-844A-B0A4-477EF3BF3F07}" type="datetimeFigureOut">
               <a:rPr lang="en-US" smtClean="0"/>
-              <a:t>11/8/23</a:t>
+              <a:t>11/14/23</a:t>
             </a:fld>
             <a:endParaRPr lang="en-US"/>
           </a:p>
@@ -3232,7 +3611,7 @@
           <a:p>
             <a:fld id="{00B59761-C2A7-844A-B0A4-477EF3BF3F07}" type="datetimeFigureOut">
               <a:rPr lang="en-US" smtClean="0"/>
-              <a:t>11/8/23</a:t>
+              <a:t>11/14/23</a:t>
             </a:fld>
             <a:endParaRPr lang="en-US"/>
           </a:p>
@@ -3647,7 +4026,7 @@
           <a:p>
             <a:fld id="{00B59761-C2A7-844A-B0A4-477EF3BF3F07}" type="datetimeFigureOut">
               <a:rPr lang="en-US" smtClean="0"/>
-              <a:t>11/8/23</a:t>
+              <a:t>11/14/23</a:t>
             </a:fld>
             <a:endParaRPr lang="en-US"/>
           </a:p>
@@ -3789,7 +4168,7 @@
           <a:p>
             <a:fld id="{00B59761-C2A7-844A-B0A4-477EF3BF3F07}" type="datetimeFigureOut">
               <a:rPr lang="en-US" smtClean="0"/>
-              <a:t>11/8/23</a:t>
+              <a:t>11/14/23</a:t>
             </a:fld>
             <a:endParaRPr lang="en-US"/>
           </a:p>
@@ -3902,7 +4281,7 @@
           <a:p>
             <a:fld id="{00B59761-C2A7-844A-B0A4-477EF3BF3F07}" type="datetimeFigureOut">
               <a:rPr lang="en-US" smtClean="0"/>
-              <a:t>11/8/23</a:t>
+              <a:t>11/14/23</a:t>
             </a:fld>
             <a:endParaRPr lang="en-US"/>
           </a:p>
@@ -4215,7 +4594,7 @@
           <a:p>
             <a:fld id="{00B59761-C2A7-844A-B0A4-477EF3BF3F07}" type="datetimeFigureOut">
               <a:rPr lang="en-US" smtClean="0"/>
-              <a:t>11/8/23</a:t>
+              <a:t>11/14/23</a:t>
             </a:fld>
             <a:endParaRPr lang="en-US"/>
           </a:p>
@@ -4504,7 +4883,7 @@
           <a:p>
             <a:fld id="{00B59761-C2A7-844A-B0A4-477EF3BF3F07}" type="datetimeFigureOut">
               <a:rPr lang="en-US" smtClean="0"/>
-              <a:t>11/8/23</a:t>
+              <a:t>11/14/23</a:t>
             </a:fld>
             <a:endParaRPr lang="en-US"/>
           </a:p>
@@ -4747,7 +5126,7 @@
           <a:p>
             <a:fld id="{00B59761-C2A7-844A-B0A4-477EF3BF3F07}" type="datetimeFigureOut">
               <a:rPr lang="en-US" smtClean="0"/>
-              <a:t>11/8/23</a:t>
+              <a:t>11/14/23</a:t>
             </a:fld>
             <a:endParaRPr lang="en-US"/>
           </a:p>
@@ -5905,7 +6284,354 @@
               <a:rPr lang="en-US" b="1" dirty="0">
                 <a:latin typeface="+mn-lt"/>
               </a:rPr>
-              <a:t>Amber: Everything Else</a:t>
+              <a:t>String Templates </a:t>
+            </a:r>
+            <a:r>
+              <a:rPr lang="en-US" b="1" i="1" dirty="0">
+                <a:latin typeface="+mn-lt"/>
+              </a:rPr>
+              <a:t>(preview)</a:t>
+            </a:r>
+          </a:p>
+        </p:txBody>
+      </p:sp>
+      <p:sp>
+        <p:nvSpPr>
+          <p:cNvPr id="5" name="Content Placeholder 2">
+            <a:extLst>
+              <a:ext uri="{FF2B5EF4-FFF2-40B4-BE49-F238E27FC236}">
+                <a16:creationId xmlns:a16="http://schemas.microsoft.com/office/drawing/2014/main" id="{A6895E22-BD87-7D61-8EB0-844A4D833A03}"/>
+              </a:ext>
+            </a:extLst>
+          </p:cNvPr>
+          <p:cNvSpPr>
+            <a:spLocks noGrp="1"/>
+          </p:cNvSpPr>
+          <p:nvPr>
+            <p:ph idx="1"/>
+          </p:nvPr>
+        </p:nvSpPr>
+        <p:spPr>
+          <a:xfrm>
+            <a:off x="750469" y="1451156"/>
+            <a:ext cx="10515600" cy="4351338"/>
+          </a:xfrm>
+        </p:spPr>
+        <p:txBody>
+          <a:bodyPr>
+            <a:normAutofit fontScale="77500" lnSpcReduction="20000"/>
+          </a:bodyPr>
+          <a:lstStyle/>
+          <a:p>
+            <a:pPr rtl="0" fontAlgn="base">
+              <a:lnSpc>
+                <a:spcPct val="170000"/>
+              </a:lnSpc>
+              <a:spcBef>
+                <a:spcPts val="0"/>
+              </a:spcBef>
+              <a:spcAft>
+                <a:spcPts val="0"/>
+              </a:spcAft>
+              <a:buFont typeface="Arial" panose="020B0604020202020204" pitchFamily="34" charset="0"/>
+              <a:buChar char="•"/>
+            </a:pPr>
+            <a:r>
+              <a:rPr lang="en-GB" sz="2800" b="0" i="1" dirty="0">
+                <a:effectLst/>
+                <a:highlight>
+                  <a:srgbClr val="FFFF00"/>
+                </a:highlight>
+                <a:latin typeface="-apple-system"/>
+              </a:rPr>
+              <a:t>template expression</a:t>
+            </a:r>
+            <a:r>
+              <a:rPr lang="en-GB" dirty="0">
+                <a:latin typeface="-apple-system"/>
+              </a:rPr>
+              <a:t>:</a:t>
+            </a:r>
+            <a:r>
+              <a:rPr lang="en-GB" sz="2800" b="0" i="0" dirty="0">
+                <a:effectLst/>
+                <a:latin typeface="-apple-system"/>
+              </a:rPr>
+              <a:t> a programmable way of safely interpolating expressions in String literals.</a:t>
+            </a:r>
+          </a:p>
+          <a:p>
+            <a:pPr lvl="1"/>
+            <a:r>
+              <a:rPr lang="en-GB" b="0" i="0" dirty="0">
+                <a:solidFill>
+                  <a:srgbClr val="FF0000"/>
+                </a:solidFill>
+                <a:effectLst/>
+                <a:latin typeface="-apple-system"/>
+              </a:rPr>
+              <a:t>[</a:t>
+            </a:r>
+            <a:r>
+              <a:rPr lang="en-GB" b="0" i="0" dirty="0">
+                <a:effectLst/>
+                <a:latin typeface="-apple-system"/>
+              </a:rPr>
+              <a:t>A </a:t>
+            </a:r>
+            <a:r>
+              <a:rPr lang="en-GB" b="0" i="1" dirty="0">
+                <a:effectLst/>
+                <a:latin typeface="-apple-system"/>
+              </a:rPr>
+              <a:t>template processor</a:t>
+            </a:r>
+            <a:r>
+              <a:rPr lang="en-GB" b="0" dirty="0">
+                <a:solidFill>
+                  <a:srgbClr val="FF0000"/>
+                </a:solidFill>
+                <a:effectLst/>
+                <a:latin typeface="-apple-system"/>
+              </a:rPr>
+              <a:t>]</a:t>
+            </a:r>
+            <a:r>
+              <a:rPr lang="en-GB" sz="3600" b="0" dirty="0">
+                <a:solidFill>
+                  <a:srgbClr val="7030A0"/>
+                </a:solidFill>
+                <a:effectLst/>
+                <a:latin typeface="-apple-system"/>
+              </a:rPr>
+              <a:t>.</a:t>
+            </a:r>
+            <a:r>
+              <a:rPr lang="en-GB" b="0" dirty="0">
+                <a:solidFill>
+                  <a:srgbClr val="FF0000"/>
+                </a:solidFill>
+                <a:effectLst/>
+                <a:latin typeface="-apple-system"/>
+              </a:rPr>
+              <a:t>[</a:t>
+            </a:r>
+            <a:r>
+              <a:rPr lang="en-GB" b="0" i="0" dirty="0">
+                <a:effectLst/>
+                <a:latin typeface="-apple-system"/>
+              </a:rPr>
+              <a:t>A template containing wrapped expressions like \{</a:t>
+            </a:r>
+            <a:r>
+              <a:rPr lang="en-GB" b="0" i="0" dirty="0" err="1">
+                <a:effectLst/>
+                <a:latin typeface="-apple-system"/>
+              </a:rPr>
+              <a:t>varName</a:t>
+            </a:r>
+            <a:r>
+              <a:rPr lang="en-GB" b="0" i="0" dirty="0">
+                <a:effectLst/>
+                <a:latin typeface="-apple-system"/>
+              </a:rPr>
+              <a:t>}</a:t>
+            </a:r>
+            <a:r>
+              <a:rPr lang="en-GB" b="0" i="0" dirty="0">
+                <a:solidFill>
+                  <a:srgbClr val="FF0000"/>
+                </a:solidFill>
+                <a:effectLst/>
+                <a:latin typeface="-apple-system"/>
+              </a:rPr>
+              <a:t>]</a:t>
+            </a:r>
+          </a:p>
+          <a:p>
+            <a:pPr lvl="1"/>
+            <a:endParaRPr lang="en-GB" dirty="0">
+              <a:solidFill>
+                <a:srgbClr val="FF0000"/>
+              </a:solidFill>
+              <a:latin typeface="-apple-system"/>
+            </a:endParaRPr>
+          </a:p>
+          <a:p>
+            <a:pPr lvl="1"/>
+            <a:endParaRPr lang="en-GB" b="0" i="0" dirty="0">
+              <a:solidFill>
+                <a:srgbClr val="FF0000"/>
+              </a:solidFill>
+              <a:effectLst/>
+              <a:latin typeface="-apple-system"/>
+            </a:endParaRPr>
+          </a:p>
+          <a:p>
+            <a:pPr lvl="1"/>
+            <a:endParaRPr lang="en-GB" dirty="0">
+              <a:solidFill>
+                <a:srgbClr val="FF0000"/>
+              </a:solidFill>
+              <a:latin typeface="-apple-system"/>
+            </a:endParaRPr>
+          </a:p>
+          <a:p>
+            <a:pPr marL="0" indent="0">
+              <a:buNone/>
+            </a:pPr>
+            <a:endParaRPr lang="en-GB" dirty="0">
+              <a:solidFill>
+                <a:srgbClr val="FF0000"/>
+              </a:solidFill>
+              <a:latin typeface="-apple-system"/>
+            </a:endParaRPr>
+          </a:p>
+          <a:p>
+            <a:pPr marL="0" indent="0">
+              <a:buNone/>
+            </a:pPr>
+            <a:endParaRPr lang="en-GB" dirty="0">
+              <a:solidFill>
+                <a:srgbClr val="FF0000"/>
+              </a:solidFill>
+              <a:latin typeface="-apple-system"/>
+            </a:endParaRPr>
+          </a:p>
+          <a:p>
+            <a:r>
+              <a:rPr lang="en-GB" dirty="0">
+                <a:solidFill>
+                  <a:srgbClr val="FF0000"/>
+                </a:solidFill>
+                <a:latin typeface="-apple-system"/>
+              </a:rPr>
+              <a:t>STR - </a:t>
+            </a:r>
+            <a:r>
+              <a:rPr lang="en-US" dirty="0"/>
+              <a:t>The Java compiler automatically imports it in any Java class. It is called a </a:t>
+            </a:r>
+            <a:r>
+              <a:rPr lang="en-US" i="1" dirty="0"/>
+              <a:t>template processor. </a:t>
+            </a:r>
+          </a:p>
+          <a:p>
+            <a:r>
+              <a:rPr lang="en-US" dirty="0"/>
+              <a:t>Developers can create their own processors by implementing </a:t>
+            </a:r>
+            <a:r>
+              <a:rPr lang="en-GB" b="0" i="0" u="none" strike="noStrike" dirty="0">
+                <a:effectLst/>
+                <a:latin typeface="-apple-system"/>
+                <a:hlinkClick r:id="rId3"/>
+              </a:rPr>
+              <a:t>java.lang.StringTemplate.Processor</a:t>
+            </a:r>
+            <a:r>
+              <a:rPr lang="en-GB" b="0" i="0" u="none" strike="noStrike" dirty="0">
+                <a:effectLst/>
+                <a:latin typeface="-apple-system"/>
+              </a:rPr>
+              <a:t> functional interface</a:t>
+            </a:r>
+            <a:endParaRPr lang="en-US" i="1" dirty="0"/>
+          </a:p>
+        </p:txBody>
+      </p:sp>
+      <p:pic>
+        <p:nvPicPr>
+          <p:cNvPr id="7" name="Picture 6" descr="A screenshot of a computer&#10;&#10;Description automatically generated">
+            <a:extLst>
+              <a:ext uri="{FF2B5EF4-FFF2-40B4-BE49-F238E27FC236}">
+                <a16:creationId xmlns:a16="http://schemas.microsoft.com/office/drawing/2014/main" id="{DE43E702-0041-21A7-6535-54475CD31DA8}"/>
+              </a:ext>
+            </a:extLst>
+          </p:cNvPr>
+          <p:cNvPicPr>
+            <a:picLocks noChangeAspect="1"/>
+          </p:cNvPicPr>
+          <p:nvPr/>
+        </p:nvPicPr>
+        <p:blipFill>
+          <a:blip r:embed="rId4"/>
+          <a:stretch>
+            <a:fillRect/>
+          </a:stretch>
+        </p:blipFill>
+        <p:spPr>
+          <a:xfrm>
+            <a:off x="750469" y="2950731"/>
+            <a:ext cx="10375193" cy="1352187"/>
+          </a:xfrm>
+          <a:prstGeom prst="rect">
+            <a:avLst/>
+          </a:prstGeom>
+        </p:spPr>
+      </p:pic>
+    </p:spTree>
+    <p:extLst>
+      <p:ext uri="{BB962C8B-B14F-4D97-AF65-F5344CB8AC3E}">
+        <p14:creationId xmlns:p14="http://schemas.microsoft.com/office/powerpoint/2010/main" val="2995848117"/>
+      </p:ext>
+    </p:extLst>
+  </p:cSld>
+  <p:clrMapOvr>
+    <a:masterClrMapping/>
+  </p:clrMapOvr>
+</p:sld>
+</file>
+
+<file path=ppt/slides/slide11.xml><?xml version="1.0" encoding="utf-8"?>
+<p:sld xmlns:a="http://schemas.openxmlformats.org/drawingml/2006/main" xmlns:r="http://schemas.openxmlformats.org/officeDocument/2006/relationships" xmlns:p="http://schemas.openxmlformats.org/presentationml/2006/main">
+  <p:cSld>
+    <p:spTree>
+      <p:nvGrpSpPr>
+        <p:cNvPr id="1" name=""/>
+        <p:cNvGrpSpPr/>
+        <p:nvPr/>
+      </p:nvGrpSpPr>
+      <p:grpSpPr>
+        <a:xfrm>
+          <a:off x="0" y="0"/>
+          <a:ext cx="0" cy="0"/>
+          <a:chOff x="0" y="0"/>
+          <a:chExt cx="0" cy="0"/>
+        </a:xfrm>
+      </p:grpSpPr>
+      <p:sp>
+        <p:nvSpPr>
+          <p:cNvPr id="4" name="Title 1">
+            <a:extLst>
+              <a:ext uri="{FF2B5EF4-FFF2-40B4-BE49-F238E27FC236}">
+                <a16:creationId xmlns:a16="http://schemas.microsoft.com/office/drawing/2014/main" id="{9CA3CFD1-15C7-979F-A478-8FE9B7915B20}"/>
+              </a:ext>
+            </a:extLst>
+          </p:cNvPr>
+          <p:cNvSpPr>
+            <a:spLocks noGrp="1"/>
+          </p:cNvSpPr>
+          <p:nvPr>
+            <p:ph type="title"/>
+          </p:nvPr>
+        </p:nvSpPr>
+        <p:spPr>
+          <a:xfrm>
+            <a:off x="838200" y="365125"/>
+            <a:ext cx="10515600" cy="1325563"/>
+          </a:xfrm>
+        </p:spPr>
+        <p:txBody>
+          <a:bodyPr/>
+          <a:lstStyle/>
+          <a:p>
+            <a:r>
+              <a:rPr lang="en-US" b="1" dirty="0">
+                <a:latin typeface="+mn-lt"/>
+              </a:rPr>
+              <a:t>Everything Else in Amber</a:t>
             </a:r>
           </a:p>
         </p:txBody>
@@ -5947,6 +6673,23 @@
               </a:spcBef>
             </a:pPr>
             <a:r>
+              <a:rPr lang="en-GB" dirty="0">
+                <a:solidFill>
+                  <a:srgbClr val="0033B3"/>
+                </a:solidFill>
+                <a:effectLst/>
+              </a:rPr>
+              <a:t>JEP 440</a:t>
+            </a:r>
+            <a:r>
+              <a:rPr lang="en-GB" dirty="0">
+                <a:solidFill>
+                  <a:srgbClr val="080808"/>
+                </a:solidFill>
+              </a:rPr>
+              <a:t>. </a:t>
+            </a:r>
+            <a:r>
               <a:rPr lang="en-GB" b="1" dirty="0">
                 <a:effectLst/>
               </a:rPr>
@@ -5964,7 +6707,7 @@
               <a:rPr lang="en-GB" b="1" dirty="0">
                 <a:effectLst/>
               </a:rPr>
-              <a:t> with Records (Java 19)</a:t>
+              <a:t> with Records</a:t>
             </a:r>
           </a:p>
           <a:p>
@@ -5976,6 +6719,23 @@
                 <a:spcPts val="0"/>
               </a:spcBef>
             </a:pPr>
+            <a:r>
+              <a:rPr lang="en-GB" dirty="0">
+                <a:solidFill>
+                  <a:srgbClr val="0033B3"/>
+                </a:solidFill>
+                <a:effectLst/>
+              </a:rPr>
+              <a:t>JEP 441</a:t>
+            </a:r>
+            <a:r>
+              <a:rPr lang="en-GB" dirty="0">
+                <a:solidFill>
+                  <a:srgbClr val="080808"/>
+                </a:solidFill>
+              </a:rPr>
+              <a:t>. </a:t>
+            </a:r>
             <a:r>
               <a:rPr lang="en-GB" b="1" dirty="0">
                 <a:effectLst/>
@@ -6014,6 +6774,23 @@
               <a:buChar char="•"/>
             </a:pPr>
             <a:r>
+              <a:rPr lang="en-GB" dirty="0">
+                <a:solidFill>
+                  <a:srgbClr val="0033B3"/>
+                </a:solidFill>
+                <a:effectLst/>
+              </a:rPr>
+              <a:t>JEP 443</a:t>
+            </a:r>
+            <a:r>
+              <a:rPr lang="en-GB" dirty="0">
+                <a:solidFill>
+                  <a:srgbClr val="080808"/>
+                </a:solidFill>
+              </a:rPr>
+              <a:t>. </a:t>
+            </a:r>
+            <a:r>
               <a:rPr lang="en-US" b="1" dirty="0"/>
               <a:t>Unnamed Pattern &amp; Unnamed Variables </a:t>
             </a:r>
@@ -6045,6 +6822,23 @@
                 <a:spcPts val="0"/>
               </a:spcBef>
             </a:pPr>
+            <a:r>
+              <a:rPr lang="en-GB" dirty="0">
+                <a:solidFill>
+                  <a:srgbClr val="0033B3"/>
+                </a:solidFill>
+                <a:effectLst/>
+              </a:rPr>
+              <a:t>JEP 445.</a:t>
+            </a:r>
+            <a:r>
+              <a:rPr lang="en-GB" dirty="0">
+                <a:solidFill>
+                  <a:srgbClr val="080808"/>
+                </a:solidFill>
+              </a:rPr>
+              <a:t> </a:t>
+            </a:r>
             <a:r>
               <a:rPr lang="en-US" b="1" dirty="0"/>
               <a:t>Unnamed Classes &amp; Instance main Methods </a:t>
@@ -6085,7 +6879,7 @@
 </p:sld>
 </file>
 
-<file path=ppt/slides/slide11.xml><?xml version="1.0" encoding="utf-8"?>
+<file path=ppt/slides/slide12.xml><?xml version="1.0" encoding="utf-8"?>
 <p:sld xmlns:a="http://schemas.openxmlformats.org/drawingml/2006/main" xmlns:r="http://schemas.openxmlformats.org/officeDocument/2006/relationships" xmlns:p="http://schemas.openxmlformats.org/presentationml/2006/main">
   <p:cSld>
     <p:bg>
@@ -6943,6 +7737,23 @@
           <a:lstStyle/>
           <a:p>
             <a:r>
+              <a:rPr lang="en-GB" dirty="0">
+                <a:solidFill>
+                  <a:srgbClr val="0033B3"/>
+                </a:solidFill>
+                <a:effectLst/>
+              </a:rPr>
+              <a:t>JEP 431.</a:t>
+            </a:r>
+            <a:r>
+              <a:rPr lang="en-GB" dirty="0">
+                <a:solidFill>
+                  <a:srgbClr val="080808"/>
+                </a:solidFill>
+              </a:rPr>
+              <a:t> </a:t>
+            </a:r>
+            <a:r>
               <a:rPr lang="en-US" sz="5400" b="1" dirty="0">
                 <a:latin typeface="Calibri" panose="020F0502020204030204" pitchFamily="34" charset="0"/>
                 <a:cs typeface="Calibri" panose="020F0502020204030204" pitchFamily="34" charset="0"/>
@@ -7033,7 +7844,7 @@
 </p:sld>
 </file>
 
-<file path=ppt/slides/slide12.xml><?xml version="1.0" encoding="utf-8"?>
+<file path=ppt/slides/slide13.xml><?xml version="1.0" encoding="utf-8"?>
 <p:sld xmlns:a="http://schemas.openxmlformats.org/drawingml/2006/main" xmlns:r="http://schemas.openxmlformats.org/officeDocument/2006/relationships" xmlns:p="http://schemas.openxmlformats.org/presentationml/2006/main">
   <p:cSld>
     <p:spTree>
@@ -7066,11 +7877,33 @@
             <p:ph type="title"/>
           </p:nvPr>
         </p:nvSpPr>
-        <p:spPr/>
+        <p:spPr>
+          <a:xfrm>
+            <a:off x="838200" y="230654"/>
+            <a:ext cx="10515600" cy="1325563"/>
+          </a:xfrm>
+        </p:spPr>
         <p:txBody>
           <a:bodyPr/>
           <a:lstStyle/>
           <a:p>
+            <a:r>
+              <a:rPr lang="en-GB" dirty="0">
+                <a:solidFill>
+                  <a:srgbClr val="0033B3"/>
+                </a:solidFill>
+                <a:effectLst/>
+              </a:rPr>
+              <a:t>JEP 439.</a:t>
+            </a:r>
+            <a:r>
+              <a:rPr lang="en-GB" dirty="0">
+                <a:solidFill>
+                  <a:srgbClr val="080808"/>
+                </a:solidFill>
+              </a:rPr>
+              <a:t> </a:t>
+            </a:r>
             <a:r>
               <a:rPr lang="en-US" b="1" dirty="0">
                 <a:latin typeface="Calibri" panose="020F0502020204030204" pitchFamily="34" charset="0"/>
@@ -7097,7 +7930,12 @@
             <p:ph idx="1"/>
           </p:nvPr>
         </p:nvSpPr>
-        <p:spPr/>
+        <p:spPr>
+          <a:xfrm>
+            <a:off x="838200" y="1358900"/>
+            <a:ext cx="10515600" cy="4818063"/>
+          </a:xfrm>
+        </p:spPr>
         <p:txBody>
           <a:bodyPr>
             <a:normAutofit fontScale="77500" lnSpcReduction="20000"/>
@@ -7378,38 +8216,6 @@
                 <a:latin typeface="Calibri" panose="020F0502020204030204" pitchFamily="34" charset="0"/>
                 <a:cs typeface="Calibri" panose="020F0502020204030204" pitchFamily="34" charset="0"/>
               </a:rPr>
-              <a:t>Uses a dynamic number of </a:t>
-            </a:r>
-            <a:r>
-              <a:rPr lang="en-GB" dirty="0" err="1">
-                <a:solidFill>
-                  <a:srgbClr val="000000"/>
-                </a:solidFill>
-                <a:latin typeface="Calibri" panose="020F0502020204030204" pitchFamily="34" charset="0"/>
-                <a:cs typeface="Calibri" panose="020F0502020204030204" pitchFamily="34" charset="0"/>
-              </a:rPr>
-              <a:t>ZPages</a:t>
-            </a:r>
-            <a:r>
-              <a:rPr lang="en-GB" dirty="0">
-                <a:solidFill>
-                  <a:srgbClr val="000000"/>
-                </a:solidFill>
-                <a:latin typeface="Calibri" panose="020F0502020204030204" pitchFamily="34" charset="0"/>
-                <a:cs typeface="Calibri" panose="020F0502020204030204" pitchFamily="34" charset="0"/>
-              </a:rPr>
-              <a:t> (memory regions of various size)</a:t>
-            </a:r>
-          </a:p>
-          <a:p>
-            <a:r>
-              <a:rPr lang="en-GB" dirty="0">
-                <a:solidFill>
-                  <a:srgbClr val="000000"/>
-                </a:solidFill>
-                <a:latin typeface="Calibri" panose="020F0502020204030204" pitchFamily="34" charset="0"/>
-                <a:cs typeface="Calibri" panose="020F0502020204030204" pitchFamily="34" charset="0"/>
-              </a:rPr>
               <a:t>To enable it: </a:t>
             </a:r>
             <a:r>
@@ -7462,7 +8268,30 @@
               </a:rPr>
               <a:t>&gt;</a:t>
             </a:r>
-            <a:endParaRPr lang="en-US" i="1" dirty="0">
+          </a:p>
+          <a:p>
+            <a:r>
+              <a:rPr lang="en-GB" sz="3100" b="1" i="0" dirty="0">
+                <a:effectLst/>
+              </a:rPr>
+              <a:t>Generational ZGC </a:t>
+            </a:r>
+            <a:r>
+              <a:rPr lang="en-GB" sz="3100" b="0" i="0" dirty="0">
+                <a:effectLst/>
+              </a:rPr>
+              <a:t>will become the default in future releases, with non-generational ZGC eventually being removed</a:t>
+            </a:r>
+            <a:r>
+              <a:rPr lang="en-GB" sz="3100" b="0" i="0" dirty="0">
+                <a:solidFill>
+                  <a:srgbClr val="EDF2F7"/>
+                </a:solidFill>
+                <a:effectLst/>
+              </a:rPr>
+              <a:t>.</a:t>
+            </a:r>
+            <a:endParaRPr lang="en-US" sz="3100" i="1" dirty="0">
               <a:solidFill>
                 <a:srgbClr val="002060"/>
               </a:solidFill>
@@ -7487,7 +8316,7 @@
 </p:sld>
 </file>
 
-<file path=ppt/slides/slide13.xml><?xml version="1.0" encoding="utf-8"?>
+<file path=ppt/slides/slide14.xml><?xml version="1.0" encoding="utf-8"?>
 <p:sld xmlns:a="http://schemas.openxmlformats.org/drawingml/2006/main" xmlns:r="http://schemas.openxmlformats.org/officeDocument/2006/relationships" xmlns:p="http://schemas.openxmlformats.org/presentationml/2006/main">
   <p:cSld>
     <p:spTree>
@@ -7754,7 +8583,7 @@
                 </a:solidFill>
                 <a:effectLst/>
               </a:rPr>
-              <a:t>ZGC heap allocation (starting with Java 11)</a:t>
+              <a:t>ZGC heap allocation (in Java 11)</a:t>
             </a:r>
             <a:endParaRPr lang="en-GB" dirty="0">
               <a:solidFill>
@@ -7778,7 +8607,7 @@
 </p:sld>
 </file>
 
-<file path=ppt/slides/slide14.xml><?xml version="1.0" encoding="utf-8"?>
+<file path=ppt/slides/slide15.xml><?xml version="1.0" encoding="utf-8"?>
 <p:sld xmlns:a="http://schemas.openxmlformats.org/drawingml/2006/main" xmlns:r="http://schemas.openxmlformats.org/officeDocument/2006/relationships" xmlns:p="http://schemas.openxmlformats.org/presentationml/2006/main">
   <p:cSld>
     <p:bg>
@@ -8425,6 +9254,23 @@
           <a:lstStyle/>
           <a:p>
             <a:r>
+              <a:rPr lang="en-GB" dirty="0">
+                <a:solidFill>
+                  <a:srgbClr val="0033B3"/>
+                </a:solidFill>
+                <a:effectLst/>
+              </a:rPr>
+              <a:t>JEP 452.</a:t>
+            </a:r>
+            <a:r>
+              <a:rPr lang="en-GB" dirty="0">
+                <a:solidFill>
+                  <a:srgbClr val="080808"/>
+                </a:solidFill>
+              </a:rPr>
+              <a:t> </a:t>
+            </a:r>
+            <a:r>
               <a:rPr lang="en-US" b="1" dirty="0">
                 <a:latin typeface="Calibri" panose="020F0502020204030204" pitchFamily="34" charset="0"/>
                 <a:cs typeface="Calibri" panose="020F0502020204030204" pitchFamily="34" charset="0"/>
@@ -8523,7 +9369,103 @@
 </p:sld>
 </file>
 
-<file path=ppt/slides/slide15.xml><?xml version="1.0" encoding="utf-8"?>
+<file path=ppt/slides/slide16.xml><?xml version="1.0" encoding="utf-8"?>
+<p:sld xmlns:a="http://schemas.openxmlformats.org/drawingml/2006/main" xmlns:r="http://schemas.openxmlformats.org/officeDocument/2006/relationships" xmlns:p="http://schemas.openxmlformats.org/presentationml/2006/main">
+  <p:cSld>
+    <p:spTree>
+      <p:nvGrpSpPr>
+        <p:cNvPr id="1" name=""/>
+        <p:cNvGrpSpPr/>
+        <p:nvPr/>
+      </p:nvGrpSpPr>
+      <p:grpSpPr>
+        <a:xfrm>
+          <a:off x="0" y="0"/>
+          <a:ext cx="0" cy="0"/>
+          <a:chOff x="0" y="0"/>
+          <a:chExt cx="0" cy="0"/>
+        </a:xfrm>
+      </p:grpSpPr>
+      <p:sp>
+        <p:nvSpPr>
+          <p:cNvPr id="4" name="Title 1">
+            <a:extLst>
+              <a:ext uri="{FF2B5EF4-FFF2-40B4-BE49-F238E27FC236}">
+                <a16:creationId xmlns:a16="http://schemas.microsoft.com/office/drawing/2014/main" id="{602FEC67-6606-E224-A468-8462B4A94F96}"/>
+              </a:ext>
+            </a:extLst>
+          </p:cNvPr>
+          <p:cNvSpPr>
+            <a:spLocks noGrp="1"/>
+          </p:cNvSpPr>
+          <p:nvPr>
+            <p:ph type="title"/>
+          </p:nvPr>
+        </p:nvSpPr>
+        <p:spPr>
+          <a:xfrm>
+            <a:off x="838200" y="365125"/>
+            <a:ext cx="10515600" cy="1325563"/>
+          </a:xfrm>
+        </p:spPr>
+        <p:txBody>
+          <a:bodyPr/>
+          <a:lstStyle/>
+          <a:p>
+            <a:r>
+              <a:rPr lang="en-US" b="1" dirty="0">
+                <a:latin typeface="Calibri" panose="020F0502020204030204" pitchFamily="34" charset="0"/>
+                <a:cs typeface="Calibri" panose="020F0502020204030204" pitchFamily="34" charset="0"/>
+              </a:rPr>
+              <a:t>Key Encapsulation Mechanism API </a:t>
+            </a:r>
+          </a:p>
+        </p:txBody>
+      </p:sp>
+      <p:pic>
+        <p:nvPicPr>
+          <p:cNvPr id="3" name="Picture 2" descr="A computer screen shot of a black screen&#10;&#10;Description automatically generated">
+            <a:extLst>
+              <a:ext uri="{FF2B5EF4-FFF2-40B4-BE49-F238E27FC236}">
+                <a16:creationId xmlns:a16="http://schemas.microsoft.com/office/drawing/2014/main" id="{7BCF8C3C-88BE-B11A-875D-F5EB0A760A24}"/>
+              </a:ext>
+            </a:extLst>
+          </p:cNvPr>
+          <p:cNvPicPr>
+            <a:picLocks noChangeAspect="1"/>
+          </p:cNvPicPr>
+          <p:nvPr/>
+        </p:nvPicPr>
+        <p:blipFill>
+          <a:blip r:embed="rId2"/>
+          <a:stretch>
+            <a:fillRect/>
+          </a:stretch>
+        </p:blipFill>
+        <p:spPr>
+          <a:xfrm>
+            <a:off x="838199" y="1431235"/>
+            <a:ext cx="8557591" cy="5262168"/>
+          </a:xfrm>
+          <a:prstGeom prst="rect">
+            <a:avLst/>
+          </a:prstGeom>
+        </p:spPr>
+      </p:pic>
+    </p:spTree>
+    <p:extLst>
+      <p:ext uri="{BB962C8B-B14F-4D97-AF65-F5344CB8AC3E}">
+        <p14:creationId xmlns:p14="http://schemas.microsoft.com/office/powerpoint/2010/main" val="909218919"/>
+      </p:ext>
+    </p:extLst>
+  </p:cSld>
+  <p:clrMapOvr>
+    <a:masterClrMapping/>
+  </p:clrMapOvr>
+</p:sld>
+</file>
+
+<file path=ppt/slides/slide17.xml><?xml version="1.0" encoding="utf-8"?>
 <p:sld xmlns:a="http://schemas.openxmlformats.org/drawingml/2006/main" xmlns:r="http://schemas.openxmlformats.org/officeDocument/2006/relationships" xmlns:p="http://schemas.openxmlformats.org/presentationml/2006/main">
   <p:cSld>
     <p:spTree>
@@ -8561,6 +9503,23 @@
           <a:bodyPr/>
           <a:lstStyle/>
           <a:p>
+            <a:r>
+              <a:rPr lang="en-GB" dirty="0">
+                <a:solidFill>
+                  <a:srgbClr val="0033B3"/>
+                </a:solidFill>
+                <a:effectLst/>
+              </a:rPr>
+              <a:t>JEP 444.</a:t>
+            </a:r>
+            <a:r>
+              <a:rPr lang="en-GB" dirty="0">
+                <a:solidFill>
+                  <a:srgbClr val="080808"/>
+                </a:solidFill>
+              </a:rPr>
+              <a:t> </a:t>
+            </a:r>
             <a:r>
               <a:rPr lang="en-US" b="1" dirty="0">
                 <a:latin typeface="Calibri" panose="020F0502020204030204" pitchFamily="34" charset="0"/>
@@ -8613,7 +9572,7 @@
 </p:sld>
 </file>
 
-<file path=ppt/slides/slide16.xml><?xml version="1.0" encoding="utf-8"?>
+<file path=ppt/slides/slide18.xml><?xml version="1.0" encoding="utf-8"?>
 <p:sld xmlns:a="http://schemas.openxmlformats.org/drawingml/2006/main" xmlns:r="http://schemas.openxmlformats.org/officeDocument/2006/relationships" xmlns:p="http://schemas.openxmlformats.org/presentationml/2006/main">
   <p:cSld>
     <p:bg>
@@ -11094,6 +12053,15 @@
           <a:lstStyle/>
           <a:p>
             <a:r>
+              <a:rPr lang="en-GB" dirty="0">
+                <a:solidFill>
+                  <a:srgbClr val="0033B3"/>
+                </a:solidFill>
+                <a:effectLst/>
+              </a:rPr>
+              <a:t>JEP 446. </a:t>
+            </a:r>
+            <a:r>
               <a:rPr lang="en-US" dirty="0">
                 <a:solidFill>
                   <a:schemeClr val="tx1">
@@ -11106,6 +12074,24 @@
               </a:rPr>
               <a:t>Scoped Values</a:t>
             </a:r>
+            <a:r>
+              <a:rPr lang="en-GB" b="1" i="0" dirty="0">
+                <a:effectLst/>
+                <a:latin typeface="Calibri" panose="020F0502020204030204" pitchFamily="34" charset="0"/>
+                <a:cs typeface="Calibri" panose="020F0502020204030204" pitchFamily="34" charset="0"/>
+              </a:rPr>
+              <a:t> (preview)</a:t>
+            </a:r>
+            <a:endParaRPr lang="en-US" dirty="0">
+              <a:solidFill>
+                <a:schemeClr val="tx1">
+                  <a:lumMod val="85000"/>
+                  <a:lumOff val="15000"/>
+                </a:schemeClr>
+              </a:solidFill>
+              <a:latin typeface="Calibri" panose="020F0502020204030204" pitchFamily="34" charset="0"/>
+              <a:cs typeface="Calibri" panose="020F0502020204030204" pitchFamily="34" charset="0"/>
+            </a:endParaRPr>
           </a:p>
         </p:txBody>
       </p:sp>
@@ -11127,26 +12113,17 @@
         </p:nvSpPr>
         <p:spPr>
           <a:xfrm>
-            <a:off x="890016" y="2023873"/>
+            <a:off x="1029716" y="1565038"/>
             <a:ext cx="9343997" cy="3727924"/>
           </a:xfrm>
         </p:spPr>
         <p:txBody>
           <a:bodyPr anchor="ctr">
-            <a:normAutofit/>
+            <a:normAutofit lnSpcReduction="10000"/>
           </a:bodyPr>
           <a:lstStyle/>
           <a:p>
             <a:pPr algn="l"/>
-            <a:r>
-              <a:rPr lang="en-GB" b="0" i="0" dirty="0">
-                <a:solidFill>
-                  <a:srgbClr val="222222"/>
-                </a:solidFill>
-                <a:effectLst/>
-              </a:rPr>
-              <a:t>Scoped Values are a modern alternative to </a:t>
-            </a:r>
             <a:r>
               <a:rPr lang="en-GB" b="1" i="0" dirty="0" err="1">
                 <a:solidFill>
@@ -11159,22 +12136,33 @@
               <a:t>ThreadLocal</a:t>
             </a:r>
             <a:r>
+              <a:rPr lang="en-GB" b="1" i="0" dirty="0">
+                <a:solidFill>
+                  <a:srgbClr val="002060"/>
+                </a:solidFill>
+                <a:effectLst/>
+                <a:latin typeface="Courier New" panose="02070309020205020404" pitchFamily="49" charset="0"/>
+                <a:cs typeface="Courier New" panose="02070309020205020404" pitchFamily="49" charset="0"/>
+              </a:rPr>
+              <a:t>&lt;T&gt; </a:t>
+            </a:r>
+            <a:r>
               <a:rPr lang="en-GB" b="0" i="0" dirty="0">
                 <a:solidFill>
                   <a:srgbClr val="222222"/>
                 </a:solidFill>
                 <a:effectLst/>
               </a:rPr>
-              <a:t> variables that can be used well in the context of </a:t>
-            </a:r>
-            <a:r>
-              <a:rPr lang="en-GB" b="1" i="0" dirty="0">
+              <a:t> variables are connected to a specific thread and remove the need for </a:t>
+            </a:r>
+            <a:r>
+              <a:rPr lang="en-GB" b="0" i="0" dirty="0" err="1">
                 <a:solidFill>
                   <a:srgbClr val="222222"/>
                 </a:solidFill>
                 <a:effectLst/>
               </a:rPr>
-              <a:t>Virtual Threads</a:t>
+              <a:t>sincronization</a:t>
             </a:r>
             <a:r>
               <a:rPr lang="en-GB" b="0" i="0" dirty="0">
@@ -11195,7 +12183,7 @@
                 </a:solidFill>
                 <a:effectLst/>
               </a:rPr>
-              <a:t>Scoped values have the following advantage over </a:t>
+              <a:t> </a:t>
             </a:r>
             <a:r>
               <a:rPr lang="en-GB" b="1" i="0" dirty="0" err="1">
@@ -11206,55 +12194,10 @@
                 <a:latin typeface="Courier New" panose="02070309020205020404" pitchFamily="49" charset="0"/>
                 <a:cs typeface="Courier New" panose="02070309020205020404" pitchFamily="49" charset="0"/>
               </a:rPr>
-              <a:t>ThreadLocal</a:t>
-            </a:r>
-            <a:r>
-              <a:rPr lang="en-GB" b="0" i="0" dirty="0">
-                <a:solidFill>
-                  <a:srgbClr val="222222"/>
-                </a:solidFill>
-                <a:effectLst/>
-              </a:rPr>
-              <a:t> variables:</a:t>
-            </a:r>
-          </a:p>
-          <a:p>
-            <a:pPr lvl="1"/>
-            <a:r>
-              <a:rPr lang="en-GB" sz="2000" b="0" i="0" dirty="0">
-                <a:solidFill>
-                  <a:srgbClr val="222222"/>
-                </a:solidFill>
-                <a:effectLst/>
-              </a:rPr>
-              <a:t>They are only valid for a defined period (“scope”).</a:t>
-            </a:r>
-          </a:p>
-          <a:p>
-            <a:pPr lvl="1"/>
-            <a:r>
-              <a:rPr lang="en-GB" sz="2000" b="0" i="0" dirty="0">
-                <a:solidFill>
-                  <a:srgbClr val="222222"/>
-                </a:solidFill>
-                <a:effectLst/>
-              </a:rPr>
-              <a:t>They are immutable.</a:t>
-            </a:r>
-          </a:p>
-          <a:p>
-            <a:pPr lvl="1"/>
-            <a:r>
-              <a:rPr lang="en-GB" sz="2000" b="0" i="0" dirty="0">
-                <a:solidFill>
-                  <a:srgbClr val="222222"/>
-                </a:solidFill>
-                <a:effectLst/>
-              </a:rPr>
-              <a:t>And therefore, they can be inherited without having to be copied (as is the case with </a:t>
-            </a:r>
-            <a:r>
-              <a:rPr lang="en-GB" sz="2000" b="1" i="0" dirty="0" err="1">
+              <a:t>InheritableThreadLocal</a:t>
+            </a:r>
+            <a:r>
+              <a:rPr lang="en-GB" b="1" i="0" dirty="0">
                 <a:solidFill>
                   <a:srgbClr val="002060"/>
                 </a:solidFill>
@@ -11262,20 +12205,121 @@
                 <a:latin typeface="Courier New" panose="02070309020205020404" pitchFamily="49" charset="0"/>
                 <a:cs typeface="Courier New" panose="02070309020205020404" pitchFamily="49" charset="0"/>
               </a:rPr>
-              <a:t>InheritableThreadLocal</a:t>
-            </a:r>
-            <a:r>
-              <a:rPr lang="en-GB" sz="2000" b="0" i="0" dirty="0">
+              <a:t>&lt;T&gt; </a:t>
+            </a:r>
+            <a:r>
+              <a:rPr lang="en-GB" b="0" i="0" dirty="0">
                 <a:solidFill>
                   <a:srgbClr val="222222"/>
                 </a:solidFill>
                 <a:effectLst/>
               </a:rPr>
-              <a:t>).</a:t>
-            </a:r>
-          </a:p>
-          <a:p>
-            <a:endParaRPr lang="en-US" sz="3200" dirty="0">
+              <a:t>variables that are </a:t>
+            </a:r>
+            <a:r>
+              <a:rPr lang="en-GB" dirty="0">
+                <a:solidFill>
+                  <a:srgbClr val="222222"/>
+                </a:solidFill>
+              </a:rPr>
+              <a:t>shared between a thread and its child threads.</a:t>
+            </a:r>
+          </a:p>
+          <a:p>
+            <a:pPr algn="l"/>
+            <a:r>
+              <a:rPr lang="en-GB" b="0" i="0" dirty="0">
+                <a:solidFill>
+                  <a:srgbClr val="222222"/>
+                </a:solidFill>
+                <a:effectLst/>
+              </a:rPr>
+              <a:t>These work with </a:t>
+            </a:r>
+            <a:r>
+              <a:rPr lang="en-GB" b="1" i="0" dirty="0">
+                <a:solidFill>
+                  <a:srgbClr val="222222"/>
+                </a:solidFill>
+                <a:effectLst/>
+              </a:rPr>
+              <a:t>Virtual Threads </a:t>
+            </a:r>
+            <a:r>
+              <a:rPr lang="en-GB" i="0" dirty="0">
+                <a:solidFill>
+                  <a:srgbClr val="222222"/>
+                </a:solidFill>
+                <a:effectLst/>
+              </a:rPr>
+              <a:t>as well, but the downsides multiply proportionally with the number of threads</a:t>
+            </a:r>
+            <a:r>
+              <a:rPr lang="en-GB" b="0" i="0" dirty="0">
+                <a:solidFill>
+                  <a:srgbClr val="222222"/>
+                </a:solidFill>
+                <a:effectLst/>
+              </a:rPr>
+              <a:t>.</a:t>
+            </a:r>
+          </a:p>
+          <a:p>
+            <a:r>
+              <a:rPr lang="en-GB" b="1" i="0" dirty="0" err="1">
+                <a:solidFill>
+                  <a:srgbClr val="002060"/>
+                </a:solidFill>
+                <a:effectLst/>
+                <a:latin typeface="Courier New" panose="02070309020205020404" pitchFamily="49" charset="0"/>
+                <a:cs typeface="Courier New" panose="02070309020205020404" pitchFamily="49" charset="0"/>
+              </a:rPr>
+              <a:t>ScopedValue</a:t>
+            </a:r>
+            <a:r>
+              <a:rPr lang="en-GB" b="1" i="0" dirty="0">
+                <a:solidFill>
+                  <a:srgbClr val="002060"/>
+                </a:solidFill>
+                <a:effectLst/>
+                <a:latin typeface="Courier New" panose="02070309020205020404" pitchFamily="49" charset="0"/>
+                <a:cs typeface="Courier New" panose="02070309020205020404" pitchFamily="49" charset="0"/>
+              </a:rPr>
+              <a:t>&lt;T&gt;</a:t>
+            </a:r>
+            <a:r>
+              <a:rPr lang="en-GB" sz="2000" b="1" i="0" dirty="0">
+                <a:solidFill>
+                  <a:srgbClr val="002060"/>
+                </a:solidFill>
+                <a:effectLst/>
+                <a:latin typeface="Courier New" panose="02070309020205020404" pitchFamily="49" charset="0"/>
+                <a:cs typeface="Courier New" panose="02070309020205020404" pitchFamily="49" charset="0"/>
+              </a:rPr>
+              <a:t> </a:t>
+            </a:r>
+            <a:r>
+              <a:rPr lang="en-GB" b="0" i="0" dirty="0">
+                <a:effectLst/>
+                <a:latin typeface="-apple-system"/>
+              </a:rPr>
+              <a:t>represents a new way to store and share </a:t>
+            </a:r>
+            <a:r>
+              <a:rPr lang="en-GB" b="1" i="0" u="sng" dirty="0">
+                <a:effectLst/>
+                <a:latin typeface="-apple-system"/>
+              </a:rPr>
+              <a:t>immutable data </a:t>
+            </a:r>
+            <a:r>
+              <a:rPr lang="en-GB" b="0" i="0" dirty="0">
+                <a:effectLst/>
+                <a:latin typeface="-apple-system"/>
+              </a:rPr>
+              <a:t>with a bounded lifetime within a thread and its child threads.</a:t>
+            </a:r>
+            <a:endParaRPr lang="en-US" dirty="0">
               <a:solidFill>
                 <a:schemeClr val="tx1">
                   <a:lumMod val="85000"/>
@@ -12344,7 +13388,1938 @@
 </p:sld>
 </file>
 
-<file path=ppt/slides/slide17.xml><?xml version="1.0" encoding="utf-8"?>
+<file path=ppt/slides/slide19.xml><?xml version="1.0" encoding="utf-8"?>
+<p:sld xmlns:a="http://schemas.openxmlformats.org/drawingml/2006/main" xmlns:r="http://schemas.openxmlformats.org/officeDocument/2006/relationships" xmlns:p="http://schemas.openxmlformats.org/presentationml/2006/main">
+  <p:cSld>
+    <p:spTree>
+      <p:nvGrpSpPr>
+        <p:cNvPr id="1" name=""/>
+        <p:cNvGrpSpPr/>
+        <p:nvPr/>
+      </p:nvGrpSpPr>
+      <p:grpSpPr>
+        <a:xfrm>
+          <a:off x="0" y="0"/>
+          <a:ext cx="0" cy="0"/>
+          <a:chOff x="0" y="0"/>
+          <a:chExt cx="0" cy="0"/>
+        </a:xfrm>
+      </p:grpSpPr>
+      <p:sp>
+        <p:nvSpPr>
+          <p:cNvPr id="2" name="Title 1">
+            <a:extLst>
+              <a:ext uri="{FF2B5EF4-FFF2-40B4-BE49-F238E27FC236}">
+                <a16:creationId xmlns:a16="http://schemas.microsoft.com/office/drawing/2014/main" id="{4DD49FB6-E396-BF1E-CDEC-E7CE86712312}"/>
+              </a:ext>
+            </a:extLst>
+          </p:cNvPr>
+          <p:cNvSpPr>
+            <a:spLocks noGrp="1"/>
+          </p:cNvSpPr>
+          <p:nvPr>
+            <p:ph type="title"/>
+          </p:nvPr>
+        </p:nvSpPr>
+        <p:spPr>
+          <a:xfrm>
+            <a:off x="1137036" y="548640"/>
+            <a:ext cx="9543405" cy="1188720"/>
+          </a:xfrm>
+        </p:spPr>
+        <p:txBody>
+          <a:bodyPr>
+            <a:normAutofit/>
+          </a:bodyPr>
+          <a:lstStyle/>
+          <a:p>
+            <a:r>
+              <a:rPr lang="en-US" dirty="0">
+                <a:solidFill>
+                  <a:schemeClr val="tx1">
+                    <a:lumMod val="85000"/>
+                    <a:lumOff val="15000"/>
+                  </a:schemeClr>
+                </a:solidFill>
+                <a:latin typeface="Calibri" panose="020F0502020204030204" pitchFamily="34" charset="0"/>
+                <a:cs typeface="Calibri" panose="020F0502020204030204" pitchFamily="34" charset="0"/>
+              </a:rPr>
+              <a:t>Scoped Values</a:t>
+            </a:r>
+            <a:r>
+              <a:rPr lang="en-GB" b="1" i="0" dirty="0">
+                <a:effectLst/>
+                <a:latin typeface="Calibri" panose="020F0502020204030204" pitchFamily="34" charset="0"/>
+                <a:cs typeface="Calibri" panose="020F0502020204030204" pitchFamily="34" charset="0"/>
+              </a:rPr>
+              <a:t> </a:t>
+            </a:r>
+            <a:r>
+              <a:rPr lang="en-GB" b="1" i="1" dirty="0">
+                <a:effectLst/>
+                <a:latin typeface="Calibri" panose="020F0502020204030204" pitchFamily="34" charset="0"/>
+                <a:cs typeface="Calibri" panose="020F0502020204030204" pitchFamily="34" charset="0"/>
+              </a:rPr>
+              <a:t>(preview)</a:t>
+            </a:r>
+            <a:endParaRPr lang="en-US" i="1" dirty="0">
+              <a:solidFill>
+                <a:schemeClr val="tx1">
+                  <a:lumMod val="85000"/>
+                  <a:lumOff val="15000"/>
+                </a:schemeClr>
+              </a:solidFill>
+              <a:latin typeface="Calibri" panose="020F0502020204030204" pitchFamily="34" charset="0"/>
+              <a:cs typeface="Calibri" panose="020F0502020204030204" pitchFamily="34" charset="0"/>
+            </a:endParaRPr>
+          </a:p>
+        </p:txBody>
+      </p:sp>
+      <p:sp>
+        <p:nvSpPr>
+          <p:cNvPr id="3" name="Content Placeholder 2">
+            <a:extLst>
+              <a:ext uri="{FF2B5EF4-FFF2-40B4-BE49-F238E27FC236}">
+                <a16:creationId xmlns:a16="http://schemas.microsoft.com/office/drawing/2014/main" id="{8FE0F926-18E0-9B76-EB71-CD051E5B661D}"/>
+              </a:ext>
+            </a:extLst>
+          </p:cNvPr>
+          <p:cNvSpPr>
+            <a:spLocks noGrp="1"/>
+          </p:cNvSpPr>
+          <p:nvPr>
+            <p:ph idx="1"/>
+          </p:nvPr>
+        </p:nvSpPr>
+        <p:spPr>
+          <a:xfrm>
+            <a:off x="705846" y="1987127"/>
+            <a:ext cx="11239500" cy="3727924"/>
+          </a:xfrm>
+        </p:spPr>
+        <p:txBody>
+          <a:bodyPr anchor="ctr">
+            <a:normAutofit/>
+          </a:bodyPr>
+          <a:lstStyle/>
+          <a:p>
+            <a:r>
+              <a:rPr lang="en-GB" sz="3000" dirty="0">
+                <a:solidFill>
+                  <a:srgbClr val="0033B3"/>
+                </a:solidFill>
+                <a:effectLst/>
+              </a:rPr>
+              <a:t>private static final </a:t>
+            </a:r>
+            <a:r>
+              <a:rPr lang="en-GB" sz="3000" dirty="0" err="1">
+                <a:solidFill>
+                  <a:srgbClr val="000000"/>
+                </a:solidFill>
+                <a:effectLst/>
+              </a:rPr>
+              <a:t>ThreadLocal</a:t>
+            </a:r>
+            <a:r>
+              <a:rPr lang="en-GB" sz="3000" dirty="0">
+                <a:solidFill>
+                  <a:srgbClr val="080808"/>
+                </a:solidFill>
+                <a:effectLst/>
+              </a:rPr>
+              <a:t>&lt;</a:t>
+            </a:r>
+            <a:r>
+              <a:rPr lang="en-GB" sz="3000" dirty="0">
+                <a:solidFill>
+                  <a:srgbClr val="000000"/>
+                </a:solidFill>
+                <a:effectLst/>
+              </a:rPr>
+              <a:t>String</a:t>
+            </a:r>
+            <a:r>
+              <a:rPr lang="en-GB" sz="3000" dirty="0">
+                <a:solidFill>
+                  <a:srgbClr val="080808"/>
+                </a:solidFill>
+                <a:effectLst/>
+              </a:rPr>
+              <a:t>&gt; </a:t>
+            </a:r>
+            <a:r>
+              <a:rPr lang="en-GB" sz="3000" i="1" dirty="0">
+                <a:solidFill>
+                  <a:srgbClr val="871094"/>
+                </a:solidFill>
+                <a:effectLst/>
+              </a:rPr>
+              <a:t>USER </a:t>
+            </a:r>
+            <a:r>
+              <a:rPr lang="en-GB" sz="3000" dirty="0">
+                <a:solidFill>
+                  <a:srgbClr val="080808"/>
+                </a:solidFill>
+                <a:effectLst/>
+              </a:rPr>
+              <a:t>= 								                       </a:t>
+            </a:r>
+            <a:r>
+              <a:rPr lang="en-GB" sz="3000" dirty="0" err="1">
+                <a:solidFill>
+                  <a:srgbClr val="000000"/>
+                </a:solidFill>
+                <a:effectLst/>
+              </a:rPr>
+              <a:t>ThreadLocal</a:t>
+            </a:r>
+            <a:r>
+              <a:rPr lang="en-GB" sz="3000" dirty="0" err="1">
+                <a:solidFill>
+                  <a:srgbClr val="080808"/>
+                </a:solidFill>
+                <a:effectLst/>
+              </a:rPr>
+              <a:t>.</a:t>
+            </a:r>
+            <a:r>
+              <a:rPr lang="en-GB" sz="3000" i="1" dirty="0" err="1">
+                <a:solidFill>
+                  <a:srgbClr val="080808"/>
+                </a:solidFill>
+                <a:effectLst/>
+              </a:rPr>
+              <a:t>withInitial</a:t>
+            </a:r>
+            <a:r>
+              <a:rPr lang="en-GB" sz="3000" dirty="0">
+                <a:solidFill>
+                  <a:srgbClr val="080808"/>
+                </a:solidFill>
+                <a:effectLst/>
+              </a:rPr>
+              <a:t>(“Jimmy);</a:t>
+            </a:r>
+          </a:p>
+          <a:p>
+            <a:endParaRPr lang="en-GB" sz="3000" dirty="0">
+              <a:solidFill>
+                <a:srgbClr val="0033B3"/>
+              </a:solidFill>
+              <a:effectLst/>
+            </a:endParaRPr>
+          </a:p>
+          <a:p>
+            <a:r>
+              <a:rPr lang="en-GB" sz="3000" dirty="0">
+                <a:solidFill>
+                  <a:srgbClr val="0033B3"/>
+                </a:solidFill>
+                <a:effectLst/>
+              </a:rPr>
+              <a:t>private static final </a:t>
+            </a:r>
+            <a:r>
+              <a:rPr lang="en-GB" sz="3000" dirty="0" err="1">
+                <a:solidFill>
+                  <a:srgbClr val="000000"/>
+                </a:solidFill>
+                <a:effectLst/>
+              </a:rPr>
+              <a:t>ScopedValue</a:t>
+            </a:r>
+            <a:r>
+              <a:rPr lang="en-GB" sz="3000" dirty="0">
+                <a:solidFill>
+                  <a:srgbClr val="080808"/>
+                </a:solidFill>
+                <a:effectLst/>
+              </a:rPr>
+              <a:t>&lt;</a:t>
+            </a:r>
+            <a:r>
+              <a:rPr lang="en-GB" sz="3000" dirty="0">
+                <a:solidFill>
+                  <a:srgbClr val="000000"/>
+                </a:solidFill>
+                <a:effectLst/>
+              </a:rPr>
+              <a:t>String</a:t>
+            </a:r>
+            <a:r>
+              <a:rPr lang="en-GB" sz="3000" dirty="0">
+                <a:solidFill>
+                  <a:srgbClr val="080808"/>
+                </a:solidFill>
+                <a:effectLst/>
+              </a:rPr>
+              <a:t>&gt; </a:t>
+            </a:r>
+            <a:r>
+              <a:rPr lang="en-GB" sz="3000" i="1" dirty="0">
+                <a:solidFill>
+                  <a:srgbClr val="871094"/>
+                </a:solidFill>
+                <a:effectLst/>
+              </a:rPr>
+              <a:t>USER </a:t>
+            </a:r>
+            <a:r>
+              <a:rPr lang="en-GB" sz="3000" dirty="0">
+                <a:solidFill>
+                  <a:srgbClr val="080808"/>
+                </a:solidFill>
+                <a:effectLst/>
+              </a:rPr>
+              <a:t>=          </a:t>
+            </a:r>
+          </a:p>
+          <a:p>
+            <a:pPr marL="0" indent="0">
+              <a:buNone/>
+            </a:pPr>
+            <a:r>
+              <a:rPr lang="en-GB" sz="3000" dirty="0">
+                <a:solidFill>
+                  <a:srgbClr val="080808"/>
+                </a:solidFill>
+              </a:rPr>
+              <a:t>                                                           </a:t>
+            </a:r>
+            <a:r>
+              <a:rPr lang="en-GB" sz="3000" dirty="0" err="1">
+                <a:solidFill>
+                  <a:srgbClr val="000000"/>
+                </a:solidFill>
+                <a:effectLst/>
+              </a:rPr>
+              <a:t>ScopedValue</a:t>
+            </a:r>
+            <a:r>
+              <a:rPr lang="en-GB" sz="3000" dirty="0" err="1">
+                <a:solidFill>
+                  <a:srgbClr val="080808"/>
+                </a:solidFill>
+                <a:effectLst/>
+              </a:rPr>
+              <a:t>.</a:t>
+            </a:r>
+            <a:r>
+              <a:rPr lang="en-GB" sz="3000" i="1" dirty="0" err="1">
+                <a:solidFill>
+                  <a:srgbClr val="080808"/>
+                </a:solidFill>
+                <a:effectLst/>
+              </a:rPr>
+              <a:t>newInstance</a:t>
+            </a:r>
+            <a:r>
+              <a:rPr lang="en-GB" sz="3000" dirty="0">
+                <a:solidFill>
+                  <a:srgbClr val="080808"/>
+                </a:solidFill>
+                <a:effectLst/>
+              </a:rPr>
+              <a:t>();</a:t>
+            </a:r>
+          </a:p>
+          <a:p>
+            <a:pPr marL="0" indent="0">
+              <a:buNone/>
+            </a:pPr>
+            <a:r>
+              <a:rPr lang="en-GB" sz="3000" dirty="0" err="1">
+                <a:solidFill>
+                  <a:srgbClr val="000000"/>
+                </a:solidFill>
+                <a:effectLst/>
+              </a:rPr>
+              <a:t>ScopedValue</a:t>
+            </a:r>
+            <a:r>
+              <a:rPr lang="en-GB" sz="3000" dirty="0" err="1">
+                <a:solidFill>
+                  <a:srgbClr val="080808"/>
+                </a:solidFill>
+                <a:effectLst/>
+              </a:rPr>
+              <a:t>.</a:t>
+            </a:r>
+            <a:r>
+              <a:rPr lang="en-GB" sz="3000" i="1" dirty="0" err="1">
+                <a:solidFill>
+                  <a:srgbClr val="080808"/>
+                </a:solidFill>
+                <a:effectLst/>
+              </a:rPr>
+              <a:t>where</a:t>
+            </a:r>
+            <a:r>
+              <a:rPr lang="en-GB" sz="3000" dirty="0">
+                <a:solidFill>
+                  <a:srgbClr val="080808"/>
+                </a:solidFill>
+                <a:effectLst/>
+              </a:rPr>
+              <a:t>(</a:t>
+            </a:r>
+            <a:r>
+              <a:rPr lang="en-GB" sz="3000" dirty="0" err="1">
+                <a:solidFill>
+                  <a:srgbClr val="080808"/>
+                </a:solidFill>
+                <a:effectLst/>
+              </a:rPr>
+              <a:t>USER,</a:t>
+            </a:r>
+            <a:r>
+              <a:rPr lang="en-GB" sz="3000" dirty="0" err="1">
+                <a:solidFill>
+                  <a:srgbClr val="067D17"/>
+                </a:solidFill>
+                <a:effectLst/>
+              </a:rPr>
+              <a:t>"Jimmy</a:t>
+            </a:r>
+            <a:r>
+              <a:rPr lang="en-GB" sz="3000" dirty="0">
+                <a:solidFill>
+                  <a:srgbClr val="067D17"/>
+                </a:solidFill>
+                <a:effectLst/>
+              </a:rPr>
+              <a:t>"</a:t>
+            </a:r>
+            <a:r>
+              <a:rPr lang="en-GB" sz="3000" dirty="0">
+                <a:solidFill>
+                  <a:srgbClr val="080808"/>
+                </a:solidFill>
+                <a:effectLst/>
+              </a:rPr>
+              <a:t>)</a:t>
+            </a:r>
+            <a:br>
+              <a:rPr lang="en-GB" sz="3000" dirty="0">
+                <a:solidFill>
+                  <a:srgbClr val="080808"/>
+                </a:solidFill>
+                <a:effectLst/>
+              </a:rPr>
+            </a:br>
+            <a:r>
+              <a:rPr lang="en-GB" sz="3000" dirty="0">
+                <a:solidFill>
+                  <a:srgbClr val="080808"/>
+                </a:solidFill>
+                <a:effectLst/>
+              </a:rPr>
+              <a:t>   .run(() -&gt; </a:t>
+            </a:r>
+            <a:r>
+              <a:rPr lang="en-GB" sz="3000" dirty="0" err="1">
+                <a:solidFill>
+                  <a:srgbClr val="000000"/>
+                </a:solidFill>
+                <a:effectLst/>
+              </a:rPr>
+              <a:t>System</a:t>
+            </a:r>
+            <a:r>
+              <a:rPr lang="en-GB" sz="3000" dirty="0" err="1">
+                <a:solidFill>
+                  <a:srgbClr val="080808"/>
+                </a:solidFill>
+                <a:effectLst/>
+              </a:rPr>
+              <a:t>.</a:t>
+            </a:r>
+            <a:r>
+              <a:rPr lang="en-GB" sz="3000" i="1" dirty="0" err="1">
+                <a:solidFill>
+                  <a:srgbClr val="871094"/>
+                </a:solidFill>
+                <a:effectLst/>
+              </a:rPr>
+              <a:t>out</a:t>
+            </a:r>
+            <a:r>
+              <a:rPr lang="en-GB" sz="3000" dirty="0" err="1">
+                <a:solidFill>
+                  <a:srgbClr val="080808"/>
+                </a:solidFill>
+                <a:effectLst/>
+              </a:rPr>
+              <a:t>.println</a:t>
+            </a:r>
+            <a:r>
+              <a:rPr lang="en-GB" sz="3000" dirty="0">
+                <a:solidFill>
+                  <a:srgbClr val="080808"/>
+                </a:solidFill>
+                <a:effectLst/>
+              </a:rPr>
+              <a:t>(</a:t>
+            </a:r>
+            <a:r>
+              <a:rPr lang="en-GB" sz="3000" i="1" dirty="0" err="1">
+                <a:solidFill>
+                  <a:srgbClr val="871094"/>
+                </a:solidFill>
+                <a:effectLst/>
+              </a:rPr>
+              <a:t>STR</a:t>
+            </a:r>
+            <a:r>
+              <a:rPr lang="en-GB" sz="3000" dirty="0" err="1">
+                <a:solidFill>
+                  <a:srgbClr val="080808"/>
+                </a:solidFill>
+                <a:effectLst/>
+              </a:rPr>
+              <a:t>.</a:t>
+            </a:r>
+            <a:r>
+              <a:rPr lang="en-GB" sz="3000" dirty="0" err="1">
+                <a:solidFill>
+                  <a:srgbClr val="067D17"/>
+                </a:solidFill>
+                <a:effectLst/>
+              </a:rPr>
+              <a:t>"Welcome</a:t>
+            </a:r>
+            <a:r>
+              <a:rPr lang="en-GB" sz="3000" dirty="0">
+                <a:solidFill>
+                  <a:srgbClr val="067D17"/>
+                </a:solidFill>
+                <a:effectLst/>
+              </a:rPr>
+              <a:t> to \{</a:t>
+            </a:r>
+            <a:r>
+              <a:rPr lang="en-GB" sz="3000" dirty="0" err="1">
+                <a:solidFill>
+                  <a:srgbClr val="080808"/>
+                </a:solidFill>
+                <a:effectLst/>
+              </a:rPr>
+              <a:t>USER.get</a:t>
+            </a:r>
+            <a:r>
+              <a:rPr lang="en-GB" sz="3000" dirty="0">
+                <a:solidFill>
+                  <a:srgbClr val="080808"/>
+                </a:solidFill>
+                <a:effectLst/>
+              </a:rPr>
+              <a:t>()</a:t>
+            </a:r>
+            <a:r>
+              <a:rPr lang="en-GB" sz="3000" dirty="0">
+                <a:solidFill>
+                  <a:srgbClr val="067D17"/>
+                </a:solidFill>
+                <a:effectLst/>
+              </a:rPr>
+              <a:t>}"</a:t>
+            </a:r>
+            <a:r>
+              <a:rPr lang="en-GB" sz="3000" dirty="0">
+                <a:solidFill>
+                  <a:srgbClr val="080808"/>
+                </a:solidFill>
+                <a:effectLst/>
+              </a:rPr>
+              <a:t>));</a:t>
+            </a:r>
+          </a:p>
+          <a:p>
+            <a:pPr algn="l"/>
+            <a:endParaRPr lang="en-US" sz="3000" dirty="0">
+              <a:solidFill>
+                <a:schemeClr val="tx1">
+                  <a:lumMod val="85000"/>
+                  <a:lumOff val="15000"/>
+                </a:schemeClr>
+              </a:solidFill>
+            </a:endParaRPr>
+          </a:p>
+        </p:txBody>
+      </p:sp>
+    </p:spTree>
+    <p:extLst>
+      <p:ext uri="{BB962C8B-B14F-4D97-AF65-F5344CB8AC3E}">
+        <p14:creationId xmlns:p14="http://schemas.microsoft.com/office/powerpoint/2010/main" val="2084727316"/>
+      </p:ext>
+    </p:extLst>
+  </p:cSld>
+  <p:clrMapOvr>
+    <a:masterClrMapping/>
+  </p:clrMapOvr>
+</p:sld>
+</file>
+
+<file path=ppt/slides/slide2.xml><?xml version="1.0" encoding="utf-8"?>
+<p:sld xmlns:a="http://schemas.openxmlformats.org/drawingml/2006/main" xmlns:r="http://schemas.openxmlformats.org/officeDocument/2006/relationships" xmlns:p="http://schemas.openxmlformats.org/presentationml/2006/main">
+  <p:cSld>
+    <p:bg>
+      <p:bgPr>
+        <a:solidFill>
+          <a:schemeClr val="bg1"/>
+        </a:solidFill>
+        <a:effectLst/>
+      </p:bgPr>
+    </p:bg>
+    <p:spTree>
+      <p:nvGrpSpPr>
+        <p:cNvPr id="1" name=""/>
+        <p:cNvGrpSpPr/>
+        <p:nvPr/>
+      </p:nvGrpSpPr>
+      <p:grpSpPr>
+        <a:xfrm>
+          <a:off x="0" y="0"/>
+          <a:ext cx="0" cy="0"/>
+          <a:chOff x="0" y="0"/>
+          <a:chExt cx="0" cy="0"/>
+        </a:xfrm>
+      </p:grpSpPr>
+      <p:sp useBgFill="1">
+        <p:nvSpPr>
+          <p:cNvPr id="8" name="Rectangle 7">
+            <a:extLst>
+              <a:ext uri="{FF2B5EF4-FFF2-40B4-BE49-F238E27FC236}">
+                <a16:creationId xmlns:a16="http://schemas.microsoft.com/office/drawing/2014/main" id="{B20EED73-1494-4E89-869B-E501A02B2408}"/>
+              </a:ext>
+              <a:ext uri="{C183D7F6-B498-43B3-948B-1728B52AA6E4}">
+                <adec:decorative xmlns:adec="http://schemas.microsoft.com/office/drawing/2017/decorative" val="1"/>
+              </a:ext>
+            </a:extLst>
+          </p:cNvPr>
+          <p:cNvSpPr>
+            <a:spLocks noGrp="1" noRot="1" noChangeAspect="1" noMove="1" noResize="1" noEditPoints="1" noAdjustHandles="1" noChangeArrowheads="1" noChangeShapeType="1" noTextEdit="1"/>
+          </p:cNvSpPr>
+          <p:nvPr>
+            <p:extLst>
+              <p:ext uri="{386F3935-93C4-4BCD-93E2-E3B085C9AB24}">
+                <p16:designElem xmlns:p16="http://schemas.microsoft.com/office/powerpoint/2015/main" val="1"/>
+              </p:ext>
+            </p:extLst>
+          </p:nvPr>
+        </p:nvSpPr>
+        <p:spPr>
+          <a:xfrm>
+            <a:off x="0" y="0"/>
+            <a:ext cx="12188952" cy="6858000"/>
+          </a:xfrm>
+          <a:prstGeom prst="rect">
+            <a:avLst/>
+          </a:prstGeom>
+          <a:ln>
+            <a:noFill/>
+          </a:ln>
+        </p:spPr>
+        <p:style>
+          <a:lnRef idx="2">
+            <a:schemeClr val="accent1">
+              <a:shade val="50000"/>
+            </a:schemeClr>
+          </a:lnRef>
+          <a:fillRef idx="1">
+            <a:schemeClr val="accent1"/>
+          </a:fillRef>
+          <a:effectRef idx="0">
+            <a:schemeClr val="accent1"/>
+          </a:effectRef>
+          <a:fontRef idx="minor">
+            <a:schemeClr val="lt1"/>
+          </a:fontRef>
+        </p:style>
+        <p:txBody>
+          <a:bodyPr rtlCol="0" anchor="ctr"/>
+          <a:lstStyle/>
+          <a:p>
+            <a:pPr algn="ctr"/>
+            <a:endParaRPr lang="en-US"/>
+          </a:p>
+        </p:txBody>
+      </p:sp>
+      <p:sp>
+        <p:nvSpPr>
+          <p:cNvPr id="10" name="Freeform: Shape 9">
+            <a:extLst>
+              <a:ext uri="{FF2B5EF4-FFF2-40B4-BE49-F238E27FC236}">
+                <a16:creationId xmlns:a16="http://schemas.microsoft.com/office/drawing/2014/main" id="{E9D7A3A2-205A-4FD7-89D2-24FA8A54EA12}"/>
+              </a:ext>
+              <a:ext uri="{C183D7F6-B498-43B3-948B-1728B52AA6E4}">
+                <adec:decorative xmlns:adec="http://schemas.microsoft.com/office/drawing/2017/decorative" val="1"/>
+              </a:ext>
+            </a:extLst>
+          </p:cNvPr>
+          <p:cNvSpPr>
+            <a:spLocks noGrp="1" noRot="1" noChangeAspect="1" noMove="1" noResize="1" noEditPoints="1" noAdjustHandles="1" noChangeArrowheads="1" noChangeShapeType="1" noTextEdit="1"/>
+          </p:cNvSpPr>
+          <p:nvPr>
+            <p:extLst>
+              <p:ext uri="{386F3935-93C4-4BCD-93E2-E3B085C9AB24}">
+                <p16:designElem xmlns:p16="http://schemas.microsoft.com/office/powerpoint/2015/main" val="1"/>
+              </p:ext>
+            </p:extLst>
+          </p:nvPr>
+        </p:nvSpPr>
+        <p:spPr>
+          <a:xfrm>
+            <a:off x="814934" y="0"/>
+            <a:ext cx="11377066" cy="4001047"/>
+          </a:xfrm>
+          <a:custGeom>
+            <a:avLst/>
+            <a:gdLst>
+              <a:gd name="connsiteX0" fmla="*/ 914840 w 11377066"/>
+              <a:gd name="connsiteY0" fmla="*/ 0 h 3343806"/>
+              <a:gd name="connsiteX1" fmla="*/ 11365513 w 11377066"/>
+              <a:gd name="connsiteY1" fmla="*/ 0 h 3343806"/>
+              <a:gd name="connsiteX2" fmla="*/ 11365513 w 11377066"/>
+              <a:gd name="connsiteY2" fmla="*/ 846735 h 3343806"/>
+              <a:gd name="connsiteX3" fmla="*/ 11050704 w 11377066"/>
+              <a:gd name="connsiteY3" fmla="*/ 1046017 h 3343806"/>
+              <a:gd name="connsiteX4" fmla="*/ 11195112 w 11377066"/>
+              <a:gd name="connsiteY4" fmla="*/ 1103780 h 3343806"/>
+              <a:gd name="connsiteX5" fmla="*/ 10553944 w 11377066"/>
+              <a:gd name="connsiteY5" fmla="*/ 1441695 h 3343806"/>
+              <a:gd name="connsiteX6" fmla="*/ 11148902 w 11377066"/>
+              <a:gd name="connsiteY6" fmla="*/ 1383932 h 3343806"/>
+              <a:gd name="connsiteX7" fmla="*/ 11117132 w 11377066"/>
+              <a:gd name="connsiteY7" fmla="*/ 1430142 h 3343806"/>
+              <a:gd name="connsiteX8" fmla="*/ 11085363 w 11377066"/>
+              <a:gd name="connsiteY8" fmla="*/ 1476352 h 3343806"/>
+              <a:gd name="connsiteX9" fmla="*/ 11365513 w 11377066"/>
+              <a:gd name="connsiteY9" fmla="*/ 1447471 h 3343806"/>
+              <a:gd name="connsiteX10" fmla="*/ 11365513 w 11377066"/>
+              <a:gd name="connsiteY10" fmla="*/ 1496569 h 3343806"/>
+              <a:gd name="connsiteX11" fmla="*/ 11278869 w 11377066"/>
+              <a:gd name="connsiteY11" fmla="*/ 1554332 h 3343806"/>
+              <a:gd name="connsiteX12" fmla="*/ 11365513 w 11377066"/>
+              <a:gd name="connsiteY12" fmla="*/ 1539891 h 3343806"/>
+              <a:gd name="connsiteX13" fmla="*/ 11377066 w 11377066"/>
+              <a:gd name="connsiteY13" fmla="*/ 1539891 h 3343806"/>
+              <a:gd name="connsiteX14" fmla="*/ 11377066 w 11377066"/>
+              <a:gd name="connsiteY14" fmla="*/ 1765167 h 3343806"/>
+              <a:gd name="connsiteX15" fmla="*/ 4624577 w 11377066"/>
+              <a:gd name="connsiteY15" fmla="*/ 3342096 h 3343806"/>
+              <a:gd name="connsiteX16" fmla="*/ 4000738 w 11377066"/>
+              <a:gd name="connsiteY16" fmla="*/ 3313214 h 3343806"/>
+              <a:gd name="connsiteX17" fmla="*/ 3853443 w 11377066"/>
+              <a:gd name="connsiteY17" fmla="*/ 3217905 h 3343806"/>
+              <a:gd name="connsiteX18" fmla="*/ 4003625 w 11377066"/>
+              <a:gd name="connsiteY18" fmla="*/ 3171695 h 3343806"/>
+              <a:gd name="connsiteX19" fmla="*/ 4465729 w 11377066"/>
+              <a:gd name="connsiteY19" fmla="*/ 3024399 h 3343806"/>
+              <a:gd name="connsiteX20" fmla="*/ 4015179 w 11377066"/>
+              <a:gd name="connsiteY20" fmla="*/ 3047505 h 3343806"/>
+              <a:gd name="connsiteX21" fmla="*/ 4656346 w 11377066"/>
+              <a:gd name="connsiteY21" fmla="*/ 2926202 h 3343806"/>
+              <a:gd name="connsiteX22" fmla="*/ 4841188 w 11377066"/>
+              <a:gd name="connsiteY22" fmla="*/ 2862663 h 3343806"/>
+              <a:gd name="connsiteX23" fmla="*/ 4659236 w 11377066"/>
+              <a:gd name="connsiteY23" fmla="*/ 2836670 h 3343806"/>
+              <a:gd name="connsiteX24" fmla="*/ 3778351 w 11377066"/>
+              <a:gd name="connsiteY24" fmla="*/ 2914650 h 3343806"/>
+              <a:gd name="connsiteX25" fmla="*/ 3694595 w 11377066"/>
+              <a:gd name="connsiteY25" fmla="*/ 2923314 h 3343806"/>
+              <a:gd name="connsiteX26" fmla="*/ 3119852 w 11377066"/>
+              <a:gd name="connsiteY26" fmla="*/ 2862663 h 3343806"/>
+              <a:gd name="connsiteX27" fmla="*/ 3440437 w 11377066"/>
+              <a:gd name="connsiteY27" fmla="*/ 2799124 h 3343806"/>
+              <a:gd name="connsiteX28" fmla="*/ 3070753 w 11377066"/>
+              <a:gd name="connsiteY28" fmla="*/ 2761578 h 3343806"/>
+              <a:gd name="connsiteX29" fmla="*/ 2623091 w 11377066"/>
+              <a:gd name="connsiteY29" fmla="*/ 2726920 h 3343806"/>
+              <a:gd name="connsiteX30" fmla="*/ 2160987 w 11377066"/>
+              <a:gd name="connsiteY30" fmla="*/ 2611394 h 3343806"/>
+              <a:gd name="connsiteX31" fmla="*/ 1837515 w 11377066"/>
+              <a:gd name="connsiteY31" fmla="*/ 2573848 h 3343806"/>
+              <a:gd name="connsiteX32" fmla="*/ 1869284 w 11377066"/>
+              <a:gd name="connsiteY32" fmla="*/ 2472763 h 3343806"/>
+              <a:gd name="connsiteX33" fmla="*/ 1808633 w 11377066"/>
+              <a:gd name="connsiteY33" fmla="*/ 2386119 h 3343806"/>
+              <a:gd name="connsiteX34" fmla="*/ 2354493 w 11377066"/>
+              <a:gd name="connsiteY34" fmla="*/ 2342797 h 3343806"/>
+              <a:gd name="connsiteX35" fmla="*/ 2146546 w 11377066"/>
+              <a:gd name="connsiteY35" fmla="*/ 2328356 h 3343806"/>
+              <a:gd name="connsiteX36" fmla="*/ 2054126 w 11377066"/>
+              <a:gd name="connsiteY36" fmla="*/ 2285034 h 3343806"/>
+              <a:gd name="connsiteX37" fmla="*/ 2132106 w 11377066"/>
+              <a:gd name="connsiteY37" fmla="*/ 2238823 h 3343806"/>
+              <a:gd name="connsiteX38" fmla="*/ 2478684 w 11377066"/>
+              <a:gd name="connsiteY38" fmla="*/ 2085751 h 3343806"/>
+              <a:gd name="connsiteX39" fmla="*/ 1511154 w 11377066"/>
+              <a:gd name="connsiteY39" fmla="*/ 2094416 h 3343806"/>
+              <a:gd name="connsiteX40" fmla="*/ 1638232 w 11377066"/>
+              <a:gd name="connsiteY40" fmla="*/ 2042429 h 3343806"/>
+              <a:gd name="connsiteX41" fmla="*/ 2972556 w 11377066"/>
+              <a:gd name="connsiteY41" fmla="*/ 1718957 h 3343806"/>
+              <a:gd name="connsiteX42" fmla="*/ 3238266 w 11377066"/>
+              <a:gd name="connsiteY42" fmla="*/ 1678523 h 3343806"/>
+              <a:gd name="connsiteX43" fmla="*/ 2522005 w 11377066"/>
+              <a:gd name="connsiteY43" fmla="*/ 1664082 h 3343806"/>
+              <a:gd name="connsiteX44" fmla="*/ 1421621 w 11377066"/>
+              <a:gd name="connsiteY44" fmla="*/ 1522563 h 3343806"/>
+              <a:gd name="connsiteX45" fmla="*/ 1525595 w 11377066"/>
+              <a:gd name="connsiteY45" fmla="*/ 1392596 h 3343806"/>
+              <a:gd name="connsiteX46" fmla="*/ 982623 w 11377066"/>
+              <a:gd name="connsiteY46" fmla="*/ 1415701 h 3343806"/>
+              <a:gd name="connsiteX47" fmla="*/ 1231003 w 11377066"/>
+              <a:gd name="connsiteY47" fmla="*/ 1314616 h 3343806"/>
+              <a:gd name="connsiteX48" fmla="*/ 1025945 w 11377066"/>
+              <a:gd name="connsiteY48" fmla="*/ 1297287 h 3343806"/>
+              <a:gd name="connsiteX49" fmla="*/ 841104 w 11377066"/>
+              <a:gd name="connsiteY49" fmla="*/ 1225083 h 3343806"/>
+              <a:gd name="connsiteX50" fmla="*/ 1612239 w 11377066"/>
+              <a:gd name="connsiteY50" fmla="*/ 1112445 h 3343806"/>
+              <a:gd name="connsiteX51" fmla="*/ 1814409 w 11377066"/>
+              <a:gd name="connsiteY51" fmla="*/ 1008471 h 3343806"/>
+              <a:gd name="connsiteX52" fmla="*/ 1932824 w 11377066"/>
+              <a:gd name="connsiteY52" fmla="*/ 979590 h 3343806"/>
+              <a:gd name="connsiteX53" fmla="*/ 2083007 w 11377066"/>
+              <a:gd name="connsiteY53" fmla="*/ 936268 h 3343806"/>
+              <a:gd name="connsiteX54" fmla="*/ 1947265 w 11377066"/>
+              <a:gd name="connsiteY54" fmla="*/ 924715 h 3343806"/>
+              <a:gd name="connsiteX55" fmla="*/ 1271438 w 11377066"/>
+              <a:gd name="connsiteY55" fmla="*/ 895834 h 3343806"/>
+              <a:gd name="connsiteX56" fmla="*/ 659150 w 11377066"/>
+              <a:gd name="connsiteY56" fmla="*/ 907386 h 3343806"/>
+              <a:gd name="connsiteX57" fmla="*/ 780453 w 11377066"/>
+              <a:gd name="connsiteY57" fmla="*/ 846735 h 3343806"/>
+              <a:gd name="connsiteX58" fmla="*/ 841104 w 11377066"/>
+              <a:gd name="connsiteY58" fmla="*/ 788972 h 3343806"/>
+              <a:gd name="connsiteX59" fmla="*/ 448316 w 11377066"/>
+              <a:gd name="connsiteY59" fmla="*/ 659006 h 3343806"/>
+              <a:gd name="connsiteX60" fmla="*/ 910419 w 11377066"/>
+              <a:gd name="connsiteY60" fmla="*/ 569473 h 3343806"/>
+              <a:gd name="connsiteX61" fmla="*/ 604275 w 11377066"/>
+              <a:gd name="connsiteY61" fmla="*/ 514598 h 3343806"/>
+              <a:gd name="connsiteX62" fmla="*/ 15093 w 11377066"/>
+              <a:gd name="connsiteY62" fmla="*/ 352862 h 3343806"/>
+              <a:gd name="connsiteX63" fmla="*/ 430987 w 11377066"/>
+              <a:gd name="connsiteY63" fmla="*/ 136251 h 3343806"/>
+              <a:gd name="connsiteX64" fmla="*/ 874092 w 11377066"/>
+              <a:gd name="connsiteY64" fmla="*/ 17656 h 3343806"/>
+            </a:gdLst>
+            <a:ahLst/>
+            <a:cxnLst>
+              <a:cxn ang="0">
+                <a:pos x="connsiteX0" y="connsiteY0"/>
+              </a:cxn>
+              <a:cxn ang="0">
+                <a:pos x="connsiteX1" y="connsiteY1"/>
+              </a:cxn>
+              <a:cxn ang="0">
+                <a:pos x="connsiteX2" y="connsiteY2"/>
+              </a:cxn>
+              <a:cxn ang="0">
+                <a:pos x="connsiteX3" y="connsiteY3"/>
+              </a:cxn>
+              <a:cxn ang="0">
+                <a:pos x="connsiteX4" y="connsiteY4"/>
+              </a:cxn>
+              <a:cxn ang="0">
+                <a:pos x="connsiteX5" y="connsiteY5"/>
+              </a:cxn>
+              <a:cxn ang="0">
+                <a:pos x="connsiteX6" y="connsiteY6"/>
+              </a:cxn>
+              <a:cxn ang="0">
+                <a:pos x="connsiteX7" y="connsiteY7"/>
+              </a:cxn>
+              <a:cxn ang="0">
+                <a:pos x="connsiteX8" y="connsiteY8"/>
+              </a:cxn>
+              <a:cxn ang="0">
+                <a:pos x="connsiteX9" y="connsiteY9"/>
+              </a:cxn>
+              <a:cxn ang="0">
+                <a:pos x="connsiteX10" y="connsiteY10"/>
+              </a:cxn>
+              <a:cxn ang="0">
+                <a:pos x="connsiteX11" y="connsiteY11"/>
+              </a:cxn>
+              <a:cxn ang="0">
+                <a:pos x="connsiteX12" y="connsiteY12"/>
+              </a:cxn>
+              <a:cxn ang="0">
+                <a:pos x="connsiteX13" y="connsiteY13"/>
+              </a:cxn>
+              <a:cxn ang="0">
+                <a:pos x="connsiteX14" y="connsiteY14"/>
+              </a:cxn>
+              <a:cxn ang="0">
+                <a:pos x="connsiteX15" y="connsiteY15"/>
+              </a:cxn>
+              <a:cxn ang="0">
+                <a:pos x="connsiteX16" y="connsiteY16"/>
+              </a:cxn>
+              <a:cxn ang="0">
+                <a:pos x="connsiteX17" y="connsiteY17"/>
+              </a:cxn>
+              <a:cxn ang="0">
+                <a:pos x="connsiteX18" y="connsiteY18"/>
+              </a:cxn>
+              <a:cxn ang="0">
+                <a:pos x="connsiteX19" y="connsiteY19"/>
+              </a:cxn>
+              <a:cxn ang="0">
+                <a:pos x="connsiteX20" y="connsiteY20"/>
+              </a:cxn>
+              <a:cxn ang="0">
+                <a:pos x="connsiteX21" y="connsiteY21"/>
+              </a:cxn>
+              <a:cxn ang="0">
+                <a:pos x="connsiteX22" y="connsiteY22"/>
+              </a:cxn>
+              <a:cxn ang="0">
+                <a:pos x="connsiteX23" y="connsiteY23"/>
+              </a:cxn>
+              <a:cxn ang="0">
+                <a:pos x="connsiteX24" y="connsiteY24"/>
+              </a:cxn>
+              <a:cxn ang="0">
+                <a:pos x="connsiteX25" y="connsiteY25"/>
+              </a:cxn>
+              <a:cxn ang="0">
+                <a:pos x="connsiteX26" y="connsiteY26"/>
+              </a:cxn>
+              <a:cxn ang="0">
+                <a:pos x="connsiteX27" y="connsiteY27"/>
+              </a:cxn>
+              <a:cxn ang="0">
+                <a:pos x="connsiteX28" y="connsiteY28"/>
+              </a:cxn>
+              <a:cxn ang="0">
+                <a:pos x="connsiteX29" y="connsiteY29"/>
+              </a:cxn>
+              <a:cxn ang="0">
+                <a:pos x="connsiteX30" y="connsiteY30"/>
+              </a:cxn>
+              <a:cxn ang="0">
+                <a:pos x="connsiteX31" y="connsiteY31"/>
+              </a:cxn>
+              <a:cxn ang="0">
+                <a:pos x="connsiteX32" y="connsiteY32"/>
+              </a:cxn>
+              <a:cxn ang="0">
+                <a:pos x="connsiteX33" y="connsiteY33"/>
+              </a:cxn>
+              <a:cxn ang="0">
+                <a:pos x="connsiteX34" y="connsiteY34"/>
+              </a:cxn>
+              <a:cxn ang="0">
+                <a:pos x="connsiteX35" y="connsiteY35"/>
+              </a:cxn>
+              <a:cxn ang="0">
+                <a:pos x="connsiteX36" y="connsiteY36"/>
+              </a:cxn>
+              <a:cxn ang="0">
+                <a:pos x="connsiteX37" y="connsiteY37"/>
+              </a:cxn>
+              <a:cxn ang="0">
+                <a:pos x="connsiteX38" y="connsiteY38"/>
+              </a:cxn>
+              <a:cxn ang="0">
+                <a:pos x="connsiteX39" y="connsiteY39"/>
+              </a:cxn>
+              <a:cxn ang="0">
+                <a:pos x="connsiteX40" y="connsiteY40"/>
+              </a:cxn>
+              <a:cxn ang="0">
+                <a:pos x="connsiteX41" y="connsiteY41"/>
+              </a:cxn>
+              <a:cxn ang="0">
+                <a:pos x="connsiteX42" y="connsiteY42"/>
+              </a:cxn>
+              <a:cxn ang="0">
+                <a:pos x="connsiteX43" y="connsiteY43"/>
+              </a:cxn>
+              <a:cxn ang="0">
+                <a:pos x="connsiteX44" y="connsiteY44"/>
+              </a:cxn>
+              <a:cxn ang="0">
+                <a:pos x="connsiteX45" y="connsiteY45"/>
+              </a:cxn>
+              <a:cxn ang="0">
+                <a:pos x="connsiteX46" y="connsiteY46"/>
+              </a:cxn>
+              <a:cxn ang="0">
+                <a:pos x="connsiteX47" y="connsiteY47"/>
+              </a:cxn>
+              <a:cxn ang="0">
+                <a:pos x="connsiteX48" y="connsiteY48"/>
+              </a:cxn>
+              <a:cxn ang="0">
+                <a:pos x="connsiteX49" y="connsiteY49"/>
+              </a:cxn>
+              <a:cxn ang="0">
+                <a:pos x="connsiteX50" y="connsiteY50"/>
+              </a:cxn>
+              <a:cxn ang="0">
+                <a:pos x="connsiteX51" y="connsiteY51"/>
+              </a:cxn>
+              <a:cxn ang="0">
+                <a:pos x="connsiteX52" y="connsiteY52"/>
+              </a:cxn>
+              <a:cxn ang="0">
+                <a:pos x="connsiteX53" y="connsiteY53"/>
+              </a:cxn>
+              <a:cxn ang="0">
+                <a:pos x="connsiteX54" y="connsiteY54"/>
+              </a:cxn>
+              <a:cxn ang="0">
+                <a:pos x="connsiteX55" y="connsiteY55"/>
+              </a:cxn>
+              <a:cxn ang="0">
+                <a:pos x="connsiteX56" y="connsiteY56"/>
+              </a:cxn>
+              <a:cxn ang="0">
+                <a:pos x="connsiteX57" y="connsiteY57"/>
+              </a:cxn>
+              <a:cxn ang="0">
+                <a:pos x="connsiteX58" y="connsiteY58"/>
+              </a:cxn>
+              <a:cxn ang="0">
+                <a:pos x="connsiteX59" y="connsiteY59"/>
+              </a:cxn>
+              <a:cxn ang="0">
+                <a:pos x="connsiteX60" y="connsiteY60"/>
+              </a:cxn>
+              <a:cxn ang="0">
+                <a:pos x="connsiteX61" y="connsiteY61"/>
+              </a:cxn>
+              <a:cxn ang="0">
+                <a:pos x="connsiteX62" y="connsiteY62"/>
+              </a:cxn>
+              <a:cxn ang="0">
+                <a:pos x="connsiteX63" y="connsiteY63"/>
+              </a:cxn>
+              <a:cxn ang="0">
+                <a:pos x="connsiteX64" y="connsiteY64"/>
+              </a:cxn>
+            </a:cxnLst>
+            <a:rect l="l" t="t" r="r" b="b"/>
+            <a:pathLst>
+              <a:path w="11377066" h="3343806">
+                <a:moveTo>
+                  <a:pt x="914840" y="0"/>
+                </a:moveTo>
+                <a:lnTo>
+                  <a:pt x="11365513" y="0"/>
+                </a:lnTo>
+                <a:lnTo>
+                  <a:pt x="11365513" y="846735"/>
+                </a:lnTo>
+                <a:cubicBezTo>
+                  <a:pt x="11273092" y="924715"/>
+                  <a:pt x="11163343" y="985366"/>
+                  <a:pt x="11050704" y="1046017"/>
+                </a:cubicBezTo>
+                <a:cubicBezTo>
+                  <a:pt x="11088251" y="1089339"/>
+                  <a:pt x="11169119" y="1037353"/>
+                  <a:pt x="11195112" y="1103780"/>
+                </a:cubicBezTo>
+                <a:cubicBezTo>
+                  <a:pt x="10987166" y="1216419"/>
+                  <a:pt x="10796548" y="1357938"/>
+                  <a:pt x="10553944" y="1441695"/>
+                </a:cubicBezTo>
+                <a:cubicBezTo>
+                  <a:pt x="10753226" y="1381043"/>
+                  <a:pt x="10952508" y="1409925"/>
+                  <a:pt x="11148902" y="1383932"/>
+                </a:cubicBezTo>
+                <a:cubicBezTo>
+                  <a:pt x="11174895" y="1418589"/>
+                  <a:pt x="11131573" y="1418589"/>
+                  <a:pt x="11117132" y="1430142"/>
+                </a:cubicBezTo>
+                <a:cubicBezTo>
+                  <a:pt x="11102692" y="1441695"/>
+                  <a:pt x="11082474" y="1450359"/>
+                  <a:pt x="11085363" y="1476352"/>
+                </a:cubicBezTo>
+                <a:cubicBezTo>
+                  <a:pt x="11174895" y="1487905"/>
+                  <a:pt x="11273092" y="1447471"/>
+                  <a:pt x="11365513" y="1447471"/>
+                </a:cubicBezTo>
+                <a:lnTo>
+                  <a:pt x="11365513" y="1496569"/>
+                </a:lnTo>
+                <a:cubicBezTo>
+                  <a:pt x="11333743" y="1513898"/>
+                  <a:pt x="11293310" y="1519674"/>
+                  <a:pt x="11278869" y="1554332"/>
+                </a:cubicBezTo>
+                <a:cubicBezTo>
+                  <a:pt x="11307750" y="1548556"/>
+                  <a:pt x="11336632" y="1545668"/>
+                  <a:pt x="11365513" y="1539891"/>
+                </a:cubicBezTo>
+                <a:lnTo>
+                  <a:pt x="11377066" y="1539891"/>
+                </a:lnTo>
+                <a:lnTo>
+                  <a:pt x="11377066" y="1765167"/>
+                </a:lnTo>
+                <a:cubicBezTo>
+                  <a:pt x="9482441" y="3362313"/>
+                  <a:pt x="4945162" y="3324767"/>
+                  <a:pt x="4624577" y="3342096"/>
+                </a:cubicBezTo>
+                <a:cubicBezTo>
+                  <a:pt x="4523492" y="3347872"/>
+                  <a:pt x="4098935" y="3339207"/>
+                  <a:pt x="4000738" y="3313214"/>
+                </a:cubicBezTo>
+                <a:cubicBezTo>
+                  <a:pt x="3867883" y="3281444"/>
+                  <a:pt x="3853443" y="3217905"/>
+                  <a:pt x="3853443" y="3217905"/>
+                </a:cubicBezTo>
+                <a:cubicBezTo>
+                  <a:pt x="3853443" y="3217905"/>
+                  <a:pt x="3919869" y="3191912"/>
+                  <a:pt x="4003625" y="3171695"/>
+                </a:cubicBezTo>
+                <a:cubicBezTo>
+                  <a:pt x="4165361" y="3131261"/>
+                  <a:pt x="4298217" y="3056169"/>
+                  <a:pt x="4465729" y="3024399"/>
+                </a:cubicBezTo>
+                <a:cubicBezTo>
+                  <a:pt x="4315546" y="3033064"/>
+                  <a:pt x="4165361" y="3038840"/>
+                  <a:pt x="4015179" y="3047505"/>
+                </a:cubicBezTo>
+                <a:cubicBezTo>
+                  <a:pt x="4223124" y="2969524"/>
+                  <a:pt x="4442625" y="2957972"/>
+                  <a:pt x="4656346" y="2926202"/>
+                </a:cubicBezTo>
+                <a:cubicBezTo>
+                  <a:pt x="4725662" y="2917538"/>
+                  <a:pt x="4841188" y="2943531"/>
+                  <a:pt x="4841188" y="2862663"/>
+                </a:cubicBezTo>
+                <a:cubicBezTo>
+                  <a:pt x="4838300" y="2810676"/>
+                  <a:pt x="4725662" y="2833782"/>
+                  <a:pt x="4659236" y="2836670"/>
+                </a:cubicBezTo>
+                <a:cubicBezTo>
+                  <a:pt x="4364644" y="2845334"/>
+                  <a:pt x="4072941" y="2882880"/>
+                  <a:pt x="3778351" y="2914650"/>
+                </a:cubicBezTo>
+                <a:cubicBezTo>
+                  <a:pt x="3749468" y="2917538"/>
+                  <a:pt x="3714811" y="2931979"/>
+                  <a:pt x="3694595" y="2923314"/>
+                </a:cubicBezTo>
+                <a:cubicBezTo>
+                  <a:pt x="3527082" y="2865551"/>
+                  <a:pt x="3336463" y="2879992"/>
+                  <a:pt x="3119852" y="2862663"/>
+                </a:cubicBezTo>
+                <a:cubicBezTo>
+                  <a:pt x="3238266" y="2796236"/>
+                  <a:pt x="3339351" y="2842446"/>
+                  <a:pt x="3440437" y="2799124"/>
+                </a:cubicBezTo>
+                <a:cubicBezTo>
+                  <a:pt x="3316246" y="2752913"/>
+                  <a:pt x="3189168" y="2773131"/>
+                  <a:pt x="3070753" y="2761578"/>
+                </a:cubicBezTo>
+                <a:cubicBezTo>
+                  <a:pt x="2984109" y="2752913"/>
+                  <a:pt x="2672189" y="2741361"/>
+                  <a:pt x="2623091" y="2726920"/>
+                </a:cubicBezTo>
+                <a:cubicBezTo>
+                  <a:pt x="2472907" y="2683598"/>
+                  <a:pt x="2293842" y="2689374"/>
+                  <a:pt x="2160987" y="2611394"/>
+                </a:cubicBezTo>
+                <a:cubicBezTo>
+                  <a:pt x="2065678" y="2556519"/>
+                  <a:pt x="1938600" y="2602730"/>
+                  <a:pt x="1837515" y="2573848"/>
+                </a:cubicBezTo>
+                <a:cubicBezTo>
+                  <a:pt x="1794192" y="2533414"/>
+                  <a:pt x="1854843" y="2504533"/>
+                  <a:pt x="1869284" y="2472763"/>
+                </a:cubicBezTo>
+                <a:cubicBezTo>
+                  <a:pt x="1889502" y="2432329"/>
+                  <a:pt x="1834626" y="2423665"/>
+                  <a:pt x="1808633" y="2386119"/>
+                </a:cubicBezTo>
+                <a:cubicBezTo>
+                  <a:pt x="1987698" y="2389007"/>
+                  <a:pt x="2158099" y="2377454"/>
+                  <a:pt x="2354493" y="2342797"/>
+                </a:cubicBezTo>
+                <a:cubicBezTo>
+                  <a:pt x="2273625" y="2290810"/>
+                  <a:pt x="2204309" y="2339908"/>
+                  <a:pt x="2146546" y="2328356"/>
+                </a:cubicBezTo>
+                <a:cubicBezTo>
+                  <a:pt x="2106113" y="2319691"/>
+                  <a:pt x="2054126" y="2328356"/>
+                  <a:pt x="2054126" y="2285034"/>
+                </a:cubicBezTo>
+                <a:cubicBezTo>
+                  <a:pt x="2054126" y="2250376"/>
+                  <a:pt x="2100336" y="2244599"/>
+                  <a:pt x="2132106" y="2238823"/>
+                </a:cubicBezTo>
+                <a:cubicBezTo>
+                  <a:pt x="2256296" y="2218606"/>
+                  <a:pt x="2377599" y="2192613"/>
+                  <a:pt x="2478684" y="2085751"/>
+                </a:cubicBezTo>
+                <a:cubicBezTo>
+                  <a:pt x="2152323" y="2051094"/>
+                  <a:pt x="1817297" y="2186837"/>
+                  <a:pt x="1511154" y="2094416"/>
+                </a:cubicBezTo>
+                <a:cubicBezTo>
+                  <a:pt x="1537147" y="2033765"/>
+                  <a:pt x="1597798" y="2045317"/>
+                  <a:pt x="1638232" y="2042429"/>
+                </a:cubicBezTo>
+                <a:cubicBezTo>
+                  <a:pt x="1909718" y="2016436"/>
+                  <a:pt x="2825261" y="1701628"/>
+                  <a:pt x="2972556" y="1718957"/>
+                </a:cubicBezTo>
+                <a:cubicBezTo>
+                  <a:pt x="3062089" y="1727621"/>
+                  <a:pt x="3154510" y="1721845"/>
+                  <a:pt x="3238266" y="1678523"/>
+                </a:cubicBezTo>
+                <a:cubicBezTo>
+                  <a:pt x="3339351" y="1626536"/>
+                  <a:pt x="2695295" y="1736286"/>
+                  <a:pt x="2522005" y="1664082"/>
+                </a:cubicBezTo>
+                <a:cubicBezTo>
+                  <a:pt x="2438249" y="1629424"/>
+                  <a:pt x="1730654" y="1528339"/>
+                  <a:pt x="1421621" y="1522563"/>
+                </a:cubicBezTo>
+                <a:cubicBezTo>
+                  <a:pt x="1450503" y="1467688"/>
+                  <a:pt x="1557364" y="1470576"/>
+                  <a:pt x="1525595" y="1392596"/>
+                </a:cubicBezTo>
+                <a:cubicBezTo>
+                  <a:pt x="1358082" y="1386820"/>
+                  <a:pt x="1179017" y="1435918"/>
+                  <a:pt x="982623" y="1415701"/>
+                </a:cubicBezTo>
+                <a:cubicBezTo>
+                  <a:pt x="1051938" y="1346386"/>
+                  <a:pt x="1153023" y="1352162"/>
+                  <a:pt x="1231003" y="1314616"/>
+                </a:cubicBezTo>
+                <a:cubicBezTo>
+                  <a:pt x="1170352" y="1262629"/>
+                  <a:pt x="1095261" y="1294399"/>
+                  <a:pt x="1025945" y="1297287"/>
+                </a:cubicBezTo>
+                <a:cubicBezTo>
+                  <a:pt x="965294" y="1300175"/>
+                  <a:pt x="812222" y="1227972"/>
+                  <a:pt x="841104" y="1225083"/>
+                </a:cubicBezTo>
+                <a:cubicBezTo>
+                  <a:pt x="1101037" y="1207755"/>
+                  <a:pt x="1352306" y="1129775"/>
+                  <a:pt x="1612239" y="1112445"/>
+                </a:cubicBezTo>
+                <a:cubicBezTo>
+                  <a:pt x="1698883" y="1106668"/>
+                  <a:pt x="1797081" y="1112445"/>
+                  <a:pt x="1814409" y="1008471"/>
+                </a:cubicBezTo>
+                <a:cubicBezTo>
+                  <a:pt x="1817297" y="979590"/>
+                  <a:pt x="1808633" y="973814"/>
+                  <a:pt x="1932824" y="979590"/>
+                </a:cubicBezTo>
+                <a:cubicBezTo>
+                  <a:pt x="1981922" y="982478"/>
+                  <a:pt x="2045461" y="982478"/>
+                  <a:pt x="2083007" y="936268"/>
+                </a:cubicBezTo>
+                <a:cubicBezTo>
+                  <a:pt x="2045461" y="898722"/>
+                  <a:pt x="1990587" y="927603"/>
+                  <a:pt x="1947265" y="924715"/>
+                </a:cubicBezTo>
+                <a:cubicBezTo>
+                  <a:pt x="1828850" y="921827"/>
+                  <a:pt x="1386963" y="904498"/>
+                  <a:pt x="1271438" y="895834"/>
+                </a:cubicBezTo>
+                <a:cubicBezTo>
+                  <a:pt x="1031721" y="875617"/>
+                  <a:pt x="901755" y="933380"/>
+                  <a:pt x="659150" y="907386"/>
+                </a:cubicBezTo>
+                <a:cubicBezTo>
+                  <a:pt x="734242" y="890057"/>
+                  <a:pt x="705361" y="866952"/>
+                  <a:pt x="780453" y="846735"/>
+                </a:cubicBezTo>
+                <a:cubicBezTo>
+                  <a:pt x="815110" y="838071"/>
+                  <a:pt x="849768" y="820742"/>
+                  <a:pt x="841104" y="788972"/>
+                </a:cubicBezTo>
+                <a:cubicBezTo>
+                  <a:pt x="835327" y="757202"/>
+                  <a:pt x="396329" y="690775"/>
+                  <a:pt x="448316" y="659006"/>
+                </a:cubicBezTo>
+                <a:cubicBezTo>
+                  <a:pt x="592723" y="575249"/>
+                  <a:pt x="1020169" y="607019"/>
+                  <a:pt x="910419" y="569473"/>
+                </a:cubicBezTo>
+                <a:cubicBezTo>
+                  <a:pt x="742907" y="511710"/>
+                  <a:pt x="716913" y="500157"/>
+                  <a:pt x="604275" y="514598"/>
+                </a:cubicBezTo>
+                <a:cubicBezTo>
+                  <a:pt x="506079" y="529039"/>
+                  <a:pt x="113290" y="349974"/>
+                  <a:pt x="15093" y="352862"/>
+                </a:cubicBezTo>
+                <a:cubicBezTo>
+                  <a:pt x="-71551" y="352862"/>
+                  <a:pt x="234593" y="211343"/>
+                  <a:pt x="430987" y="136251"/>
+                </a:cubicBezTo>
+                <a:cubicBezTo>
+                  <a:pt x="571784" y="82098"/>
+                  <a:pt x="732076" y="70184"/>
+                  <a:pt x="874092" y="17656"/>
+                </a:cubicBezTo>
+                <a:close/>
+              </a:path>
+            </a:pathLst>
+          </a:custGeom>
+          <a:solidFill>
+            <a:schemeClr val="bg2">
+              <a:alpha val="50000"/>
+            </a:schemeClr>
+          </a:solidFill>
+          <a:ln w="32707" cap="flat">
+            <a:noFill/>
+            <a:prstDash val="solid"/>
+            <a:miter/>
+          </a:ln>
+        </p:spPr>
+        <p:txBody>
+          <a:bodyPr wrap="square" rtlCol="0" anchor="ctr">
+            <a:noAutofit/>
+          </a:bodyPr>
+          <a:lstStyle/>
+          <a:p>
+            <a:endParaRPr lang="en-US">
+              <a:solidFill>
+                <a:schemeClr val="tx1"/>
+              </a:solidFill>
+            </a:endParaRPr>
+          </a:p>
+        </p:txBody>
+      </p:sp>
+      <p:sp>
+        <p:nvSpPr>
+          <p:cNvPr id="2" name="Title 1">
+            <a:extLst>
+              <a:ext uri="{FF2B5EF4-FFF2-40B4-BE49-F238E27FC236}">
+                <a16:creationId xmlns:a16="http://schemas.microsoft.com/office/drawing/2014/main" id="{17B2E28A-2184-C132-339A-5B5E2747BAD3}"/>
+              </a:ext>
+            </a:extLst>
+          </p:cNvPr>
+          <p:cNvSpPr>
+            <a:spLocks noGrp="1"/>
+          </p:cNvSpPr>
+          <p:nvPr>
+            <p:ph type="title"/>
+          </p:nvPr>
+        </p:nvSpPr>
+        <p:spPr>
+          <a:xfrm>
+            <a:off x="778735" y="1226962"/>
+            <a:ext cx="4482111" cy="3527214"/>
+          </a:xfrm>
+        </p:spPr>
+        <p:txBody>
+          <a:bodyPr anchor="t">
+            <a:normAutofit/>
+          </a:bodyPr>
+          <a:lstStyle/>
+          <a:p>
+            <a:r>
+              <a:rPr lang="en-US" b="1" dirty="0"/>
+              <a:t>Agenda</a:t>
+            </a:r>
+          </a:p>
+        </p:txBody>
+      </p:sp>
+      <p:sp>
+        <p:nvSpPr>
+          <p:cNvPr id="12" name="Freeform: Shape 11">
+            <a:extLst>
+              <a:ext uri="{FF2B5EF4-FFF2-40B4-BE49-F238E27FC236}">
+                <a16:creationId xmlns:a16="http://schemas.microsoft.com/office/drawing/2014/main" id="{C6BFDF0B-6325-416D-926F-7141006DDBD0}"/>
+              </a:ext>
+              <a:ext uri="{C183D7F6-B498-43B3-948B-1728B52AA6E4}">
+                <adec:decorative xmlns:adec="http://schemas.microsoft.com/office/drawing/2017/decorative" val="1"/>
+              </a:ext>
+            </a:extLst>
+          </p:cNvPr>
+          <p:cNvSpPr>
+            <a:spLocks noGrp="1" noRot="1" noChangeAspect="1" noMove="1" noResize="1" noEditPoints="1" noAdjustHandles="1" noChangeArrowheads="1" noChangeShapeType="1" noTextEdit="1"/>
+          </p:cNvSpPr>
+          <p:nvPr>
+            <p:extLst>
+              <p:ext uri="{386F3935-93C4-4BCD-93E2-E3B085C9AB24}">
+                <p16:designElem xmlns:p16="http://schemas.microsoft.com/office/powerpoint/2015/main" val="1"/>
+              </p:ext>
+            </p:extLst>
+          </p:nvPr>
+        </p:nvSpPr>
+        <p:spPr>
+          <a:xfrm flipV="1">
+            <a:off x="5693668" y="5127460"/>
+            <a:ext cx="6498333" cy="1730540"/>
+          </a:xfrm>
+          <a:custGeom>
+            <a:avLst/>
+            <a:gdLst>
+              <a:gd name="connsiteX0" fmla="*/ 2987112 w 6498333"/>
+              <a:gd name="connsiteY0" fmla="*/ 1730384 h 1730540"/>
+              <a:gd name="connsiteX1" fmla="*/ 3113423 w 6498333"/>
+              <a:gd name="connsiteY1" fmla="*/ 1728494 h 1730540"/>
+              <a:gd name="connsiteX2" fmla="*/ 6436159 w 6498333"/>
+              <a:gd name="connsiteY2" fmla="*/ 1396018 h 1730540"/>
+              <a:gd name="connsiteX3" fmla="*/ 6498333 w 6498333"/>
+              <a:gd name="connsiteY3" fmla="*/ 1381988 h 1730540"/>
+              <a:gd name="connsiteX4" fmla="*/ 6498333 w 6498333"/>
+              <a:gd name="connsiteY4" fmla="*/ 0 h 1730540"/>
+              <a:gd name="connsiteX5" fmla="*/ 723703 w 6498333"/>
+              <a:gd name="connsiteY5" fmla="*/ 0 h 1730540"/>
+              <a:gd name="connsiteX6" fmla="*/ 629735 w 6498333"/>
+              <a:gd name="connsiteY6" fmla="*/ 31770 h 1730540"/>
+              <a:gd name="connsiteX7" fmla="*/ 127078 w 6498333"/>
+              <a:gd name="connsiteY7" fmla="*/ 173371 h 1730540"/>
+              <a:gd name="connsiteX8" fmla="*/ 0 w 6498333"/>
+              <a:gd name="connsiteY8" fmla="*/ 235577 h 1730540"/>
+              <a:gd name="connsiteX9" fmla="*/ 967530 w 6498333"/>
+              <a:gd name="connsiteY9" fmla="*/ 225208 h 1730540"/>
+              <a:gd name="connsiteX10" fmla="*/ 620954 w 6498333"/>
+              <a:gd name="connsiteY10" fmla="*/ 408367 h 1730540"/>
+              <a:gd name="connsiteX11" fmla="*/ 542972 w 6498333"/>
+              <a:gd name="connsiteY11" fmla="*/ 463661 h 1730540"/>
+              <a:gd name="connsiteX12" fmla="*/ 635392 w 6498333"/>
+              <a:gd name="connsiteY12" fmla="*/ 515499 h 1730540"/>
+              <a:gd name="connsiteX13" fmla="*/ 843339 w 6498333"/>
+              <a:gd name="connsiteY13" fmla="*/ 532778 h 1730540"/>
+              <a:gd name="connsiteX14" fmla="*/ 297479 w 6498333"/>
+              <a:gd name="connsiteY14" fmla="*/ 584615 h 1730540"/>
+              <a:gd name="connsiteX15" fmla="*/ 358130 w 6498333"/>
+              <a:gd name="connsiteY15" fmla="*/ 688289 h 1730540"/>
+              <a:gd name="connsiteX16" fmla="*/ 326361 w 6498333"/>
+              <a:gd name="connsiteY16" fmla="*/ 809243 h 1730540"/>
+              <a:gd name="connsiteX17" fmla="*/ 649833 w 6498333"/>
+              <a:gd name="connsiteY17" fmla="*/ 854169 h 1730540"/>
+              <a:gd name="connsiteX18" fmla="*/ 1111937 w 6498333"/>
+              <a:gd name="connsiteY18" fmla="*/ 992402 h 1730540"/>
+              <a:gd name="connsiteX19" fmla="*/ 1559599 w 6498333"/>
+              <a:gd name="connsiteY19" fmla="*/ 1033872 h 1730540"/>
+              <a:gd name="connsiteX20" fmla="*/ 1929284 w 6498333"/>
+              <a:gd name="connsiteY20" fmla="*/ 1078798 h 1730540"/>
+              <a:gd name="connsiteX21" fmla="*/ 1608698 w 6498333"/>
+              <a:gd name="connsiteY21" fmla="*/ 1154826 h 1730540"/>
+              <a:gd name="connsiteX22" fmla="*/ 2183442 w 6498333"/>
+              <a:gd name="connsiteY22" fmla="*/ 1227398 h 1730540"/>
+              <a:gd name="connsiteX23" fmla="*/ 2267197 w 6498333"/>
+              <a:gd name="connsiteY23" fmla="*/ 1217031 h 1730540"/>
+              <a:gd name="connsiteX24" fmla="*/ 3148082 w 6498333"/>
+              <a:gd name="connsiteY24" fmla="*/ 1123724 h 1730540"/>
+              <a:gd name="connsiteX25" fmla="*/ 3330034 w 6498333"/>
+              <a:gd name="connsiteY25" fmla="*/ 1154826 h 1730540"/>
+              <a:gd name="connsiteX26" fmla="*/ 3145192 w 6498333"/>
+              <a:gd name="connsiteY26" fmla="*/ 1230854 h 1730540"/>
+              <a:gd name="connsiteX27" fmla="*/ 2504025 w 6498333"/>
+              <a:gd name="connsiteY27" fmla="*/ 1376000 h 1730540"/>
+              <a:gd name="connsiteX28" fmla="*/ 2954575 w 6498333"/>
+              <a:gd name="connsiteY28" fmla="*/ 1348352 h 1730540"/>
+              <a:gd name="connsiteX29" fmla="*/ 2492471 w 6498333"/>
+              <a:gd name="connsiteY29" fmla="*/ 1524600 h 1730540"/>
+              <a:gd name="connsiteX30" fmla="*/ 2342289 w 6498333"/>
+              <a:gd name="connsiteY30" fmla="*/ 1579893 h 1730540"/>
+              <a:gd name="connsiteX31" fmla="*/ 2489584 w 6498333"/>
+              <a:gd name="connsiteY31" fmla="*/ 1693935 h 1730540"/>
+              <a:gd name="connsiteX32" fmla="*/ 2987112 w 6498333"/>
+              <a:gd name="connsiteY32" fmla="*/ 1730384 h 1730540"/>
+            </a:gdLst>
+            <a:ahLst/>
+            <a:cxnLst>
+              <a:cxn ang="0">
+                <a:pos x="connsiteX0" y="connsiteY0"/>
+              </a:cxn>
+              <a:cxn ang="0">
+                <a:pos x="connsiteX1" y="connsiteY1"/>
+              </a:cxn>
+              <a:cxn ang="0">
+                <a:pos x="connsiteX2" y="connsiteY2"/>
+              </a:cxn>
+              <a:cxn ang="0">
+                <a:pos x="connsiteX3" y="connsiteY3"/>
+              </a:cxn>
+              <a:cxn ang="0">
+                <a:pos x="connsiteX4" y="connsiteY4"/>
+              </a:cxn>
+              <a:cxn ang="0">
+                <a:pos x="connsiteX5" y="connsiteY5"/>
+              </a:cxn>
+              <a:cxn ang="0">
+                <a:pos x="connsiteX6" y="connsiteY6"/>
+              </a:cxn>
+              <a:cxn ang="0">
+                <a:pos x="connsiteX7" y="connsiteY7"/>
+              </a:cxn>
+              <a:cxn ang="0">
+                <a:pos x="connsiteX8" y="connsiteY8"/>
+              </a:cxn>
+              <a:cxn ang="0">
+                <a:pos x="connsiteX9" y="connsiteY9"/>
+              </a:cxn>
+              <a:cxn ang="0">
+                <a:pos x="connsiteX10" y="connsiteY10"/>
+              </a:cxn>
+              <a:cxn ang="0">
+                <a:pos x="connsiteX11" y="connsiteY11"/>
+              </a:cxn>
+              <a:cxn ang="0">
+                <a:pos x="connsiteX12" y="connsiteY12"/>
+              </a:cxn>
+              <a:cxn ang="0">
+                <a:pos x="connsiteX13" y="connsiteY13"/>
+              </a:cxn>
+              <a:cxn ang="0">
+                <a:pos x="connsiteX14" y="connsiteY14"/>
+              </a:cxn>
+              <a:cxn ang="0">
+                <a:pos x="connsiteX15" y="connsiteY15"/>
+              </a:cxn>
+              <a:cxn ang="0">
+                <a:pos x="connsiteX16" y="connsiteY16"/>
+              </a:cxn>
+              <a:cxn ang="0">
+                <a:pos x="connsiteX17" y="connsiteY17"/>
+              </a:cxn>
+              <a:cxn ang="0">
+                <a:pos x="connsiteX18" y="connsiteY18"/>
+              </a:cxn>
+              <a:cxn ang="0">
+                <a:pos x="connsiteX19" y="connsiteY19"/>
+              </a:cxn>
+              <a:cxn ang="0">
+                <a:pos x="connsiteX20" y="connsiteY20"/>
+              </a:cxn>
+              <a:cxn ang="0">
+                <a:pos x="connsiteX21" y="connsiteY21"/>
+              </a:cxn>
+              <a:cxn ang="0">
+                <a:pos x="connsiteX22" y="connsiteY22"/>
+              </a:cxn>
+              <a:cxn ang="0">
+                <a:pos x="connsiteX23" y="connsiteY23"/>
+              </a:cxn>
+              <a:cxn ang="0">
+                <a:pos x="connsiteX24" y="connsiteY24"/>
+              </a:cxn>
+              <a:cxn ang="0">
+                <a:pos x="connsiteX25" y="connsiteY25"/>
+              </a:cxn>
+              <a:cxn ang="0">
+                <a:pos x="connsiteX26" y="connsiteY26"/>
+              </a:cxn>
+              <a:cxn ang="0">
+                <a:pos x="connsiteX27" y="connsiteY27"/>
+              </a:cxn>
+              <a:cxn ang="0">
+                <a:pos x="connsiteX28" y="connsiteY28"/>
+              </a:cxn>
+              <a:cxn ang="0">
+                <a:pos x="connsiteX29" y="connsiteY29"/>
+              </a:cxn>
+              <a:cxn ang="0">
+                <a:pos x="connsiteX30" y="connsiteY30"/>
+              </a:cxn>
+              <a:cxn ang="0">
+                <a:pos x="connsiteX31" y="connsiteY31"/>
+              </a:cxn>
+              <a:cxn ang="0">
+                <a:pos x="connsiteX32" y="connsiteY32"/>
+              </a:cxn>
+            </a:cxnLst>
+            <a:rect l="l" t="t" r="r" b="b"/>
+            <a:pathLst>
+              <a:path w="6498333" h="1730540">
+                <a:moveTo>
+                  <a:pt x="2987112" y="1730384"/>
+                </a:moveTo>
+                <a:cubicBezTo>
+                  <a:pt x="3042664" y="1730870"/>
+                  <a:pt x="3088152" y="1730222"/>
+                  <a:pt x="3113423" y="1728494"/>
+                </a:cubicBezTo>
+                <a:cubicBezTo>
+                  <a:pt x="3293752" y="1716831"/>
+                  <a:pt x="4808270" y="1725943"/>
+                  <a:pt x="6436159" y="1396018"/>
+                </a:cubicBezTo>
+                <a:lnTo>
+                  <a:pt x="6498333" y="1381988"/>
+                </a:lnTo>
+                <a:lnTo>
+                  <a:pt x="6498333" y="0"/>
+                </a:lnTo>
+                <a:lnTo>
+                  <a:pt x="723703" y="0"/>
+                </a:lnTo>
+                <a:lnTo>
+                  <a:pt x="629735" y="31770"/>
+                </a:lnTo>
+                <a:cubicBezTo>
+                  <a:pt x="421263" y="101447"/>
+                  <a:pt x="228886" y="161708"/>
+                  <a:pt x="127078" y="173371"/>
+                </a:cubicBezTo>
+                <a:cubicBezTo>
+                  <a:pt x="86644" y="176827"/>
+                  <a:pt x="25993" y="163004"/>
+                  <a:pt x="0" y="235577"/>
+                </a:cubicBezTo>
+                <a:cubicBezTo>
+                  <a:pt x="306144" y="346163"/>
+                  <a:pt x="641170" y="183739"/>
+                  <a:pt x="967530" y="225208"/>
+                </a:cubicBezTo>
+                <a:cubicBezTo>
+                  <a:pt x="866445" y="353075"/>
+                  <a:pt x="745142" y="384177"/>
+                  <a:pt x="620954" y="408367"/>
+                </a:cubicBezTo>
+                <a:cubicBezTo>
+                  <a:pt x="589182" y="415279"/>
+                  <a:pt x="542972" y="422191"/>
+                  <a:pt x="542972" y="463661"/>
+                </a:cubicBezTo>
+                <a:cubicBezTo>
+                  <a:pt x="542972" y="515499"/>
+                  <a:pt x="594959" y="505130"/>
+                  <a:pt x="635392" y="515499"/>
+                </a:cubicBezTo>
+                <a:cubicBezTo>
+                  <a:pt x="693155" y="529321"/>
+                  <a:pt x="762471" y="470573"/>
+                  <a:pt x="843339" y="532778"/>
+                </a:cubicBezTo>
+                <a:cubicBezTo>
+                  <a:pt x="646945" y="574247"/>
+                  <a:pt x="476544" y="588071"/>
+                  <a:pt x="297479" y="584615"/>
+                </a:cubicBezTo>
+                <a:cubicBezTo>
+                  <a:pt x="323472" y="629541"/>
+                  <a:pt x="378348" y="639908"/>
+                  <a:pt x="358130" y="688289"/>
+                </a:cubicBezTo>
+                <a:cubicBezTo>
+                  <a:pt x="343689" y="726304"/>
+                  <a:pt x="283038" y="760862"/>
+                  <a:pt x="326361" y="809243"/>
+                </a:cubicBezTo>
+                <a:cubicBezTo>
+                  <a:pt x="427447" y="843802"/>
+                  <a:pt x="554524" y="788508"/>
+                  <a:pt x="649833" y="854169"/>
+                </a:cubicBezTo>
+                <a:cubicBezTo>
+                  <a:pt x="782688" y="947476"/>
+                  <a:pt x="961753" y="940565"/>
+                  <a:pt x="1111937" y="992402"/>
+                </a:cubicBezTo>
+                <a:cubicBezTo>
+                  <a:pt x="1161035" y="1009682"/>
+                  <a:pt x="1472955" y="1023504"/>
+                  <a:pt x="1559599" y="1033872"/>
+                </a:cubicBezTo>
+                <a:cubicBezTo>
+                  <a:pt x="1678015" y="1047696"/>
+                  <a:pt x="1805093" y="1023504"/>
+                  <a:pt x="1929284" y="1078798"/>
+                </a:cubicBezTo>
+                <a:cubicBezTo>
+                  <a:pt x="1828198" y="1130635"/>
+                  <a:pt x="1727113" y="1075343"/>
+                  <a:pt x="1608698" y="1154826"/>
+                </a:cubicBezTo>
+                <a:cubicBezTo>
+                  <a:pt x="1825309" y="1175561"/>
+                  <a:pt x="2015928" y="1158282"/>
+                  <a:pt x="2183442" y="1227398"/>
+                </a:cubicBezTo>
+                <a:cubicBezTo>
+                  <a:pt x="2203658" y="1237767"/>
+                  <a:pt x="2238314" y="1220487"/>
+                  <a:pt x="2267197" y="1217031"/>
+                </a:cubicBezTo>
+                <a:cubicBezTo>
+                  <a:pt x="2561787" y="1179017"/>
+                  <a:pt x="2853490" y="1134091"/>
+                  <a:pt x="3148082" y="1123724"/>
+                </a:cubicBezTo>
+                <a:cubicBezTo>
+                  <a:pt x="3214508" y="1120268"/>
+                  <a:pt x="3327146" y="1092621"/>
+                  <a:pt x="3330034" y="1154826"/>
+                </a:cubicBezTo>
+                <a:cubicBezTo>
+                  <a:pt x="3330034" y="1251589"/>
+                  <a:pt x="3214508" y="1220487"/>
+                  <a:pt x="3145192" y="1230854"/>
+                </a:cubicBezTo>
+                <a:cubicBezTo>
+                  <a:pt x="2931471" y="1268869"/>
+                  <a:pt x="2711970" y="1282691"/>
+                  <a:pt x="2504025" y="1376000"/>
+                </a:cubicBezTo>
+                <a:cubicBezTo>
+                  <a:pt x="2654207" y="1365632"/>
+                  <a:pt x="2804392" y="1358720"/>
+                  <a:pt x="2954575" y="1348352"/>
+                </a:cubicBezTo>
+                <a:cubicBezTo>
+                  <a:pt x="2787063" y="1386367"/>
+                  <a:pt x="2654207" y="1476218"/>
+                  <a:pt x="2492471" y="1524600"/>
+                </a:cubicBezTo>
+                <a:cubicBezTo>
+                  <a:pt x="2408715" y="1548791"/>
+                  <a:pt x="2342289" y="1579893"/>
+                  <a:pt x="2342289" y="1579893"/>
+                </a:cubicBezTo>
+                <a:cubicBezTo>
+                  <a:pt x="2342289" y="1579893"/>
+                  <a:pt x="2356730" y="1655921"/>
+                  <a:pt x="2489584" y="1693935"/>
+                </a:cubicBezTo>
+                <a:cubicBezTo>
+                  <a:pt x="2563232" y="1717262"/>
+                  <a:pt x="2820457" y="1728925"/>
+                  <a:pt x="2987112" y="1730384"/>
+                </a:cubicBezTo>
+                <a:close/>
+              </a:path>
+            </a:pathLst>
+          </a:custGeom>
+          <a:solidFill>
+            <a:schemeClr val="bg2">
+              <a:alpha val="50000"/>
+            </a:schemeClr>
+          </a:solidFill>
+          <a:ln w="32707" cap="flat">
+            <a:noFill/>
+            <a:prstDash val="solid"/>
+            <a:miter/>
+          </a:ln>
+        </p:spPr>
+        <p:txBody>
+          <a:bodyPr wrap="square" rtlCol="0" anchor="ctr">
+            <a:noAutofit/>
+          </a:bodyPr>
+          <a:lstStyle/>
+          <a:p>
+            <a:endParaRPr lang="en-US">
+              <a:solidFill>
+                <a:schemeClr val="tx1"/>
+              </a:solidFill>
+            </a:endParaRPr>
+          </a:p>
+        </p:txBody>
+      </p:sp>
+      <p:sp>
+        <p:nvSpPr>
+          <p:cNvPr id="3" name="Content Placeholder 2">
+            <a:extLst>
+              <a:ext uri="{FF2B5EF4-FFF2-40B4-BE49-F238E27FC236}">
+                <a16:creationId xmlns:a16="http://schemas.microsoft.com/office/drawing/2014/main" id="{B550C824-7E13-4EDE-A68C-2C35B4FEB815}"/>
+              </a:ext>
+            </a:extLst>
+          </p:cNvPr>
+          <p:cNvSpPr>
+            <a:spLocks noGrp="1"/>
+          </p:cNvSpPr>
+          <p:nvPr>
+            <p:ph idx="1"/>
+          </p:nvPr>
+        </p:nvSpPr>
+        <p:spPr>
+          <a:xfrm>
+            <a:off x="1820559" y="2499709"/>
+            <a:ext cx="5257804" cy="3929186"/>
+          </a:xfrm>
+        </p:spPr>
+        <p:txBody>
+          <a:bodyPr anchor="t">
+            <a:normAutofit/>
+          </a:bodyPr>
+          <a:lstStyle/>
+          <a:p>
+            <a:pPr rtl="0" fontAlgn="base">
+              <a:spcBef>
+                <a:spcPts val="0"/>
+              </a:spcBef>
+              <a:spcAft>
+                <a:spcPts val="1200"/>
+              </a:spcAft>
+              <a:buFont typeface="Wingdings" pitchFamily="2" charset="2"/>
+              <a:buChar char="Ø"/>
+            </a:pPr>
+            <a:r>
+              <a:rPr lang="en-GB" sz="3200" b="0" i="0" u="none" strike="noStrike" dirty="0">
+                <a:effectLst/>
+                <a:latin typeface="Lato" panose="020F0502020204030203" pitchFamily="34" charset="0"/>
+              </a:rPr>
+              <a:t>Maven 4 - what’s new</a:t>
+            </a:r>
+          </a:p>
+          <a:p>
+            <a:pPr rtl="0" fontAlgn="base">
+              <a:spcBef>
+                <a:spcPts val="0"/>
+              </a:spcBef>
+              <a:spcAft>
+                <a:spcPts val="1200"/>
+              </a:spcAft>
+              <a:buFont typeface="Wingdings" pitchFamily="2" charset="2"/>
+              <a:buChar char="Ø"/>
+            </a:pPr>
+            <a:endParaRPr lang="en-GB" sz="3200" b="0" i="0" u="none" strike="noStrike" dirty="0">
+              <a:effectLst/>
+              <a:latin typeface="Lato" panose="020F0502020204030203" pitchFamily="34" charset="0"/>
+            </a:endParaRPr>
+          </a:p>
+          <a:p>
+            <a:pPr rtl="0" fontAlgn="base">
+              <a:spcBef>
+                <a:spcPts val="0"/>
+              </a:spcBef>
+              <a:spcAft>
+                <a:spcPts val="0"/>
+              </a:spcAft>
+              <a:buFont typeface="Wingdings" pitchFamily="2" charset="2"/>
+              <a:buChar char="Ø"/>
+            </a:pPr>
+            <a:r>
+              <a:rPr lang="en-GB" sz="3200" b="0" i="0" u="none" strike="noStrike" dirty="0">
+                <a:effectLst/>
+                <a:latin typeface="Lato" panose="020F0502020204030203" pitchFamily="34" charset="0"/>
+              </a:rPr>
+              <a:t>Java 21 – goodies</a:t>
+            </a:r>
+          </a:p>
+          <a:p>
+            <a:pPr marL="0" indent="0" rtl="0" fontAlgn="base">
+              <a:spcBef>
+                <a:spcPts val="0"/>
+              </a:spcBef>
+              <a:spcAft>
+                <a:spcPts val="0"/>
+              </a:spcAft>
+              <a:buNone/>
+            </a:pPr>
+            <a:endParaRPr lang="en-GB" sz="3200" b="0" i="0" u="none" strike="noStrike" dirty="0">
+              <a:effectLst/>
+              <a:latin typeface="Lato" panose="020F0502020204030203" pitchFamily="34" charset="0"/>
+            </a:endParaRPr>
+          </a:p>
+          <a:p>
+            <a:pPr rtl="0" fontAlgn="base">
+              <a:spcBef>
+                <a:spcPts val="0"/>
+              </a:spcBef>
+              <a:spcAft>
+                <a:spcPts val="0"/>
+              </a:spcAft>
+              <a:buFont typeface="Wingdings" pitchFamily="2" charset="2"/>
+              <a:buChar char="Ø"/>
+            </a:pPr>
+            <a:endParaRPr lang="en-GB" sz="3200" dirty="0">
+              <a:latin typeface="Lato" panose="020F0502020204030203" pitchFamily="34" charset="0"/>
+            </a:endParaRPr>
+          </a:p>
+          <a:p>
+            <a:pPr rtl="0" fontAlgn="base">
+              <a:spcBef>
+                <a:spcPts val="0"/>
+              </a:spcBef>
+              <a:spcAft>
+                <a:spcPts val="0"/>
+              </a:spcAft>
+              <a:buFont typeface="Wingdings" pitchFamily="2" charset="2"/>
+              <a:buChar char="Ø"/>
+            </a:pPr>
+            <a:r>
+              <a:rPr lang="en-GB" sz="3200" b="0" i="0" u="none" strike="noStrike" dirty="0">
+                <a:effectLst/>
+                <a:latin typeface="Lato" panose="020F0502020204030203" pitchFamily="34" charset="0"/>
+              </a:rPr>
+              <a:t>Play time</a:t>
+            </a:r>
+          </a:p>
+        </p:txBody>
+      </p:sp>
+    </p:spTree>
+    <p:extLst>
+      <p:ext uri="{BB962C8B-B14F-4D97-AF65-F5344CB8AC3E}">
+        <p14:creationId xmlns:p14="http://schemas.microsoft.com/office/powerpoint/2010/main" val="3704788612"/>
+      </p:ext>
+    </p:extLst>
+  </p:cSld>
+  <p:clrMapOvr>
+    <a:masterClrMapping/>
+  </p:clrMapOvr>
+</p:sld>
+</file>
+
+<file path=ppt/slides/slide20.xml><?xml version="1.0" encoding="utf-8"?>
 <p:sld xmlns:a="http://schemas.openxmlformats.org/drawingml/2006/main" xmlns:r="http://schemas.openxmlformats.org/officeDocument/2006/relationships" xmlns:p="http://schemas.openxmlformats.org/presentationml/2006/main">
   <p:cSld>
     <p:bg>
@@ -13124,6 +16099,568 @@
           <a:lstStyle/>
           <a:p>
             <a:r>
+              <a:rPr lang="en-GB" dirty="0">
+                <a:solidFill>
+                  <a:srgbClr val="0033B3"/>
+                </a:solidFill>
+                <a:effectLst/>
+              </a:rPr>
+              <a:t>JEP 453.</a:t>
+            </a:r>
+            <a:r>
+              <a:rPr lang="en-GB" dirty="0">
+                <a:solidFill>
+                  <a:srgbClr val="080808"/>
+                </a:solidFill>
+              </a:rPr>
+              <a:t> </a:t>
+            </a:r>
+            <a:r>
+              <a:rPr lang="en-GB" b="1" i="0" dirty="0">
+                <a:effectLst/>
+                <a:latin typeface="Calibri" panose="020F0502020204030204" pitchFamily="34" charset="0"/>
+                <a:cs typeface="Calibri" panose="020F0502020204030204" pitchFamily="34" charset="0"/>
+              </a:rPr>
+              <a:t>Structured Concurrency </a:t>
+            </a:r>
+            <a:r>
+              <a:rPr lang="en-GB" b="1" i="1" dirty="0">
+                <a:effectLst/>
+                <a:latin typeface="Calibri" panose="020F0502020204030204" pitchFamily="34" charset="0"/>
+                <a:cs typeface="Calibri" panose="020F0502020204030204" pitchFamily="34" charset="0"/>
+              </a:rPr>
+              <a:t>(preview)</a:t>
+            </a:r>
+            <a:endParaRPr lang="en-US" b="1" i="1" dirty="0">
+              <a:latin typeface="Calibri" panose="020F0502020204030204" pitchFamily="34" charset="0"/>
+              <a:cs typeface="Calibri" panose="020F0502020204030204" pitchFamily="34" charset="0"/>
+            </a:endParaRPr>
+          </a:p>
+        </p:txBody>
+      </p:sp>
+      <p:sp>
+        <p:nvSpPr>
+          <p:cNvPr id="5" name="Content Placeholder 2">
+            <a:extLst>
+              <a:ext uri="{FF2B5EF4-FFF2-40B4-BE49-F238E27FC236}">
+                <a16:creationId xmlns:a16="http://schemas.microsoft.com/office/drawing/2014/main" id="{0F185C89-F955-E16F-9789-4C190361684A}"/>
+              </a:ext>
+            </a:extLst>
+          </p:cNvPr>
+          <p:cNvSpPr>
+            <a:spLocks noGrp="1"/>
+          </p:cNvSpPr>
+          <p:nvPr>
+            <p:ph idx="1"/>
+          </p:nvPr>
+        </p:nvSpPr>
+        <p:spPr>
+          <a:xfrm>
+            <a:off x="838202" y="1648050"/>
+            <a:ext cx="3975846" cy="4384450"/>
+          </a:xfrm>
+        </p:spPr>
+        <p:txBody>
+          <a:bodyPr>
+            <a:normAutofit/>
+          </a:bodyPr>
+          <a:lstStyle/>
+          <a:p>
+            <a:r>
+              <a:rPr lang="en-GB" sz="2000" b="0" i="0" dirty="0">
+                <a:solidFill>
+                  <a:srgbClr val="1A1816"/>
+                </a:solidFill>
+                <a:effectLst/>
+                <a:latin typeface="Oracle Sans"/>
+              </a:rPr>
+              <a:t>Structured concurrency treats groups of related tasks running in different threads as a single unit of work, thereby streamlining error handling and cancellation, improving reliability, and enhancing observability.</a:t>
+            </a:r>
+            <a:endParaRPr lang="en-US" sz="2000" b="1" i="1" dirty="0"/>
+          </a:p>
+        </p:txBody>
+      </p:sp>
+      <p:pic>
+        <p:nvPicPr>
+          <p:cNvPr id="3" name="Picture 2" descr="A screenshot of a computer&#10;&#10;Description automatically generated">
+            <a:extLst>
+              <a:ext uri="{FF2B5EF4-FFF2-40B4-BE49-F238E27FC236}">
+                <a16:creationId xmlns:a16="http://schemas.microsoft.com/office/drawing/2014/main" id="{C6124F93-88D3-8711-E449-DAF2740CC953}"/>
+              </a:ext>
+            </a:extLst>
+          </p:cNvPr>
+          <p:cNvPicPr>
+            <a:picLocks noChangeAspect="1"/>
+          </p:cNvPicPr>
+          <p:nvPr/>
+        </p:nvPicPr>
+        <p:blipFill>
+          <a:blip r:embed="rId2"/>
+          <a:stretch>
+            <a:fillRect/>
+          </a:stretch>
+        </p:blipFill>
+        <p:spPr>
+          <a:xfrm>
+            <a:off x="3657600" y="1690688"/>
+            <a:ext cx="8248923" cy="5129345"/>
+          </a:xfrm>
+          <a:prstGeom prst="rect">
+            <a:avLst/>
+          </a:prstGeom>
+        </p:spPr>
+      </p:pic>
+    </p:spTree>
+    <p:extLst>
+      <p:ext uri="{BB962C8B-B14F-4D97-AF65-F5344CB8AC3E}">
+        <p14:creationId xmlns:p14="http://schemas.microsoft.com/office/powerpoint/2010/main" val="4099995760"/>
+      </p:ext>
+    </p:extLst>
+  </p:cSld>
+  <p:clrMapOvr>
+    <a:masterClrMapping/>
+  </p:clrMapOvr>
+</p:sld>
+</file>
+
+<file path=ppt/slides/slide21.xml><?xml version="1.0" encoding="utf-8"?>
+<p:sld xmlns:a="http://schemas.openxmlformats.org/drawingml/2006/main" xmlns:r="http://schemas.openxmlformats.org/officeDocument/2006/relationships" xmlns:p="http://schemas.openxmlformats.org/presentationml/2006/main">
+  <p:cSld>
+    <p:spTree>
+      <p:nvGrpSpPr>
+        <p:cNvPr id="1" name=""/>
+        <p:cNvGrpSpPr/>
+        <p:nvPr/>
+      </p:nvGrpSpPr>
+      <p:grpSpPr>
+        <a:xfrm>
+          <a:off x="0" y="0"/>
+          <a:ext cx="0" cy="0"/>
+          <a:chOff x="0" y="0"/>
+          <a:chExt cx="0" cy="0"/>
+        </a:xfrm>
+      </p:grpSpPr>
+      <p:sp>
+        <p:nvSpPr>
+          <p:cNvPr id="4" name="Title 1">
+            <a:extLst>
+              <a:ext uri="{FF2B5EF4-FFF2-40B4-BE49-F238E27FC236}">
+                <a16:creationId xmlns:a16="http://schemas.microsoft.com/office/drawing/2014/main" id="{BE1FA31E-C11D-BE89-BF20-B8F8486E2000}"/>
+              </a:ext>
+            </a:extLst>
+          </p:cNvPr>
+          <p:cNvSpPr>
+            <a:spLocks noGrp="1"/>
+          </p:cNvSpPr>
+          <p:nvPr>
+            <p:ph type="title"/>
+          </p:nvPr>
+        </p:nvSpPr>
+        <p:spPr>
+          <a:xfrm>
+            <a:off x="838200" y="365125"/>
+            <a:ext cx="10515600" cy="1325563"/>
+          </a:xfrm>
+        </p:spPr>
+        <p:txBody>
+          <a:bodyPr>
+            <a:normAutofit/>
+          </a:bodyPr>
+          <a:lstStyle/>
+          <a:p>
+            <a:r>
+              <a:rPr lang="en-GB" b="1" i="0" dirty="0">
+                <a:effectLst/>
+                <a:latin typeface="Calibri" panose="020F0502020204030204" pitchFamily="34" charset="0"/>
+                <a:cs typeface="Calibri" panose="020F0502020204030204" pitchFamily="34" charset="0"/>
+              </a:rPr>
+              <a:t>Structured Concurrency </a:t>
+            </a:r>
+            <a:r>
+              <a:rPr lang="en-GB" b="1" i="1" dirty="0">
+                <a:effectLst/>
+                <a:latin typeface="Calibri" panose="020F0502020204030204" pitchFamily="34" charset="0"/>
+                <a:cs typeface="Calibri" panose="020F0502020204030204" pitchFamily="34" charset="0"/>
+              </a:rPr>
+              <a:t>(preview) - simple</a:t>
+            </a:r>
+            <a:endParaRPr lang="en-US" b="1" i="1" dirty="0">
+              <a:latin typeface="Calibri" panose="020F0502020204030204" pitchFamily="34" charset="0"/>
+              <a:cs typeface="Calibri" panose="020F0502020204030204" pitchFamily="34" charset="0"/>
+            </a:endParaRPr>
+          </a:p>
+        </p:txBody>
+      </p:sp>
+      <p:pic>
+        <p:nvPicPr>
+          <p:cNvPr id="13" name="Content Placeholder 12" descr="A screenshot of a computer&#10;&#10;Description automatically generated">
+            <a:extLst>
+              <a:ext uri="{FF2B5EF4-FFF2-40B4-BE49-F238E27FC236}">
+                <a16:creationId xmlns:a16="http://schemas.microsoft.com/office/drawing/2014/main" id="{C8AA981C-AC0C-B5A6-0ED4-478B9491A924}"/>
+              </a:ext>
+            </a:extLst>
+          </p:cNvPr>
+          <p:cNvPicPr>
+            <a:picLocks noGrp="1" noChangeAspect="1"/>
+          </p:cNvPicPr>
+          <p:nvPr>
+            <p:ph idx="1"/>
+          </p:nvPr>
+        </p:nvPicPr>
+        <p:blipFill>
+          <a:blip r:embed="rId2"/>
+          <a:stretch>
+            <a:fillRect/>
+          </a:stretch>
+        </p:blipFill>
+        <p:spPr>
+          <a:xfrm>
+            <a:off x="564776" y="1485903"/>
+            <a:ext cx="7177741" cy="5224973"/>
+          </a:xfrm>
+        </p:spPr>
+      </p:pic>
+    </p:spTree>
+    <p:extLst>
+      <p:ext uri="{BB962C8B-B14F-4D97-AF65-F5344CB8AC3E}">
+        <p14:creationId xmlns:p14="http://schemas.microsoft.com/office/powerpoint/2010/main" val="3475201808"/>
+      </p:ext>
+    </p:extLst>
+  </p:cSld>
+  <p:clrMapOvr>
+    <a:masterClrMapping/>
+  </p:clrMapOvr>
+</p:sld>
+</file>
+
+<file path=ppt/slides/slide22.xml><?xml version="1.0" encoding="utf-8"?>
+<p:sld xmlns:a="http://schemas.openxmlformats.org/drawingml/2006/main" xmlns:r="http://schemas.openxmlformats.org/officeDocument/2006/relationships" xmlns:p="http://schemas.openxmlformats.org/presentationml/2006/main">
+  <p:cSld>
+    <p:spTree>
+      <p:nvGrpSpPr>
+        <p:cNvPr id="1" name=""/>
+        <p:cNvGrpSpPr/>
+        <p:nvPr/>
+      </p:nvGrpSpPr>
+      <p:grpSpPr>
+        <a:xfrm>
+          <a:off x="0" y="0"/>
+          <a:ext cx="0" cy="0"/>
+          <a:chOff x="0" y="0"/>
+          <a:chExt cx="0" cy="0"/>
+        </a:xfrm>
+      </p:grpSpPr>
+      <p:sp>
+        <p:nvSpPr>
+          <p:cNvPr id="4" name="Title 1">
+            <a:extLst>
+              <a:ext uri="{FF2B5EF4-FFF2-40B4-BE49-F238E27FC236}">
+                <a16:creationId xmlns:a16="http://schemas.microsoft.com/office/drawing/2014/main" id="{BE1FA31E-C11D-BE89-BF20-B8F8486E2000}"/>
+              </a:ext>
+            </a:extLst>
+          </p:cNvPr>
+          <p:cNvSpPr>
+            <a:spLocks noGrp="1"/>
+          </p:cNvSpPr>
+          <p:nvPr>
+            <p:ph type="title"/>
+          </p:nvPr>
+        </p:nvSpPr>
+        <p:spPr>
+          <a:xfrm>
+            <a:off x="838200" y="365125"/>
+            <a:ext cx="10515600" cy="1325563"/>
+          </a:xfrm>
+        </p:spPr>
+        <p:txBody>
+          <a:bodyPr>
+            <a:normAutofit/>
+          </a:bodyPr>
+          <a:lstStyle/>
+          <a:p>
+            <a:r>
+              <a:rPr lang="en-GB" b="1" i="0" dirty="0">
+                <a:effectLst/>
+                <a:latin typeface="Calibri" panose="020F0502020204030204" pitchFamily="34" charset="0"/>
+                <a:cs typeface="Calibri" panose="020F0502020204030204" pitchFamily="34" charset="0"/>
+              </a:rPr>
+              <a:t>Structured Concurrency </a:t>
+            </a:r>
+            <a:r>
+              <a:rPr lang="en-GB" b="1" i="1" dirty="0">
+                <a:effectLst/>
+                <a:latin typeface="Calibri" panose="020F0502020204030204" pitchFamily="34" charset="0"/>
+                <a:cs typeface="Calibri" panose="020F0502020204030204" pitchFamily="34" charset="0"/>
+              </a:rPr>
+              <a:t>(preview) - nested</a:t>
+            </a:r>
+            <a:endParaRPr lang="en-US" b="1" i="1" dirty="0">
+              <a:latin typeface="Calibri" panose="020F0502020204030204" pitchFamily="34" charset="0"/>
+              <a:cs typeface="Calibri" panose="020F0502020204030204" pitchFamily="34" charset="0"/>
+            </a:endParaRPr>
+          </a:p>
+        </p:txBody>
+      </p:sp>
+      <p:pic>
+        <p:nvPicPr>
+          <p:cNvPr id="3" name="Content Placeholder 2" descr="A screenshot of a computer&#10;&#10;Description automatically generated">
+            <a:extLst>
+              <a:ext uri="{FF2B5EF4-FFF2-40B4-BE49-F238E27FC236}">
+                <a16:creationId xmlns:a16="http://schemas.microsoft.com/office/drawing/2014/main" id="{B9ED9DF5-6A9F-2D35-3F0D-CBA3D0B8CC23}"/>
+              </a:ext>
+            </a:extLst>
+          </p:cNvPr>
+          <p:cNvPicPr>
+            <a:picLocks noGrp="1" noChangeAspect="1"/>
+          </p:cNvPicPr>
+          <p:nvPr>
+            <p:ph idx="1"/>
+          </p:nvPr>
+        </p:nvPicPr>
+        <p:blipFill>
+          <a:blip r:embed="rId3"/>
+          <a:stretch>
+            <a:fillRect/>
+          </a:stretch>
+        </p:blipFill>
+        <p:spPr>
+          <a:xfrm>
+            <a:off x="367553" y="1381312"/>
+            <a:ext cx="5557370" cy="5557370"/>
+          </a:xfrm>
+        </p:spPr>
+      </p:pic>
+    </p:spTree>
+    <p:extLst>
+      <p:ext uri="{BB962C8B-B14F-4D97-AF65-F5344CB8AC3E}">
+        <p14:creationId xmlns:p14="http://schemas.microsoft.com/office/powerpoint/2010/main" val="2705040428"/>
+      </p:ext>
+    </p:extLst>
+  </p:cSld>
+  <p:clrMapOvr>
+    <a:masterClrMapping/>
+  </p:clrMapOvr>
+</p:sld>
+</file>
+
+<file path=ppt/slides/slide23.xml><?xml version="1.0" encoding="utf-8"?>
+<p:sld xmlns:a="http://schemas.openxmlformats.org/drawingml/2006/main" xmlns:r="http://schemas.openxmlformats.org/officeDocument/2006/relationships" xmlns:p="http://schemas.openxmlformats.org/presentationml/2006/main">
+  <p:cSld>
+    <p:spTree>
+      <p:nvGrpSpPr>
+        <p:cNvPr id="1" name=""/>
+        <p:cNvGrpSpPr/>
+        <p:nvPr/>
+      </p:nvGrpSpPr>
+      <p:grpSpPr>
+        <a:xfrm>
+          <a:off x="0" y="0"/>
+          <a:ext cx="0" cy="0"/>
+          <a:chOff x="0" y="0"/>
+          <a:chExt cx="0" cy="0"/>
+        </a:xfrm>
+      </p:grpSpPr>
+      <p:sp>
+        <p:nvSpPr>
+          <p:cNvPr id="2" name="Title 1">
+            <a:extLst>
+              <a:ext uri="{FF2B5EF4-FFF2-40B4-BE49-F238E27FC236}">
+                <a16:creationId xmlns:a16="http://schemas.microsoft.com/office/drawing/2014/main" id="{C20B7F55-FBE9-A6ED-C8E6-9F107CC97BEE}"/>
+              </a:ext>
+            </a:extLst>
+          </p:cNvPr>
+          <p:cNvSpPr>
+            <a:spLocks noGrp="1"/>
+          </p:cNvSpPr>
+          <p:nvPr>
+            <p:ph type="title"/>
+          </p:nvPr>
+        </p:nvSpPr>
+        <p:spPr/>
+        <p:txBody>
+          <a:bodyPr/>
+          <a:lstStyle/>
+          <a:p>
+            <a:r>
+              <a:rPr lang="en-GB" b="1" i="0" dirty="0">
+                <a:effectLst/>
+                <a:latin typeface="Calibri" panose="020F0502020204030204" pitchFamily="34" charset="0"/>
+                <a:cs typeface="Calibri" panose="020F0502020204030204" pitchFamily="34" charset="0"/>
+              </a:rPr>
+              <a:t>Structured Concurrency </a:t>
+            </a:r>
+            <a:r>
+              <a:rPr lang="en-GB" b="1" i="1" dirty="0">
+                <a:effectLst/>
+                <a:latin typeface="Calibri" panose="020F0502020204030204" pitchFamily="34" charset="0"/>
+                <a:cs typeface="Calibri" panose="020F0502020204030204" pitchFamily="34" charset="0"/>
+              </a:rPr>
+              <a:t>(preview)</a:t>
+            </a:r>
+            <a:endParaRPr lang="en-US" dirty="0"/>
+          </a:p>
+        </p:txBody>
+      </p:sp>
+      <p:sp>
+        <p:nvSpPr>
+          <p:cNvPr id="3" name="Content Placeholder 2">
+            <a:extLst>
+              <a:ext uri="{FF2B5EF4-FFF2-40B4-BE49-F238E27FC236}">
+                <a16:creationId xmlns:a16="http://schemas.microsoft.com/office/drawing/2014/main" id="{1CC38366-8231-8894-F70D-02DF2FD7DBBD}"/>
+              </a:ext>
+            </a:extLst>
+          </p:cNvPr>
+          <p:cNvSpPr>
+            <a:spLocks noGrp="1"/>
+          </p:cNvSpPr>
+          <p:nvPr>
+            <p:ph idx="1"/>
+          </p:nvPr>
+        </p:nvSpPr>
+        <p:spPr/>
+        <p:txBody>
+          <a:bodyPr/>
+          <a:lstStyle/>
+          <a:p>
+            <a:r>
+              <a:rPr lang="en-US" dirty="0"/>
+              <a:t>Advantages</a:t>
+            </a:r>
+          </a:p>
+          <a:p>
+            <a:pPr lvl="1"/>
+            <a:r>
+              <a:rPr lang="en-GB" dirty="0">
+                <a:solidFill>
+                  <a:srgbClr val="080808"/>
+                </a:solidFill>
+              </a:rPr>
+              <a:t>H</a:t>
+            </a:r>
+            <a:r>
+              <a:rPr lang="en-GB" dirty="0">
+                <a:solidFill>
+                  <a:srgbClr val="080808"/>
+                </a:solidFill>
+                <a:effectLst/>
+              </a:rPr>
+              <a:t>ierarchical organization of tasks</a:t>
+            </a:r>
+            <a:endParaRPr lang="en-US" dirty="0">
+              <a:solidFill>
+                <a:srgbClr val="080808"/>
+              </a:solidFill>
+              <a:effectLst/>
+            </a:endParaRPr>
+          </a:p>
+          <a:p>
+            <a:pPr lvl="1"/>
+            <a:r>
+              <a:rPr lang="en-US" dirty="0">
+                <a:solidFill>
+                  <a:srgbClr val="080808"/>
+                </a:solidFill>
+              </a:rPr>
+              <a:t>Reduced resource leaks</a:t>
+            </a:r>
+          </a:p>
+          <a:p>
+            <a:pPr lvl="1"/>
+            <a:r>
+              <a:rPr lang="en-US" dirty="0">
+                <a:solidFill>
+                  <a:srgbClr val="080808"/>
+                </a:solidFill>
+              </a:rPr>
+              <a:t>No orphaned tasks</a:t>
+            </a:r>
+          </a:p>
+          <a:p>
+            <a:pPr lvl="1"/>
+            <a:r>
+              <a:rPr lang="en-US" dirty="0">
+                <a:solidFill>
+                  <a:srgbClr val="080808"/>
+                </a:solidFill>
+              </a:rPr>
+              <a:t>Easier error handling</a:t>
+            </a:r>
+            <a:endParaRPr lang="en-US" dirty="0"/>
+          </a:p>
+          <a:p>
+            <a:r>
+              <a:rPr lang="en-US" dirty="0"/>
+              <a:t>Disadvantages</a:t>
+            </a:r>
+          </a:p>
+          <a:p>
+            <a:pPr lvl="1"/>
+            <a:r>
+              <a:rPr lang="en-US" dirty="0"/>
+              <a:t>In case of successful tasks, there is no way to figure out what kind of service is task is specific to (ATM)</a:t>
+            </a:r>
+          </a:p>
+        </p:txBody>
+      </p:sp>
+    </p:spTree>
+    <p:extLst>
+      <p:ext uri="{BB962C8B-B14F-4D97-AF65-F5344CB8AC3E}">
+        <p14:creationId xmlns:p14="http://schemas.microsoft.com/office/powerpoint/2010/main" val="3702676921"/>
+      </p:ext>
+    </p:extLst>
+  </p:cSld>
+  <p:clrMapOvr>
+    <a:masterClrMapping/>
+  </p:clrMapOvr>
+</p:sld>
+</file>
+
+<file path=ppt/slides/slide24.xml><?xml version="1.0" encoding="utf-8"?>
+<p:sld xmlns:a="http://schemas.openxmlformats.org/drawingml/2006/main" xmlns:r="http://schemas.openxmlformats.org/officeDocument/2006/relationships" xmlns:p="http://schemas.openxmlformats.org/presentationml/2006/main">
+  <p:cSld>
+    <p:spTree>
+      <p:nvGrpSpPr>
+        <p:cNvPr id="1" name=""/>
+        <p:cNvGrpSpPr/>
+        <p:nvPr/>
+      </p:nvGrpSpPr>
+      <p:grpSpPr>
+        <a:xfrm>
+          <a:off x="0" y="0"/>
+          <a:ext cx="0" cy="0"/>
+          <a:chOff x="0" y="0"/>
+          <a:chExt cx="0" cy="0"/>
+        </a:xfrm>
+      </p:grpSpPr>
+      <p:sp>
+        <p:nvSpPr>
+          <p:cNvPr id="4" name="Title 1">
+            <a:extLst>
+              <a:ext uri="{FF2B5EF4-FFF2-40B4-BE49-F238E27FC236}">
+                <a16:creationId xmlns:a16="http://schemas.microsoft.com/office/drawing/2014/main" id="{BE1FA31E-C11D-BE89-BF20-B8F8486E2000}"/>
+              </a:ext>
+            </a:extLst>
+          </p:cNvPr>
+          <p:cNvSpPr>
+            <a:spLocks noGrp="1"/>
+          </p:cNvSpPr>
+          <p:nvPr>
+            <p:ph type="title"/>
+          </p:nvPr>
+        </p:nvSpPr>
+        <p:spPr>
+          <a:xfrm>
+            <a:off x="838200" y="365125"/>
+            <a:ext cx="10515600" cy="1325563"/>
+          </a:xfrm>
+        </p:spPr>
+        <p:txBody>
+          <a:bodyPr>
+            <a:normAutofit/>
+          </a:bodyPr>
+          <a:lstStyle/>
+          <a:p>
+            <a:r>
               <a:rPr lang="en-GB" b="1" i="0" dirty="0">
                 <a:effectLst/>
                 <a:latin typeface="Calibri" panose="020F0502020204030204" pitchFamily="34" charset="0"/>
@@ -13190,7 +16727,7 @@
     </p:spTree>
     <p:extLst>
       <p:ext uri="{BB962C8B-B14F-4D97-AF65-F5344CB8AC3E}">
-        <p14:creationId xmlns:p14="http://schemas.microsoft.com/office/powerpoint/2010/main" val="4099995760"/>
+        <p14:creationId xmlns:p14="http://schemas.microsoft.com/office/powerpoint/2010/main" val="4126816809"/>
       </p:ext>
     </p:extLst>
   </p:cSld>
@@ -13200,7 +16737,7 @@
 </p:sld>
 </file>
 
-<file path=ppt/slides/slide18.xml><?xml version="1.0" encoding="utf-8"?>
+<file path=ppt/slides/slide25.xml><?xml version="1.0" encoding="utf-8"?>
 <p:sld xmlns:a="http://schemas.openxmlformats.org/drawingml/2006/main" xmlns:r="http://schemas.openxmlformats.org/officeDocument/2006/relationships" xmlns:p="http://schemas.openxmlformats.org/presentationml/2006/main">
   <p:cSld>
     <p:bg>
@@ -14468,7 +18005,7 @@
 </p:sld>
 </file>
 
-<file path=ppt/slides/slide19.xml><?xml version="1.0" encoding="utf-8"?>
+<file path=ppt/slides/slide26.xml><?xml version="1.0" encoding="utf-8"?>
 <p:sld xmlns:a="http://schemas.openxmlformats.org/drawingml/2006/main" xmlns:r="http://schemas.openxmlformats.org/officeDocument/2006/relationships" xmlns:p="http://schemas.openxmlformats.org/presentationml/2006/main">
   <p:cSld>
     <p:bg>
@@ -14905,1364 +18442,7 @@
 </p:sld>
 </file>
 
-<file path=ppt/slides/slide2.xml><?xml version="1.0" encoding="utf-8"?>
-<p:sld xmlns:a="http://schemas.openxmlformats.org/drawingml/2006/main" xmlns:r="http://schemas.openxmlformats.org/officeDocument/2006/relationships" xmlns:p="http://schemas.openxmlformats.org/presentationml/2006/main">
-  <p:cSld>
-    <p:bg>
-      <p:bgPr>
-        <a:solidFill>
-          <a:schemeClr val="bg1"/>
-        </a:solidFill>
-        <a:effectLst/>
-      </p:bgPr>
-    </p:bg>
-    <p:spTree>
-      <p:nvGrpSpPr>
-        <p:cNvPr id="1" name=""/>
-        <p:cNvGrpSpPr/>
-        <p:nvPr/>
-      </p:nvGrpSpPr>
-      <p:grpSpPr>
-        <a:xfrm>
-          <a:off x="0" y="0"/>
-          <a:ext cx="0" cy="0"/>
-          <a:chOff x="0" y="0"/>
-          <a:chExt cx="0" cy="0"/>
-        </a:xfrm>
-      </p:grpSpPr>
-      <p:sp useBgFill="1">
-        <p:nvSpPr>
-          <p:cNvPr id="8" name="Rectangle 7">
-            <a:extLst>
-              <a:ext uri="{FF2B5EF4-FFF2-40B4-BE49-F238E27FC236}">
-                <a16:creationId xmlns:a16="http://schemas.microsoft.com/office/drawing/2014/main" id="{B20EED73-1494-4E89-869B-E501A02B2408}"/>
-              </a:ext>
-              <a:ext uri="{C183D7F6-B498-43B3-948B-1728B52AA6E4}">
-                <adec:decorative xmlns:adec="http://schemas.microsoft.com/office/drawing/2017/decorative" val="1"/>
-              </a:ext>
-            </a:extLst>
-          </p:cNvPr>
-          <p:cNvSpPr>
-            <a:spLocks noGrp="1" noRot="1" noChangeAspect="1" noMove="1" noResize="1" noEditPoints="1" noAdjustHandles="1" noChangeArrowheads="1" noChangeShapeType="1" noTextEdit="1"/>
-          </p:cNvSpPr>
-          <p:nvPr>
-            <p:extLst>
-              <p:ext uri="{386F3935-93C4-4BCD-93E2-E3B085C9AB24}">
-                <p16:designElem xmlns:p16="http://schemas.microsoft.com/office/powerpoint/2015/main" val="1"/>
-              </p:ext>
-            </p:extLst>
-          </p:nvPr>
-        </p:nvSpPr>
-        <p:spPr>
-          <a:xfrm>
-            <a:off x="0" y="0"/>
-            <a:ext cx="12188952" cy="6858000"/>
-          </a:xfrm>
-          <a:prstGeom prst="rect">
-            <a:avLst/>
-          </a:prstGeom>
-          <a:ln>
-            <a:noFill/>
-          </a:ln>
-        </p:spPr>
-        <p:style>
-          <a:lnRef idx="2">
-            <a:schemeClr val="accent1">
-              <a:shade val="50000"/>
-            </a:schemeClr>
-          </a:lnRef>
-          <a:fillRef idx="1">
-            <a:schemeClr val="accent1"/>
-          </a:fillRef>
-          <a:effectRef idx="0">
-            <a:schemeClr val="accent1"/>
-          </a:effectRef>
-          <a:fontRef idx="minor">
-            <a:schemeClr val="lt1"/>
-          </a:fontRef>
-        </p:style>
-        <p:txBody>
-          <a:bodyPr rtlCol="0" anchor="ctr"/>
-          <a:lstStyle/>
-          <a:p>
-            <a:pPr algn="ctr"/>
-            <a:endParaRPr lang="en-US"/>
-          </a:p>
-        </p:txBody>
-      </p:sp>
-      <p:sp>
-        <p:nvSpPr>
-          <p:cNvPr id="10" name="Freeform: Shape 9">
-            <a:extLst>
-              <a:ext uri="{FF2B5EF4-FFF2-40B4-BE49-F238E27FC236}">
-                <a16:creationId xmlns:a16="http://schemas.microsoft.com/office/drawing/2014/main" id="{E9D7A3A2-205A-4FD7-89D2-24FA8A54EA12}"/>
-              </a:ext>
-              <a:ext uri="{C183D7F6-B498-43B3-948B-1728B52AA6E4}">
-                <adec:decorative xmlns:adec="http://schemas.microsoft.com/office/drawing/2017/decorative" val="1"/>
-              </a:ext>
-            </a:extLst>
-          </p:cNvPr>
-          <p:cNvSpPr>
-            <a:spLocks noGrp="1" noRot="1" noChangeAspect="1" noMove="1" noResize="1" noEditPoints="1" noAdjustHandles="1" noChangeArrowheads="1" noChangeShapeType="1" noTextEdit="1"/>
-          </p:cNvSpPr>
-          <p:nvPr>
-            <p:extLst>
-              <p:ext uri="{386F3935-93C4-4BCD-93E2-E3B085C9AB24}">
-                <p16:designElem xmlns:p16="http://schemas.microsoft.com/office/powerpoint/2015/main" val="1"/>
-              </p:ext>
-            </p:extLst>
-          </p:nvPr>
-        </p:nvSpPr>
-        <p:spPr>
-          <a:xfrm>
-            <a:off x="814934" y="0"/>
-            <a:ext cx="11377066" cy="4001047"/>
-          </a:xfrm>
-          <a:custGeom>
-            <a:avLst/>
-            <a:gdLst>
-              <a:gd name="connsiteX0" fmla="*/ 914840 w 11377066"/>
-              <a:gd name="connsiteY0" fmla="*/ 0 h 3343806"/>
-              <a:gd name="connsiteX1" fmla="*/ 11365513 w 11377066"/>
-              <a:gd name="connsiteY1" fmla="*/ 0 h 3343806"/>
-              <a:gd name="connsiteX2" fmla="*/ 11365513 w 11377066"/>
-              <a:gd name="connsiteY2" fmla="*/ 846735 h 3343806"/>
-              <a:gd name="connsiteX3" fmla="*/ 11050704 w 11377066"/>
-              <a:gd name="connsiteY3" fmla="*/ 1046017 h 3343806"/>
-              <a:gd name="connsiteX4" fmla="*/ 11195112 w 11377066"/>
-              <a:gd name="connsiteY4" fmla="*/ 1103780 h 3343806"/>
-              <a:gd name="connsiteX5" fmla="*/ 10553944 w 11377066"/>
-              <a:gd name="connsiteY5" fmla="*/ 1441695 h 3343806"/>
-              <a:gd name="connsiteX6" fmla="*/ 11148902 w 11377066"/>
-              <a:gd name="connsiteY6" fmla="*/ 1383932 h 3343806"/>
-              <a:gd name="connsiteX7" fmla="*/ 11117132 w 11377066"/>
-              <a:gd name="connsiteY7" fmla="*/ 1430142 h 3343806"/>
-              <a:gd name="connsiteX8" fmla="*/ 11085363 w 11377066"/>
-              <a:gd name="connsiteY8" fmla="*/ 1476352 h 3343806"/>
-              <a:gd name="connsiteX9" fmla="*/ 11365513 w 11377066"/>
-              <a:gd name="connsiteY9" fmla="*/ 1447471 h 3343806"/>
-              <a:gd name="connsiteX10" fmla="*/ 11365513 w 11377066"/>
-              <a:gd name="connsiteY10" fmla="*/ 1496569 h 3343806"/>
-              <a:gd name="connsiteX11" fmla="*/ 11278869 w 11377066"/>
-              <a:gd name="connsiteY11" fmla="*/ 1554332 h 3343806"/>
-              <a:gd name="connsiteX12" fmla="*/ 11365513 w 11377066"/>
-              <a:gd name="connsiteY12" fmla="*/ 1539891 h 3343806"/>
-              <a:gd name="connsiteX13" fmla="*/ 11377066 w 11377066"/>
-              <a:gd name="connsiteY13" fmla="*/ 1539891 h 3343806"/>
-              <a:gd name="connsiteX14" fmla="*/ 11377066 w 11377066"/>
-              <a:gd name="connsiteY14" fmla="*/ 1765167 h 3343806"/>
-              <a:gd name="connsiteX15" fmla="*/ 4624577 w 11377066"/>
-              <a:gd name="connsiteY15" fmla="*/ 3342096 h 3343806"/>
-              <a:gd name="connsiteX16" fmla="*/ 4000738 w 11377066"/>
-              <a:gd name="connsiteY16" fmla="*/ 3313214 h 3343806"/>
-              <a:gd name="connsiteX17" fmla="*/ 3853443 w 11377066"/>
-              <a:gd name="connsiteY17" fmla="*/ 3217905 h 3343806"/>
-              <a:gd name="connsiteX18" fmla="*/ 4003625 w 11377066"/>
-              <a:gd name="connsiteY18" fmla="*/ 3171695 h 3343806"/>
-              <a:gd name="connsiteX19" fmla="*/ 4465729 w 11377066"/>
-              <a:gd name="connsiteY19" fmla="*/ 3024399 h 3343806"/>
-              <a:gd name="connsiteX20" fmla="*/ 4015179 w 11377066"/>
-              <a:gd name="connsiteY20" fmla="*/ 3047505 h 3343806"/>
-              <a:gd name="connsiteX21" fmla="*/ 4656346 w 11377066"/>
-              <a:gd name="connsiteY21" fmla="*/ 2926202 h 3343806"/>
-              <a:gd name="connsiteX22" fmla="*/ 4841188 w 11377066"/>
-              <a:gd name="connsiteY22" fmla="*/ 2862663 h 3343806"/>
-              <a:gd name="connsiteX23" fmla="*/ 4659236 w 11377066"/>
-              <a:gd name="connsiteY23" fmla="*/ 2836670 h 3343806"/>
-              <a:gd name="connsiteX24" fmla="*/ 3778351 w 11377066"/>
-              <a:gd name="connsiteY24" fmla="*/ 2914650 h 3343806"/>
-              <a:gd name="connsiteX25" fmla="*/ 3694595 w 11377066"/>
-              <a:gd name="connsiteY25" fmla="*/ 2923314 h 3343806"/>
-              <a:gd name="connsiteX26" fmla="*/ 3119852 w 11377066"/>
-              <a:gd name="connsiteY26" fmla="*/ 2862663 h 3343806"/>
-              <a:gd name="connsiteX27" fmla="*/ 3440437 w 11377066"/>
-              <a:gd name="connsiteY27" fmla="*/ 2799124 h 3343806"/>
-              <a:gd name="connsiteX28" fmla="*/ 3070753 w 11377066"/>
-              <a:gd name="connsiteY28" fmla="*/ 2761578 h 3343806"/>
-              <a:gd name="connsiteX29" fmla="*/ 2623091 w 11377066"/>
-              <a:gd name="connsiteY29" fmla="*/ 2726920 h 3343806"/>
-              <a:gd name="connsiteX30" fmla="*/ 2160987 w 11377066"/>
-              <a:gd name="connsiteY30" fmla="*/ 2611394 h 3343806"/>
-              <a:gd name="connsiteX31" fmla="*/ 1837515 w 11377066"/>
-              <a:gd name="connsiteY31" fmla="*/ 2573848 h 3343806"/>
-              <a:gd name="connsiteX32" fmla="*/ 1869284 w 11377066"/>
-              <a:gd name="connsiteY32" fmla="*/ 2472763 h 3343806"/>
-              <a:gd name="connsiteX33" fmla="*/ 1808633 w 11377066"/>
-              <a:gd name="connsiteY33" fmla="*/ 2386119 h 3343806"/>
-              <a:gd name="connsiteX34" fmla="*/ 2354493 w 11377066"/>
-              <a:gd name="connsiteY34" fmla="*/ 2342797 h 3343806"/>
-              <a:gd name="connsiteX35" fmla="*/ 2146546 w 11377066"/>
-              <a:gd name="connsiteY35" fmla="*/ 2328356 h 3343806"/>
-              <a:gd name="connsiteX36" fmla="*/ 2054126 w 11377066"/>
-              <a:gd name="connsiteY36" fmla="*/ 2285034 h 3343806"/>
-              <a:gd name="connsiteX37" fmla="*/ 2132106 w 11377066"/>
-              <a:gd name="connsiteY37" fmla="*/ 2238823 h 3343806"/>
-              <a:gd name="connsiteX38" fmla="*/ 2478684 w 11377066"/>
-              <a:gd name="connsiteY38" fmla="*/ 2085751 h 3343806"/>
-              <a:gd name="connsiteX39" fmla="*/ 1511154 w 11377066"/>
-              <a:gd name="connsiteY39" fmla="*/ 2094416 h 3343806"/>
-              <a:gd name="connsiteX40" fmla="*/ 1638232 w 11377066"/>
-              <a:gd name="connsiteY40" fmla="*/ 2042429 h 3343806"/>
-              <a:gd name="connsiteX41" fmla="*/ 2972556 w 11377066"/>
-              <a:gd name="connsiteY41" fmla="*/ 1718957 h 3343806"/>
-              <a:gd name="connsiteX42" fmla="*/ 3238266 w 11377066"/>
-              <a:gd name="connsiteY42" fmla="*/ 1678523 h 3343806"/>
-              <a:gd name="connsiteX43" fmla="*/ 2522005 w 11377066"/>
-              <a:gd name="connsiteY43" fmla="*/ 1664082 h 3343806"/>
-              <a:gd name="connsiteX44" fmla="*/ 1421621 w 11377066"/>
-              <a:gd name="connsiteY44" fmla="*/ 1522563 h 3343806"/>
-              <a:gd name="connsiteX45" fmla="*/ 1525595 w 11377066"/>
-              <a:gd name="connsiteY45" fmla="*/ 1392596 h 3343806"/>
-              <a:gd name="connsiteX46" fmla="*/ 982623 w 11377066"/>
-              <a:gd name="connsiteY46" fmla="*/ 1415701 h 3343806"/>
-              <a:gd name="connsiteX47" fmla="*/ 1231003 w 11377066"/>
-              <a:gd name="connsiteY47" fmla="*/ 1314616 h 3343806"/>
-              <a:gd name="connsiteX48" fmla="*/ 1025945 w 11377066"/>
-              <a:gd name="connsiteY48" fmla="*/ 1297287 h 3343806"/>
-              <a:gd name="connsiteX49" fmla="*/ 841104 w 11377066"/>
-              <a:gd name="connsiteY49" fmla="*/ 1225083 h 3343806"/>
-              <a:gd name="connsiteX50" fmla="*/ 1612239 w 11377066"/>
-              <a:gd name="connsiteY50" fmla="*/ 1112445 h 3343806"/>
-              <a:gd name="connsiteX51" fmla="*/ 1814409 w 11377066"/>
-              <a:gd name="connsiteY51" fmla="*/ 1008471 h 3343806"/>
-              <a:gd name="connsiteX52" fmla="*/ 1932824 w 11377066"/>
-              <a:gd name="connsiteY52" fmla="*/ 979590 h 3343806"/>
-              <a:gd name="connsiteX53" fmla="*/ 2083007 w 11377066"/>
-              <a:gd name="connsiteY53" fmla="*/ 936268 h 3343806"/>
-              <a:gd name="connsiteX54" fmla="*/ 1947265 w 11377066"/>
-              <a:gd name="connsiteY54" fmla="*/ 924715 h 3343806"/>
-              <a:gd name="connsiteX55" fmla="*/ 1271438 w 11377066"/>
-              <a:gd name="connsiteY55" fmla="*/ 895834 h 3343806"/>
-              <a:gd name="connsiteX56" fmla="*/ 659150 w 11377066"/>
-              <a:gd name="connsiteY56" fmla="*/ 907386 h 3343806"/>
-              <a:gd name="connsiteX57" fmla="*/ 780453 w 11377066"/>
-              <a:gd name="connsiteY57" fmla="*/ 846735 h 3343806"/>
-              <a:gd name="connsiteX58" fmla="*/ 841104 w 11377066"/>
-              <a:gd name="connsiteY58" fmla="*/ 788972 h 3343806"/>
-              <a:gd name="connsiteX59" fmla="*/ 448316 w 11377066"/>
-              <a:gd name="connsiteY59" fmla="*/ 659006 h 3343806"/>
-              <a:gd name="connsiteX60" fmla="*/ 910419 w 11377066"/>
-              <a:gd name="connsiteY60" fmla="*/ 569473 h 3343806"/>
-              <a:gd name="connsiteX61" fmla="*/ 604275 w 11377066"/>
-              <a:gd name="connsiteY61" fmla="*/ 514598 h 3343806"/>
-              <a:gd name="connsiteX62" fmla="*/ 15093 w 11377066"/>
-              <a:gd name="connsiteY62" fmla="*/ 352862 h 3343806"/>
-              <a:gd name="connsiteX63" fmla="*/ 430987 w 11377066"/>
-              <a:gd name="connsiteY63" fmla="*/ 136251 h 3343806"/>
-              <a:gd name="connsiteX64" fmla="*/ 874092 w 11377066"/>
-              <a:gd name="connsiteY64" fmla="*/ 17656 h 3343806"/>
-            </a:gdLst>
-            <a:ahLst/>
-            <a:cxnLst>
-              <a:cxn ang="0">
-                <a:pos x="connsiteX0" y="connsiteY0"/>
-              </a:cxn>
-              <a:cxn ang="0">
-                <a:pos x="connsiteX1" y="connsiteY1"/>
-              </a:cxn>
-              <a:cxn ang="0">
-                <a:pos x="connsiteX2" y="connsiteY2"/>
-              </a:cxn>
-              <a:cxn ang="0">
-                <a:pos x="connsiteX3" y="connsiteY3"/>
-              </a:cxn>
-              <a:cxn ang="0">
-                <a:pos x="connsiteX4" y="connsiteY4"/>
-              </a:cxn>
-              <a:cxn ang="0">
-                <a:pos x="connsiteX5" y="connsiteY5"/>
-              </a:cxn>
-              <a:cxn ang="0">
-                <a:pos x="connsiteX6" y="connsiteY6"/>
-              </a:cxn>
-              <a:cxn ang="0">
-                <a:pos x="connsiteX7" y="connsiteY7"/>
-              </a:cxn>
-              <a:cxn ang="0">
-                <a:pos x="connsiteX8" y="connsiteY8"/>
-              </a:cxn>
-              <a:cxn ang="0">
-                <a:pos x="connsiteX9" y="connsiteY9"/>
-              </a:cxn>
-              <a:cxn ang="0">
-                <a:pos x="connsiteX10" y="connsiteY10"/>
-              </a:cxn>
-              <a:cxn ang="0">
-                <a:pos x="connsiteX11" y="connsiteY11"/>
-              </a:cxn>
-              <a:cxn ang="0">
-                <a:pos x="connsiteX12" y="connsiteY12"/>
-              </a:cxn>
-              <a:cxn ang="0">
-                <a:pos x="connsiteX13" y="connsiteY13"/>
-              </a:cxn>
-              <a:cxn ang="0">
-                <a:pos x="connsiteX14" y="connsiteY14"/>
-              </a:cxn>
-              <a:cxn ang="0">
-                <a:pos x="connsiteX15" y="connsiteY15"/>
-              </a:cxn>
-              <a:cxn ang="0">
-                <a:pos x="connsiteX16" y="connsiteY16"/>
-              </a:cxn>
-              <a:cxn ang="0">
-                <a:pos x="connsiteX17" y="connsiteY17"/>
-              </a:cxn>
-              <a:cxn ang="0">
-                <a:pos x="connsiteX18" y="connsiteY18"/>
-              </a:cxn>
-              <a:cxn ang="0">
-                <a:pos x="connsiteX19" y="connsiteY19"/>
-              </a:cxn>
-              <a:cxn ang="0">
-                <a:pos x="connsiteX20" y="connsiteY20"/>
-              </a:cxn>
-              <a:cxn ang="0">
-                <a:pos x="connsiteX21" y="connsiteY21"/>
-              </a:cxn>
-              <a:cxn ang="0">
-                <a:pos x="connsiteX22" y="connsiteY22"/>
-              </a:cxn>
-              <a:cxn ang="0">
-                <a:pos x="connsiteX23" y="connsiteY23"/>
-              </a:cxn>
-              <a:cxn ang="0">
-                <a:pos x="connsiteX24" y="connsiteY24"/>
-              </a:cxn>
-              <a:cxn ang="0">
-                <a:pos x="connsiteX25" y="connsiteY25"/>
-              </a:cxn>
-              <a:cxn ang="0">
-                <a:pos x="connsiteX26" y="connsiteY26"/>
-              </a:cxn>
-              <a:cxn ang="0">
-                <a:pos x="connsiteX27" y="connsiteY27"/>
-              </a:cxn>
-              <a:cxn ang="0">
-                <a:pos x="connsiteX28" y="connsiteY28"/>
-              </a:cxn>
-              <a:cxn ang="0">
-                <a:pos x="connsiteX29" y="connsiteY29"/>
-              </a:cxn>
-              <a:cxn ang="0">
-                <a:pos x="connsiteX30" y="connsiteY30"/>
-              </a:cxn>
-              <a:cxn ang="0">
-                <a:pos x="connsiteX31" y="connsiteY31"/>
-              </a:cxn>
-              <a:cxn ang="0">
-                <a:pos x="connsiteX32" y="connsiteY32"/>
-              </a:cxn>
-              <a:cxn ang="0">
-                <a:pos x="connsiteX33" y="connsiteY33"/>
-              </a:cxn>
-              <a:cxn ang="0">
-                <a:pos x="connsiteX34" y="connsiteY34"/>
-              </a:cxn>
-              <a:cxn ang="0">
-                <a:pos x="connsiteX35" y="connsiteY35"/>
-              </a:cxn>
-              <a:cxn ang="0">
-                <a:pos x="connsiteX36" y="connsiteY36"/>
-              </a:cxn>
-              <a:cxn ang="0">
-                <a:pos x="connsiteX37" y="connsiteY37"/>
-              </a:cxn>
-              <a:cxn ang="0">
-                <a:pos x="connsiteX38" y="connsiteY38"/>
-              </a:cxn>
-              <a:cxn ang="0">
-                <a:pos x="connsiteX39" y="connsiteY39"/>
-              </a:cxn>
-              <a:cxn ang="0">
-                <a:pos x="connsiteX40" y="connsiteY40"/>
-              </a:cxn>
-              <a:cxn ang="0">
-                <a:pos x="connsiteX41" y="connsiteY41"/>
-              </a:cxn>
-              <a:cxn ang="0">
-                <a:pos x="connsiteX42" y="connsiteY42"/>
-              </a:cxn>
-              <a:cxn ang="0">
-                <a:pos x="connsiteX43" y="connsiteY43"/>
-              </a:cxn>
-              <a:cxn ang="0">
-                <a:pos x="connsiteX44" y="connsiteY44"/>
-              </a:cxn>
-              <a:cxn ang="0">
-                <a:pos x="connsiteX45" y="connsiteY45"/>
-              </a:cxn>
-              <a:cxn ang="0">
-                <a:pos x="connsiteX46" y="connsiteY46"/>
-              </a:cxn>
-              <a:cxn ang="0">
-                <a:pos x="connsiteX47" y="connsiteY47"/>
-              </a:cxn>
-              <a:cxn ang="0">
-                <a:pos x="connsiteX48" y="connsiteY48"/>
-              </a:cxn>
-              <a:cxn ang="0">
-                <a:pos x="connsiteX49" y="connsiteY49"/>
-              </a:cxn>
-              <a:cxn ang="0">
-                <a:pos x="connsiteX50" y="connsiteY50"/>
-              </a:cxn>
-              <a:cxn ang="0">
-                <a:pos x="connsiteX51" y="connsiteY51"/>
-              </a:cxn>
-              <a:cxn ang="0">
-                <a:pos x="connsiteX52" y="connsiteY52"/>
-              </a:cxn>
-              <a:cxn ang="0">
-                <a:pos x="connsiteX53" y="connsiteY53"/>
-              </a:cxn>
-              <a:cxn ang="0">
-                <a:pos x="connsiteX54" y="connsiteY54"/>
-              </a:cxn>
-              <a:cxn ang="0">
-                <a:pos x="connsiteX55" y="connsiteY55"/>
-              </a:cxn>
-              <a:cxn ang="0">
-                <a:pos x="connsiteX56" y="connsiteY56"/>
-              </a:cxn>
-              <a:cxn ang="0">
-                <a:pos x="connsiteX57" y="connsiteY57"/>
-              </a:cxn>
-              <a:cxn ang="0">
-                <a:pos x="connsiteX58" y="connsiteY58"/>
-              </a:cxn>
-              <a:cxn ang="0">
-                <a:pos x="connsiteX59" y="connsiteY59"/>
-              </a:cxn>
-              <a:cxn ang="0">
-                <a:pos x="connsiteX60" y="connsiteY60"/>
-              </a:cxn>
-              <a:cxn ang="0">
-                <a:pos x="connsiteX61" y="connsiteY61"/>
-              </a:cxn>
-              <a:cxn ang="0">
-                <a:pos x="connsiteX62" y="connsiteY62"/>
-              </a:cxn>
-              <a:cxn ang="0">
-                <a:pos x="connsiteX63" y="connsiteY63"/>
-              </a:cxn>
-              <a:cxn ang="0">
-                <a:pos x="connsiteX64" y="connsiteY64"/>
-              </a:cxn>
-            </a:cxnLst>
-            <a:rect l="l" t="t" r="r" b="b"/>
-            <a:pathLst>
-              <a:path w="11377066" h="3343806">
-                <a:moveTo>
-                  <a:pt x="914840" y="0"/>
-                </a:moveTo>
-                <a:lnTo>
-                  <a:pt x="11365513" y="0"/>
-                </a:lnTo>
-                <a:lnTo>
-                  <a:pt x="11365513" y="846735"/>
-                </a:lnTo>
-                <a:cubicBezTo>
-                  <a:pt x="11273092" y="924715"/>
-                  <a:pt x="11163343" y="985366"/>
-                  <a:pt x="11050704" y="1046017"/>
-                </a:cubicBezTo>
-                <a:cubicBezTo>
-                  <a:pt x="11088251" y="1089339"/>
-                  <a:pt x="11169119" y="1037353"/>
-                  <a:pt x="11195112" y="1103780"/>
-                </a:cubicBezTo>
-                <a:cubicBezTo>
-                  <a:pt x="10987166" y="1216419"/>
-                  <a:pt x="10796548" y="1357938"/>
-                  <a:pt x="10553944" y="1441695"/>
-                </a:cubicBezTo>
-                <a:cubicBezTo>
-                  <a:pt x="10753226" y="1381043"/>
-                  <a:pt x="10952508" y="1409925"/>
-                  <a:pt x="11148902" y="1383932"/>
-                </a:cubicBezTo>
-                <a:cubicBezTo>
-                  <a:pt x="11174895" y="1418589"/>
-                  <a:pt x="11131573" y="1418589"/>
-                  <a:pt x="11117132" y="1430142"/>
-                </a:cubicBezTo>
-                <a:cubicBezTo>
-                  <a:pt x="11102692" y="1441695"/>
-                  <a:pt x="11082474" y="1450359"/>
-                  <a:pt x="11085363" y="1476352"/>
-                </a:cubicBezTo>
-                <a:cubicBezTo>
-                  <a:pt x="11174895" y="1487905"/>
-                  <a:pt x="11273092" y="1447471"/>
-                  <a:pt x="11365513" y="1447471"/>
-                </a:cubicBezTo>
-                <a:lnTo>
-                  <a:pt x="11365513" y="1496569"/>
-                </a:lnTo>
-                <a:cubicBezTo>
-                  <a:pt x="11333743" y="1513898"/>
-                  <a:pt x="11293310" y="1519674"/>
-                  <a:pt x="11278869" y="1554332"/>
-                </a:cubicBezTo>
-                <a:cubicBezTo>
-                  <a:pt x="11307750" y="1548556"/>
-                  <a:pt x="11336632" y="1545668"/>
-                  <a:pt x="11365513" y="1539891"/>
-                </a:cubicBezTo>
-                <a:lnTo>
-                  <a:pt x="11377066" y="1539891"/>
-                </a:lnTo>
-                <a:lnTo>
-                  <a:pt x="11377066" y="1765167"/>
-                </a:lnTo>
-                <a:cubicBezTo>
-                  <a:pt x="9482441" y="3362313"/>
-                  <a:pt x="4945162" y="3324767"/>
-                  <a:pt x="4624577" y="3342096"/>
-                </a:cubicBezTo>
-                <a:cubicBezTo>
-                  <a:pt x="4523492" y="3347872"/>
-                  <a:pt x="4098935" y="3339207"/>
-                  <a:pt x="4000738" y="3313214"/>
-                </a:cubicBezTo>
-                <a:cubicBezTo>
-                  <a:pt x="3867883" y="3281444"/>
-                  <a:pt x="3853443" y="3217905"/>
-                  <a:pt x="3853443" y="3217905"/>
-                </a:cubicBezTo>
-                <a:cubicBezTo>
-                  <a:pt x="3853443" y="3217905"/>
-                  <a:pt x="3919869" y="3191912"/>
-                  <a:pt x="4003625" y="3171695"/>
-                </a:cubicBezTo>
-                <a:cubicBezTo>
-                  <a:pt x="4165361" y="3131261"/>
-                  <a:pt x="4298217" y="3056169"/>
-                  <a:pt x="4465729" y="3024399"/>
-                </a:cubicBezTo>
-                <a:cubicBezTo>
-                  <a:pt x="4315546" y="3033064"/>
-                  <a:pt x="4165361" y="3038840"/>
-                  <a:pt x="4015179" y="3047505"/>
-                </a:cubicBezTo>
-                <a:cubicBezTo>
-                  <a:pt x="4223124" y="2969524"/>
-                  <a:pt x="4442625" y="2957972"/>
-                  <a:pt x="4656346" y="2926202"/>
-                </a:cubicBezTo>
-                <a:cubicBezTo>
-                  <a:pt x="4725662" y="2917538"/>
-                  <a:pt x="4841188" y="2943531"/>
-                  <a:pt x="4841188" y="2862663"/>
-                </a:cubicBezTo>
-                <a:cubicBezTo>
-                  <a:pt x="4838300" y="2810676"/>
-                  <a:pt x="4725662" y="2833782"/>
-                  <a:pt x="4659236" y="2836670"/>
-                </a:cubicBezTo>
-                <a:cubicBezTo>
-                  <a:pt x="4364644" y="2845334"/>
-                  <a:pt x="4072941" y="2882880"/>
-                  <a:pt x="3778351" y="2914650"/>
-                </a:cubicBezTo>
-                <a:cubicBezTo>
-                  <a:pt x="3749468" y="2917538"/>
-                  <a:pt x="3714811" y="2931979"/>
-                  <a:pt x="3694595" y="2923314"/>
-                </a:cubicBezTo>
-                <a:cubicBezTo>
-                  <a:pt x="3527082" y="2865551"/>
-                  <a:pt x="3336463" y="2879992"/>
-                  <a:pt x="3119852" y="2862663"/>
-                </a:cubicBezTo>
-                <a:cubicBezTo>
-                  <a:pt x="3238266" y="2796236"/>
-                  <a:pt x="3339351" y="2842446"/>
-                  <a:pt x="3440437" y="2799124"/>
-                </a:cubicBezTo>
-                <a:cubicBezTo>
-                  <a:pt x="3316246" y="2752913"/>
-                  <a:pt x="3189168" y="2773131"/>
-                  <a:pt x="3070753" y="2761578"/>
-                </a:cubicBezTo>
-                <a:cubicBezTo>
-                  <a:pt x="2984109" y="2752913"/>
-                  <a:pt x="2672189" y="2741361"/>
-                  <a:pt x="2623091" y="2726920"/>
-                </a:cubicBezTo>
-                <a:cubicBezTo>
-                  <a:pt x="2472907" y="2683598"/>
-                  <a:pt x="2293842" y="2689374"/>
-                  <a:pt x="2160987" y="2611394"/>
-                </a:cubicBezTo>
-                <a:cubicBezTo>
-                  <a:pt x="2065678" y="2556519"/>
-                  <a:pt x="1938600" y="2602730"/>
-                  <a:pt x="1837515" y="2573848"/>
-                </a:cubicBezTo>
-                <a:cubicBezTo>
-                  <a:pt x="1794192" y="2533414"/>
-                  <a:pt x="1854843" y="2504533"/>
-                  <a:pt x="1869284" y="2472763"/>
-                </a:cubicBezTo>
-                <a:cubicBezTo>
-                  <a:pt x="1889502" y="2432329"/>
-                  <a:pt x="1834626" y="2423665"/>
-                  <a:pt x="1808633" y="2386119"/>
-                </a:cubicBezTo>
-                <a:cubicBezTo>
-                  <a:pt x="1987698" y="2389007"/>
-                  <a:pt x="2158099" y="2377454"/>
-                  <a:pt x="2354493" y="2342797"/>
-                </a:cubicBezTo>
-                <a:cubicBezTo>
-                  <a:pt x="2273625" y="2290810"/>
-                  <a:pt x="2204309" y="2339908"/>
-                  <a:pt x="2146546" y="2328356"/>
-                </a:cubicBezTo>
-                <a:cubicBezTo>
-                  <a:pt x="2106113" y="2319691"/>
-                  <a:pt x="2054126" y="2328356"/>
-                  <a:pt x="2054126" y="2285034"/>
-                </a:cubicBezTo>
-                <a:cubicBezTo>
-                  <a:pt x="2054126" y="2250376"/>
-                  <a:pt x="2100336" y="2244599"/>
-                  <a:pt x="2132106" y="2238823"/>
-                </a:cubicBezTo>
-                <a:cubicBezTo>
-                  <a:pt x="2256296" y="2218606"/>
-                  <a:pt x="2377599" y="2192613"/>
-                  <a:pt x="2478684" y="2085751"/>
-                </a:cubicBezTo>
-                <a:cubicBezTo>
-                  <a:pt x="2152323" y="2051094"/>
-                  <a:pt x="1817297" y="2186837"/>
-                  <a:pt x="1511154" y="2094416"/>
-                </a:cubicBezTo>
-                <a:cubicBezTo>
-                  <a:pt x="1537147" y="2033765"/>
-                  <a:pt x="1597798" y="2045317"/>
-                  <a:pt x="1638232" y="2042429"/>
-                </a:cubicBezTo>
-                <a:cubicBezTo>
-                  <a:pt x="1909718" y="2016436"/>
-                  <a:pt x="2825261" y="1701628"/>
-                  <a:pt x="2972556" y="1718957"/>
-                </a:cubicBezTo>
-                <a:cubicBezTo>
-                  <a:pt x="3062089" y="1727621"/>
-                  <a:pt x="3154510" y="1721845"/>
-                  <a:pt x="3238266" y="1678523"/>
-                </a:cubicBezTo>
-                <a:cubicBezTo>
-                  <a:pt x="3339351" y="1626536"/>
-                  <a:pt x="2695295" y="1736286"/>
-                  <a:pt x="2522005" y="1664082"/>
-                </a:cubicBezTo>
-                <a:cubicBezTo>
-                  <a:pt x="2438249" y="1629424"/>
-                  <a:pt x="1730654" y="1528339"/>
-                  <a:pt x="1421621" y="1522563"/>
-                </a:cubicBezTo>
-                <a:cubicBezTo>
-                  <a:pt x="1450503" y="1467688"/>
-                  <a:pt x="1557364" y="1470576"/>
-                  <a:pt x="1525595" y="1392596"/>
-                </a:cubicBezTo>
-                <a:cubicBezTo>
-                  <a:pt x="1358082" y="1386820"/>
-                  <a:pt x="1179017" y="1435918"/>
-                  <a:pt x="982623" y="1415701"/>
-                </a:cubicBezTo>
-                <a:cubicBezTo>
-                  <a:pt x="1051938" y="1346386"/>
-                  <a:pt x="1153023" y="1352162"/>
-                  <a:pt x="1231003" y="1314616"/>
-                </a:cubicBezTo>
-                <a:cubicBezTo>
-                  <a:pt x="1170352" y="1262629"/>
-                  <a:pt x="1095261" y="1294399"/>
-                  <a:pt x="1025945" y="1297287"/>
-                </a:cubicBezTo>
-                <a:cubicBezTo>
-                  <a:pt x="965294" y="1300175"/>
-                  <a:pt x="812222" y="1227972"/>
-                  <a:pt x="841104" y="1225083"/>
-                </a:cubicBezTo>
-                <a:cubicBezTo>
-                  <a:pt x="1101037" y="1207755"/>
-                  <a:pt x="1352306" y="1129775"/>
-                  <a:pt x="1612239" y="1112445"/>
-                </a:cubicBezTo>
-                <a:cubicBezTo>
-                  <a:pt x="1698883" y="1106668"/>
-                  <a:pt x="1797081" y="1112445"/>
-                  <a:pt x="1814409" y="1008471"/>
-                </a:cubicBezTo>
-                <a:cubicBezTo>
-                  <a:pt x="1817297" y="979590"/>
-                  <a:pt x="1808633" y="973814"/>
-                  <a:pt x="1932824" y="979590"/>
-                </a:cubicBezTo>
-                <a:cubicBezTo>
-                  <a:pt x="1981922" y="982478"/>
-                  <a:pt x="2045461" y="982478"/>
-                  <a:pt x="2083007" y="936268"/>
-                </a:cubicBezTo>
-                <a:cubicBezTo>
-                  <a:pt x="2045461" y="898722"/>
-                  <a:pt x="1990587" y="927603"/>
-                  <a:pt x="1947265" y="924715"/>
-                </a:cubicBezTo>
-                <a:cubicBezTo>
-                  <a:pt x="1828850" y="921827"/>
-                  <a:pt x="1386963" y="904498"/>
-                  <a:pt x="1271438" y="895834"/>
-                </a:cubicBezTo>
-                <a:cubicBezTo>
-                  <a:pt x="1031721" y="875617"/>
-                  <a:pt x="901755" y="933380"/>
-                  <a:pt x="659150" y="907386"/>
-                </a:cubicBezTo>
-                <a:cubicBezTo>
-                  <a:pt x="734242" y="890057"/>
-                  <a:pt x="705361" y="866952"/>
-                  <a:pt x="780453" y="846735"/>
-                </a:cubicBezTo>
-                <a:cubicBezTo>
-                  <a:pt x="815110" y="838071"/>
-                  <a:pt x="849768" y="820742"/>
-                  <a:pt x="841104" y="788972"/>
-                </a:cubicBezTo>
-                <a:cubicBezTo>
-                  <a:pt x="835327" y="757202"/>
-                  <a:pt x="396329" y="690775"/>
-                  <a:pt x="448316" y="659006"/>
-                </a:cubicBezTo>
-                <a:cubicBezTo>
-                  <a:pt x="592723" y="575249"/>
-                  <a:pt x="1020169" y="607019"/>
-                  <a:pt x="910419" y="569473"/>
-                </a:cubicBezTo>
-                <a:cubicBezTo>
-                  <a:pt x="742907" y="511710"/>
-                  <a:pt x="716913" y="500157"/>
-                  <a:pt x="604275" y="514598"/>
-                </a:cubicBezTo>
-                <a:cubicBezTo>
-                  <a:pt x="506079" y="529039"/>
-                  <a:pt x="113290" y="349974"/>
-                  <a:pt x="15093" y="352862"/>
-                </a:cubicBezTo>
-                <a:cubicBezTo>
-                  <a:pt x="-71551" y="352862"/>
-                  <a:pt x="234593" y="211343"/>
-                  <a:pt x="430987" y="136251"/>
-                </a:cubicBezTo>
-                <a:cubicBezTo>
-                  <a:pt x="571784" y="82098"/>
-                  <a:pt x="732076" y="70184"/>
-                  <a:pt x="874092" y="17656"/>
-                </a:cubicBezTo>
-                <a:close/>
-              </a:path>
-            </a:pathLst>
-          </a:custGeom>
-          <a:solidFill>
-            <a:schemeClr val="bg2">
-              <a:alpha val="50000"/>
-            </a:schemeClr>
-          </a:solidFill>
-          <a:ln w="32707" cap="flat">
-            <a:noFill/>
-            <a:prstDash val="solid"/>
-            <a:miter/>
-          </a:ln>
-        </p:spPr>
-        <p:txBody>
-          <a:bodyPr wrap="square" rtlCol="0" anchor="ctr">
-            <a:noAutofit/>
-          </a:bodyPr>
-          <a:lstStyle/>
-          <a:p>
-            <a:endParaRPr lang="en-US">
-              <a:solidFill>
-                <a:schemeClr val="tx1"/>
-              </a:solidFill>
-            </a:endParaRPr>
-          </a:p>
-        </p:txBody>
-      </p:sp>
-      <p:sp>
-        <p:nvSpPr>
-          <p:cNvPr id="2" name="Title 1">
-            <a:extLst>
-              <a:ext uri="{FF2B5EF4-FFF2-40B4-BE49-F238E27FC236}">
-                <a16:creationId xmlns:a16="http://schemas.microsoft.com/office/drawing/2014/main" id="{17B2E28A-2184-C132-339A-5B5E2747BAD3}"/>
-              </a:ext>
-            </a:extLst>
-          </p:cNvPr>
-          <p:cNvSpPr>
-            <a:spLocks noGrp="1"/>
-          </p:cNvSpPr>
-          <p:nvPr>
-            <p:ph type="title"/>
-          </p:nvPr>
-        </p:nvSpPr>
-        <p:spPr>
-          <a:xfrm>
-            <a:off x="778735" y="1226962"/>
-            <a:ext cx="4482111" cy="3527214"/>
-          </a:xfrm>
-        </p:spPr>
-        <p:txBody>
-          <a:bodyPr anchor="t">
-            <a:normAutofit/>
-          </a:bodyPr>
-          <a:lstStyle/>
-          <a:p>
-            <a:r>
-              <a:rPr lang="en-US" b="1" dirty="0"/>
-              <a:t>Agenda</a:t>
-            </a:r>
-          </a:p>
-        </p:txBody>
-      </p:sp>
-      <p:sp>
-        <p:nvSpPr>
-          <p:cNvPr id="12" name="Freeform: Shape 11">
-            <a:extLst>
-              <a:ext uri="{FF2B5EF4-FFF2-40B4-BE49-F238E27FC236}">
-                <a16:creationId xmlns:a16="http://schemas.microsoft.com/office/drawing/2014/main" id="{C6BFDF0B-6325-416D-926F-7141006DDBD0}"/>
-              </a:ext>
-              <a:ext uri="{C183D7F6-B498-43B3-948B-1728B52AA6E4}">
-                <adec:decorative xmlns:adec="http://schemas.microsoft.com/office/drawing/2017/decorative" val="1"/>
-              </a:ext>
-            </a:extLst>
-          </p:cNvPr>
-          <p:cNvSpPr>
-            <a:spLocks noGrp="1" noRot="1" noChangeAspect="1" noMove="1" noResize="1" noEditPoints="1" noAdjustHandles="1" noChangeArrowheads="1" noChangeShapeType="1" noTextEdit="1"/>
-          </p:cNvSpPr>
-          <p:nvPr>
-            <p:extLst>
-              <p:ext uri="{386F3935-93C4-4BCD-93E2-E3B085C9AB24}">
-                <p16:designElem xmlns:p16="http://schemas.microsoft.com/office/powerpoint/2015/main" val="1"/>
-              </p:ext>
-            </p:extLst>
-          </p:nvPr>
-        </p:nvSpPr>
-        <p:spPr>
-          <a:xfrm flipV="1">
-            <a:off x="5693668" y="5127460"/>
-            <a:ext cx="6498333" cy="1730540"/>
-          </a:xfrm>
-          <a:custGeom>
-            <a:avLst/>
-            <a:gdLst>
-              <a:gd name="connsiteX0" fmla="*/ 2987112 w 6498333"/>
-              <a:gd name="connsiteY0" fmla="*/ 1730384 h 1730540"/>
-              <a:gd name="connsiteX1" fmla="*/ 3113423 w 6498333"/>
-              <a:gd name="connsiteY1" fmla="*/ 1728494 h 1730540"/>
-              <a:gd name="connsiteX2" fmla="*/ 6436159 w 6498333"/>
-              <a:gd name="connsiteY2" fmla="*/ 1396018 h 1730540"/>
-              <a:gd name="connsiteX3" fmla="*/ 6498333 w 6498333"/>
-              <a:gd name="connsiteY3" fmla="*/ 1381988 h 1730540"/>
-              <a:gd name="connsiteX4" fmla="*/ 6498333 w 6498333"/>
-              <a:gd name="connsiteY4" fmla="*/ 0 h 1730540"/>
-              <a:gd name="connsiteX5" fmla="*/ 723703 w 6498333"/>
-              <a:gd name="connsiteY5" fmla="*/ 0 h 1730540"/>
-              <a:gd name="connsiteX6" fmla="*/ 629735 w 6498333"/>
-              <a:gd name="connsiteY6" fmla="*/ 31770 h 1730540"/>
-              <a:gd name="connsiteX7" fmla="*/ 127078 w 6498333"/>
-              <a:gd name="connsiteY7" fmla="*/ 173371 h 1730540"/>
-              <a:gd name="connsiteX8" fmla="*/ 0 w 6498333"/>
-              <a:gd name="connsiteY8" fmla="*/ 235577 h 1730540"/>
-              <a:gd name="connsiteX9" fmla="*/ 967530 w 6498333"/>
-              <a:gd name="connsiteY9" fmla="*/ 225208 h 1730540"/>
-              <a:gd name="connsiteX10" fmla="*/ 620954 w 6498333"/>
-              <a:gd name="connsiteY10" fmla="*/ 408367 h 1730540"/>
-              <a:gd name="connsiteX11" fmla="*/ 542972 w 6498333"/>
-              <a:gd name="connsiteY11" fmla="*/ 463661 h 1730540"/>
-              <a:gd name="connsiteX12" fmla="*/ 635392 w 6498333"/>
-              <a:gd name="connsiteY12" fmla="*/ 515499 h 1730540"/>
-              <a:gd name="connsiteX13" fmla="*/ 843339 w 6498333"/>
-              <a:gd name="connsiteY13" fmla="*/ 532778 h 1730540"/>
-              <a:gd name="connsiteX14" fmla="*/ 297479 w 6498333"/>
-              <a:gd name="connsiteY14" fmla="*/ 584615 h 1730540"/>
-              <a:gd name="connsiteX15" fmla="*/ 358130 w 6498333"/>
-              <a:gd name="connsiteY15" fmla="*/ 688289 h 1730540"/>
-              <a:gd name="connsiteX16" fmla="*/ 326361 w 6498333"/>
-              <a:gd name="connsiteY16" fmla="*/ 809243 h 1730540"/>
-              <a:gd name="connsiteX17" fmla="*/ 649833 w 6498333"/>
-              <a:gd name="connsiteY17" fmla="*/ 854169 h 1730540"/>
-              <a:gd name="connsiteX18" fmla="*/ 1111937 w 6498333"/>
-              <a:gd name="connsiteY18" fmla="*/ 992402 h 1730540"/>
-              <a:gd name="connsiteX19" fmla="*/ 1559599 w 6498333"/>
-              <a:gd name="connsiteY19" fmla="*/ 1033872 h 1730540"/>
-              <a:gd name="connsiteX20" fmla="*/ 1929284 w 6498333"/>
-              <a:gd name="connsiteY20" fmla="*/ 1078798 h 1730540"/>
-              <a:gd name="connsiteX21" fmla="*/ 1608698 w 6498333"/>
-              <a:gd name="connsiteY21" fmla="*/ 1154826 h 1730540"/>
-              <a:gd name="connsiteX22" fmla="*/ 2183442 w 6498333"/>
-              <a:gd name="connsiteY22" fmla="*/ 1227398 h 1730540"/>
-              <a:gd name="connsiteX23" fmla="*/ 2267197 w 6498333"/>
-              <a:gd name="connsiteY23" fmla="*/ 1217031 h 1730540"/>
-              <a:gd name="connsiteX24" fmla="*/ 3148082 w 6498333"/>
-              <a:gd name="connsiteY24" fmla="*/ 1123724 h 1730540"/>
-              <a:gd name="connsiteX25" fmla="*/ 3330034 w 6498333"/>
-              <a:gd name="connsiteY25" fmla="*/ 1154826 h 1730540"/>
-              <a:gd name="connsiteX26" fmla="*/ 3145192 w 6498333"/>
-              <a:gd name="connsiteY26" fmla="*/ 1230854 h 1730540"/>
-              <a:gd name="connsiteX27" fmla="*/ 2504025 w 6498333"/>
-              <a:gd name="connsiteY27" fmla="*/ 1376000 h 1730540"/>
-              <a:gd name="connsiteX28" fmla="*/ 2954575 w 6498333"/>
-              <a:gd name="connsiteY28" fmla="*/ 1348352 h 1730540"/>
-              <a:gd name="connsiteX29" fmla="*/ 2492471 w 6498333"/>
-              <a:gd name="connsiteY29" fmla="*/ 1524600 h 1730540"/>
-              <a:gd name="connsiteX30" fmla="*/ 2342289 w 6498333"/>
-              <a:gd name="connsiteY30" fmla="*/ 1579893 h 1730540"/>
-              <a:gd name="connsiteX31" fmla="*/ 2489584 w 6498333"/>
-              <a:gd name="connsiteY31" fmla="*/ 1693935 h 1730540"/>
-              <a:gd name="connsiteX32" fmla="*/ 2987112 w 6498333"/>
-              <a:gd name="connsiteY32" fmla="*/ 1730384 h 1730540"/>
-            </a:gdLst>
-            <a:ahLst/>
-            <a:cxnLst>
-              <a:cxn ang="0">
-                <a:pos x="connsiteX0" y="connsiteY0"/>
-              </a:cxn>
-              <a:cxn ang="0">
-                <a:pos x="connsiteX1" y="connsiteY1"/>
-              </a:cxn>
-              <a:cxn ang="0">
-                <a:pos x="connsiteX2" y="connsiteY2"/>
-              </a:cxn>
-              <a:cxn ang="0">
-                <a:pos x="connsiteX3" y="connsiteY3"/>
-              </a:cxn>
-              <a:cxn ang="0">
-                <a:pos x="connsiteX4" y="connsiteY4"/>
-              </a:cxn>
-              <a:cxn ang="0">
-                <a:pos x="connsiteX5" y="connsiteY5"/>
-              </a:cxn>
-              <a:cxn ang="0">
-                <a:pos x="connsiteX6" y="connsiteY6"/>
-              </a:cxn>
-              <a:cxn ang="0">
-                <a:pos x="connsiteX7" y="connsiteY7"/>
-              </a:cxn>
-              <a:cxn ang="0">
-                <a:pos x="connsiteX8" y="connsiteY8"/>
-              </a:cxn>
-              <a:cxn ang="0">
-                <a:pos x="connsiteX9" y="connsiteY9"/>
-              </a:cxn>
-              <a:cxn ang="0">
-                <a:pos x="connsiteX10" y="connsiteY10"/>
-              </a:cxn>
-              <a:cxn ang="0">
-                <a:pos x="connsiteX11" y="connsiteY11"/>
-              </a:cxn>
-              <a:cxn ang="0">
-                <a:pos x="connsiteX12" y="connsiteY12"/>
-              </a:cxn>
-              <a:cxn ang="0">
-                <a:pos x="connsiteX13" y="connsiteY13"/>
-              </a:cxn>
-              <a:cxn ang="0">
-                <a:pos x="connsiteX14" y="connsiteY14"/>
-              </a:cxn>
-              <a:cxn ang="0">
-                <a:pos x="connsiteX15" y="connsiteY15"/>
-              </a:cxn>
-              <a:cxn ang="0">
-                <a:pos x="connsiteX16" y="connsiteY16"/>
-              </a:cxn>
-              <a:cxn ang="0">
-                <a:pos x="connsiteX17" y="connsiteY17"/>
-              </a:cxn>
-              <a:cxn ang="0">
-                <a:pos x="connsiteX18" y="connsiteY18"/>
-              </a:cxn>
-              <a:cxn ang="0">
-                <a:pos x="connsiteX19" y="connsiteY19"/>
-              </a:cxn>
-              <a:cxn ang="0">
-                <a:pos x="connsiteX20" y="connsiteY20"/>
-              </a:cxn>
-              <a:cxn ang="0">
-                <a:pos x="connsiteX21" y="connsiteY21"/>
-              </a:cxn>
-              <a:cxn ang="0">
-                <a:pos x="connsiteX22" y="connsiteY22"/>
-              </a:cxn>
-              <a:cxn ang="0">
-                <a:pos x="connsiteX23" y="connsiteY23"/>
-              </a:cxn>
-              <a:cxn ang="0">
-                <a:pos x="connsiteX24" y="connsiteY24"/>
-              </a:cxn>
-              <a:cxn ang="0">
-                <a:pos x="connsiteX25" y="connsiteY25"/>
-              </a:cxn>
-              <a:cxn ang="0">
-                <a:pos x="connsiteX26" y="connsiteY26"/>
-              </a:cxn>
-              <a:cxn ang="0">
-                <a:pos x="connsiteX27" y="connsiteY27"/>
-              </a:cxn>
-              <a:cxn ang="0">
-                <a:pos x="connsiteX28" y="connsiteY28"/>
-              </a:cxn>
-              <a:cxn ang="0">
-                <a:pos x="connsiteX29" y="connsiteY29"/>
-              </a:cxn>
-              <a:cxn ang="0">
-                <a:pos x="connsiteX30" y="connsiteY30"/>
-              </a:cxn>
-              <a:cxn ang="0">
-                <a:pos x="connsiteX31" y="connsiteY31"/>
-              </a:cxn>
-              <a:cxn ang="0">
-                <a:pos x="connsiteX32" y="connsiteY32"/>
-              </a:cxn>
-            </a:cxnLst>
-            <a:rect l="l" t="t" r="r" b="b"/>
-            <a:pathLst>
-              <a:path w="6498333" h="1730540">
-                <a:moveTo>
-                  <a:pt x="2987112" y="1730384"/>
-                </a:moveTo>
-                <a:cubicBezTo>
-                  <a:pt x="3042664" y="1730870"/>
-                  <a:pt x="3088152" y="1730222"/>
-                  <a:pt x="3113423" y="1728494"/>
-                </a:cubicBezTo>
-                <a:cubicBezTo>
-                  <a:pt x="3293752" y="1716831"/>
-                  <a:pt x="4808270" y="1725943"/>
-                  <a:pt x="6436159" y="1396018"/>
-                </a:cubicBezTo>
-                <a:lnTo>
-                  <a:pt x="6498333" y="1381988"/>
-                </a:lnTo>
-                <a:lnTo>
-                  <a:pt x="6498333" y="0"/>
-                </a:lnTo>
-                <a:lnTo>
-                  <a:pt x="723703" y="0"/>
-                </a:lnTo>
-                <a:lnTo>
-                  <a:pt x="629735" y="31770"/>
-                </a:lnTo>
-                <a:cubicBezTo>
-                  <a:pt x="421263" y="101447"/>
-                  <a:pt x="228886" y="161708"/>
-                  <a:pt x="127078" y="173371"/>
-                </a:cubicBezTo>
-                <a:cubicBezTo>
-                  <a:pt x="86644" y="176827"/>
-                  <a:pt x="25993" y="163004"/>
-                  <a:pt x="0" y="235577"/>
-                </a:cubicBezTo>
-                <a:cubicBezTo>
-                  <a:pt x="306144" y="346163"/>
-                  <a:pt x="641170" y="183739"/>
-                  <a:pt x="967530" y="225208"/>
-                </a:cubicBezTo>
-                <a:cubicBezTo>
-                  <a:pt x="866445" y="353075"/>
-                  <a:pt x="745142" y="384177"/>
-                  <a:pt x="620954" y="408367"/>
-                </a:cubicBezTo>
-                <a:cubicBezTo>
-                  <a:pt x="589182" y="415279"/>
-                  <a:pt x="542972" y="422191"/>
-                  <a:pt x="542972" y="463661"/>
-                </a:cubicBezTo>
-                <a:cubicBezTo>
-                  <a:pt x="542972" y="515499"/>
-                  <a:pt x="594959" y="505130"/>
-                  <a:pt x="635392" y="515499"/>
-                </a:cubicBezTo>
-                <a:cubicBezTo>
-                  <a:pt x="693155" y="529321"/>
-                  <a:pt x="762471" y="470573"/>
-                  <a:pt x="843339" y="532778"/>
-                </a:cubicBezTo>
-                <a:cubicBezTo>
-                  <a:pt x="646945" y="574247"/>
-                  <a:pt x="476544" y="588071"/>
-                  <a:pt x="297479" y="584615"/>
-                </a:cubicBezTo>
-                <a:cubicBezTo>
-                  <a:pt x="323472" y="629541"/>
-                  <a:pt x="378348" y="639908"/>
-                  <a:pt x="358130" y="688289"/>
-                </a:cubicBezTo>
-                <a:cubicBezTo>
-                  <a:pt x="343689" y="726304"/>
-                  <a:pt x="283038" y="760862"/>
-                  <a:pt x="326361" y="809243"/>
-                </a:cubicBezTo>
-                <a:cubicBezTo>
-                  <a:pt x="427447" y="843802"/>
-                  <a:pt x="554524" y="788508"/>
-                  <a:pt x="649833" y="854169"/>
-                </a:cubicBezTo>
-                <a:cubicBezTo>
-                  <a:pt x="782688" y="947476"/>
-                  <a:pt x="961753" y="940565"/>
-                  <a:pt x="1111937" y="992402"/>
-                </a:cubicBezTo>
-                <a:cubicBezTo>
-                  <a:pt x="1161035" y="1009682"/>
-                  <a:pt x="1472955" y="1023504"/>
-                  <a:pt x="1559599" y="1033872"/>
-                </a:cubicBezTo>
-                <a:cubicBezTo>
-                  <a:pt x="1678015" y="1047696"/>
-                  <a:pt x="1805093" y="1023504"/>
-                  <a:pt x="1929284" y="1078798"/>
-                </a:cubicBezTo>
-                <a:cubicBezTo>
-                  <a:pt x="1828198" y="1130635"/>
-                  <a:pt x="1727113" y="1075343"/>
-                  <a:pt x="1608698" y="1154826"/>
-                </a:cubicBezTo>
-                <a:cubicBezTo>
-                  <a:pt x="1825309" y="1175561"/>
-                  <a:pt x="2015928" y="1158282"/>
-                  <a:pt x="2183442" y="1227398"/>
-                </a:cubicBezTo>
-                <a:cubicBezTo>
-                  <a:pt x="2203658" y="1237767"/>
-                  <a:pt x="2238314" y="1220487"/>
-                  <a:pt x="2267197" y="1217031"/>
-                </a:cubicBezTo>
-                <a:cubicBezTo>
-                  <a:pt x="2561787" y="1179017"/>
-                  <a:pt x="2853490" y="1134091"/>
-                  <a:pt x="3148082" y="1123724"/>
-                </a:cubicBezTo>
-                <a:cubicBezTo>
-                  <a:pt x="3214508" y="1120268"/>
-                  <a:pt x="3327146" y="1092621"/>
-                  <a:pt x="3330034" y="1154826"/>
-                </a:cubicBezTo>
-                <a:cubicBezTo>
-                  <a:pt x="3330034" y="1251589"/>
-                  <a:pt x="3214508" y="1220487"/>
-                  <a:pt x="3145192" y="1230854"/>
-                </a:cubicBezTo>
-                <a:cubicBezTo>
-                  <a:pt x="2931471" y="1268869"/>
-                  <a:pt x="2711970" y="1282691"/>
-                  <a:pt x="2504025" y="1376000"/>
-                </a:cubicBezTo>
-                <a:cubicBezTo>
-                  <a:pt x="2654207" y="1365632"/>
-                  <a:pt x="2804392" y="1358720"/>
-                  <a:pt x="2954575" y="1348352"/>
-                </a:cubicBezTo>
-                <a:cubicBezTo>
-                  <a:pt x="2787063" y="1386367"/>
-                  <a:pt x="2654207" y="1476218"/>
-                  <a:pt x="2492471" y="1524600"/>
-                </a:cubicBezTo>
-                <a:cubicBezTo>
-                  <a:pt x="2408715" y="1548791"/>
-                  <a:pt x="2342289" y="1579893"/>
-                  <a:pt x="2342289" y="1579893"/>
-                </a:cubicBezTo>
-                <a:cubicBezTo>
-                  <a:pt x="2342289" y="1579893"/>
-                  <a:pt x="2356730" y="1655921"/>
-                  <a:pt x="2489584" y="1693935"/>
-                </a:cubicBezTo>
-                <a:cubicBezTo>
-                  <a:pt x="2563232" y="1717262"/>
-                  <a:pt x="2820457" y="1728925"/>
-                  <a:pt x="2987112" y="1730384"/>
-                </a:cubicBezTo>
-                <a:close/>
-              </a:path>
-            </a:pathLst>
-          </a:custGeom>
-          <a:solidFill>
-            <a:schemeClr val="bg2">
-              <a:alpha val="50000"/>
-            </a:schemeClr>
-          </a:solidFill>
-          <a:ln w="32707" cap="flat">
-            <a:noFill/>
-            <a:prstDash val="solid"/>
-            <a:miter/>
-          </a:ln>
-        </p:spPr>
-        <p:txBody>
-          <a:bodyPr wrap="square" rtlCol="0" anchor="ctr">
-            <a:noAutofit/>
-          </a:bodyPr>
-          <a:lstStyle/>
-          <a:p>
-            <a:endParaRPr lang="en-US">
-              <a:solidFill>
-                <a:schemeClr val="tx1"/>
-              </a:solidFill>
-            </a:endParaRPr>
-          </a:p>
-        </p:txBody>
-      </p:sp>
-      <p:sp>
-        <p:nvSpPr>
-          <p:cNvPr id="3" name="Content Placeholder 2">
-            <a:extLst>
-              <a:ext uri="{FF2B5EF4-FFF2-40B4-BE49-F238E27FC236}">
-                <a16:creationId xmlns:a16="http://schemas.microsoft.com/office/drawing/2014/main" id="{B550C824-7E13-4EDE-A68C-2C35B4FEB815}"/>
-              </a:ext>
-            </a:extLst>
-          </p:cNvPr>
-          <p:cNvSpPr>
-            <a:spLocks noGrp="1"/>
-          </p:cNvSpPr>
-          <p:nvPr>
-            <p:ph idx="1"/>
-          </p:nvPr>
-        </p:nvSpPr>
-        <p:spPr>
-          <a:xfrm>
-            <a:off x="1820559" y="2499709"/>
-            <a:ext cx="5257804" cy="3929186"/>
-          </a:xfrm>
-        </p:spPr>
-        <p:txBody>
-          <a:bodyPr anchor="t">
-            <a:normAutofit/>
-          </a:bodyPr>
-          <a:lstStyle/>
-          <a:p>
-            <a:pPr rtl="0" fontAlgn="base">
-              <a:spcBef>
-                <a:spcPts val="0"/>
-              </a:spcBef>
-              <a:spcAft>
-                <a:spcPts val="1200"/>
-              </a:spcAft>
-              <a:buFont typeface="Wingdings" pitchFamily="2" charset="2"/>
-              <a:buChar char="Ø"/>
-            </a:pPr>
-            <a:r>
-              <a:rPr lang="en-GB" sz="3200" b="0" i="0" u="none" strike="noStrike" dirty="0">
-                <a:effectLst/>
-                <a:latin typeface="Lato" panose="020F0502020204030203" pitchFamily="34" charset="0"/>
-              </a:rPr>
-              <a:t>Maven 4 - what’s new</a:t>
-            </a:r>
-          </a:p>
-          <a:p>
-            <a:pPr rtl="0" fontAlgn="base">
-              <a:spcBef>
-                <a:spcPts val="0"/>
-              </a:spcBef>
-              <a:spcAft>
-                <a:spcPts val="1200"/>
-              </a:spcAft>
-              <a:buFont typeface="Wingdings" pitchFamily="2" charset="2"/>
-              <a:buChar char="Ø"/>
-            </a:pPr>
-            <a:endParaRPr lang="en-GB" sz="3200" b="0" i="0" u="none" strike="noStrike" dirty="0">
-              <a:effectLst/>
-              <a:latin typeface="Lato" panose="020F0502020204030203" pitchFamily="34" charset="0"/>
-            </a:endParaRPr>
-          </a:p>
-          <a:p>
-            <a:pPr rtl="0" fontAlgn="base">
-              <a:spcBef>
-                <a:spcPts val="0"/>
-              </a:spcBef>
-              <a:spcAft>
-                <a:spcPts val="0"/>
-              </a:spcAft>
-              <a:buFont typeface="Wingdings" pitchFamily="2" charset="2"/>
-              <a:buChar char="Ø"/>
-            </a:pPr>
-            <a:r>
-              <a:rPr lang="en-GB" sz="3200" b="0" i="0" u="none" strike="noStrike" dirty="0">
-                <a:effectLst/>
-                <a:latin typeface="Lato" panose="020F0502020204030203" pitchFamily="34" charset="0"/>
-              </a:rPr>
-              <a:t>Java 21 – goodies</a:t>
-            </a:r>
-          </a:p>
-          <a:p>
-            <a:pPr marL="0" indent="0" rtl="0" fontAlgn="base">
-              <a:spcBef>
-                <a:spcPts val="0"/>
-              </a:spcBef>
-              <a:spcAft>
-                <a:spcPts val="0"/>
-              </a:spcAft>
-              <a:buNone/>
-            </a:pPr>
-            <a:endParaRPr lang="en-GB" sz="3200" b="0" i="0" u="none" strike="noStrike" dirty="0">
-              <a:effectLst/>
-              <a:latin typeface="Lato" panose="020F0502020204030203" pitchFamily="34" charset="0"/>
-            </a:endParaRPr>
-          </a:p>
-          <a:p>
-            <a:pPr rtl="0" fontAlgn="base">
-              <a:spcBef>
-                <a:spcPts val="0"/>
-              </a:spcBef>
-              <a:spcAft>
-                <a:spcPts val="0"/>
-              </a:spcAft>
-              <a:buFont typeface="Wingdings" pitchFamily="2" charset="2"/>
-              <a:buChar char="Ø"/>
-            </a:pPr>
-            <a:endParaRPr lang="en-GB" sz="3200" dirty="0">
-              <a:latin typeface="Lato" panose="020F0502020204030203" pitchFamily="34" charset="0"/>
-            </a:endParaRPr>
-          </a:p>
-          <a:p>
-            <a:pPr rtl="0" fontAlgn="base">
-              <a:spcBef>
-                <a:spcPts val="0"/>
-              </a:spcBef>
-              <a:spcAft>
-                <a:spcPts val="0"/>
-              </a:spcAft>
-              <a:buFont typeface="Wingdings" pitchFamily="2" charset="2"/>
-              <a:buChar char="Ø"/>
-            </a:pPr>
-            <a:r>
-              <a:rPr lang="en-GB" sz="3200" b="0" i="0" u="none" strike="noStrike" dirty="0">
-                <a:effectLst/>
-                <a:latin typeface="Lato" panose="020F0502020204030203" pitchFamily="34" charset="0"/>
-              </a:rPr>
-              <a:t>Play time</a:t>
-            </a:r>
-          </a:p>
-        </p:txBody>
-      </p:sp>
-    </p:spTree>
-    <p:extLst>
-      <p:ext uri="{BB962C8B-B14F-4D97-AF65-F5344CB8AC3E}">
-        <p14:creationId xmlns:p14="http://schemas.microsoft.com/office/powerpoint/2010/main" val="3704788612"/>
-      </p:ext>
-    </p:extLst>
-  </p:cSld>
-  <p:clrMapOvr>
-    <a:masterClrMapping/>
-  </p:clrMapOvr>
-</p:sld>
-</file>
-
-<file path=ppt/slides/slide20.xml><?xml version="1.0" encoding="utf-8"?>
+<file path=ppt/slides/slide27.xml><?xml version="1.0" encoding="utf-8"?>
 <p:sld xmlns:a="http://schemas.openxmlformats.org/drawingml/2006/main" xmlns:r="http://schemas.openxmlformats.org/officeDocument/2006/relationships" xmlns:p="http://schemas.openxmlformats.org/presentationml/2006/main">
   <p:cSld>
     <p:bg>
@@ -22017,7 +24197,7 @@
                 <a:effectLst/>
                 <a:latin typeface="Lato" panose="020F0502020204030203" pitchFamily="34" charset="0"/>
               </a:rPr>
-              <a:t> – performance improvement of I/O operations (Java-Native platform changes </a:t>
+              <a:t> – safety and performance improvement of I/O operations (Java-Native platform changes,  </a:t>
             </a:r>
             <a:r>
               <a:rPr lang="en-GB" sz="4000" b="0" i="0" u="none" strike="noStrike" dirty="0" err="1">
@@ -23058,6 +25238,247 @@
 </file>
 
 <file path=ppt/slides/slide8.xml><?xml version="1.0" encoding="utf-8"?>
+<p:sld xmlns:a="http://schemas.openxmlformats.org/drawingml/2006/main" xmlns:r="http://schemas.openxmlformats.org/officeDocument/2006/relationships" xmlns:p="http://schemas.openxmlformats.org/presentationml/2006/main">
+  <p:cSld>
+    <p:spTree>
+      <p:nvGrpSpPr>
+        <p:cNvPr id="1" name=""/>
+        <p:cNvGrpSpPr/>
+        <p:nvPr/>
+      </p:nvGrpSpPr>
+      <p:grpSpPr>
+        <a:xfrm>
+          <a:off x="0" y="0"/>
+          <a:ext cx="0" cy="0"/>
+          <a:chOff x="0" y="0"/>
+          <a:chExt cx="0" cy="0"/>
+        </a:xfrm>
+      </p:grpSpPr>
+      <p:sp>
+        <p:nvSpPr>
+          <p:cNvPr id="8" name="Title 1">
+            <a:extLst>
+              <a:ext uri="{FF2B5EF4-FFF2-40B4-BE49-F238E27FC236}">
+                <a16:creationId xmlns:a16="http://schemas.microsoft.com/office/drawing/2014/main" id="{2AAF73B4-E936-B7C3-2737-425BD26E6B26}"/>
+              </a:ext>
+            </a:extLst>
+          </p:cNvPr>
+          <p:cNvSpPr txBox="1">
+            <a:spLocks/>
+          </p:cNvSpPr>
+          <p:nvPr/>
+        </p:nvSpPr>
+        <p:spPr>
+          <a:xfrm>
+            <a:off x="595184" y="275064"/>
+            <a:ext cx="10515600" cy="1325563"/>
+          </a:xfrm>
+          <a:prstGeom prst="rect">
+            <a:avLst/>
+          </a:prstGeom>
+        </p:spPr>
+        <p:txBody>
+          <a:bodyPr vert="horz" lIns="91440" tIns="45720" rIns="91440" bIns="45720" rtlCol="0" anchor="ctr">
+            <a:normAutofit/>
+          </a:bodyPr>
+          <a:lstStyle>
+            <a:lvl1pPr algn="l" defTabSz="914400" rtl="0" eaLnBrk="1" latinLnBrk="0" hangingPunct="1">
+              <a:lnSpc>
+                <a:spcPct val="90000"/>
+              </a:lnSpc>
+              <a:spcBef>
+                <a:spcPct val="0"/>
+              </a:spcBef>
+              <a:buNone/>
+              <a:defRPr sz="4400" kern="1200">
+                <a:solidFill>
+                  <a:schemeClr val="tx1"/>
+                </a:solidFill>
+                <a:latin typeface="+mj-lt"/>
+                <a:ea typeface="+mj-ea"/>
+                <a:cs typeface="+mj-cs"/>
+              </a:defRPr>
+            </a:lvl1pPr>
+          </a:lstStyle>
+          <a:p>
+            <a:r>
+              <a:rPr lang="en-US" b="1" dirty="0">
+                <a:latin typeface="+mn-lt"/>
+              </a:rPr>
+              <a:t>Others</a:t>
+            </a:r>
+          </a:p>
+        </p:txBody>
+      </p:sp>
+      <p:sp>
+        <p:nvSpPr>
+          <p:cNvPr id="3" name="TextBox 2">
+            <a:extLst>
+              <a:ext uri="{FF2B5EF4-FFF2-40B4-BE49-F238E27FC236}">
+                <a16:creationId xmlns:a16="http://schemas.microsoft.com/office/drawing/2014/main" id="{8429E9AC-A1B0-C885-BD7A-28D09B763E25}"/>
+              </a:ext>
+            </a:extLst>
+          </p:cNvPr>
+          <p:cNvSpPr txBox="1"/>
+          <p:nvPr/>
+        </p:nvSpPr>
+        <p:spPr>
+          <a:xfrm>
+            <a:off x="443754" y="1493051"/>
+            <a:ext cx="10943663" cy="523220"/>
+          </a:xfrm>
+          <a:prstGeom prst="rect">
+            <a:avLst/>
+          </a:prstGeom>
+          <a:noFill/>
+        </p:spPr>
+        <p:txBody>
+          <a:bodyPr wrap="square" rtlCol="0">
+            <a:spAutoFit/>
+          </a:bodyPr>
+          <a:lstStyle/>
+          <a:p>
+            <a:pPr marL="457200" indent="-457200" algn="l">
+              <a:buFont typeface="Arial" panose="020B0604020202020204" pitchFamily="34" charset="0"/>
+              <a:buChar char="•"/>
+            </a:pPr>
+            <a:r>
+              <a:rPr lang="en-GB" sz="2800" b="1" i="0" dirty="0">
+                <a:solidFill>
+                  <a:srgbClr val="131516"/>
+                </a:solidFill>
+                <a:effectLst/>
+                <a:latin typeface="Calibri" panose="020F0502020204030204" pitchFamily="34" charset="0"/>
+                <a:cs typeface="Calibri" panose="020F0502020204030204" pitchFamily="34" charset="0"/>
+                <a:hlinkClick r:id="rId3"/>
+              </a:rPr>
+              <a:t>The Java Playground</a:t>
+            </a:r>
+            <a:endParaRPr lang="en-GB" sz="2800" b="1" i="0" dirty="0">
+              <a:solidFill>
+                <a:srgbClr val="131516"/>
+              </a:solidFill>
+              <a:effectLst/>
+              <a:latin typeface="Calibri" panose="020F0502020204030204" pitchFamily="34" charset="0"/>
+              <a:cs typeface="Calibri" panose="020F0502020204030204" pitchFamily="34" charset="0"/>
+            </a:endParaRPr>
+          </a:p>
+        </p:txBody>
+      </p:sp>
+      <p:pic>
+        <p:nvPicPr>
+          <p:cNvPr id="5" name="Picture 4" descr="A screenshot of a computer&#10;&#10;Description automatically generated">
+            <a:extLst>
+              <a:ext uri="{FF2B5EF4-FFF2-40B4-BE49-F238E27FC236}">
+                <a16:creationId xmlns:a16="http://schemas.microsoft.com/office/drawing/2014/main" id="{F4DDC617-EF31-0FEC-E672-238BE877A284}"/>
+              </a:ext>
+            </a:extLst>
+          </p:cNvPr>
+          <p:cNvPicPr>
+            <a:picLocks noChangeAspect="1"/>
+          </p:cNvPicPr>
+          <p:nvPr/>
+        </p:nvPicPr>
+        <p:blipFill>
+          <a:blip r:embed="rId4"/>
+          <a:stretch>
+            <a:fillRect/>
+          </a:stretch>
+        </p:blipFill>
+        <p:spPr>
+          <a:xfrm>
+            <a:off x="5419165" y="812799"/>
+            <a:ext cx="5323915" cy="5581305"/>
+          </a:xfrm>
+          <a:prstGeom prst="rect">
+            <a:avLst/>
+          </a:prstGeom>
+        </p:spPr>
+      </p:pic>
+      <p:sp>
+        <p:nvSpPr>
+          <p:cNvPr id="6" name="TextBox 5">
+            <a:extLst>
+              <a:ext uri="{FF2B5EF4-FFF2-40B4-BE49-F238E27FC236}">
+                <a16:creationId xmlns:a16="http://schemas.microsoft.com/office/drawing/2014/main" id="{262ED03D-7FA4-C93D-0092-6C79A0D0B5F2}"/>
+              </a:ext>
+            </a:extLst>
+          </p:cNvPr>
+          <p:cNvSpPr txBox="1"/>
+          <p:nvPr/>
+        </p:nvSpPr>
+        <p:spPr>
+          <a:xfrm>
+            <a:off x="443754" y="2429499"/>
+            <a:ext cx="4607708" cy="2677656"/>
+          </a:xfrm>
+          <a:prstGeom prst="rect">
+            <a:avLst/>
+          </a:prstGeom>
+          <a:noFill/>
+        </p:spPr>
+        <p:txBody>
+          <a:bodyPr wrap="square" rtlCol="0">
+            <a:spAutoFit/>
+          </a:bodyPr>
+          <a:lstStyle/>
+          <a:p>
+            <a:pPr marL="342900" indent="-342900">
+              <a:buFont typeface="Arial" panose="020B0604020202020204" pitchFamily="34" charset="0"/>
+              <a:buChar char="•"/>
+            </a:pPr>
+            <a:r>
+              <a:rPr lang="en-US" sz="2400" dirty="0"/>
+              <a:t>Various methods added to existing classes( e.g. String)</a:t>
+            </a:r>
+          </a:p>
+          <a:p>
+            <a:pPr marL="342900" indent="-342900">
+              <a:buFont typeface="Arial" panose="020B0604020202020204" pitchFamily="34" charset="0"/>
+              <a:buChar char="•"/>
+            </a:pPr>
+            <a:r>
+              <a:rPr lang="en-US" sz="2400" dirty="0"/>
+              <a:t>Flattened Heap Storage ( bringing benefits of primitives to objects)</a:t>
+            </a:r>
+          </a:p>
+          <a:p>
+            <a:pPr marL="342900" indent="-342900">
+              <a:buFont typeface="Arial" panose="020B0604020202020204" pitchFamily="34" charset="0"/>
+              <a:buChar char="•"/>
+            </a:pPr>
+            <a:r>
+              <a:rPr lang="en-US" sz="2400" dirty="0"/>
+              <a:t>JVM Design changes</a:t>
+            </a:r>
+          </a:p>
+          <a:p>
+            <a:pPr marL="342900" indent="-342900">
+              <a:buFont typeface="Arial" panose="020B0604020202020204" pitchFamily="34" charset="0"/>
+              <a:buChar char="•"/>
+            </a:pPr>
+            <a:r>
+              <a:rPr lang="en-US" sz="2400" dirty="0" err="1"/>
+              <a:t>etc</a:t>
+            </a:r>
+            <a:endParaRPr lang="en-US" sz="2400" dirty="0"/>
+          </a:p>
+        </p:txBody>
+      </p:sp>
+    </p:spTree>
+    <p:extLst>
+      <p:ext uri="{BB962C8B-B14F-4D97-AF65-F5344CB8AC3E}">
+        <p14:creationId xmlns:p14="http://schemas.microsoft.com/office/powerpoint/2010/main" val="376515577"/>
+      </p:ext>
+    </p:extLst>
+  </p:cSld>
+  <p:clrMapOvr>
+    <a:masterClrMapping/>
+  </p:clrMapOvr>
+</p:sld>
+</file>
+
+<file path=ppt/slides/slide9.xml><?xml version="1.0" encoding="utf-8"?>
 <p:sld xmlns:a="http://schemas.openxmlformats.org/drawingml/2006/main" xmlns:r="http://schemas.openxmlformats.org/officeDocument/2006/relationships" xmlns:p="http://schemas.openxmlformats.org/presentationml/2006/main">
   <p:cSld>
     <p:bg>
@@ -24618,10 +27039,27 @@
           <a:lstStyle/>
           <a:p>
             <a:r>
+              <a:rPr lang="en-GB" dirty="0">
+                <a:solidFill>
+                  <a:srgbClr val="0033B3"/>
+                </a:solidFill>
+                <a:effectLst/>
+              </a:rPr>
+              <a:t>JEP 430.</a:t>
+            </a:r>
+            <a:r>
+              <a:rPr lang="en-GB" dirty="0">
+                <a:solidFill>
+                  <a:srgbClr val="080808"/>
+                </a:solidFill>
+              </a:rPr>
+              <a:t> </a:t>
+            </a:r>
+            <a:r>
               <a:rPr lang="en-US" b="1" dirty="0">
                 <a:latin typeface="+mn-lt"/>
               </a:rPr>
-              <a:t>Amber: String Templates </a:t>
+              <a:t>String Templates </a:t>
             </a:r>
             <a:r>
               <a:rPr lang="en-US" b="1" i="1" dirty="0">
@@ -24767,353 +27205,6 @@
     <p:extLst>
       <p:ext uri="{BB962C8B-B14F-4D97-AF65-F5344CB8AC3E}">
         <p14:creationId xmlns:p14="http://schemas.microsoft.com/office/powerpoint/2010/main" val="2262469262"/>
-      </p:ext>
-    </p:extLst>
-  </p:cSld>
-  <p:clrMapOvr>
-    <a:masterClrMapping/>
-  </p:clrMapOvr>
-</p:sld>
-</file>
-
-<file path=ppt/slides/slide9.xml><?xml version="1.0" encoding="utf-8"?>
-<p:sld xmlns:a="http://schemas.openxmlformats.org/drawingml/2006/main" xmlns:r="http://schemas.openxmlformats.org/officeDocument/2006/relationships" xmlns:p="http://schemas.openxmlformats.org/presentationml/2006/main">
-  <p:cSld>
-    <p:spTree>
-      <p:nvGrpSpPr>
-        <p:cNvPr id="1" name=""/>
-        <p:cNvGrpSpPr/>
-        <p:nvPr/>
-      </p:nvGrpSpPr>
-      <p:grpSpPr>
-        <a:xfrm>
-          <a:off x="0" y="0"/>
-          <a:ext cx="0" cy="0"/>
-          <a:chOff x="0" y="0"/>
-          <a:chExt cx="0" cy="0"/>
-        </a:xfrm>
-      </p:grpSpPr>
-      <p:sp>
-        <p:nvSpPr>
-          <p:cNvPr id="4" name="Title 1">
-            <a:extLst>
-              <a:ext uri="{FF2B5EF4-FFF2-40B4-BE49-F238E27FC236}">
-                <a16:creationId xmlns:a16="http://schemas.microsoft.com/office/drawing/2014/main" id="{9CA3CFD1-15C7-979F-A478-8FE9B7915B20}"/>
-              </a:ext>
-            </a:extLst>
-          </p:cNvPr>
-          <p:cNvSpPr>
-            <a:spLocks noGrp="1"/>
-          </p:cNvSpPr>
-          <p:nvPr>
-            <p:ph type="title"/>
-          </p:nvPr>
-        </p:nvSpPr>
-        <p:spPr>
-          <a:xfrm>
-            <a:off x="838200" y="365125"/>
-            <a:ext cx="10515600" cy="1325563"/>
-          </a:xfrm>
-        </p:spPr>
-        <p:txBody>
-          <a:bodyPr/>
-          <a:lstStyle/>
-          <a:p>
-            <a:r>
-              <a:rPr lang="en-US" b="1" dirty="0">
-                <a:latin typeface="+mn-lt"/>
-              </a:rPr>
-              <a:t>Amber: String Templates </a:t>
-            </a:r>
-            <a:r>
-              <a:rPr lang="en-US" b="1" i="1" dirty="0">
-                <a:latin typeface="+mn-lt"/>
-              </a:rPr>
-              <a:t>(preview)</a:t>
-            </a:r>
-          </a:p>
-        </p:txBody>
-      </p:sp>
-      <p:sp>
-        <p:nvSpPr>
-          <p:cNvPr id="5" name="Content Placeholder 2">
-            <a:extLst>
-              <a:ext uri="{FF2B5EF4-FFF2-40B4-BE49-F238E27FC236}">
-                <a16:creationId xmlns:a16="http://schemas.microsoft.com/office/drawing/2014/main" id="{A6895E22-BD87-7D61-8EB0-844A4D833A03}"/>
-              </a:ext>
-            </a:extLst>
-          </p:cNvPr>
-          <p:cNvSpPr>
-            <a:spLocks noGrp="1"/>
-          </p:cNvSpPr>
-          <p:nvPr>
-            <p:ph idx="1"/>
-          </p:nvPr>
-        </p:nvSpPr>
-        <p:spPr>
-          <a:xfrm>
-            <a:off x="750469" y="1451156"/>
-            <a:ext cx="10515600" cy="4351338"/>
-          </a:xfrm>
-        </p:spPr>
-        <p:txBody>
-          <a:bodyPr>
-            <a:normAutofit fontScale="77500" lnSpcReduction="20000"/>
-          </a:bodyPr>
-          <a:lstStyle/>
-          <a:p>
-            <a:pPr rtl="0" fontAlgn="base">
-              <a:lnSpc>
-                <a:spcPct val="170000"/>
-              </a:lnSpc>
-              <a:spcBef>
-                <a:spcPts val="0"/>
-              </a:spcBef>
-              <a:spcAft>
-                <a:spcPts val="0"/>
-              </a:spcAft>
-              <a:buFont typeface="Arial" panose="020B0604020202020204" pitchFamily="34" charset="0"/>
-              <a:buChar char="•"/>
-            </a:pPr>
-            <a:r>
-              <a:rPr lang="en-GB" sz="2800" b="0" i="1" dirty="0">
-                <a:effectLst/>
-                <a:highlight>
-                  <a:srgbClr val="FFFF00"/>
-                </a:highlight>
-                <a:latin typeface="-apple-system"/>
-              </a:rPr>
-              <a:t>template expression</a:t>
-            </a:r>
-            <a:r>
-              <a:rPr lang="en-GB" dirty="0">
-                <a:latin typeface="-apple-system"/>
-              </a:rPr>
-              <a:t>:</a:t>
-            </a:r>
-            <a:r>
-              <a:rPr lang="en-GB" sz="2800" b="0" i="0" dirty="0">
-                <a:effectLst/>
-                <a:latin typeface="-apple-system"/>
-              </a:rPr>
-              <a:t> a programmable way of safely interpolating expressions in String literals.</a:t>
-            </a:r>
-          </a:p>
-          <a:p>
-            <a:pPr lvl="1"/>
-            <a:r>
-              <a:rPr lang="en-GB" b="0" i="0" dirty="0">
-                <a:solidFill>
-                  <a:srgbClr val="FF0000"/>
-                </a:solidFill>
-                <a:effectLst/>
-                <a:latin typeface="-apple-system"/>
-              </a:rPr>
-              <a:t>[</a:t>
-            </a:r>
-            <a:r>
-              <a:rPr lang="en-GB" b="0" i="0" dirty="0">
-                <a:effectLst/>
-                <a:latin typeface="-apple-system"/>
-              </a:rPr>
-              <a:t>A </a:t>
-            </a:r>
-            <a:r>
-              <a:rPr lang="en-GB" b="0" i="1" dirty="0">
-                <a:effectLst/>
-                <a:latin typeface="-apple-system"/>
-              </a:rPr>
-              <a:t>template processor</a:t>
-            </a:r>
-            <a:r>
-              <a:rPr lang="en-GB" b="0" dirty="0">
-                <a:solidFill>
-                  <a:srgbClr val="FF0000"/>
-                </a:solidFill>
-                <a:effectLst/>
-                <a:latin typeface="-apple-system"/>
-              </a:rPr>
-              <a:t>]</a:t>
-            </a:r>
-            <a:r>
-              <a:rPr lang="en-GB" sz="3600" b="0" dirty="0">
-                <a:solidFill>
-                  <a:srgbClr val="7030A0"/>
-                </a:solidFill>
-                <a:effectLst/>
-                <a:latin typeface="-apple-system"/>
-              </a:rPr>
-              <a:t>.</a:t>
-            </a:r>
-            <a:r>
-              <a:rPr lang="en-GB" b="0" dirty="0">
-                <a:solidFill>
-                  <a:srgbClr val="FF0000"/>
-                </a:solidFill>
-                <a:effectLst/>
-                <a:latin typeface="-apple-system"/>
-              </a:rPr>
-              <a:t>[</a:t>
-            </a:r>
-            <a:r>
-              <a:rPr lang="en-GB" b="0" i="0" dirty="0">
-                <a:effectLst/>
-                <a:latin typeface="-apple-system"/>
-              </a:rPr>
-              <a:t>A template containing wrapped expressions like \{</a:t>
-            </a:r>
-            <a:r>
-              <a:rPr lang="en-GB" b="0" i="0" dirty="0" err="1">
-                <a:effectLst/>
-                <a:latin typeface="-apple-system"/>
-              </a:rPr>
-              <a:t>varName</a:t>
-            </a:r>
-            <a:r>
-              <a:rPr lang="en-GB" b="0" i="0" dirty="0">
-                <a:effectLst/>
-                <a:latin typeface="-apple-system"/>
-              </a:rPr>
-              <a:t>}</a:t>
-            </a:r>
-            <a:r>
-              <a:rPr lang="en-GB" b="0" i="0" dirty="0">
-                <a:solidFill>
-                  <a:srgbClr val="FF0000"/>
-                </a:solidFill>
-                <a:effectLst/>
-                <a:latin typeface="-apple-system"/>
-              </a:rPr>
-              <a:t>]</a:t>
-            </a:r>
-          </a:p>
-          <a:p>
-            <a:pPr lvl="1"/>
-            <a:endParaRPr lang="en-GB" dirty="0">
-              <a:solidFill>
-                <a:srgbClr val="FF0000"/>
-              </a:solidFill>
-              <a:latin typeface="-apple-system"/>
-            </a:endParaRPr>
-          </a:p>
-          <a:p>
-            <a:pPr lvl="1"/>
-            <a:endParaRPr lang="en-GB" b="0" i="0" dirty="0">
-              <a:solidFill>
-                <a:srgbClr val="FF0000"/>
-              </a:solidFill>
-              <a:effectLst/>
-              <a:latin typeface="-apple-system"/>
-            </a:endParaRPr>
-          </a:p>
-          <a:p>
-            <a:pPr lvl="1"/>
-            <a:endParaRPr lang="en-GB" dirty="0">
-              <a:solidFill>
-                <a:srgbClr val="FF0000"/>
-              </a:solidFill>
-              <a:latin typeface="-apple-system"/>
-            </a:endParaRPr>
-          </a:p>
-          <a:p>
-            <a:pPr marL="0" indent="0">
-              <a:buNone/>
-            </a:pPr>
-            <a:endParaRPr lang="en-GB" dirty="0">
-              <a:solidFill>
-                <a:srgbClr val="FF0000"/>
-              </a:solidFill>
-              <a:latin typeface="-apple-system"/>
-            </a:endParaRPr>
-          </a:p>
-          <a:p>
-            <a:pPr marL="0" indent="0">
-              <a:buNone/>
-            </a:pPr>
-            <a:endParaRPr lang="en-GB" dirty="0">
-              <a:solidFill>
-                <a:srgbClr val="FF0000"/>
-              </a:solidFill>
-              <a:latin typeface="-apple-system"/>
-            </a:endParaRPr>
-          </a:p>
-          <a:p>
-            <a:r>
-              <a:rPr lang="en-GB" dirty="0">
-                <a:solidFill>
-                  <a:srgbClr val="FF0000"/>
-                </a:solidFill>
-                <a:latin typeface="-apple-system"/>
-              </a:rPr>
-              <a:t>STR - </a:t>
-            </a:r>
-            <a:r>
-              <a:rPr lang="en-US" dirty="0"/>
-              <a:t>The Java compiler automatically imports it in any Java class. It is called a </a:t>
-            </a:r>
-            <a:r>
-              <a:rPr lang="en-US" i="1" dirty="0"/>
-              <a:t>template processor. </a:t>
-            </a:r>
-          </a:p>
-          <a:p>
-            <a:r>
-              <a:rPr lang="en-US" dirty="0"/>
-              <a:t>Developers can create their own processors by implementing </a:t>
-            </a:r>
-            <a:r>
-              <a:rPr lang="en-GB" b="0" i="0" u="none" strike="noStrike" dirty="0">
-                <a:effectLst/>
-                <a:latin typeface="-apple-system"/>
-                <a:hlinkClick r:id="rId3"/>
-              </a:rPr>
-              <a:t>java.lang.StringTemplate.Processor</a:t>
-            </a:r>
-            <a:r>
-              <a:rPr lang="en-GB" b="0" i="0" u="none" strike="noStrike" dirty="0">
-                <a:effectLst/>
-                <a:latin typeface="-apple-system"/>
-              </a:rPr>
-              <a:t> functional interface</a:t>
-            </a:r>
-            <a:endParaRPr lang="en-US" i="1" dirty="0"/>
-          </a:p>
-        </p:txBody>
-      </p:sp>
-      <p:pic>
-        <p:nvPicPr>
-          <p:cNvPr id="7" name="Picture 6" descr="A screenshot of a computer&#10;&#10;Description automatically generated">
-            <a:extLst>
-              <a:ext uri="{FF2B5EF4-FFF2-40B4-BE49-F238E27FC236}">
-                <a16:creationId xmlns:a16="http://schemas.microsoft.com/office/drawing/2014/main" id="{DE43E702-0041-21A7-6535-54475CD31DA8}"/>
-              </a:ext>
-            </a:extLst>
-          </p:cNvPr>
-          <p:cNvPicPr>
-            <a:picLocks noChangeAspect="1"/>
-          </p:cNvPicPr>
-          <p:nvPr/>
-        </p:nvPicPr>
-        <p:blipFill>
-          <a:blip r:embed="rId4"/>
-          <a:stretch>
-            <a:fillRect/>
-          </a:stretch>
-        </p:blipFill>
-        <p:spPr>
-          <a:xfrm>
-            <a:off x="750469" y="2950731"/>
-            <a:ext cx="10375193" cy="1352187"/>
-          </a:xfrm>
-          <a:prstGeom prst="rect">
-            <a:avLst/>
-          </a:prstGeom>
-        </p:spPr>
-      </p:pic>
-    </p:spTree>
-    <p:extLst>
-      <p:ext uri="{BB962C8B-B14F-4D97-AF65-F5344CB8AC3E}">
-        <p14:creationId xmlns:p14="http://schemas.microsoft.com/office/powerpoint/2010/main" val="2995848117"/>
       </p:ext>
     </p:extLst>
   </p:cSld>

--- a/Java21-Presentation.pptx
+++ b/Java21-Presentation.pptx
@@ -223,7 +223,7 @@
           <a:p>
             <a:fld id="{7DCE309A-7A60-DC46-A116-E07ABADAD367}" type="datetimeFigureOut">
               <a:rPr lang="en-US" smtClean="0"/>
-              <a:t>11/14/23</a:t>
+              <a:t>11/15/23</a:t>
             </a:fld>
             <a:endParaRPr lang="en-US"/>
           </a:p>
@@ -1091,7 +1091,7 @@
           <a:p>
             <a:fld id="{97338A82-0D20-3D4A-B4B7-58B5112FF922}" type="slidenum">
               <a:rPr lang="en-US" smtClean="0"/>
-              <a:t>19</a:t>
+              <a:t>15</a:t>
             </a:fld>
             <a:endParaRPr lang="en-US"/>
           </a:p>
@@ -1100,7 +1100,7 @@
     </p:spTree>
     <p:extLst>
       <p:ext uri="{BB962C8B-B14F-4D97-AF65-F5344CB8AC3E}">
-        <p14:creationId xmlns:p14="http://schemas.microsoft.com/office/powerpoint/2010/main" val="3086876158"/>
+        <p14:creationId xmlns:p14="http://schemas.microsoft.com/office/powerpoint/2010/main" val="507114277"/>
       </p:ext>
     </p:extLst>
   </p:cSld>
@@ -1175,7 +1175,7 @@
           <a:p>
             <a:fld id="{97338A82-0D20-3D4A-B4B7-58B5112FF922}" type="slidenum">
               <a:rPr lang="en-US" smtClean="0"/>
-              <a:t>22</a:t>
+              <a:t>19</a:t>
             </a:fld>
             <a:endParaRPr lang="en-US"/>
           </a:p>
@@ -1184,7 +1184,7 @@
     </p:spTree>
     <p:extLst>
       <p:ext uri="{BB962C8B-B14F-4D97-AF65-F5344CB8AC3E}">
-        <p14:creationId xmlns:p14="http://schemas.microsoft.com/office/powerpoint/2010/main" val="672745388"/>
+        <p14:creationId xmlns:p14="http://schemas.microsoft.com/office/powerpoint/2010/main" val="3086876158"/>
       </p:ext>
     </p:extLst>
   </p:cSld>
@@ -1259,7 +1259,7 @@
           <a:p>
             <a:fld id="{97338A82-0D20-3D4A-B4B7-58B5112FF922}" type="slidenum">
               <a:rPr lang="en-US" smtClean="0"/>
-              <a:t>23</a:t>
+              <a:t>22</a:t>
             </a:fld>
             <a:endParaRPr lang="en-US"/>
           </a:p>
@@ -1268,7 +1268,7 @@
     </p:spTree>
     <p:extLst>
       <p:ext uri="{BB962C8B-B14F-4D97-AF65-F5344CB8AC3E}">
-        <p14:creationId xmlns:p14="http://schemas.microsoft.com/office/powerpoint/2010/main" val="1449500572"/>
+        <p14:creationId xmlns:p14="http://schemas.microsoft.com/office/powerpoint/2010/main" val="672745388"/>
       </p:ext>
     </p:extLst>
   </p:cSld>
@@ -1343,6 +1343,90 @@
           <a:p>
             <a:fld id="{97338A82-0D20-3D4A-B4B7-58B5112FF922}" type="slidenum">
               <a:rPr lang="en-US" smtClean="0"/>
+              <a:t>23</a:t>
+            </a:fld>
+            <a:endParaRPr lang="en-US"/>
+          </a:p>
+        </p:txBody>
+      </p:sp>
+    </p:spTree>
+    <p:extLst>
+      <p:ext uri="{BB962C8B-B14F-4D97-AF65-F5344CB8AC3E}">
+        <p14:creationId xmlns:p14="http://schemas.microsoft.com/office/powerpoint/2010/main" val="1449500572"/>
+      </p:ext>
+    </p:extLst>
+  </p:cSld>
+  <p:clrMapOvr>
+    <a:masterClrMapping/>
+  </p:clrMapOvr>
+</p:notes>
+</file>
+
+<file path=ppt/notesSlides/notesSlide17.xml><?xml version="1.0" encoding="utf-8"?>
+<p:notes xmlns:a="http://schemas.openxmlformats.org/drawingml/2006/main" xmlns:r="http://schemas.openxmlformats.org/officeDocument/2006/relationships" xmlns:p="http://schemas.openxmlformats.org/presentationml/2006/main">
+  <p:cSld>
+    <p:spTree>
+      <p:nvGrpSpPr>
+        <p:cNvPr id="1" name=""/>
+        <p:cNvGrpSpPr/>
+        <p:nvPr/>
+      </p:nvGrpSpPr>
+      <p:grpSpPr>
+        <a:xfrm>
+          <a:off x="0" y="0"/>
+          <a:ext cx="0" cy="0"/>
+          <a:chOff x="0" y="0"/>
+          <a:chExt cx="0" cy="0"/>
+        </a:xfrm>
+      </p:grpSpPr>
+      <p:sp>
+        <p:nvSpPr>
+          <p:cNvPr id="2" name="Slide Image Placeholder 1"/>
+          <p:cNvSpPr>
+            <a:spLocks noGrp="1" noRot="1" noChangeAspect="1"/>
+          </p:cNvSpPr>
+          <p:nvPr>
+            <p:ph type="sldImg"/>
+          </p:nvPr>
+        </p:nvSpPr>
+        <p:spPr/>
+      </p:sp>
+      <p:sp>
+        <p:nvSpPr>
+          <p:cNvPr id="3" name="Notes Placeholder 2"/>
+          <p:cNvSpPr>
+            <a:spLocks noGrp="1"/>
+          </p:cNvSpPr>
+          <p:nvPr>
+            <p:ph type="body" idx="1"/>
+          </p:nvPr>
+        </p:nvSpPr>
+        <p:spPr/>
+        <p:txBody>
+          <a:bodyPr/>
+          <a:lstStyle/>
+          <a:p>
+            <a:endParaRPr lang="en-US" dirty="0"/>
+          </a:p>
+        </p:txBody>
+      </p:sp>
+      <p:sp>
+        <p:nvSpPr>
+          <p:cNvPr id="4" name="Slide Number Placeholder 3"/>
+          <p:cNvSpPr>
+            <a:spLocks noGrp="1"/>
+          </p:cNvSpPr>
+          <p:nvPr>
+            <p:ph type="sldNum" sz="quarter" idx="5"/>
+          </p:nvPr>
+        </p:nvSpPr>
+        <p:spPr/>
+        <p:txBody>
+          <a:bodyPr/>
+          <a:lstStyle/>
+          <a:p>
+            <a:fld id="{97338A82-0D20-3D4A-B4B7-58B5112FF922}" type="slidenum">
+              <a:rPr lang="en-US" smtClean="0"/>
               <a:t>25</a:t>
             </a:fld>
             <a:endParaRPr lang="en-US"/>
@@ -1362,7 +1446,7 @@
 </p:notes>
 </file>
 
-<file path=ppt/notesSlides/notesSlide17.xml><?xml version="1.0" encoding="utf-8"?>
+<file path=ppt/notesSlides/notesSlide18.xml><?xml version="1.0" encoding="utf-8"?>
 <p:notes xmlns:a="http://schemas.openxmlformats.org/drawingml/2006/main" xmlns:r="http://schemas.openxmlformats.org/officeDocument/2006/relationships" xmlns:p="http://schemas.openxmlformats.org/presentationml/2006/main">
   <p:cSld>
     <p:spTree>
@@ -2457,7 +2541,7 @@
           <a:p>
             <a:fld id="{00B59761-C2A7-844A-B0A4-477EF3BF3F07}" type="datetimeFigureOut">
               <a:rPr lang="en-US" smtClean="0"/>
-              <a:t>11/14/23</a:t>
+              <a:t>11/15/23</a:t>
             </a:fld>
             <a:endParaRPr lang="en-US"/>
           </a:p>
@@ -2657,7 +2741,7 @@
           <a:p>
             <a:fld id="{00B59761-C2A7-844A-B0A4-477EF3BF3F07}" type="datetimeFigureOut">
               <a:rPr lang="en-US" smtClean="0"/>
-              <a:t>11/14/23</a:t>
+              <a:t>11/15/23</a:t>
             </a:fld>
             <a:endParaRPr lang="en-US"/>
           </a:p>
@@ -2867,7 +2951,7 @@
           <a:p>
             <a:fld id="{00B59761-C2A7-844A-B0A4-477EF3BF3F07}" type="datetimeFigureOut">
               <a:rPr lang="en-US" smtClean="0"/>
-              <a:t>11/14/23</a:t>
+              <a:t>11/15/23</a:t>
             </a:fld>
             <a:endParaRPr lang="en-US"/>
           </a:p>
@@ -3067,7 +3151,7 @@
           <a:p>
             <a:fld id="{00B59761-C2A7-844A-B0A4-477EF3BF3F07}" type="datetimeFigureOut">
               <a:rPr lang="en-US" smtClean="0"/>
-              <a:t>11/14/23</a:t>
+              <a:t>11/15/23</a:t>
             </a:fld>
             <a:endParaRPr lang="en-US"/>
           </a:p>
@@ -3343,7 +3427,7 @@
           <a:p>
             <a:fld id="{00B59761-C2A7-844A-B0A4-477EF3BF3F07}" type="datetimeFigureOut">
               <a:rPr lang="en-US" smtClean="0"/>
-              <a:t>11/14/23</a:t>
+              <a:t>11/15/23</a:t>
             </a:fld>
             <a:endParaRPr lang="en-US"/>
           </a:p>
@@ -3611,7 +3695,7 @@
           <a:p>
             <a:fld id="{00B59761-C2A7-844A-B0A4-477EF3BF3F07}" type="datetimeFigureOut">
               <a:rPr lang="en-US" smtClean="0"/>
-              <a:t>11/14/23</a:t>
+              <a:t>11/15/23</a:t>
             </a:fld>
             <a:endParaRPr lang="en-US"/>
           </a:p>
@@ -4026,7 +4110,7 @@
           <a:p>
             <a:fld id="{00B59761-C2A7-844A-B0A4-477EF3BF3F07}" type="datetimeFigureOut">
               <a:rPr lang="en-US" smtClean="0"/>
-              <a:t>11/14/23</a:t>
+              <a:t>11/15/23</a:t>
             </a:fld>
             <a:endParaRPr lang="en-US"/>
           </a:p>
@@ -4168,7 +4252,7 @@
           <a:p>
             <a:fld id="{00B59761-C2A7-844A-B0A4-477EF3BF3F07}" type="datetimeFigureOut">
               <a:rPr lang="en-US" smtClean="0"/>
-              <a:t>11/14/23</a:t>
+              <a:t>11/15/23</a:t>
             </a:fld>
             <a:endParaRPr lang="en-US"/>
           </a:p>
@@ -4281,7 +4365,7 @@
           <a:p>
             <a:fld id="{00B59761-C2A7-844A-B0A4-477EF3BF3F07}" type="datetimeFigureOut">
               <a:rPr lang="en-US" smtClean="0"/>
-              <a:t>11/14/23</a:t>
+              <a:t>11/15/23</a:t>
             </a:fld>
             <a:endParaRPr lang="en-US"/>
           </a:p>
@@ -4594,7 +4678,7 @@
           <a:p>
             <a:fld id="{00B59761-C2A7-844A-B0A4-477EF3BF3F07}" type="datetimeFigureOut">
               <a:rPr lang="en-US" smtClean="0"/>
-              <a:t>11/14/23</a:t>
+              <a:t>11/15/23</a:t>
             </a:fld>
             <a:endParaRPr lang="en-US"/>
           </a:p>
@@ -4883,7 +4967,7 @@
           <a:p>
             <a:fld id="{00B59761-C2A7-844A-B0A4-477EF3BF3F07}" type="datetimeFigureOut">
               <a:rPr lang="en-US" smtClean="0"/>
-              <a:t>11/14/23</a:t>
+              <a:t>11/15/23</a:t>
             </a:fld>
             <a:endParaRPr lang="en-US"/>
           </a:p>
@@ -5126,7 +5210,7 @@
           <a:p>
             <a:fld id="{00B59761-C2A7-844A-B0A4-477EF3BF3F07}" type="datetimeFigureOut">
               <a:rPr lang="en-US" smtClean="0"/>
-              <a:t>11/14/23</a:t>
+              <a:t>11/15/23</a:t>
             </a:fld>
             <a:endParaRPr lang="en-US"/>
           </a:p>
@@ -7831,6 +7915,52 @@
           </a:prstGeom>
         </p:spPr>
       </p:pic>
+      <p:sp>
+        <p:nvSpPr>
+          <p:cNvPr id="3" name="TextBox 2">
+            <a:extLst>
+              <a:ext uri="{FF2B5EF4-FFF2-40B4-BE49-F238E27FC236}">
+                <a16:creationId xmlns:a16="http://schemas.microsoft.com/office/drawing/2014/main" id="{969B82DB-2B2E-4906-2EAE-CD57B854FE18}"/>
+              </a:ext>
+            </a:extLst>
+          </p:cNvPr>
+          <p:cNvSpPr txBox="1"/>
+          <p:nvPr/>
+        </p:nvSpPr>
+        <p:spPr>
+          <a:xfrm>
+            <a:off x="5054888" y="4462206"/>
+            <a:ext cx="2714036" cy="461665"/>
+          </a:xfrm>
+          <a:prstGeom prst="rect">
+            <a:avLst/>
+          </a:prstGeom>
+          <a:noFill/>
+        </p:spPr>
+        <p:txBody>
+          <a:bodyPr wrap="square" rtlCol="0">
+            <a:spAutoFit/>
+          </a:bodyPr>
+          <a:lstStyle/>
+          <a:p>
+            <a:r>
+              <a:rPr lang="en-GB" sz="2400" i="1" dirty="0" err="1">
+                <a:solidFill>
+                  <a:srgbClr val="002060"/>
+                </a:solidFill>
+                <a:effectLst/>
+              </a:rPr>
+              <a:t>java.util</a:t>
+            </a:r>
+            <a:endParaRPr lang="en-GB" sz="2400" i="1" dirty="0">
+              <a:solidFill>
+                <a:srgbClr val="002060"/>
+              </a:solidFill>
+              <a:effectLst/>
+            </a:endParaRPr>
+          </a:p>
+        </p:txBody>
+      </p:sp>
     </p:spTree>
     <p:extLst>
       <p:ext uri="{BB962C8B-B14F-4D97-AF65-F5344CB8AC3E}">
@@ -9295,7 +9425,7 @@
           <p:nvPr/>
         </p:nvPicPr>
         <p:blipFill>
-          <a:blip r:embed="rId2"/>
+          <a:blip r:embed="rId3"/>
           <a:stretch>
             <a:fillRect/>
           </a:stretch>
@@ -9352,6 +9482,52 @@
             <a:endParaRPr lang="en-US" sz="2800" dirty="0">
               <a:latin typeface="Calibri" panose="020F0502020204030204" pitchFamily="34" charset="0"/>
               <a:cs typeface="Calibri" panose="020F0502020204030204" pitchFamily="34" charset="0"/>
+            </a:endParaRPr>
+          </a:p>
+        </p:txBody>
+      </p:sp>
+      <p:sp>
+        <p:nvSpPr>
+          <p:cNvPr id="2" name="TextBox 1">
+            <a:extLst>
+              <a:ext uri="{FF2B5EF4-FFF2-40B4-BE49-F238E27FC236}">
+                <a16:creationId xmlns:a16="http://schemas.microsoft.com/office/drawing/2014/main" id="{CD4BDA28-BA2C-CE5D-B10C-6F0DC8D5D698}"/>
+              </a:ext>
+            </a:extLst>
+          </p:cNvPr>
+          <p:cNvSpPr txBox="1"/>
+          <p:nvPr/>
+        </p:nvSpPr>
+        <p:spPr>
+          <a:xfrm>
+            <a:off x="5071064" y="6245776"/>
+            <a:ext cx="2714036" cy="461665"/>
+          </a:xfrm>
+          <a:prstGeom prst="rect">
+            <a:avLst/>
+          </a:prstGeom>
+          <a:noFill/>
+        </p:spPr>
+        <p:txBody>
+          <a:bodyPr wrap="square" rtlCol="0">
+            <a:spAutoFit/>
+          </a:bodyPr>
+          <a:lstStyle/>
+          <a:p>
+            <a:r>
+              <a:rPr lang="en-GB" sz="2400" i="1" dirty="0" err="1">
+                <a:solidFill>
+                  <a:srgbClr val="002060"/>
+                </a:solidFill>
+                <a:effectLst/>
+              </a:rPr>
+              <a:t>javax.crypto</a:t>
+            </a:r>
+            <a:endParaRPr lang="en-GB" sz="2400" i="1" dirty="0">
+              <a:solidFill>
+                <a:srgbClr val="002060"/>
+              </a:solidFill>
+              <a:effectLst/>
             </a:endParaRPr>
           </a:p>
         </p:txBody>
@@ -16661,6 +16837,15 @@
           <a:lstStyle/>
           <a:p>
             <a:r>
+              <a:rPr lang="en-GB" dirty="0">
+                <a:solidFill>
+                  <a:srgbClr val="0033B3"/>
+                </a:solidFill>
+                <a:effectLst/>
+              </a:rPr>
+              <a:t>JEP 442.</a:t>
+            </a:r>
+            <a:r>
               <a:rPr lang="en-GB" b="1" i="0" dirty="0">
                 <a:effectLst/>
                 <a:latin typeface="Calibri" panose="020F0502020204030204" pitchFamily="34" charset="0"/>
@@ -16716,11 +16901,88 @@
               <a:t> to invoke code from outside the JVM (e.g. C Libraries)</a:t>
             </a:r>
           </a:p>
-          <a:p>
-            <a:r>
-              <a:rPr lang="en-US" sz="2000" b="1" i="1" dirty="0"/>
-              <a:t>To be continued …</a:t>
-            </a:r>
+        </p:txBody>
+      </p:sp>
+      <p:pic>
+        <p:nvPicPr>
+          <p:cNvPr id="3" name="Picture 2" descr="A screenshot of a computer program&#10;&#10;Description automatically generated">
+            <a:extLst>
+              <a:ext uri="{FF2B5EF4-FFF2-40B4-BE49-F238E27FC236}">
+                <a16:creationId xmlns:a16="http://schemas.microsoft.com/office/drawing/2014/main" id="{3C4A0F01-E219-C6F6-DCCE-0A70907D57D7}"/>
+              </a:ext>
+            </a:extLst>
+          </p:cNvPr>
+          <p:cNvPicPr>
+            <a:picLocks noChangeAspect="1"/>
+          </p:cNvPicPr>
+          <p:nvPr/>
+        </p:nvPicPr>
+        <p:blipFill>
+          <a:blip r:embed="rId2"/>
+          <a:stretch>
+            <a:fillRect/>
+          </a:stretch>
+        </p:blipFill>
+        <p:spPr>
+          <a:xfrm>
+            <a:off x="2433917" y="2349103"/>
+            <a:ext cx="9222096" cy="4143771"/>
+          </a:xfrm>
+          <a:prstGeom prst="rect">
+            <a:avLst/>
+          </a:prstGeom>
+        </p:spPr>
+      </p:pic>
+      <p:sp>
+        <p:nvSpPr>
+          <p:cNvPr id="6" name="TextBox 5">
+            <a:extLst>
+              <a:ext uri="{FF2B5EF4-FFF2-40B4-BE49-F238E27FC236}">
+                <a16:creationId xmlns:a16="http://schemas.microsoft.com/office/drawing/2014/main" id="{46E1260F-6F3B-39D2-A285-CA6E0356A2E0}"/>
+              </a:ext>
+            </a:extLst>
+          </p:cNvPr>
+          <p:cNvSpPr txBox="1"/>
+          <p:nvPr/>
+        </p:nvSpPr>
+        <p:spPr>
+          <a:xfrm>
+            <a:off x="2528794" y="6325054"/>
+            <a:ext cx="3173506" cy="830997"/>
+          </a:xfrm>
+          <a:prstGeom prst="rect">
+            <a:avLst/>
+          </a:prstGeom>
+          <a:noFill/>
+        </p:spPr>
+        <p:txBody>
+          <a:bodyPr wrap="square" rtlCol="0">
+            <a:spAutoFit/>
+          </a:bodyPr>
+          <a:lstStyle/>
+          <a:p>
+            <a:r>
+              <a:rPr lang="en-GB" sz="2400" i="1" dirty="0" err="1">
+                <a:solidFill>
+                  <a:srgbClr val="002060"/>
+                </a:solidFill>
+                <a:effectLst/>
+              </a:rPr>
+              <a:t>java.lang.foreign</a:t>
+            </a:r>
+            <a:endParaRPr lang="en-GB" sz="2400" i="1" dirty="0">
+              <a:solidFill>
+                <a:srgbClr val="002060"/>
+              </a:solidFill>
+              <a:effectLst/>
+            </a:endParaRPr>
+          </a:p>
+          <a:p>
+            <a:endParaRPr lang="en-US" sz="2400" i="1" dirty="0">
+              <a:solidFill>
+                <a:srgbClr val="002060"/>
+              </a:solidFill>
+            </a:endParaRPr>
           </a:p>
         </p:txBody>
       </p:sp>
@@ -25410,7 +25672,7 @@
         <p:spPr>
           <a:xfrm>
             <a:off x="443754" y="2429499"/>
-            <a:ext cx="4607708" cy="2677656"/>
+            <a:ext cx="4607708" cy="3416320"/>
           </a:xfrm>
           <a:prstGeom prst="rect">
             <a:avLst/>
@@ -25450,6 +25712,16 @@
             <a:r>
               <a:rPr lang="en-US" sz="2400" dirty="0"/>
               <a:t>JVM Design changes</a:t>
+            </a:r>
+          </a:p>
+          <a:p>
+            <a:pPr marL="342900" indent="-342900">
+              <a:buFont typeface="Arial" panose="020B0604020202020204" pitchFamily="34" charset="0"/>
+              <a:buChar char="•"/>
+            </a:pPr>
+            <a:r>
+              <a:rPr lang="en-US" sz="2400" dirty="0"/>
+              <a:t>Pseudo Random Number Generator Improvements</a:t>
             </a:r>
           </a:p>
           <a:p>

--- a/Java21-Presentation.pptx
+++ b/Java21-Presentation.pptx
@@ -223,7 +223,7 @@
           <a:p>
             <a:fld id="{7DCE309A-7A60-DC46-A116-E07ABADAD367}" type="datetimeFigureOut">
               <a:rPr lang="en-US" smtClean="0"/>
-              <a:t>11/15/23</a:t>
+              <a:t>1/11/24</a:t>
             </a:fld>
             <a:endParaRPr lang="en-US"/>
           </a:p>
@@ -2541,7 +2541,7 @@
           <a:p>
             <a:fld id="{00B59761-C2A7-844A-B0A4-477EF3BF3F07}" type="datetimeFigureOut">
               <a:rPr lang="en-US" smtClean="0"/>
-              <a:t>11/15/23</a:t>
+              <a:t>1/11/24</a:t>
             </a:fld>
             <a:endParaRPr lang="en-US"/>
           </a:p>
@@ -2741,7 +2741,7 @@
           <a:p>
             <a:fld id="{00B59761-C2A7-844A-B0A4-477EF3BF3F07}" type="datetimeFigureOut">
               <a:rPr lang="en-US" smtClean="0"/>
-              <a:t>11/15/23</a:t>
+              <a:t>1/11/24</a:t>
             </a:fld>
             <a:endParaRPr lang="en-US"/>
           </a:p>
@@ -2951,7 +2951,7 @@
           <a:p>
             <a:fld id="{00B59761-C2A7-844A-B0A4-477EF3BF3F07}" type="datetimeFigureOut">
               <a:rPr lang="en-US" smtClean="0"/>
-              <a:t>11/15/23</a:t>
+              <a:t>1/11/24</a:t>
             </a:fld>
             <a:endParaRPr lang="en-US"/>
           </a:p>
@@ -3151,7 +3151,7 @@
           <a:p>
             <a:fld id="{00B59761-C2A7-844A-B0A4-477EF3BF3F07}" type="datetimeFigureOut">
               <a:rPr lang="en-US" smtClean="0"/>
-              <a:t>11/15/23</a:t>
+              <a:t>1/11/24</a:t>
             </a:fld>
             <a:endParaRPr lang="en-US"/>
           </a:p>
@@ -3427,7 +3427,7 @@
           <a:p>
             <a:fld id="{00B59761-C2A7-844A-B0A4-477EF3BF3F07}" type="datetimeFigureOut">
               <a:rPr lang="en-US" smtClean="0"/>
-              <a:t>11/15/23</a:t>
+              <a:t>1/11/24</a:t>
             </a:fld>
             <a:endParaRPr lang="en-US"/>
           </a:p>
@@ -3695,7 +3695,7 @@
           <a:p>
             <a:fld id="{00B59761-C2A7-844A-B0A4-477EF3BF3F07}" type="datetimeFigureOut">
               <a:rPr lang="en-US" smtClean="0"/>
-              <a:t>11/15/23</a:t>
+              <a:t>1/11/24</a:t>
             </a:fld>
             <a:endParaRPr lang="en-US"/>
           </a:p>
@@ -4110,7 +4110,7 @@
           <a:p>
             <a:fld id="{00B59761-C2A7-844A-B0A4-477EF3BF3F07}" type="datetimeFigureOut">
               <a:rPr lang="en-US" smtClean="0"/>
-              <a:t>11/15/23</a:t>
+              <a:t>1/11/24</a:t>
             </a:fld>
             <a:endParaRPr lang="en-US"/>
           </a:p>
@@ -4252,7 +4252,7 @@
           <a:p>
             <a:fld id="{00B59761-C2A7-844A-B0A4-477EF3BF3F07}" type="datetimeFigureOut">
               <a:rPr lang="en-US" smtClean="0"/>
-              <a:t>11/15/23</a:t>
+              <a:t>1/11/24</a:t>
             </a:fld>
             <a:endParaRPr lang="en-US"/>
           </a:p>
@@ -4365,7 +4365,7 @@
           <a:p>
             <a:fld id="{00B59761-C2A7-844A-B0A4-477EF3BF3F07}" type="datetimeFigureOut">
               <a:rPr lang="en-US" smtClean="0"/>
-              <a:t>11/15/23</a:t>
+              <a:t>1/11/24</a:t>
             </a:fld>
             <a:endParaRPr lang="en-US"/>
           </a:p>
@@ -4678,7 +4678,7 @@
           <a:p>
             <a:fld id="{00B59761-C2A7-844A-B0A4-477EF3BF3F07}" type="datetimeFigureOut">
               <a:rPr lang="en-US" smtClean="0"/>
-              <a:t>11/15/23</a:t>
+              <a:t>1/11/24</a:t>
             </a:fld>
             <a:endParaRPr lang="en-US"/>
           </a:p>
@@ -4967,7 +4967,7 @@
           <a:p>
             <a:fld id="{00B59761-C2A7-844A-B0A4-477EF3BF3F07}" type="datetimeFigureOut">
               <a:rPr lang="en-US" smtClean="0"/>
-              <a:t>11/15/23</a:t>
+              <a:t>1/11/24</a:t>
             </a:fld>
             <a:endParaRPr lang="en-US"/>
           </a:p>
@@ -5210,7 +5210,7 @@
           <a:p>
             <a:fld id="{00B59761-C2A7-844A-B0A4-477EF3BF3F07}" type="datetimeFigureOut">
               <a:rPr lang="en-US" smtClean="0"/>
-              <a:t>11/15/23</a:t>
+              <a:t>1/11/24</a:t>
             </a:fld>
             <a:endParaRPr lang="en-US"/>
           </a:p>
@@ -18231,7 +18231,7 @@
         </p:nvSpPr>
         <p:spPr>
           <a:xfrm>
-            <a:off x="814934" y="1499616"/>
+            <a:off x="826566" y="1570192"/>
             <a:ext cx="10538867" cy="4645073"/>
           </a:xfrm>
         </p:spPr>
@@ -18246,8 +18246,13 @@
             </a:pPr>
             <a:r>
               <a:rPr lang="en-US" sz="2000" b="1" i="1" dirty="0"/>
-              <a:t>To be continued …</a:t>
-            </a:r>
+              <a:t>To be continued … we’ll see </a:t>
+            </a:r>
+            <a:r>
+              <a:rPr lang="en-US" sz="2000" b="1" i="1"/>
+              <a:t>I guess</a:t>
+            </a:r>
+            <a:endParaRPr lang="en-US" sz="2000" b="1" i="1" dirty="0"/>
           </a:p>
           <a:p>
             <a:endParaRPr lang="en-US" sz="2000" dirty="0"/>
